--- a/Documents/Sparse representation-DangKhacToan.pptx
+++ b/Documents/Sparse representation-DangKhacToan.pptx
@@ -6,7 +6,7 @@
     <p:sldMasterId id="2147483887" r:id="rId2"/>
   </p:sldMasterIdLst>
   <p:notesMasterIdLst>
-    <p:notesMasterId r:id="rId21"/>
+    <p:notesMasterId r:id="rId26"/>
   </p:notesMasterIdLst>
   <p:sldIdLst>
     <p:sldId id="256" r:id="rId3"/>
@@ -23,10 +23,15 @@
     <p:sldId id="266" r:id="rId14"/>
     <p:sldId id="282" r:id="rId15"/>
     <p:sldId id="267" r:id="rId16"/>
-    <p:sldId id="268" r:id="rId17"/>
-    <p:sldId id="269" r:id="rId18"/>
-    <p:sldId id="271" r:id="rId19"/>
-    <p:sldId id="274" r:id="rId20"/>
+    <p:sldId id="283" r:id="rId17"/>
+    <p:sldId id="284" r:id="rId18"/>
+    <p:sldId id="285" r:id="rId19"/>
+    <p:sldId id="286" r:id="rId20"/>
+    <p:sldId id="287" r:id="rId21"/>
+    <p:sldId id="288" r:id="rId22"/>
+    <p:sldId id="289" r:id="rId23"/>
+    <p:sldId id="269" r:id="rId24"/>
+    <p:sldId id="274" r:id="rId25"/>
   </p:sldIdLst>
   <p:sldSz cx="12192000" cy="6858000"/>
   <p:notesSz cx="6858000" cy="9144000"/>
@@ -215,7 +220,7 @@
           <a:p>
             <a:fld id="{14641362-0CCB-4D2C-9AB2-B32328E8BDA6}" type="datetimeFigureOut">
               <a:rPr lang="en-US" smtClean="0"/>
-              <a:t>25-May-18</a:t>
+              <a:t>26-May-18</a:t>
             </a:fld>
             <a:endParaRPr lang="en-US"/>
           </a:p>
@@ -5762,7 +5767,7 @@
           <a:p>
             <a:fld id="{5D7D7629-532F-418C-8977-C5888154CE4E}" type="datetimeFigureOut">
               <a:rPr lang="en-US" smtClean="0"/>
-              <a:t>25-May-18</a:t>
+              <a:t>26-May-18</a:t>
             </a:fld>
             <a:endParaRPr lang="en-US"/>
           </a:p>
@@ -6024,7 +6029,7 @@
           <a:p>
             <a:fld id="{5D7D7629-532F-418C-8977-C5888154CE4E}" type="datetimeFigureOut">
               <a:rPr lang="en-US" smtClean="0"/>
-              <a:t>25-May-18</a:t>
+              <a:t>26-May-18</a:t>
             </a:fld>
             <a:endParaRPr lang="en-US"/>
           </a:p>
@@ -6259,7 +6264,7 @@
           <a:p>
             <a:fld id="{5D7D7629-532F-418C-8977-C5888154CE4E}" type="datetimeFigureOut">
               <a:rPr lang="en-US" smtClean="0"/>
-              <a:t>25-May-18</a:t>
+              <a:t>26-May-18</a:t>
             </a:fld>
             <a:endParaRPr lang="en-US"/>
           </a:p>
@@ -6488,7 +6493,7 @@
           <a:p>
             <a:fld id="{5D7D7629-532F-418C-8977-C5888154CE4E}" type="datetimeFigureOut">
               <a:rPr lang="en-US" smtClean="0"/>
-              <a:t>25-May-18</a:t>
+              <a:t>26-May-18</a:t>
             </a:fld>
             <a:endParaRPr lang="en-US"/>
           </a:p>
@@ -6686,7 +6691,7 @@
           <a:p>
             <a:fld id="{5D7D7629-532F-418C-8977-C5888154CE4E}" type="datetimeFigureOut">
               <a:rPr lang="en-US" smtClean="0"/>
-              <a:t>25-May-18</a:t>
+              <a:t>26-May-18</a:t>
             </a:fld>
             <a:endParaRPr lang="en-US"/>
           </a:p>
@@ -6961,7 +6966,7 @@
           <a:p>
             <a:fld id="{5D7D7629-532F-418C-8977-C5888154CE4E}" type="datetimeFigureOut">
               <a:rPr lang="en-US" smtClean="0"/>
-              <a:t>25-May-18</a:t>
+              <a:t>26-May-18</a:t>
             </a:fld>
             <a:endParaRPr lang="en-US"/>
           </a:p>
@@ -7226,7 +7231,7 @@
           <a:p>
             <a:fld id="{5D7D7629-532F-418C-8977-C5888154CE4E}" type="datetimeFigureOut">
               <a:rPr lang="en-US" smtClean="0"/>
-              <a:t>25-May-18</a:t>
+              <a:t>26-May-18</a:t>
             </a:fld>
             <a:endParaRPr lang="en-US"/>
           </a:p>
@@ -7638,7 +7643,7 @@
           <a:p>
             <a:fld id="{5D7D7629-532F-418C-8977-C5888154CE4E}" type="datetimeFigureOut">
               <a:rPr lang="en-US" smtClean="0"/>
-              <a:t>25-May-18</a:t>
+              <a:t>26-May-18</a:t>
             </a:fld>
             <a:endParaRPr lang="en-US"/>
           </a:p>
@@ -7779,7 +7784,7 @@
           <a:p>
             <a:fld id="{5D7D7629-532F-418C-8977-C5888154CE4E}" type="datetimeFigureOut">
               <a:rPr lang="en-US" smtClean="0"/>
-              <a:t>25-May-18</a:t>
+              <a:t>26-May-18</a:t>
             </a:fld>
             <a:endParaRPr lang="en-US"/>
           </a:p>
@@ -7892,7 +7897,7 @@
           <a:p>
             <a:fld id="{5D7D7629-532F-418C-8977-C5888154CE4E}" type="datetimeFigureOut">
               <a:rPr lang="en-US" smtClean="0"/>
-              <a:t>25-May-18</a:t>
+              <a:t>26-May-18</a:t>
             </a:fld>
             <a:endParaRPr lang="en-US"/>
           </a:p>
@@ -8203,7 +8208,7 @@
           <a:p>
             <a:fld id="{5D7D7629-532F-418C-8977-C5888154CE4E}" type="datetimeFigureOut">
               <a:rPr lang="en-US" smtClean="0"/>
-              <a:t>25-May-18</a:t>
+              <a:t>26-May-18</a:t>
             </a:fld>
             <a:endParaRPr lang="en-US"/>
           </a:p>
@@ -8434,7 +8439,7 @@
           <a:p>
             <a:fld id="{5D7D7629-532F-418C-8977-C5888154CE4E}" type="datetimeFigureOut">
               <a:rPr lang="en-US" smtClean="0"/>
-              <a:t>25-May-18</a:t>
+              <a:t>26-May-18</a:t>
             </a:fld>
             <a:endParaRPr lang="en-US"/>
           </a:p>
@@ -8715,7 +8720,7 @@
           <a:p>
             <a:fld id="{5D7D7629-532F-418C-8977-C5888154CE4E}" type="datetimeFigureOut">
               <a:rPr lang="en-US" smtClean="0"/>
-              <a:t>25-May-18</a:t>
+              <a:t>26-May-18</a:t>
             </a:fld>
             <a:endParaRPr lang="en-US"/>
           </a:p>
@@ -8913,7 +8918,7 @@
           <a:p>
             <a:fld id="{5D7D7629-532F-418C-8977-C5888154CE4E}" type="datetimeFigureOut">
               <a:rPr lang="en-US" smtClean="0"/>
-              <a:t>25-May-18</a:t>
+              <a:t>26-May-18</a:t>
             </a:fld>
             <a:endParaRPr lang="en-US"/>
           </a:p>
@@ -9121,7 +9126,7 @@
           <a:p>
             <a:fld id="{5D7D7629-532F-418C-8977-C5888154CE4E}" type="datetimeFigureOut">
               <a:rPr lang="en-US" smtClean="0"/>
-              <a:t>25-May-18</a:t>
+              <a:t>26-May-18</a:t>
             </a:fld>
             <a:endParaRPr lang="en-US"/>
           </a:p>
@@ -9435,7 +9440,7 @@
           <a:p>
             <a:fld id="{5D7D7629-532F-418C-8977-C5888154CE4E}" type="datetimeFigureOut">
               <a:rPr lang="en-US" smtClean="0"/>
-              <a:t>25-May-18</a:t>
+              <a:t>26-May-18</a:t>
             </a:fld>
             <a:endParaRPr lang="en-US"/>
           </a:p>
@@ -9737,7 +9742,7 @@
           <a:p>
             <a:fld id="{5D7D7629-532F-418C-8977-C5888154CE4E}" type="datetimeFigureOut">
               <a:rPr lang="en-US" smtClean="0"/>
-              <a:t>25-May-18</a:t>
+              <a:t>26-May-18</a:t>
             </a:fld>
             <a:endParaRPr lang="en-US"/>
           </a:p>
@@ -10159,7 +10164,7 @@
           <a:p>
             <a:fld id="{5D7D7629-532F-418C-8977-C5888154CE4E}" type="datetimeFigureOut">
               <a:rPr lang="en-US" smtClean="0"/>
-              <a:t>25-May-18</a:t>
+              <a:t>26-May-18</a:t>
             </a:fld>
             <a:endParaRPr lang="en-US"/>
           </a:p>
@@ -10254,7 +10259,7 @@
           <a:p>
             <a:fld id="{5D7D7629-532F-418C-8977-C5888154CE4E}" type="datetimeFigureOut">
               <a:rPr lang="en-US" smtClean="0"/>
-              <a:t>25-May-18</a:t>
+              <a:t>26-May-18</a:t>
             </a:fld>
             <a:endParaRPr lang="en-US"/>
           </a:p>
@@ -10416,7 +10421,7 @@
           <a:p>
             <a:fld id="{5D7D7629-532F-418C-8977-C5888154CE4E}" type="datetimeFigureOut">
               <a:rPr lang="en-US" smtClean="0"/>
-              <a:t>25-May-18</a:t>
+              <a:t>26-May-18</a:t>
             </a:fld>
             <a:endParaRPr lang="en-US"/>
           </a:p>
@@ -10794,7 +10799,7 @@
           <a:p>
             <a:fld id="{5D7D7629-532F-418C-8977-C5888154CE4E}" type="datetimeFigureOut">
               <a:rPr lang="en-US" smtClean="0"/>
-              <a:t>25-May-18</a:t>
+              <a:t>26-May-18</a:t>
             </a:fld>
             <a:endParaRPr lang="en-US"/>
           </a:p>
@@ -11083,7 +11088,7 @@
           <a:p>
             <a:fld id="{5D7D7629-532F-418C-8977-C5888154CE4E}" type="datetimeFigureOut">
               <a:rPr lang="en-US" smtClean="0"/>
-              <a:t>25-May-18</a:t>
+              <a:t>26-May-18</a:t>
             </a:fld>
             <a:endParaRPr lang="en-US"/>
           </a:p>
@@ -11294,7 +11299,7 @@
           <a:p>
             <a:fld id="{5D7D7629-532F-418C-8977-C5888154CE4E}" type="datetimeFigureOut">
               <a:rPr lang="en-US" smtClean="0"/>
-              <a:t>25-May-18</a:t>
+              <a:t>26-May-18</a:t>
             </a:fld>
             <a:endParaRPr lang="en-US"/>
           </a:p>
@@ -12046,7 +12051,7 @@
           <a:p>
             <a:fld id="{5D7D7629-532F-418C-8977-C5888154CE4E}" type="datetimeFigureOut">
               <a:rPr lang="en-US" smtClean="0"/>
-              <a:t>25-May-18</a:t>
+              <a:t>26-May-18</a:t>
             </a:fld>
             <a:endParaRPr lang="en-US"/>
           </a:p>
@@ -13010,8 +13015,8 @@
           </a:p>
         </p:txBody>
       </p:sp>
-      <mc:AlternateContent xmlns:mc="http://schemas.openxmlformats.org/markup-compatibility/2006">
-        <mc:Choice xmlns:a14="http://schemas.microsoft.com/office/drawing/2010/main" Requires="a14">
+      <mc:AlternateContent xmlns:mc="http://schemas.openxmlformats.org/markup-compatibility/2006" xmlns:a14="http://schemas.microsoft.com/office/drawing/2010/main">
+        <mc:Choice Requires="a14">
           <p:sp>
             <p:nvSpPr>
               <p:cNvPr id="3" name="Content Placeholder 2">
@@ -14494,7 +14499,7 @@
             </p:txBody>
           </p:sp>
         </mc:Choice>
-        <mc:Fallback>
+        <mc:Fallback xmlns="">
           <p:sp>
             <p:nvSpPr>
               <p:cNvPr id="3" name="Content Placeholder 2">
@@ -14629,8 +14634,8 @@
           </a:p>
         </p:txBody>
       </p:sp>
-      <mc:AlternateContent xmlns:mc="http://schemas.openxmlformats.org/markup-compatibility/2006">
-        <mc:Choice xmlns:a14="http://schemas.microsoft.com/office/drawing/2010/main" Requires="a14">
+      <mc:AlternateContent xmlns:mc="http://schemas.openxmlformats.org/markup-compatibility/2006" xmlns:a14="http://schemas.microsoft.com/office/drawing/2010/main">
+        <mc:Choice Requires="a14">
           <p:sp>
             <p:nvSpPr>
               <p:cNvPr id="3" name="Content Placeholder 2">
@@ -15945,7 +15950,7 @@
             </p:txBody>
           </p:sp>
         </mc:Choice>
-        <mc:Fallback>
+        <mc:Fallback xmlns="">
           <p:sp>
             <p:nvSpPr>
               <p:cNvPr id="3" name="Content Placeholder 2">
@@ -16080,8 +16085,8 @@
           </a:p>
         </p:txBody>
       </p:sp>
-      <mc:AlternateContent xmlns:mc="http://schemas.openxmlformats.org/markup-compatibility/2006">
-        <mc:Choice xmlns:a14="http://schemas.microsoft.com/office/drawing/2010/main" Requires="a14">
+      <mc:AlternateContent xmlns:mc="http://schemas.openxmlformats.org/markup-compatibility/2006" xmlns:a14="http://schemas.microsoft.com/office/drawing/2010/main">
+        <mc:Choice Requires="a14">
           <p:sp>
             <p:nvSpPr>
               <p:cNvPr id="3" name="Content Placeholder 2">
@@ -16900,7 +16905,7 @@
             </p:txBody>
           </p:sp>
         </mc:Choice>
-        <mc:Fallback>
+        <mc:Fallback xmlns="">
           <p:sp>
             <p:nvSpPr>
               <p:cNvPr id="3" name="Content Placeholder 2">
@@ -18291,7 +18296,9 @@
                 <a14:m>
                   <m:oMath xmlns:m="http://schemas.openxmlformats.org/officeDocument/2006/math">
                     <m:r>
-                      <a:rPr lang="vi-VN" sz="2400" i="1"/>
+                      <a:rPr lang="vi-VN" sz="2400" i="1">
+                        <a:latin typeface="Cambria Math" panose="02040503050406030204" pitchFamily="18" charset="0"/>
+                      </a:rPr>
                       <m:t>𝑦</m:t>
                     </m:r>
                   </m:oMath>
@@ -18306,11 +18313,15 @@
                 <a14:m>
                   <m:oMath xmlns:m="http://schemas.openxmlformats.org/officeDocument/2006/math">
                     <m:r>
-                      <a:rPr lang="en-US" sz="2400" i="1"/>
+                      <a:rPr lang="en-US" sz="2400" i="1">
+                        <a:latin typeface="Cambria Math" panose="02040503050406030204" pitchFamily="18" charset="0"/>
+                      </a:rPr>
                       <m:t> </m:t>
                     </m:r>
                     <m:r>
-                      <a:rPr lang="en-US" sz="2400" i="1"/>
+                      <a:rPr lang="en-US" sz="2400" i="1">
+                        <a:latin typeface="Cambria Math" panose="02040503050406030204" pitchFamily="18" charset="0"/>
+                      </a:rPr>
                       <m:t>𝛿</m:t>
                     </m:r>
                   </m:oMath>
@@ -18335,25 +18346,33 @@
                       <m:accPr>
                         <m:chr m:val="̂"/>
                         <m:ctrlPr>
-                          <a:rPr lang="en-US" sz="2400" i="1"/>
+                          <a:rPr lang="en-US" sz="2400" i="1">
+                            <a:latin typeface="Cambria Math" panose="02040503050406030204" pitchFamily="18" charset="0"/>
+                          </a:rPr>
                         </m:ctrlPr>
                       </m:accPr>
                       <m:e>
                         <m:sSub>
                           <m:sSubPr>
                             <m:ctrlPr>
-                              <a:rPr lang="en-US" sz="2400" i="1"/>
+                              <a:rPr lang="en-US" sz="2400" i="1">
+                                <a:latin typeface="Cambria Math" panose="02040503050406030204" pitchFamily="18" charset="0"/>
+                              </a:rPr>
                             </m:ctrlPr>
                           </m:sSubPr>
                           <m:e>
                             <m:r>
-                              <a:rPr lang="vi-VN" sz="2400" i="1"/>
+                              <a:rPr lang="vi-VN" sz="2400" i="1">
+                                <a:latin typeface="Cambria Math" panose="02040503050406030204" pitchFamily="18" charset="0"/>
+                              </a:rPr>
                               <m:t>𝑥</m:t>
                             </m:r>
                           </m:e>
                           <m:sub>
                             <m:r>
-                              <a:rPr lang="vi-VN" sz="2400" i="1"/>
+                              <a:rPr lang="vi-VN" sz="2400" i="1">
+                                <a:latin typeface="Cambria Math" panose="02040503050406030204" pitchFamily="18" charset="0"/>
+                              </a:rPr>
                               <m:t>1</m:t>
                             </m:r>
                           </m:sub>
@@ -18395,7 +18414,7 @@
                     <a:latin typeface="Times New Roman" panose="02020603050405020304" pitchFamily="18" charset="0"/>
                     <a:cs typeface="Times New Roman" panose="02020603050405020304" pitchFamily="18" charset="0"/>
                   </a:rPr>
-                  <a:t> i = 1, …,k.</a:t>
+                  <a:t> i = 1, …, k.</a:t>
                 </a:r>
               </a:p>
               <a:p>
@@ -18649,61 +18668,15 @@
           <a:p>
             <a:pPr marL="514350" indent="-514350">
               <a:buFont typeface="+mj-lt"/>
-              <a:buAutoNum type="romanUcPeriod" startAt="5"/>
+              <a:buAutoNum type="romanUcPeriod" startAt="3"/>
             </a:pPr>
             <a:r>
-              <a:rPr lang="en-US" sz="2400" b="1" dirty="0" err="1">
-                <a:latin typeface="Times New Roman" panose="02020603050405020304" pitchFamily="18" charset="0"/>
-                <a:cs typeface="Times New Roman" panose="02020603050405020304" pitchFamily="18" charset="0"/>
-              </a:rPr>
-              <a:t>Thực</a:t>
-            </a:r>
-            <a:r>
-              <a:rPr lang="en-US" sz="2400" b="1" dirty="0">
-                <a:latin typeface="Times New Roman" panose="02020603050405020304" pitchFamily="18" charset="0"/>
-                <a:cs typeface="Times New Roman" panose="02020603050405020304" pitchFamily="18" charset="0"/>
-              </a:rPr>
-              <a:t> </a:t>
-            </a:r>
-            <a:r>
-              <a:rPr lang="en-US" sz="2400" b="1" dirty="0" err="1">
-                <a:latin typeface="Times New Roman" panose="02020603050405020304" pitchFamily="18" charset="0"/>
-                <a:cs typeface="Times New Roman" panose="02020603050405020304" pitchFamily="18" charset="0"/>
-              </a:rPr>
-              <a:t>nghiệm</a:t>
-            </a:r>
-            <a:r>
-              <a:rPr lang="en-US" sz="2400" b="1" dirty="0">
-                <a:latin typeface="Times New Roman" panose="02020603050405020304" pitchFamily="18" charset="0"/>
-                <a:cs typeface="Times New Roman" panose="02020603050405020304" pitchFamily="18" charset="0"/>
-              </a:rPr>
-              <a:t> </a:t>
-            </a:r>
-            <a:r>
-              <a:rPr lang="en-US" sz="2400" b="1" dirty="0" err="1">
-                <a:latin typeface="Times New Roman" panose="02020603050405020304" pitchFamily="18" charset="0"/>
-                <a:cs typeface="Times New Roman" panose="02020603050405020304" pitchFamily="18" charset="0"/>
-              </a:rPr>
-              <a:t>bài</a:t>
-            </a:r>
-            <a:r>
-              <a:rPr lang="en-US" sz="2400" b="1" dirty="0">
-                <a:latin typeface="Times New Roman" panose="02020603050405020304" pitchFamily="18" charset="0"/>
-                <a:cs typeface="Times New Roman" panose="02020603050405020304" pitchFamily="18" charset="0"/>
-              </a:rPr>
-              <a:t> </a:t>
-            </a:r>
-            <a:r>
-              <a:rPr lang="en-US" sz="2400" b="1" dirty="0" err="1">
-                <a:latin typeface="Times New Roman" panose="02020603050405020304" pitchFamily="18" charset="0"/>
-                <a:cs typeface="Times New Roman" panose="02020603050405020304" pitchFamily="18" charset="0"/>
-              </a:rPr>
-              <a:t>toán</a:t>
-            </a:r>
-            <a:endParaRPr lang="en-US" sz="2400" b="1" dirty="0">
-              <a:latin typeface="Times New Roman" panose="02020603050405020304" pitchFamily="18" charset="0"/>
-              <a:cs typeface="Times New Roman" panose="02020603050405020304" pitchFamily="18" charset="0"/>
-            </a:endParaRPr>
+              <a:rPr lang="en-US" sz="2200" b="1" dirty="0">
+                <a:latin typeface="Times New Roman" panose="02020603050405020304" pitchFamily="18" charset="0"/>
+                <a:cs typeface="Times New Roman" panose="02020603050405020304" pitchFamily="18" charset="0"/>
+              </a:rPr>
+              <a:t>THỰC NGHIỆM BÀI TOÁN</a:t>
+            </a:r>
           </a:p>
         </p:txBody>
       </p:sp>
@@ -18731,302 +18704,335 @@
           <a:lstStyle/>
           <a:p>
             <a:r>
-              <a:rPr lang="en-US" sz="2400" dirty="0" err="1">
+              <a:rPr lang="en-US" sz="2200" dirty="0" err="1">
                 <a:latin typeface="Times New Roman" panose="02020603050405020304" pitchFamily="18" charset="0"/>
                 <a:cs typeface="Times New Roman" panose="02020603050405020304" pitchFamily="18" charset="0"/>
               </a:rPr>
               <a:t>Phần</a:t>
             </a:r>
             <a:r>
-              <a:rPr lang="en-US" sz="2400" dirty="0">
-                <a:latin typeface="Times New Roman" panose="02020603050405020304" pitchFamily="18" charset="0"/>
-                <a:cs typeface="Times New Roman" panose="02020603050405020304" pitchFamily="18" charset="0"/>
-              </a:rPr>
-              <a:t> </a:t>
-            </a:r>
-            <a:r>
-              <a:rPr lang="en-US" sz="2400" dirty="0" err="1">
+              <a:rPr lang="en-US" sz="2200" dirty="0">
+                <a:latin typeface="Times New Roman" panose="02020603050405020304" pitchFamily="18" charset="0"/>
+                <a:cs typeface="Times New Roman" panose="02020603050405020304" pitchFamily="18" charset="0"/>
+              </a:rPr>
+              <a:t> </a:t>
+            </a:r>
+            <a:r>
+              <a:rPr lang="en-US" sz="2200" dirty="0" err="1">
                 <a:latin typeface="Times New Roman" panose="02020603050405020304" pitchFamily="18" charset="0"/>
                 <a:cs typeface="Times New Roman" panose="02020603050405020304" pitchFamily="18" charset="0"/>
               </a:rPr>
               <a:t>mềm</a:t>
             </a:r>
             <a:r>
-              <a:rPr lang="en-US" sz="2400" dirty="0">
-                <a:latin typeface="Times New Roman" panose="02020603050405020304" pitchFamily="18" charset="0"/>
-                <a:cs typeface="Times New Roman" panose="02020603050405020304" pitchFamily="18" charset="0"/>
-              </a:rPr>
-              <a:t>: Matlab2016, Window 10</a:t>
-            </a:r>
-          </a:p>
-          <a:p>
-            <a:r>
-              <a:rPr lang="en-US" sz="2400" dirty="0" err="1">
+              <a:rPr lang="en-US" sz="2200" dirty="0">
+                <a:latin typeface="Times New Roman" panose="02020603050405020304" pitchFamily="18" charset="0"/>
+                <a:cs typeface="Times New Roman" panose="02020603050405020304" pitchFamily="18" charset="0"/>
+              </a:rPr>
+              <a:t> </a:t>
+            </a:r>
+            <a:r>
+              <a:rPr lang="en-US" sz="2200" dirty="0" err="1">
+                <a:latin typeface="Times New Roman" panose="02020603050405020304" pitchFamily="18" charset="0"/>
+                <a:cs typeface="Times New Roman" panose="02020603050405020304" pitchFamily="18" charset="0"/>
+              </a:rPr>
+              <a:t>và</a:t>
+            </a:r>
+            <a:r>
+              <a:rPr lang="en-US" sz="2200" dirty="0">
+                <a:latin typeface="Times New Roman" panose="02020603050405020304" pitchFamily="18" charset="0"/>
+                <a:cs typeface="Times New Roman" panose="02020603050405020304" pitchFamily="18" charset="0"/>
+              </a:rPr>
+              <a:t> </a:t>
+            </a:r>
+            <a:r>
+              <a:rPr lang="en-US" sz="2200" dirty="0" err="1">
+                <a:latin typeface="Times New Roman" panose="02020603050405020304" pitchFamily="18" charset="0"/>
+                <a:cs typeface="Times New Roman" panose="02020603050405020304" pitchFamily="18" charset="0"/>
+              </a:rPr>
+              <a:t>hệ</a:t>
+            </a:r>
+            <a:r>
+              <a:rPr lang="en-US" sz="2200" dirty="0">
+                <a:latin typeface="Times New Roman" panose="02020603050405020304" pitchFamily="18" charset="0"/>
+                <a:cs typeface="Times New Roman" panose="02020603050405020304" pitchFamily="18" charset="0"/>
+              </a:rPr>
+              <a:t> </a:t>
+            </a:r>
+            <a:r>
+              <a:rPr lang="en-US" sz="2200" dirty="0" err="1">
+                <a:latin typeface="Times New Roman" panose="02020603050405020304" pitchFamily="18" charset="0"/>
+                <a:cs typeface="Times New Roman" panose="02020603050405020304" pitchFamily="18" charset="0"/>
+              </a:rPr>
+              <a:t>điều</a:t>
+            </a:r>
+            <a:r>
+              <a:rPr lang="en-US" sz="2200" dirty="0">
+                <a:latin typeface="Times New Roman" panose="02020603050405020304" pitchFamily="18" charset="0"/>
+                <a:cs typeface="Times New Roman" panose="02020603050405020304" pitchFamily="18" charset="0"/>
+              </a:rPr>
+              <a:t> </a:t>
+            </a:r>
+            <a:r>
+              <a:rPr lang="en-US" sz="2200" dirty="0" err="1">
+                <a:latin typeface="Times New Roman" panose="02020603050405020304" pitchFamily="18" charset="0"/>
+                <a:cs typeface="Times New Roman" panose="02020603050405020304" pitchFamily="18" charset="0"/>
+              </a:rPr>
+              <a:t>hành</a:t>
+            </a:r>
+            <a:r>
+              <a:rPr lang="en-US" sz="2200" dirty="0">
+                <a:latin typeface="Times New Roman" panose="02020603050405020304" pitchFamily="18" charset="0"/>
+                <a:cs typeface="Times New Roman" panose="02020603050405020304" pitchFamily="18" charset="0"/>
+              </a:rPr>
+              <a:t>: Window 10, Ram 6GB, Chip Intel core i5 CPU 1.7GHz, Maltab2016</a:t>
+            </a:r>
+          </a:p>
+          <a:p>
+            <a:r>
+              <a:rPr lang="en-US" sz="2200" dirty="0" err="1">
                 <a:latin typeface="Times New Roman" panose="02020603050405020304" pitchFamily="18" charset="0"/>
                 <a:cs typeface="Times New Roman" panose="02020603050405020304" pitchFamily="18" charset="0"/>
               </a:rPr>
               <a:t>Tập</a:t>
             </a:r>
             <a:r>
-              <a:rPr lang="en-US" sz="2400" dirty="0">
-                <a:latin typeface="Times New Roman" panose="02020603050405020304" pitchFamily="18" charset="0"/>
-                <a:cs typeface="Times New Roman" panose="02020603050405020304" pitchFamily="18" charset="0"/>
-              </a:rPr>
-              <a:t> </a:t>
-            </a:r>
-            <a:r>
-              <a:rPr lang="en-US" sz="2400" dirty="0" err="1">
+              <a:rPr lang="en-US" sz="2200" dirty="0">
+                <a:latin typeface="Times New Roman" panose="02020603050405020304" pitchFamily="18" charset="0"/>
+                <a:cs typeface="Times New Roman" panose="02020603050405020304" pitchFamily="18" charset="0"/>
+              </a:rPr>
+              <a:t> </a:t>
+            </a:r>
+            <a:r>
+              <a:rPr lang="en-US" sz="2200" dirty="0" err="1">
                 <a:latin typeface="Times New Roman" panose="02020603050405020304" pitchFamily="18" charset="0"/>
                 <a:cs typeface="Times New Roman" panose="02020603050405020304" pitchFamily="18" charset="0"/>
               </a:rPr>
               <a:t>dữ</a:t>
             </a:r>
             <a:r>
-              <a:rPr lang="en-US" sz="2400" dirty="0">
-                <a:latin typeface="Times New Roman" panose="02020603050405020304" pitchFamily="18" charset="0"/>
-                <a:cs typeface="Times New Roman" panose="02020603050405020304" pitchFamily="18" charset="0"/>
-              </a:rPr>
-              <a:t> </a:t>
-            </a:r>
-            <a:r>
-              <a:rPr lang="en-US" sz="2400" dirty="0" err="1">
+              <a:rPr lang="en-US" sz="2200" dirty="0">
+                <a:latin typeface="Times New Roman" panose="02020603050405020304" pitchFamily="18" charset="0"/>
+                <a:cs typeface="Times New Roman" panose="02020603050405020304" pitchFamily="18" charset="0"/>
+              </a:rPr>
+              <a:t> </a:t>
+            </a:r>
+            <a:r>
+              <a:rPr lang="en-US" sz="2200" dirty="0" err="1">
                 <a:latin typeface="Times New Roman" panose="02020603050405020304" pitchFamily="18" charset="0"/>
                 <a:cs typeface="Times New Roman" panose="02020603050405020304" pitchFamily="18" charset="0"/>
               </a:rPr>
               <a:t>liệu</a:t>
             </a:r>
             <a:r>
-              <a:rPr lang="en-US" sz="2400" dirty="0">
-                <a:latin typeface="Times New Roman" panose="02020603050405020304" pitchFamily="18" charset="0"/>
-                <a:cs typeface="Times New Roman" panose="02020603050405020304" pitchFamily="18" charset="0"/>
-              </a:rPr>
-              <a:t> </a:t>
-            </a:r>
-            <a:r>
-              <a:rPr lang="en-US" sz="2400" dirty="0" err="1">
-                <a:latin typeface="Times New Roman" panose="02020603050405020304" pitchFamily="18" charset="0"/>
-                <a:cs typeface="Times New Roman" panose="02020603050405020304" pitchFamily="18" charset="0"/>
-              </a:rPr>
-              <a:t>chuẩn</a:t>
-            </a:r>
-            <a:r>
-              <a:rPr lang="en-US" sz="2400" dirty="0">
-                <a:latin typeface="Times New Roman" panose="02020603050405020304" pitchFamily="18" charset="0"/>
-                <a:cs typeface="Times New Roman" panose="02020603050405020304" pitchFamily="18" charset="0"/>
-              </a:rPr>
-              <a:t> </a:t>
-            </a:r>
-            <a:r>
-              <a:rPr lang="en-US" sz="2400" dirty="0" err="1">
-                <a:latin typeface="Times New Roman" panose="02020603050405020304" pitchFamily="18" charset="0"/>
-                <a:cs typeface="Times New Roman" panose="02020603050405020304" pitchFamily="18" charset="0"/>
-              </a:rPr>
-              <a:t>bị</a:t>
-            </a:r>
-            <a:r>
-              <a:rPr lang="en-US" sz="2400" dirty="0">
-                <a:latin typeface="Times New Roman" panose="02020603050405020304" pitchFamily="18" charset="0"/>
-                <a:cs typeface="Times New Roman" panose="02020603050405020304" pitchFamily="18" charset="0"/>
-              </a:rPr>
-              <a:t>: 42 </a:t>
-            </a:r>
-            <a:r>
-              <a:rPr lang="en-US" sz="2400" dirty="0" err="1">
-                <a:latin typeface="Times New Roman" panose="02020603050405020304" pitchFamily="18" charset="0"/>
-                <a:cs typeface="Times New Roman" panose="02020603050405020304" pitchFamily="18" charset="0"/>
-              </a:rPr>
-              <a:t>đối</a:t>
-            </a:r>
-            <a:r>
-              <a:rPr lang="en-US" sz="2400" dirty="0">
-                <a:latin typeface="Times New Roman" panose="02020603050405020304" pitchFamily="18" charset="0"/>
-                <a:cs typeface="Times New Roman" panose="02020603050405020304" pitchFamily="18" charset="0"/>
-              </a:rPr>
-              <a:t> t</a:t>
-            </a:r>
-            <a:r>
-              <a:rPr lang="vi-VN" sz="2400" dirty="0">
-                <a:latin typeface="Times New Roman" panose="02020603050405020304" pitchFamily="18" charset="0"/>
-                <a:cs typeface="Times New Roman" panose="02020603050405020304" pitchFamily="18" charset="0"/>
-              </a:rPr>
-              <a:t>ư</a:t>
-            </a:r>
-            <a:r>
-              <a:rPr lang="en-US" sz="2400" dirty="0" err="1">
-                <a:latin typeface="Times New Roman" panose="02020603050405020304" pitchFamily="18" charset="0"/>
-                <a:cs typeface="Times New Roman" panose="02020603050405020304" pitchFamily="18" charset="0"/>
-              </a:rPr>
-              <a:t>ợng</a:t>
-            </a:r>
-            <a:r>
-              <a:rPr lang="en-US" sz="2400" dirty="0">
-                <a:latin typeface="Times New Roman" panose="02020603050405020304" pitchFamily="18" charset="0"/>
-                <a:cs typeface="Times New Roman" panose="02020603050405020304" pitchFamily="18" charset="0"/>
-              </a:rPr>
-              <a:t>, </a:t>
-            </a:r>
-            <a:r>
-              <a:rPr lang="en-US" sz="2400" dirty="0" err="1">
-                <a:latin typeface="Times New Roman" panose="02020603050405020304" pitchFamily="18" charset="0"/>
-                <a:cs typeface="Times New Roman" panose="02020603050405020304" pitchFamily="18" charset="0"/>
-              </a:rPr>
-              <a:t>mỗi</a:t>
-            </a:r>
-            <a:r>
-              <a:rPr lang="en-US" sz="2400" dirty="0">
-                <a:latin typeface="Times New Roman" panose="02020603050405020304" pitchFamily="18" charset="0"/>
-                <a:cs typeface="Times New Roman" panose="02020603050405020304" pitchFamily="18" charset="0"/>
-              </a:rPr>
-              <a:t> </a:t>
-            </a:r>
-            <a:r>
-              <a:rPr lang="en-US" sz="2400" dirty="0" err="1">
-                <a:latin typeface="Times New Roman" panose="02020603050405020304" pitchFamily="18" charset="0"/>
-                <a:cs typeface="Times New Roman" panose="02020603050405020304" pitchFamily="18" charset="0"/>
-              </a:rPr>
-              <a:t>đối</a:t>
-            </a:r>
-            <a:r>
-              <a:rPr lang="en-US" sz="2400" dirty="0">
-                <a:latin typeface="Times New Roman" panose="02020603050405020304" pitchFamily="18" charset="0"/>
-                <a:cs typeface="Times New Roman" panose="02020603050405020304" pitchFamily="18" charset="0"/>
-              </a:rPr>
-              <a:t> t</a:t>
-            </a:r>
-            <a:r>
-              <a:rPr lang="vi-VN" sz="2400" dirty="0">
-                <a:latin typeface="Times New Roman" panose="02020603050405020304" pitchFamily="18" charset="0"/>
-                <a:cs typeface="Times New Roman" panose="02020603050405020304" pitchFamily="18" charset="0"/>
-              </a:rPr>
-              <a:t>ư</a:t>
-            </a:r>
-            <a:r>
-              <a:rPr lang="en-US" sz="2400" dirty="0" err="1">
-                <a:latin typeface="Times New Roman" panose="02020603050405020304" pitchFamily="18" charset="0"/>
-                <a:cs typeface="Times New Roman" panose="02020603050405020304" pitchFamily="18" charset="0"/>
-              </a:rPr>
-              <a:t>ợng</a:t>
-            </a:r>
-            <a:r>
-              <a:rPr lang="en-US" sz="2400" dirty="0">
-                <a:latin typeface="Times New Roman" panose="02020603050405020304" pitchFamily="18" charset="0"/>
-                <a:cs typeface="Times New Roman" panose="02020603050405020304" pitchFamily="18" charset="0"/>
-              </a:rPr>
-              <a:t> có 10 </a:t>
-            </a:r>
-            <a:r>
-              <a:rPr lang="en-US" sz="2400" dirty="0" err="1">
+              <a:rPr lang="en-US" sz="2200" dirty="0">
+                <a:latin typeface="Times New Roman" panose="02020603050405020304" pitchFamily="18" charset="0"/>
+                <a:cs typeface="Times New Roman" panose="02020603050405020304" pitchFamily="18" charset="0"/>
+              </a:rPr>
+              <a:t> train: 210 </a:t>
+            </a:r>
+            <a:r>
+              <a:rPr lang="en-US" sz="2200" dirty="0" err="1">
                 <a:latin typeface="Times New Roman" panose="02020603050405020304" pitchFamily="18" charset="0"/>
                 <a:cs typeface="Times New Roman" panose="02020603050405020304" pitchFamily="18" charset="0"/>
               </a:rPr>
               <a:t>bức</a:t>
             </a:r>
             <a:r>
-              <a:rPr lang="en-US" sz="2400" dirty="0">
-                <a:latin typeface="Times New Roman" panose="02020603050405020304" pitchFamily="18" charset="0"/>
-                <a:cs typeface="Times New Roman" panose="02020603050405020304" pitchFamily="18" charset="0"/>
-              </a:rPr>
-              <a:t> </a:t>
-            </a:r>
-            <a:r>
-              <a:rPr lang="en-US" sz="2400" dirty="0" err="1">
+              <a:rPr lang="en-US" sz="2200" dirty="0">
+                <a:latin typeface="Times New Roman" panose="02020603050405020304" pitchFamily="18" charset="0"/>
+                <a:cs typeface="Times New Roman" panose="02020603050405020304" pitchFamily="18" charset="0"/>
+              </a:rPr>
+              <a:t> </a:t>
+            </a:r>
+            <a:r>
+              <a:rPr lang="en-US" sz="2200" dirty="0" err="1">
                 <a:latin typeface="Times New Roman" panose="02020603050405020304" pitchFamily="18" charset="0"/>
                 <a:cs typeface="Times New Roman" panose="02020603050405020304" pitchFamily="18" charset="0"/>
               </a:rPr>
               <a:t>ảnh</a:t>
             </a:r>
-            <a:endParaRPr lang="vi-VN" sz="2400" dirty="0">
+            <a:r>
+              <a:rPr lang="en-US" sz="2200" dirty="0">
+                <a:latin typeface="Times New Roman" panose="02020603050405020304" pitchFamily="18" charset="0"/>
+                <a:cs typeface="Times New Roman" panose="02020603050405020304" pitchFamily="18" charset="0"/>
+              </a:rPr>
+              <a:t> </a:t>
+            </a:r>
+            <a:r>
+              <a:rPr lang="en-US" sz="2200" dirty="0" err="1">
+                <a:latin typeface="Times New Roman" panose="02020603050405020304" pitchFamily="18" charset="0"/>
+                <a:cs typeface="Times New Roman" panose="02020603050405020304" pitchFamily="18" charset="0"/>
+              </a:rPr>
+              <a:t>khuôn</a:t>
+            </a:r>
+            <a:r>
+              <a:rPr lang="en-US" sz="2200" dirty="0">
+                <a:latin typeface="Times New Roman" panose="02020603050405020304" pitchFamily="18" charset="0"/>
+                <a:cs typeface="Times New Roman" panose="02020603050405020304" pitchFamily="18" charset="0"/>
+              </a:rPr>
+              <a:t> </a:t>
+            </a:r>
+            <a:r>
+              <a:rPr lang="en-US" sz="2200" dirty="0" err="1">
+                <a:latin typeface="Times New Roman" panose="02020603050405020304" pitchFamily="18" charset="0"/>
+                <a:cs typeface="Times New Roman" panose="02020603050405020304" pitchFamily="18" charset="0"/>
+              </a:rPr>
+              <a:t>mặt</a:t>
+            </a:r>
+            <a:endParaRPr lang="en-US" sz="2200" dirty="0">
               <a:latin typeface="Times New Roman" panose="02020603050405020304" pitchFamily="18" charset="0"/>
               <a:cs typeface="Times New Roman" panose="02020603050405020304" pitchFamily="18" charset="0"/>
             </a:endParaRPr>
           </a:p>
           <a:p>
-            <a:endParaRPr lang="vi-VN" sz="2400" dirty="0">
+            <a:r>
+              <a:rPr lang="en-US" sz="2200" dirty="0" err="1">
+                <a:latin typeface="Times New Roman" panose="02020603050405020304" pitchFamily="18" charset="0"/>
+                <a:cs typeface="Times New Roman" panose="02020603050405020304" pitchFamily="18" charset="0"/>
+              </a:rPr>
+              <a:t>Tập</a:t>
+            </a:r>
+            <a:r>
+              <a:rPr lang="en-US" sz="2200" dirty="0">
+                <a:latin typeface="Times New Roman" panose="02020603050405020304" pitchFamily="18" charset="0"/>
+                <a:cs typeface="Times New Roman" panose="02020603050405020304" pitchFamily="18" charset="0"/>
+              </a:rPr>
+              <a:t> </a:t>
+            </a:r>
+            <a:r>
+              <a:rPr lang="en-US" sz="2200" dirty="0" err="1">
+                <a:latin typeface="Times New Roman" panose="02020603050405020304" pitchFamily="18" charset="0"/>
+                <a:cs typeface="Times New Roman" panose="02020603050405020304" pitchFamily="18" charset="0"/>
+              </a:rPr>
+              <a:t>dữ</a:t>
+            </a:r>
+            <a:r>
+              <a:rPr lang="en-US" sz="2200" dirty="0">
+                <a:latin typeface="Times New Roman" panose="02020603050405020304" pitchFamily="18" charset="0"/>
+                <a:cs typeface="Times New Roman" panose="02020603050405020304" pitchFamily="18" charset="0"/>
+              </a:rPr>
+              <a:t> </a:t>
+            </a:r>
+            <a:r>
+              <a:rPr lang="en-US" sz="2200" dirty="0" err="1">
+                <a:latin typeface="Times New Roman" panose="02020603050405020304" pitchFamily="18" charset="0"/>
+                <a:cs typeface="Times New Roman" panose="02020603050405020304" pitchFamily="18" charset="0"/>
+              </a:rPr>
+              <a:t>liệu</a:t>
+            </a:r>
+            <a:r>
+              <a:rPr lang="en-US" sz="2200" dirty="0">
+                <a:latin typeface="Times New Roman" panose="02020603050405020304" pitchFamily="18" charset="0"/>
+                <a:cs typeface="Times New Roman" panose="02020603050405020304" pitchFamily="18" charset="0"/>
+              </a:rPr>
+              <a:t> test: 216 </a:t>
+            </a:r>
+            <a:r>
+              <a:rPr lang="en-US" sz="2200" dirty="0" err="1">
+                <a:latin typeface="Times New Roman" panose="02020603050405020304" pitchFamily="18" charset="0"/>
+                <a:cs typeface="Times New Roman" panose="02020603050405020304" pitchFamily="18" charset="0"/>
+              </a:rPr>
+              <a:t>bức</a:t>
+            </a:r>
+            <a:r>
+              <a:rPr lang="en-US" sz="2200" dirty="0">
+                <a:latin typeface="Times New Roman" panose="02020603050405020304" pitchFamily="18" charset="0"/>
+                <a:cs typeface="Times New Roman" panose="02020603050405020304" pitchFamily="18" charset="0"/>
+              </a:rPr>
+              <a:t> </a:t>
+            </a:r>
+            <a:r>
+              <a:rPr lang="en-US" sz="2200" dirty="0" err="1">
+                <a:latin typeface="Times New Roman" panose="02020603050405020304" pitchFamily="18" charset="0"/>
+                <a:cs typeface="Times New Roman" panose="02020603050405020304" pitchFamily="18" charset="0"/>
+              </a:rPr>
+              <a:t>ảnh</a:t>
+            </a:r>
+            <a:r>
+              <a:rPr lang="en-US" sz="2200" dirty="0">
+                <a:latin typeface="Times New Roman" panose="02020603050405020304" pitchFamily="18" charset="0"/>
+                <a:cs typeface="Times New Roman" panose="02020603050405020304" pitchFamily="18" charset="0"/>
+              </a:rPr>
+              <a:t> </a:t>
+            </a:r>
+            <a:r>
+              <a:rPr lang="en-US" sz="2200" dirty="0" err="1">
+                <a:latin typeface="Times New Roman" panose="02020603050405020304" pitchFamily="18" charset="0"/>
+                <a:cs typeface="Times New Roman" panose="02020603050405020304" pitchFamily="18" charset="0"/>
+              </a:rPr>
+              <a:t>khuôn</a:t>
+            </a:r>
+            <a:r>
+              <a:rPr lang="en-US" sz="2200" dirty="0">
+                <a:latin typeface="Times New Roman" panose="02020603050405020304" pitchFamily="18" charset="0"/>
+                <a:cs typeface="Times New Roman" panose="02020603050405020304" pitchFamily="18" charset="0"/>
+              </a:rPr>
+              <a:t> </a:t>
+            </a:r>
+            <a:r>
+              <a:rPr lang="en-US" sz="2200" dirty="0" err="1">
+                <a:latin typeface="Times New Roman" panose="02020603050405020304" pitchFamily="18" charset="0"/>
+                <a:cs typeface="Times New Roman" panose="02020603050405020304" pitchFamily="18" charset="0"/>
+              </a:rPr>
+              <a:t>mặt</a:t>
+            </a:r>
+            <a:r>
+              <a:rPr lang="en-US" sz="2200" dirty="0">
+                <a:latin typeface="Times New Roman" panose="02020603050405020304" pitchFamily="18" charset="0"/>
+                <a:cs typeface="Times New Roman" panose="02020603050405020304" pitchFamily="18" charset="0"/>
+              </a:rPr>
+              <a:t> không </a:t>
+            </a:r>
+            <a:r>
+              <a:rPr lang="en-US" sz="2200" dirty="0" err="1">
+                <a:latin typeface="Times New Roman" panose="02020603050405020304" pitchFamily="18" charset="0"/>
+                <a:cs typeface="Times New Roman" panose="02020603050405020304" pitchFamily="18" charset="0"/>
+              </a:rPr>
+              <a:t>trùng</a:t>
+            </a:r>
+            <a:r>
+              <a:rPr lang="en-US" sz="2200" dirty="0">
+                <a:latin typeface="Times New Roman" panose="02020603050405020304" pitchFamily="18" charset="0"/>
+                <a:cs typeface="Times New Roman" panose="02020603050405020304" pitchFamily="18" charset="0"/>
+              </a:rPr>
+              <a:t> </a:t>
+            </a:r>
+            <a:r>
+              <a:rPr lang="en-US" sz="2200" dirty="0" err="1">
+                <a:latin typeface="Times New Roman" panose="02020603050405020304" pitchFamily="18" charset="0"/>
+                <a:cs typeface="Times New Roman" panose="02020603050405020304" pitchFamily="18" charset="0"/>
+              </a:rPr>
+              <a:t>với</a:t>
+            </a:r>
+            <a:r>
+              <a:rPr lang="en-US" sz="2200" dirty="0">
+                <a:latin typeface="Times New Roman" panose="02020603050405020304" pitchFamily="18" charset="0"/>
+                <a:cs typeface="Times New Roman" panose="02020603050405020304" pitchFamily="18" charset="0"/>
+              </a:rPr>
+              <a:t> </a:t>
+            </a:r>
+            <a:r>
+              <a:rPr lang="en-US" sz="2200" dirty="0" err="1">
+                <a:latin typeface="Times New Roman" panose="02020603050405020304" pitchFamily="18" charset="0"/>
+                <a:cs typeface="Times New Roman" panose="02020603050405020304" pitchFamily="18" charset="0"/>
+              </a:rPr>
+              <a:t>bộ</a:t>
+            </a:r>
+            <a:r>
+              <a:rPr lang="en-US" sz="2200" dirty="0">
+                <a:latin typeface="Times New Roman" panose="02020603050405020304" pitchFamily="18" charset="0"/>
+                <a:cs typeface="Times New Roman" panose="02020603050405020304" pitchFamily="18" charset="0"/>
+              </a:rPr>
+              <a:t> train</a:t>
+            </a:r>
+            <a:endParaRPr lang="vi-VN" sz="2200" dirty="0">
               <a:latin typeface="Times New Roman" panose="02020603050405020304" pitchFamily="18" charset="0"/>
               <a:cs typeface="Times New Roman" panose="02020603050405020304" pitchFamily="18" charset="0"/>
             </a:endParaRPr>
           </a:p>
-          <a:p>
-            <a:endParaRPr lang="vi-VN" sz="2400" dirty="0">
-              <a:latin typeface="Times New Roman" panose="02020603050405020304" pitchFamily="18" charset="0"/>
-              <a:cs typeface="Times New Roman" panose="02020603050405020304" pitchFamily="18" charset="0"/>
-            </a:endParaRPr>
-          </a:p>
-          <a:p>
-            <a:pPr marL="0" indent="0">
-              <a:buNone/>
-            </a:pPr>
-            <a:endParaRPr lang="en-US" sz="2400" dirty="0">
-              <a:latin typeface="Times New Roman" panose="02020603050405020304" pitchFamily="18" charset="0"/>
-              <a:cs typeface="Times New Roman" panose="02020603050405020304" pitchFamily="18" charset="0"/>
-            </a:endParaRPr>
-          </a:p>
-          <a:p>
-            <a:pPr marL="0" indent="0">
-              <a:buNone/>
-            </a:pPr>
-            <a:r>
-              <a:rPr lang="en-US" sz="2400" dirty="0">
-                <a:latin typeface="Times New Roman" panose="02020603050405020304" pitchFamily="18" charset="0"/>
-                <a:cs typeface="Times New Roman" panose="02020603050405020304" pitchFamily="18" charset="0"/>
-              </a:rPr>
-              <a:t>							       </a:t>
-            </a:r>
-          </a:p>
-          <a:p>
-            <a:pPr marL="0" indent="0" algn="ctr">
-              <a:buNone/>
-            </a:pPr>
-            <a:r>
-              <a:rPr lang="en-US" sz="2000" i="1" dirty="0">
-                <a:latin typeface="Times New Roman" panose="02020603050405020304" pitchFamily="18" charset="0"/>
-                <a:cs typeface="Times New Roman" panose="02020603050405020304" pitchFamily="18" charset="0"/>
-              </a:rPr>
-              <a:t>Extended Yale B database</a:t>
-            </a:r>
-            <a:endParaRPr lang="vi-VN" sz="2000" i="1" dirty="0">
-              <a:latin typeface="Times New Roman" panose="02020603050405020304" pitchFamily="18" charset="0"/>
-              <a:cs typeface="Times New Roman" panose="02020603050405020304" pitchFamily="18" charset="0"/>
-            </a:endParaRPr>
-          </a:p>
         </p:txBody>
       </p:sp>
-      <p:pic>
-        <p:nvPicPr>
-          <p:cNvPr id="5" name="Picture 4">
-            <a:extLst>
-              <a:ext uri="{FF2B5EF4-FFF2-40B4-BE49-F238E27FC236}">
-                <a16:creationId xmlns:a16="http://schemas.microsoft.com/office/drawing/2014/main" id="{D077A494-5DC3-48F7-8BFF-3B36ABC5465E}"/>
-              </a:ext>
-            </a:extLst>
-          </p:cNvPr>
-          <p:cNvPicPr>
-            <a:picLocks noChangeAspect="1"/>
-          </p:cNvPicPr>
-          <p:nvPr/>
-        </p:nvPicPr>
-        <p:blipFill>
-          <a:blip r:embed="rId2">
-            <a:extLst>
-              <a:ext uri="{28A0092B-C50C-407E-A947-70E740481C1C}">
-                <a14:useLocalDpi xmlns:a14="http://schemas.microsoft.com/office/drawing/2010/main" val="0"/>
-              </a:ext>
-            </a:extLst>
-          </a:blip>
-          <a:stretch>
-            <a:fillRect/>
-          </a:stretch>
-        </p:blipFill>
-        <p:spPr>
-          <a:xfrm>
-            <a:off x="2686654" y="3429000"/>
-            <a:ext cx="6818689" cy="1790767"/>
-          </a:xfrm>
-          <a:prstGeom prst="rect">
-            <a:avLst/>
-          </a:prstGeom>
-        </p:spPr>
-      </p:pic>
     </p:spTree>
     <p:extLst>
       <p:ext uri="{BB962C8B-B14F-4D97-AF65-F5344CB8AC3E}">
@@ -19062,7 +19068,7 @@
           <p:cNvPr id="2" name="Title 1">
             <a:extLst>
               <a:ext uri="{FF2B5EF4-FFF2-40B4-BE49-F238E27FC236}">
-                <a16:creationId xmlns:a16="http://schemas.microsoft.com/office/drawing/2014/main" id="{CBCA2E89-4ECD-4A8A-88D5-5D116EE35BDE}"/>
+                <a16:creationId xmlns:a16="http://schemas.microsoft.com/office/drawing/2014/main" id="{64A2D262-E7A5-4B15-B426-9EB47382C1B5}"/>
               </a:ext>
             </a:extLst>
           </p:cNvPr>
@@ -19082,58 +19088,15 @@
           <a:p>
             <a:pPr marL="514350" indent="-514350">
               <a:buFont typeface="+mj-lt"/>
-              <a:buAutoNum type="romanUcPeriod" startAt="5"/>
+              <a:buAutoNum type="romanUcPeriod" startAt="3"/>
             </a:pPr>
             <a:r>
-              <a:rPr lang="en-US" sz="2400" b="1" dirty="0" err="1">
-                <a:latin typeface="Times New Roman" panose="02020603050405020304" pitchFamily="18" charset="0"/>
-                <a:cs typeface="Times New Roman" panose="02020603050405020304" pitchFamily="18" charset="0"/>
-              </a:rPr>
-              <a:t>Thực</a:t>
-            </a:r>
-            <a:r>
-              <a:rPr lang="en-US" sz="2400" b="1" dirty="0">
-                <a:latin typeface="Times New Roman" panose="02020603050405020304" pitchFamily="18" charset="0"/>
-                <a:cs typeface="Times New Roman" panose="02020603050405020304" pitchFamily="18" charset="0"/>
-              </a:rPr>
-              <a:t> </a:t>
-            </a:r>
-            <a:r>
-              <a:rPr lang="en-US" sz="2400" b="1" dirty="0" err="1">
-                <a:latin typeface="Times New Roman" panose="02020603050405020304" pitchFamily="18" charset="0"/>
-                <a:cs typeface="Times New Roman" panose="02020603050405020304" pitchFamily="18" charset="0"/>
-              </a:rPr>
-              <a:t>nghiệm</a:t>
-            </a:r>
-            <a:r>
-              <a:rPr lang="en-US" sz="2400" b="1" dirty="0">
-                <a:latin typeface="Times New Roman" panose="02020603050405020304" pitchFamily="18" charset="0"/>
-                <a:cs typeface="Times New Roman" panose="02020603050405020304" pitchFamily="18" charset="0"/>
-              </a:rPr>
-              <a:t> </a:t>
-            </a:r>
-            <a:r>
-              <a:rPr lang="en-US" sz="2400" b="1" dirty="0" err="1">
-                <a:latin typeface="Times New Roman" panose="02020603050405020304" pitchFamily="18" charset="0"/>
-                <a:cs typeface="Times New Roman" panose="02020603050405020304" pitchFamily="18" charset="0"/>
-              </a:rPr>
-              <a:t>bài</a:t>
-            </a:r>
-            <a:r>
-              <a:rPr lang="en-US" sz="2400" b="1" dirty="0">
-                <a:latin typeface="Times New Roman" panose="02020603050405020304" pitchFamily="18" charset="0"/>
-                <a:cs typeface="Times New Roman" panose="02020603050405020304" pitchFamily="18" charset="0"/>
-              </a:rPr>
-              <a:t> </a:t>
-            </a:r>
-            <a:r>
-              <a:rPr lang="en-US" sz="2400" b="1" dirty="0" err="1">
-                <a:latin typeface="Times New Roman" panose="02020603050405020304" pitchFamily="18" charset="0"/>
-                <a:cs typeface="Times New Roman" panose="02020603050405020304" pitchFamily="18" charset="0"/>
-              </a:rPr>
-              <a:t>toán</a:t>
-            </a:r>
-            <a:endParaRPr lang="en-US" sz="2400" dirty="0"/>
+              <a:rPr lang="en-US" sz="2200" b="1" dirty="0">
+                <a:latin typeface="Times New Roman" panose="02020603050405020304" pitchFamily="18" charset="0"/>
+                <a:cs typeface="Times New Roman" panose="02020603050405020304" pitchFamily="18" charset="0"/>
+              </a:rPr>
+              <a:t>THỰC NGHIỆM BÀI TOÁN</a:t>
+            </a:r>
           </a:p>
         </p:txBody>
       </p:sp>
@@ -19142,7 +19105,3248 @@
           <p:cNvPr id="3" name="Content Placeholder 2">
             <a:extLst>
               <a:ext uri="{FF2B5EF4-FFF2-40B4-BE49-F238E27FC236}">
-                <a16:creationId xmlns:a16="http://schemas.microsoft.com/office/drawing/2014/main" id="{6884E66F-91E0-4A83-804A-8B438C39137F}"/>
+                <a16:creationId xmlns:a16="http://schemas.microsoft.com/office/drawing/2014/main" id="{875B1CA3-14AD-4D49-80AF-8958CE5E5D99}"/>
+              </a:ext>
+            </a:extLst>
+          </p:cNvPr>
+          <p:cNvSpPr>
+            <a:spLocks noGrp="1"/>
+          </p:cNvSpPr>
+          <p:nvPr>
+            <p:ph idx="1"/>
+          </p:nvPr>
+        </p:nvSpPr>
+        <p:spPr>
+          <a:xfrm>
+            <a:off x="581192" y="2180496"/>
+            <a:ext cx="11029615" cy="4488318"/>
+          </a:xfrm>
+        </p:spPr>
+        <p:txBody>
+          <a:bodyPr anchor="t">
+            <a:normAutofit/>
+          </a:bodyPr>
+          <a:lstStyle/>
+          <a:p>
+            <a:r>
+              <a:rPr lang="en-US" sz="2200" dirty="0" err="1">
+                <a:latin typeface="Times New Roman" panose="02020603050405020304" pitchFamily="18" charset="0"/>
+                <a:cs typeface="Times New Roman" panose="02020603050405020304" pitchFamily="18" charset="0"/>
+              </a:rPr>
+              <a:t>Nhận</a:t>
+            </a:r>
+            <a:r>
+              <a:rPr lang="en-US" sz="2200" dirty="0">
+                <a:latin typeface="Times New Roman" panose="02020603050405020304" pitchFamily="18" charset="0"/>
+                <a:cs typeface="Times New Roman" panose="02020603050405020304" pitchFamily="18" charset="0"/>
+              </a:rPr>
+              <a:t> </a:t>
+            </a:r>
+            <a:r>
+              <a:rPr lang="en-US" sz="2200" dirty="0" err="1">
+                <a:latin typeface="Times New Roman" panose="02020603050405020304" pitchFamily="18" charset="0"/>
+                <a:cs typeface="Times New Roman" panose="02020603050405020304" pitchFamily="18" charset="0"/>
+              </a:rPr>
+              <a:t>dạng</a:t>
+            </a:r>
+            <a:r>
+              <a:rPr lang="en-US" sz="2200" dirty="0">
+                <a:latin typeface="Times New Roman" panose="02020603050405020304" pitchFamily="18" charset="0"/>
+                <a:cs typeface="Times New Roman" panose="02020603050405020304" pitchFamily="18" charset="0"/>
+              </a:rPr>
+              <a:t> </a:t>
+            </a:r>
+            <a:r>
+              <a:rPr lang="en-US" sz="2200" dirty="0" err="1">
+                <a:latin typeface="Times New Roman" panose="02020603050405020304" pitchFamily="18" charset="0"/>
+                <a:cs typeface="Times New Roman" panose="02020603050405020304" pitchFamily="18" charset="0"/>
+              </a:rPr>
+              <a:t>với</a:t>
+            </a:r>
+            <a:r>
+              <a:rPr lang="en-US" sz="2200" dirty="0">
+                <a:latin typeface="Times New Roman" panose="02020603050405020304" pitchFamily="18" charset="0"/>
+                <a:cs typeface="Times New Roman" panose="02020603050405020304" pitchFamily="18" charset="0"/>
+              </a:rPr>
+              <a:t> </a:t>
+            </a:r>
+            <a:r>
+              <a:rPr lang="en-US" sz="2200" dirty="0" err="1">
+                <a:latin typeface="Times New Roman" panose="02020603050405020304" pitchFamily="18" charset="0"/>
+                <a:cs typeface="Times New Roman" panose="02020603050405020304" pitchFamily="18" charset="0"/>
+              </a:rPr>
+              <a:t>ảnh</a:t>
+            </a:r>
+            <a:r>
+              <a:rPr lang="en-US" sz="2200" dirty="0">
+                <a:latin typeface="Times New Roman" panose="02020603050405020304" pitchFamily="18" charset="0"/>
+                <a:cs typeface="Times New Roman" panose="02020603050405020304" pitchFamily="18" charset="0"/>
+              </a:rPr>
+              <a:t> </a:t>
+            </a:r>
+            <a:r>
+              <a:rPr lang="en-US" sz="2200" dirty="0" err="1">
+                <a:latin typeface="Times New Roman" panose="02020603050405020304" pitchFamily="18" charset="0"/>
+                <a:cs typeface="Times New Roman" panose="02020603050405020304" pitchFamily="18" charset="0"/>
+              </a:rPr>
+              <a:t>xám</a:t>
+            </a:r>
+            <a:endParaRPr lang="en-US" sz="2200" dirty="0">
+              <a:latin typeface="Times New Roman" panose="02020603050405020304" pitchFamily="18" charset="0"/>
+              <a:cs typeface="Times New Roman" panose="02020603050405020304" pitchFamily="18" charset="0"/>
+            </a:endParaRPr>
+          </a:p>
+          <a:p>
+            <a:endParaRPr lang="en-US" sz="2200" dirty="0">
+              <a:latin typeface="Times New Roman" panose="02020603050405020304" pitchFamily="18" charset="0"/>
+              <a:cs typeface="Times New Roman" panose="02020603050405020304" pitchFamily="18" charset="0"/>
+            </a:endParaRPr>
+          </a:p>
+          <a:p>
+            <a:endParaRPr lang="en-US" sz="2200" dirty="0">
+              <a:latin typeface="Times New Roman" panose="02020603050405020304" pitchFamily="18" charset="0"/>
+              <a:cs typeface="Times New Roman" panose="02020603050405020304" pitchFamily="18" charset="0"/>
+            </a:endParaRPr>
+          </a:p>
+          <a:p>
+            <a:endParaRPr lang="en-US" sz="2200" dirty="0">
+              <a:latin typeface="Times New Roman" panose="02020603050405020304" pitchFamily="18" charset="0"/>
+              <a:cs typeface="Times New Roman" panose="02020603050405020304" pitchFamily="18" charset="0"/>
+            </a:endParaRPr>
+          </a:p>
+          <a:p>
+            <a:endParaRPr lang="en-US" sz="2200" dirty="0">
+              <a:latin typeface="Times New Roman" panose="02020603050405020304" pitchFamily="18" charset="0"/>
+              <a:cs typeface="Times New Roman" panose="02020603050405020304" pitchFamily="18" charset="0"/>
+            </a:endParaRPr>
+          </a:p>
+          <a:p>
+            <a:endParaRPr lang="en-US" sz="2200" dirty="0">
+              <a:latin typeface="Times New Roman" panose="02020603050405020304" pitchFamily="18" charset="0"/>
+              <a:cs typeface="Times New Roman" panose="02020603050405020304" pitchFamily="18" charset="0"/>
+            </a:endParaRPr>
+          </a:p>
+          <a:p>
+            <a:endParaRPr lang="en-US" sz="2200" dirty="0">
+              <a:latin typeface="Times New Roman" panose="02020603050405020304" pitchFamily="18" charset="0"/>
+              <a:cs typeface="Times New Roman" panose="02020603050405020304" pitchFamily="18" charset="0"/>
+            </a:endParaRPr>
+          </a:p>
+          <a:p>
+            <a:endParaRPr lang="en-US" sz="2200" dirty="0">
+              <a:latin typeface="Times New Roman" panose="02020603050405020304" pitchFamily="18" charset="0"/>
+              <a:cs typeface="Times New Roman" panose="02020603050405020304" pitchFamily="18" charset="0"/>
+            </a:endParaRPr>
+          </a:p>
+          <a:p>
+            <a:pPr marL="324000" lvl="1" indent="0">
+              <a:buNone/>
+            </a:pPr>
+            <a:r>
+              <a:rPr lang="en-US" sz="2200" b="1" dirty="0" err="1">
+                <a:latin typeface="Times New Roman" panose="02020603050405020304" pitchFamily="18" charset="0"/>
+                <a:cs typeface="Times New Roman" panose="02020603050405020304" pitchFamily="18" charset="0"/>
+              </a:rPr>
+              <a:t>Nhận</a:t>
+            </a:r>
+            <a:r>
+              <a:rPr lang="en-US" sz="2200" b="1" dirty="0">
+                <a:latin typeface="Times New Roman" panose="02020603050405020304" pitchFamily="18" charset="0"/>
+                <a:cs typeface="Times New Roman" panose="02020603050405020304" pitchFamily="18" charset="0"/>
+              </a:rPr>
+              <a:t> </a:t>
+            </a:r>
+            <a:r>
+              <a:rPr lang="en-US" sz="2200" b="1" dirty="0" err="1">
+                <a:latin typeface="Times New Roman" panose="02020603050405020304" pitchFamily="18" charset="0"/>
+                <a:cs typeface="Times New Roman" panose="02020603050405020304" pitchFamily="18" charset="0"/>
+              </a:rPr>
+              <a:t>xét</a:t>
+            </a:r>
+            <a:r>
+              <a:rPr lang="en-US" sz="2200" dirty="0">
+                <a:latin typeface="Times New Roman" panose="02020603050405020304" pitchFamily="18" charset="0"/>
+                <a:cs typeface="Times New Roman" panose="02020603050405020304" pitchFamily="18" charset="0"/>
+              </a:rPr>
+              <a:t>: </a:t>
+            </a:r>
+            <a:r>
+              <a:rPr lang="vi-VN" sz="2200" dirty="0">
+                <a:latin typeface="Times New Roman" panose="02020603050405020304" pitchFamily="18" charset="0"/>
+                <a:cs typeface="Times New Roman" panose="02020603050405020304" pitchFamily="18" charset="0"/>
+              </a:rPr>
+              <a:t>Chương trình cho kết quả chính xác và thời gian xử lý nhanh hơn so với ảnh màu</a:t>
+            </a:r>
+          </a:p>
+        </p:txBody>
+      </p:sp>
+      <p:pic>
+        <p:nvPicPr>
+          <p:cNvPr id="4" name="Picture 3">
+            <a:extLst>
+              <a:ext uri="{FF2B5EF4-FFF2-40B4-BE49-F238E27FC236}">
+                <a16:creationId xmlns:a16="http://schemas.microsoft.com/office/drawing/2014/main" id="{7E0DB187-4882-4B09-9A86-A2A65A31CF77}"/>
+              </a:ext>
+            </a:extLst>
+          </p:cNvPr>
+          <p:cNvPicPr/>
+          <p:nvPr/>
+        </p:nvPicPr>
+        <p:blipFill>
+          <a:blip r:embed="rId2"/>
+          <a:stretch>
+            <a:fillRect/>
+          </a:stretch>
+        </p:blipFill>
+        <p:spPr>
+          <a:xfrm>
+            <a:off x="1146123" y="2645036"/>
+            <a:ext cx="4103793" cy="3345861"/>
+          </a:xfrm>
+          <a:prstGeom prst="rect">
+            <a:avLst/>
+          </a:prstGeom>
+        </p:spPr>
+      </p:pic>
+      <p:pic>
+        <p:nvPicPr>
+          <p:cNvPr id="5" name="Picture 4">
+            <a:extLst>
+              <a:ext uri="{FF2B5EF4-FFF2-40B4-BE49-F238E27FC236}">
+                <a16:creationId xmlns:a16="http://schemas.microsoft.com/office/drawing/2014/main" id="{ED4DAA09-4AB4-4AA2-90ED-C0EC4C84583E}"/>
+              </a:ext>
+            </a:extLst>
+          </p:cNvPr>
+          <p:cNvPicPr/>
+          <p:nvPr/>
+        </p:nvPicPr>
+        <p:blipFill>
+          <a:blip r:embed="rId3"/>
+          <a:stretch>
+            <a:fillRect/>
+          </a:stretch>
+        </p:blipFill>
+        <p:spPr>
+          <a:xfrm>
+            <a:off x="6096001" y="2645036"/>
+            <a:ext cx="4103794" cy="3345861"/>
+          </a:xfrm>
+          <a:prstGeom prst="rect">
+            <a:avLst/>
+          </a:prstGeom>
+        </p:spPr>
+      </p:pic>
+    </p:spTree>
+    <p:extLst>
+      <p:ext uri="{BB962C8B-B14F-4D97-AF65-F5344CB8AC3E}">
+        <p14:creationId xmlns:p14="http://schemas.microsoft.com/office/powerpoint/2010/main" val="2178825062"/>
+      </p:ext>
+    </p:extLst>
+  </p:cSld>
+  <p:clrMapOvr>
+    <a:masterClrMapping/>
+  </p:clrMapOvr>
+</p:sld>
+</file>
+
+<file path=ppt/slides/slide16.xml><?xml version="1.0" encoding="utf-8"?>
+<p:sld xmlns:a="http://schemas.openxmlformats.org/drawingml/2006/main" xmlns:r="http://schemas.openxmlformats.org/officeDocument/2006/relationships" xmlns:p="http://schemas.openxmlformats.org/presentationml/2006/main">
+  <p:cSld>
+    <p:spTree>
+      <p:nvGrpSpPr>
+        <p:cNvPr id="1" name=""/>
+        <p:cNvGrpSpPr/>
+        <p:nvPr/>
+      </p:nvGrpSpPr>
+      <p:grpSpPr>
+        <a:xfrm>
+          <a:off x="0" y="0"/>
+          <a:ext cx="0" cy="0"/>
+          <a:chOff x="0" y="0"/>
+          <a:chExt cx="0" cy="0"/>
+        </a:xfrm>
+      </p:grpSpPr>
+      <p:sp>
+        <p:nvSpPr>
+          <p:cNvPr id="2" name="Title 1">
+            <a:extLst>
+              <a:ext uri="{FF2B5EF4-FFF2-40B4-BE49-F238E27FC236}">
+                <a16:creationId xmlns:a16="http://schemas.microsoft.com/office/drawing/2014/main" id="{64A2D262-E7A5-4B15-B426-9EB47382C1B5}"/>
+              </a:ext>
+            </a:extLst>
+          </p:cNvPr>
+          <p:cNvSpPr>
+            <a:spLocks noGrp="1"/>
+          </p:cNvSpPr>
+          <p:nvPr>
+            <p:ph type="title"/>
+          </p:nvPr>
+        </p:nvSpPr>
+        <p:spPr/>
+        <p:txBody>
+          <a:bodyPr anchor="ctr">
+            <a:normAutofit/>
+          </a:bodyPr>
+          <a:lstStyle/>
+          <a:p>
+            <a:pPr marL="514350" indent="-514350">
+              <a:buFont typeface="+mj-lt"/>
+              <a:buAutoNum type="romanUcPeriod" startAt="3"/>
+            </a:pPr>
+            <a:r>
+              <a:rPr lang="en-US" sz="2200" b="1" dirty="0">
+                <a:latin typeface="Times New Roman" panose="02020603050405020304" pitchFamily="18" charset="0"/>
+                <a:cs typeface="Times New Roman" panose="02020603050405020304" pitchFamily="18" charset="0"/>
+              </a:rPr>
+              <a:t>THỰC NGHIỆM BÀI TOÁN</a:t>
+            </a:r>
+          </a:p>
+        </p:txBody>
+      </p:sp>
+      <p:sp>
+        <p:nvSpPr>
+          <p:cNvPr id="3" name="Content Placeholder 2">
+            <a:extLst>
+              <a:ext uri="{FF2B5EF4-FFF2-40B4-BE49-F238E27FC236}">
+                <a16:creationId xmlns:a16="http://schemas.microsoft.com/office/drawing/2014/main" id="{875B1CA3-14AD-4D49-80AF-8958CE5E5D99}"/>
+              </a:ext>
+            </a:extLst>
+          </p:cNvPr>
+          <p:cNvSpPr>
+            <a:spLocks noGrp="1"/>
+          </p:cNvSpPr>
+          <p:nvPr>
+            <p:ph idx="1"/>
+          </p:nvPr>
+        </p:nvSpPr>
+        <p:spPr>
+          <a:xfrm>
+            <a:off x="581192" y="2180496"/>
+            <a:ext cx="11029615" cy="4488318"/>
+          </a:xfrm>
+        </p:spPr>
+        <p:txBody>
+          <a:bodyPr anchor="t">
+            <a:normAutofit/>
+          </a:bodyPr>
+          <a:lstStyle/>
+          <a:p>
+            <a:r>
+              <a:rPr lang="en-US" sz="2200" dirty="0" err="1">
+                <a:latin typeface="Times New Roman" panose="02020603050405020304" pitchFamily="18" charset="0"/>
+                <a:cs typeface="Times New Roman" panose="02020603050405020304" pitchFamily="18" charset="0"/>
+              </a:rPr>
+              <a:t>Nhận</a:t>
+            </a:r>
+            <a:r>
+              <a:rPr lang="en-US" sz="2200" dirty="0">
+                <a:latin typeface="Times New Roman" panose="02020603050405020304" pitchFamily="18" charset="0"/>
+                <a:cs typeface="Times New Roman" panose="02020603050405020304" pitchFamily="18" charset="0"/>
+              </a:rPr>
+              <a:t> </a:t>
+            </a:r>
+            <a:r>
+              <a:rPr lang="en-US" sz="2200" dirty="0" err="1">
+                <a:latin typeface="Times New Roman" panose="02020603050405020304" pitchFamily="18" charset="0"/>
+                <a:cs typeface="Times New Roman" panose="02020603050405020304" pitchFamily="18" charset="0"/>
+              </a:rPr>
+              <a:t>dạng</a:t>
+            </a:r>
+            <a:r>
+              <a:rPr lang="en-US" sz="2200" dirty="0">
+                <a:latin typeface="Times New Roman" panose="02020603050405020304" pitchFamily="18" charset="0"/>
+                <a:cs typeface="Times New Roman" panose="02020603050405020304" pitchFamily="18" charset="0"/>
+              </a:rPr>
+              <a:t> </a:t>
+            </a:r>
+            <a:r>
+              <a:rPr lang="en-US" sz="2200" dirty="0" err="1">
+                <a:latin typeface="Times New Roman" panose="02020603050405020304" pitchFamily="18" charset="0"/>
+                <a:cs typeface="Times New Roman" panose="02020603050405020304" pitchFamily="18" charset="0"/>
+              </a:rPr>
+              <a:t>với</a:t>
+            </a:r>
+            <a:r>
+              <a:rPr lang="en-US" sz="2200" dirty="0">
+                <a:latin typeface="Times New Roman" panose="02020603050405020304" pitchFamily="18" charset="0"/>
+                <a:cs typeface="Times New Roman" panose="02020603050405020304" pitchFamily="18" charset="0"/>
+              </a:rPr>
+              <a:t> </a:t>
+            </a:r>
+            <a:r>
+              <a:rPr lang="en-US" sz="2200" dirty="0" err="1">
+                <a:latin typeface="Times New Roman" panose="02020603050405020304" pitchFamily="18" charset="0"/>
+                <a:cs typeface="Times New Roman" panose="02020603050405020304" pitchFamily="18" charset="0"/>
+              </a:rPr>
+              <a:t>ảnh</a:t>
+            </a:r>
+            <a:r>
+              <a:rPr lang="en-US" sz="2200" dirty="0">
+                <a:latin typeface="Times New Roman" panose="02020603050405020304" pitchFamily="18" charset="0"/>
+                <a:cs typeface="Times New Roman" panose="02020603050405020304" pitchFamily="18" charset="0"/>
+              </a:rPr>
+              <a:t> </a:t>
+            </a:r>
+            <a:r>
+              <a:rPr lang="en-US" sz="2200" dirty="0" err="1">
+                <a:latin typeface="Times New Roman" panose="02020603050405020304" pitchFamily="18" charset="0"/>
+                <a:cs typeface="Times New Roman" panose="02020603050405020304" pitchFamily="18" charset="0"/>
+              </a:rPr>
+              <a:t>chụp</a:t>
+            </a:r>
+            <a:r>
+              <a:rPr lang="en-US" sz="2200" dirty="0">
+                <a:latin typeface="Times New Roman" panose="02020603050405020304" pitchFamily="18" charset="0"/>
+                <a:cs typeface="Times New Roman" panose="02020603050405020304" pitchFamily="18" charset="0"/>
+              </a:rPr>
+              <a:t> </a:t>
+            </a:r>
+            <a:r>
+              <a:rPr lang="en-US" sz="2200" dirty="0" err="1">
+                <a:latin typeface="Times New Roman" panose="02020603050405020304" pitchFamily="18" charset="0"/>
+                <a:cs typeface="Times New Roman" panose="02020603050405020304" pitchFamily="18" charset="0"/>
+              </a:rPr>
+              <a:t>trong</a:t>
+            </a:r>
+            <a:r>
+              <a:rPr lang="en-US" sz="2200" dirty="0">
+                <a:latin typeface="Times New Roman" panose="02020603050405020304" pitchFamily="18" charset="0"/>
+                <a:cs typeface="Times New Roman" panose="02020603050405020304" pitchFamily="18" charset="0"/>
+              </a:rPr>
+              <a:t> </a:t>
+            </a:r>
+            <a:r>
+              <a:rPr lang="en-US" sz="2200" dirty="0" err="1">
+                <a:latin typeface="Times New Roman" panose="02020603050405020304" pitchFamily="18" charset="0"/>
+                <a:cs typeface="Times New Roman" panose="02020603050405020304" pitchFamily="18" charset="0"/>
+              </a:rPr>
+              <a:t>điều</a:t>
+            </a:r>
+            <a:r>
+              <a:rPr lang="en-US" sz="2200" dirty="0">
+                <a:latin typeface="Times New Roman" panose="02020603050405020304" pitchFamily="18" charset="0"/>
+                <a:cs typeface="Times New Roman" panose="02020603050405020304" pitchFamily="18" charset="0"/>
+              </a:rPr>
+              <a:t> </a:t>
+            </a:r>
+            <a:r>
+              <a:rPr lang="en-US" sz="2200" dirty="0" err="1">
+                <a:latin typeface="Times New Roman" panose="02020603050405020304" pitchFamily="18" charset="0"/>
+                <a:cs typeface="Times New Roman" panose="02020603050405020304" pitchFamily="18" charset="0"/>
+              </a:rPr>
+              <a:t>kiện</a:t>
+            </a:r>
+            <a:r>
+              <a:rPr lang="en-US" sz="2200" dirty="0">
+                <a:latin typeface="Times New Roman" panose="02020603050405020304" pitchFamily="18" charset="0"/>
+                <a:cs typeface="Times New Roman" panose="02020603050405020304" pitchFamily="18" charset="0"/>
+              </a:rPr>
+              <a:t> </a:t>
+            </a:r>
+            <a:r>
+              <a:rPr lang="en-US" sz="2200" dirty="0" err="1">
+                <a:latin typeface="Times New Roman" panose="02020603050405020304" pitchFamily="18" charset="0"/>
+                <a:cs typeface="Times New Roman" panose="02020603050405020304" pitchFamily="18" charset="0"/>
+              </a:rPr>
+              <a:t>chiếu</a:t>
+            </a:r>
+            <a:r>
+              <a:rPr lang="en-US" sz="2200" dirty="0">
+                <a:latin typeface="Times New Roman" panose="02020603050405020304" pitchFamily="18" charset="0"/>
+                <a:cs typeface="Times New Roman" panose="02020603050405020304" pitchFamily="18" charset="0"/>
+              </a:rPr>
+              <a:t> </a:t>
+            </a:r>
+            <a:r>
+              <a:rPr lang="en-US" sz="2200" dirty="0" err="1">
+                <a:latin typeface="Times New Roman" panose="02020603050405020304" pitchFamily="18" charset="0"/>
+                <a:cs typeface="Times New Roman" panose="02020603050405020304" pitchFamily="18" charset="0"/>
+              </a:rPr>
+              <a:t>sáng</a:t>
+            </a:r>
+            <a:r>
+              <a:rPr lang="en-US" sz="2200" dirty="0">
+                <a:latin typeface="Times New Roman" panose="02020603050405020304" pitchFamily="18" charset="0"/>
+                <a:cs typeface="Times New Roman" panose="02020603050405020304" pitchFamily="18" charset="0"/>
+              </a:rPr>
+              <a:t> </a:t>
+            </a:r>
+            <a:r>
+              <a:rPr lang="en-US" sz="2200" dirty="0" err="1">
+                <a:latin typeface="Times New Roman" panose="02020603050405020304" pitchFamily="18" charset="0"/>
+                <a:cs typeface="Times New Roman" panose="02020603050405020304" pitchFamily="18" charset="0"/>
+              </a:rPr>
+              <a:t>thấp</a:t>
+            </a:r>
+            <a:endParaRPr lang="en-US" sz="2200" dirty="0">
+              <a:latin typeface="Times New Roman" panose="02020603050405020304" pitchFamily="18" charset="0"/>
+              <a:cs typeface="Times New Roman" panose="02020603050405020304" pitchFamily="18" charset="0"/>
+            </a:endParaRPr>
+          </a:p>
+          <a:p>
+            <a:endParaRPr lang="en-US" sz="2200" dirty="0">
+              <a:latin typeface="Times New Roman" panose="02020603050405020304" pitchFamily="18" charset="0"/>
+              <a:cs typeface="Times New Roman" panose="02020603050405020304" pitchFamily="18" charset="0"/>
+            </a:endParaRPr>
+          </a:p>
+          <a:p>
+            <a:endParaRPr lang="en-US" sz="2200" dirty="0">
+              <a:latin typeface="Times New Roman" panose="02020603050405020304" pitchFamily="18" charset="0"/>
+              <a:cs typeface="Times New Roman" panose="02020603050405020304" pitchFamily="18" charset="0"/>
+            </a:endParaRPr>
+          </a:p>
+          <a:p>
+            <a:endParaRPr lang="en-US" sz="2200" dirty="0">
+              <a:latin typeface="Times New Roman" panose="02020603050405020304" pitchFamily="18" charset="0"/>
+              <a:cs typeface="Times New Roman" panose="02020603050405020304" pitchFamily="18" charset="0"/>
+            </a:endParaRPr>
+          </a:p>
+          <a:p>
+            <a:endParaRPr lang="en-US" sz="2200" dirty="0">
+              <a:latin typeface="Times New Roman" panose="02020603050405020304" pitchFamily="18" charset="0"/>
+              <a:cs typeface="Times New Roman" panose="02020603050405020304" pitchFamily="18" charset="0"/>
+            </a:endParaRPr>
+          </a:p>
+          <a:p>
+            <a:endParaRPr lang="en-US" sz="2200" dirty="0">
+              <a:latin typeface="Times New Roman" panose="02020603050405020304" pitchFamily="18" charset="0"/>
+              <a:cs typeface="Times New Roman" panose="02020603050405020304" pitchFamily="18" charset="0"/>
+            </a:endParaRPr>
+          </a:p>
+          <a:p>
+            <a:endParaRPr lang="en-US" sz="2200" dirty="0">
+              <a:latin typeface="Times New Roman" panose="02020603050405020304" pitchFamily="18" charset="0"/>
+              <a:cs typeface="Times New Roman" panose="02020603050405020304" pitchFamily="18" charset="0"/>
+            </a:endParaRPr>
+          </a:p>
+          <a:p>
+            <a:pPr marL="324000" lvl="1" indent="0" algn="just">
+              <a:buNone/>
+            </a:pPr>
+            <a:r>
+              <a:rPr lang="en-US" sz="2200" b="1" dirty="0" err="1">
+                <a:latin typeface="Times New Roman" panose="02020603050405020304" pitchFamily="18" charset="0"/>
+                <a:cs typeface="Times New Roman" panose="02020603050405020304" pitchFamily="18" charset="0"/>
+              </a:rPr>
+              <a:t>Nhận</a:t>
+            </a:r>
+            <a:r>
+              <a:rPr lang="en-US" sz="2200" b="1" dirty="0">
+                <a:latin typeface="Times New Roman" panose="02020603050405020304" pitchFamily="18" charset="0"/>
+                <a:cs typeface="Times New Roman" panose="02020603050405020304" pitchFamily="18" charset="0"/>
+              </a:rPr>
+              <a:t> </a:t>
+            </a:r>
+            <a:r>
+              <a:rPr lang="en-US" sz="2200" b="1" dirty="0" err="1">
+                <a:latin typeface="Times New Roman" panose="02020603050405020304" pitchFamily="18" charset="0"/>
+                <a:cs typeface="Times New Roman" panose="02020603050405020304" pitchFamily="18" charset="0"/>
+              </a:rPr>
+              <a:t>xét</a:t>
+            </a:r>
+            <a:r>
+              <a:rPr lang="en-US" sz="2200" dirty="0">
+                <a:latin typeface="Times New Roman" panose="02020603050405020304" pitchFamily="18" charset="0"/>
+                <a:cs typeface="Times New Roman" panose="02020603050405020304" pitchFamily="18" charset="0"/>
+              </a:rPr>
+              <a:t>: </a:t>
+            </a:r>
+            <a:r>
+              <a:rPr lang="en-US" sz="2200" dirty="0" err="1">
+                <a:latin typeface="Times New Roman" panose="02020603050405020304" pitchFamily="18" charset="0"/>
+                <a:cs typeface="Times New Roman" panose="02020603050405020304" pitchFamily="18" charset="0"/>
+              </a:rPr>
+              <a:t>Độ</a:t>
+            </a:r>
+            <a:r>
+              <a:rPr lang="en-US" sz="2200" dirty="0">
+                <a:latin typeface="Times New Roman" panose="02020603050405020304" pitchFamily="18" charset="0"/>
+                <a:cs typeface="Times New Roman" panose="02020603050405020304" pitchFamily="18" charset="0"/>
+              </a:rPr>
+              <a:t> </a:t>
+            </a:r>
+            <a:r>
+              <a:rPr lang="en-US" sz="2200" dirty="0" err="1">
+                <a:latin typeface="Times New Roman" panose="02020603050405020304" pitchFamily="18" charset="0"/>
+                <a:cs typeface="Times New Roman" panose="02020603050405020304" pitchFamily="18" charset="0"/>
+              </a:rPr>
+              <a:t>chính</a:t>
+            </a:r>
+            <a:r>
+              <a:rPr lang="en-US" sz="2200" dirty="0">
+                <a:latin typeface="Times New Roman" panose="02020603050405020304" pitchFamily="18" charset="0"/>
+                <a:cs typeface="Times New Roman" panose="02020603050405020304" pitchFamily="18" charset="0"/>
+              </a:rPr>
+              <a:t> </a:t>
+            </a:r>
+            <a:r>
+              <a:rPr lang="en-US" sz="2200" dirty="0" err="1">
+                <a:latin typeface="Times New Roman" panose="02020603050405020304" pitchFamily="18" charset="0"/>
+                <a:cs typeface="Times New Roman" panose="02020603050405020304" pitchFamily="18" charset="0"/>
+              </a:rPr>
+              <a:t>xác</a:t>
+            </a:r>
+            <a:r>
+              <a:rPr lang="en-US" sz="2200" dirty="0">
+                <a:latin typeface="Times New Roman" panose="02020603050405020304" pitchFamily="18" charset="0"/>
+                <a:cs typeface="Times New Roman" panose="02020603050405020304" pitchFamily="18" charset="0"/>
+              </a:rPr>
+              <a:t> </a:t>
+            </a:r>
+            <a:r>
+              <a:rPr lang="en-US" sz="2200" dirty="0" err="1">
+                <a:latin typeface="Times New Roman" panose="02020603050405020304" pitchFamily="18" charset="0"/>
+                <a:cs typeface="Times New Roman" panose="02020603050405020304" pitchFamily="18" charset="0"/>
+              </a:rPr>
+              <a:t>của</a:t>
+            </a:r>
+            <a:r>
+              <a:rPr lang="en-US" sz="2200" dirty="0">
+                <a:latin typeface="Times New Roman" panose="02020603050405020304" pitchFamily="18" charset="0"/>
+                <a:cs typeface="Times New Roman" panose="02020603050405020304" pitchFamily="18" charset="0"/>
+              </a:rPr>
+              <a:t> </a:t>
+            </a:r>
+            <a:r>
+              <a:rPr lang="en-US" sz="2200" dirty="0" err="1">
+                <a:latin typeface="Times New Roman" panose="02020603050405020304" pitchFamily="18" charset="0"/>
+                <a:cs typeface="Times New Roman" panose="02020603050405020304" pitchFamily="18" charset="0"/>
+              </a:rPr>
+              <a:t>chương</a:t>
+            </a:r>
+            <a:r>
+              <a:rPr lang="en-US" sz="2200" dirty="0">
+                <a:latin typeface="Times New Roman" panose="02020603050405020304" pitchFamily="18" charset="0"/>
+                <a:cs typeface="Times New Roman" panose="02020603050405020304" pitchFamily="18" charset="0"/>
+              </a:rPr>
+              <a:t> </a:t>
+            </a:r>
+            <a:r>
+              <a:rPr lang="en-US" sz="2200" dirty="0" err="1">
+                <a:latin typeface="Times New Roman" panose="02020603050405020304" pitchFamily="18" charset="0"/>
+                <a:cs typeface="Times New Roman" panose="02020603050405020304" pitchFamily="18" charset="0"/>
+              </a:rPr>
+              <a:t>trình</a:t>
+            </a:r>
+            <a:r>
+              <a:rPr lang="en-US" sz="2200" dirty="0">
+                <a:latin typeface="Times New Roman" panose="02020603050405020304" pitchFamily="18" charset="0"/>
+                <a:cs typeface="Times New Roman" panose="02020603050405020304" pitchFamily="18" charset="0"/>
+              </a:rPr>
+              <a:t> </a:t>
+            </a:r>
+            <a:r>
+              <a:rPr lang="en-US" sz="2200" dirty="0" err="1">
+                <a:latin typeface="Times New Roman" panose="02020603050405020304" pitchFamily="18" charset="0"/>
+                <a:cs typeface="Times New Roman" panose="02020603050405020304" pitchFamily="18" charset="0"/>
+              </a:rPr>
+              <a:t>ảnh</a:t>
+            </a:r>
+            <a:r>
+              <a:rPr lang="en-US" sz="2200" dirty="0">
+                <a:latin typeface="Times New Roman" panose="02020603050405020304" pitchFamily="18" charset="0"/>
+                <a:cs typeface="Times New Roman" panose="02020603050405020304" pitchFamily="18" charset="0"/>
+              </a:rPr>
+              <a:t> </a:t>
+            </a:r>
+            <a:r>
+              <a:rPr lang="en-US" sz="2200" dirty="0" err="1">
+                <a:latin typeface="Times New Roman" panose="02020603050405020304" pitchFamily="18" charset="0"/>
+                <a:cs typeface="Times New Roman" panose="02020603050405020304" pitchFamily="18" charset="0"/>
+              </a:rPr>
+              <a:t>hưởng</a:t>
+            </a:r>
+            <a:r>
+              <a:rPr lang="en-US" sz="2200" dirty="0">
+                <a:latin typeface="Times New Roman" panose="02020603050405020304" pitchFamily="18" charset="0"/>
+                <a:cs typeface="Times New Roman" panose="02020603050405020304" pitchFamily="18" charset="0"/>
+              </a:rPr>
+              <a:t> </a:t>
+            </a:r>
+            <a:r>
+              <a:rPr lang="en-US" sz="2200" dirty="0" err="1">
+                <a:latin typeface="Times New Roman" panose="02020603050405020304" pitchFamily="18" charset="0"/>
+                <a:cs typeface="Times New Roman" panose="02020603050405020304" pitchFamily="18" charset="0"/>
+              </a:rPr>
+              <a:t>bởi</a:t>
+            </a:r>
+            <a:r>
+              <a:rPr lang="en-US" sz="2200" dirty="0">
+                <a:latin typeface="Times New Roman" panose="02020603050405020304" pitchFamily="18" charset="0"/>
+                <a:cs typeface="Times New Roman" panose="02020603050405020304" pitchFamily="18" charset="0"/>
+              </a:rPr>
+              <a:t> </a:t>
+            </a:r>
+            <a:r>
+              <a:rPr lang="en-US" sz="2200" dirty="0" err="1">
+                <a:latin typeface="Times New Roman" panose="02020603050405020304" pitchFamily="18" charset="0"/>
+                <a:cs typeface="Times New Roman" panose="02020603050405020304" pitchFamily="18" charset="0"/>
+              </a:rPr>
+              <a:t>điều</a:t>
+            </a:r>
+            <a:r>
+              <a:rPr lang="en-US" sz="2200" dirty="0">
+                <a:latin typeface="Times New Roman" panose="02020603050405020304" pitchFamily="18" charset="0"/>
+                <a:cs typeface="Times New Roman" panose="02020603050405020304" pitchFamily="18" charset="0"/>
+              </a:rPr>
+              <a:t> </a:t>
+            </a:r>
+            <a:r>
+              <a:rPr lang="en-US" sz="2200" dirty="0" err="1">
+                <a:latin typeface="Times New Roman" panose="02020603050405020304" pitchFamily="18" charset="0"/>
+                <a:cs typeface="Times New Roman" panose="02020603050405020304" pitchFamily="18" charset="0"/>
+              </a:rPr>
+              <a:t>kiện</a:t>
+            </a:r>
+            <a:r>
+              <a:rPr lang="en-US" sz="2200" dirty="0">
+                <a:latin typeface="Times New Roman" panose="02020603050405020304" pitchFamily="18" charset="0"/>
+                <a:cs typeface="Times New Roman" panose="02020603050405020304" pitchFamily="18" charset="0"/>
+              </a:rPr>
+              <a:t> </a:t>
+            </a:r>
+            <a:r>
+              <a:rPr lang="en-US" sz="2200" dirty="0" err="1">
+                <a:latin typeface="Times New Roman" panose="02020603050405020304" pitchFamily="18" charset="0"/>
+                <a:cs typeface="Times New Roman" panose="02020603050405020304" pitchFamily="18" charset="0"/>
+              </a:rPr>
+              <a:t>chiếu</a:t>
+            </a:r>
+            <a:r>
+              <a:rPr lang="en-US" sz="2200" dirty="0">
+                <a:latin typeface="Times New Roman" panose="02020603050405020304" pitchFamily="18" charset="0"/>
+                <a:cs typeface="Times New Roman" panose="02020603050405020304" pitchFamily="18" charset="0"/>
+              </a:rPr>
+              <a:t> </a:t>
+            </a:r>
+            <a:r>
+              <a:rPr lang="en-US" sz="2200" dirty="0" err="1">
+                <a:latin typeface="Times New Roman" panose="02020603050405020304" pitchFamily="18" charset="0"/>
+                <a:cs typeface="Times New Roman" panose="02020603050405020304" pitchFamily="18" charset="0"/>
+              </a:rPr>
+              <a:t>sáng</a:t>
+            </a:r>
+            <a:r>
+              <a:rPr lang="en-US" sz="2200" dirty="0">
+                <a:latin typeface="Times New Roman" panose="02020603050405020304" pitchFamily="18" charset="0"/>
+                <a:cs typeface="Times New Roman" panose="02020603050405020304" pitchFamily="18" charset="0"/>
+              </a:rPr>
+              <a:t> </a:t>
+            </a:r>
+            <a:r>
+              <a:rPr lang="en-US" sz="2200" dirty="0" err="1">
+                <a:latin typeface="Times New Roman" panose="02020603050405020304" pitchFamily="18" charset="0"/>
+                <a:cs typeface="Times New Roman" panose="02020603050405020304" pitchFamily="18" charset="0"/>
+              </a:rPr>
+              <a:t>của</a:t>
+            </a:r>
+            <a:r>
+              <a:rPr lang="en-US" sz="2200" dirty="0">
+                <a:latin typeface="Times New Roman" panose="02020603050405020304" pitchFamily="18" charset="0"/>
+                <a:cs typeface="Times New Roman" panose="02020603050405020304" pitchFamily="18" charset="0"/>
+              </a:rPr>
+              <a:t> </a:t>
+            </a:r>
+            <a:r>
+              <a:rPr lang="en-US" sz="2200" dirty="0" err="1">
+                <a:latin typeface="Times New Roman" panose="02020603050405020304" pitchFamily="18" charset="0"/>
+                <a:cs typeface="Times New Roman" panose="02020603050405020304" pitchFamily="18" charset="0"/>
+              </a:rPr>
+              <a:t>bức</a:t>
+            </a:r>
+            <a:r>
+              <a:rPr lang="en-US" sz="2200" dirty="0">
+                <a:latin typeface="Times New Roman" panose="02020603050405020304" pitchFamily="18" charset="0"/>
+                <a:cs typeface="Times New Roman" panose="02020603050405020304" pitchFamily="18" charset="0"/>
+              </a:rPr>
+              <a:t> </a:t>
+            </a:r>
+            <a:r>
+              <a:rPr lang="en-US" sz="2200" dirty="0" err="1">
+                <a:latin typeface="Times New Roman" panose="02020603050405020304" pitchFamily="18" charset="0"/>
+                <a:cs typeface="Times New Roman" panose="02020603050405020304" pitchFamily="18" charset="0"/>
+              </a:rPr>
+              <a:t>ảnh</a:t>
+            </a:r>
+            <a:r>
+              <a:rPr lang="en-US" sz="2200" dirty="0">
+                <a:latin typeface="Times New Roman" panose="02020603050405020304" pitchFamily="18" charset="0"/>
+                <a:cs typeface="Times New Roman" panose="02020603050405020304" pitchFamily="18" charset="0"/>
+              </a:rPr>
+              <a:t>. </a:t>
+            </a:r>
+            <a:r>
+              <a:rPr lang="en-US" sz="2200" dirty="0" err="1">
+                <a:latin typeface="Times New Roman" panose="02020603050405020304" pitchFamily="18" charset="0"/>
+                <a:cs typeface="Times New Roman" panose="02020603050405020304" pitchFamily="18" charset="0"/>
+              </a:rPr>
+              <a:t>Với</a:t>
+            </a:r>
+            <a:r>
+              <a:rPr lang="en-US" sz="2200" dirty="0">
+                <a:latin typeface="Times New Roman" panose="02020603050405020304" pitchFamily="18" charset="0"/>
+                <a:cs typeface="Times New Roman" panose="02020603050405020304" pitchFamily="18" charset="0"/>
+              </a:rPr>
+              <a:t> </a:t>
+            </a:r>
+            <a:r>
+              <a:rPr lang="en-US" sz="2200" dirty="0" err="1">
+                <a:latin typeface="Times New Roman" panose="02020603050405020304" pitchFamily="18" charset="0"/>
+                <a:cs typeface="Times New Roman" panose="02020603050405020304" pitchFamily="18" charset="0"/>
+              </a:rPr>
+              <a:t>những</a:t>
+            </a:r>
+            <a:r>
+              <a:rPr lang="en-US" sz="2200" dirty="0">
+                <a:latin typeface="Times New Roman" panose="02020603050405020304" pitchFamily="18" charset="0"/>
+                <a:cs typeface="Times New Roman" panose="02020603050405020304" pitchFamily="18" charset="0"/>
+              </a:rPr>
+              <a:t> </a:t>
+            </a:r>
+            <a:r>
+              <a:rPr lang="en-US" sz="2200" dirty="0" err="1">
+                <a:latin typeface="Times New Roman" panose="02020603050405020304" pitchFamily="18" charset="0"/>
+                <a:cs typeface="Times New Roman" panose="02020603050405020304" pitchFamily="18" charset="0"/>
+              </a:rPr>
+              <a:t>bức</a:t>
+            </a:r>
+            <a:r>
+              <a:rPr lang="en-US" sz="2200" dirty="0">
+                <a:latin typeface="Times New Roman" panose="02020603050405020304" pitchFamily="18" charset="0"/>
+                <a:cs typeface="Times New Roman" panose="02020603050405020304" pitchFamily="18" charset="0"/>
+              </a:rPr>
+              <a:t> </a:t>
+            </a:r>
+            <a:r>
+              <a:rPr lang="en-US" sz="2200" dirty="0" err="1">
+                <a:latin typeface="Times New Roman" panose="02020603050405020304" pitchFamily="18" charset="0"/>
+                <a:cs typeface="Times New Roman" panose="02020603050405020304" pitchFamily="18" charset="0"/>
+              </a:rPr>
+              <a:t>ảnh</a:t>
+            </a:r>
+            <a:r>
+              <a:rPr lang="en-US" sz="2200" dirty="0">
+                <a:latin typeface="Times New Roman" panose="02020603050405020304" pitchFamily="18" charset="0"/>
+                <a:cs typeface="Times New Roman" panose="02020603050405020304" pitchFamily="18" charset="0"/>
+              </a:rPr>
+              <a:t> </a:t>
+            </a:r>
+            <a:r>
+              <a:rPr lang="en-US" sz="2200" dirty="0" err="1">
+                <a:latin typeface="Times New Roman" panose="02020603050405020304" pitchFamily="18" charset="0"/>
+                <a:cs typeface="Times New Roman" panose="02020603050405020304" pitchFamily="18" charset="0"/>
+              </a:rPr>
+              <a:t>được</a:t>
+            </a:r>
+            <a:r>
+              <a:rPr lang="en-US" sz="2200" dirty="0">
+                <a:latin typeface="Times New Roman" panose="02020603050405020304" pitchFamily="18" charset="0"/>
+                <a:cs typeface="Times New Roman" panose="02020603050405020304" pitchFamily="18" charset="0"/>
+              </a:rPr>
+              <a:t> </a:t>
+            </a:r>
+            <a:r>
+              <a:rPr lang="en-US" sz="2200" dirty="0" err="1">
+                <a:latin typeface="Times New Roman" panose="02020603050405020304" pitchFamily="18" charset="0"/>
+                <a:cs typeface="Times New Roman" panose="02020603050405020304" pitchFamily="18" charset="0"/>
+              </a:rPr>
+              <a:t>chụp</a:t>
+            </a:r>
+            <a:r>
+              <a:rPr lang="en-US" sz="2200" dirty="0">
+                <a:latin typeface="Times New Roman" panose="02020603050405020304" pitchFamily="18" charset="0"/>
+                <a:cs typeface="Times New Roman" panose="02020603050405020304" pitchFamily="18" charset="0"/>
+              </a:rPr>
+              <a:t> </a:t>
+            </a:r>
+            <a:r>
+              <a:rPr lang="en-US" sz="2200" dirty="0" err="1">
+                <a:latin typeface="Times New Roman" panose="02020603050405020304" pitchFamily="18" charset="0"/>
+                <a:cs typeface="Times New Roman" panose="02020603050405020304" pitchFamily="18" charset="0"/>
+              </a:rPr>
+              <a:t>trong</a:t>
+            </a:r>
+            <a:r>
+              <a:rPr lang="en-US" sz="2200" dirty="0">
+                <a:latin typeface="Times New Roman" panose="02020603050405020304" pitchFamily="18" charset="0"/>
+                <a:cs typeface="Times New Roman" panose="02020603050405020304" pitchFamily="18" charset="0"/>
+              </a:rPr>
+              <a:t> </a:t>
+            </a:r>
+            <a:r>
+              <a:rPr lang="en-US" sz="2200" dirty="0" err="1">
+                <a:latin typeface="Times New Roman" panose="02020603050405020304" pitchFamily="18" charset="0"/>
+                <a:cs typeface="Times New Roman" panose="02020603050405020304" pitchFamily="18" charset="0"/>
+              </a:rPr>
+              <a:t>điều</a:t>
+            </a:r>
+            <a:r>
+              <a:rPr lang="en-US" sz="2200" dirty="0">
+                <a:latin typeface="Times New Roman" panose="02020603050405020304" pitchFamily="18" charset="0"/>
+                <a:cs typeface="Times New Roman" panose="02020603050405020304" pitchFamily="18" charset="0"/>
+              </a:rPr>
+              <a:t> </a:t>
+            </a:r>
+            <a:r>
+              <a:rPr lang="en-US" sz="2200" dirty="0" err="1">
+                <a:latin typeface="Times New Roman" panose="02020603050405020304" pitchFamily="18" charset="0"/>
+                <a:cs typeface="Times New Roman" panose="02020603050405020304" pitchFamily="18" charset="0"/>
+              </a:rPr>
+              <a:t>kiện</a:t>
+            </a:r>
+            <a:r>
+              <a:rPr lang="en-US" sz="2200" dirty="0">
+                <a:latin typeface="Times New Roman" panose="02020603050405020304" pitchFamily="18" charset="0"/>
+                <a:cs typeface="Times New Roman" panose="02020603050405020304" pitchFamily="18" charset="0"/>
+              </a:rPr>
+              <a:t> </a:t>
+            </a:r>
+            <a:r>
+              <a:rPr lang="en-US" sz="2200" dirty="0" err="1">
+                <a:latin typeface="Times New Roman" panose="02020603050405020304" pitchFamily="18" charset="0"/>
+                <a:cs typeface="Times New Roman" panose="02020603050405020304" pitchFamily="18" charset="0"/>
+              </a:rPr>
+              <a:t>thiếu</a:t>
+            </a:r>
+            <a:r>
+              <a:rPr lang="en-US" sz="2200" dirty="0">
+                <a:latin typeface="Times New Roman" panose="02020603050405020304" pitchFamily="18" charset="0"/>
+                <a:cs typeface="Times New Roman" panose="02020603050405020304" pitchFamily="18" charset="0"/>
+              </a:rPr>
+              <a:t> </a:t>
+            </a:r>
+            <a:r>
+              <a:rPr lang="en-US" sz="2200" dirty="0" err="1">
+                <a:latin typeface="Times New Roman" panose="02020603050405020304" pitchFamily="18" charset="0"/>
+                <a:cs typeface="Times New Roman" panose="02020603050405020304" pitchFamily="18" charset="0"/>
+              </a:rPr>
+              <a:t>ánh</a:t>
+            </a:r>
+            <a:r>
+              <a:rPr lang="en-US" sz="2200" dirty="0">
+                <a:latin typeface="Times New Roman" panose="02020603050405020304" pitchFamily="18" charset="0"/>
+                <a:cs typeface="Times New Roman" panose="02020603050405020304" pitchFamily="18" charset="0"/>
+              </a:rPr>
+              <a:t> </a:t>
+            </a:r>
+            <a:r>
+              <a:rPr lang="en-US" sz="2200" dirty="0" err="1">
+                <a:latin typeface="Times New Roman" panose="02020603050405020304" pitchFamily="18" charset="0"/>
+                <a:cs typeface="Times New Roman" panose="02020603050405020304" pitchFamily="18" charset="0"/>
+              </a:rPr>
+              <a:t>sáng</a:t>
+            </a:r>
+            <a:r>
+              <a:rPr lang="en-US" sz="2200" dirty="0">
+                <a:latin typeface="Times New Roman" panose="02020603050405020304" pitchFamily="18" charset="0"/>
+                <a:cs typeface="Times New Roman" panose="02020603050405020304" pitchFamily="18" charset="0"/>
+              </a:rPr>
+              <a:t> </a:t>
+            </a:r>
+            <a:r>
+              <a:rPr lang="en-US" sz="2200" dirty="0" err="1">
+                <a:latin typeface="Times New Roman" panose="02020603050405020304" pitchFamily="18" charset="0"/>
+                <a:cs typeface="Times New Roman" panose="02020603050405020304" pitchFamily="18" charset="0"/>
+              </a:rPr>
+              <a:t>sẽ</a:t>
+            </a:r>
+            <a:r>
+              <a:rPr lang="en-US" sz="2200" dirty="0">
+                <a:latin typeface="Times New Roman" panose="02020603050405020304" pitchFamily="18" charset="0"/>
+                <a:cs typeface="Times New Roman" panose="02020603050405020304" pitchFamily="18" charset="0"/>
+              </a:rPr>
+              <a:t> </a:t>
+            </a:r>
+            <a:r>
+              <a:rPr lang="en-US" sz="2200" dirty="0" err="1">
+                <a:latin typeface="Times New Roman" panose="02020603050405020304" pitchFamily="18" charset="0"/>
+                <a:cs typeface="Times New Roman" panose="02020603050405020304" pitchFamily="18" charset="0"/>
+              </a:rPr>
+              <a:t>làm</a:t>
+            </a:r>
+            <a:r>
+              <a:rPr lang="en-US" sz="2200" dirty="0">
+                <a:latin typeface="Times New Roman" panose="02020603050405020304" pitchFamily="18" charset="0"/>
+                <a:cs typeface="Times New Roman" panose="02020603050405020304" pitchFamily="18" charset="0"/>
+              </a:rPr>
+              <a:t> </a:t>
+            </a:r>
+            <a:r>
+              <a:rPr lang="en-US" sz="2200" dirty="0" err="1">
+                <a:latin typeface="Times New Roman" panose="02020603050405020304" pitchFamily="18" charset="0"/>
+                <a:cs typeface="Times New Roman" panose="02020603050405020304" pitchFamily="18" charset="0"/>
+              </a:rPr>
+              <a:t>cho</a:t>
+            </a:r>
+            <a:r>
+              <a:rPr lang="en-US" sz="2200" dirty="0">
+                <a:latin typeface="Times New Roman" panose="02020603050405020304" pitchFamily="18" charset="0"/>
+                <a:cs typeface="Times New Roman" panose="02020603050405020304" pitchFamily="18" charset="0"/>
+              </a:rPr>
+              <a:t> </a:t>
+            </a:r>
+            <a:r>
+              <a:rPr lang="en-US" sz="2200" dirty="0" err="1">
+                <a:latin typeface="Times New Roman" panose="02020603050405020304" pitchFamily="18" charset="0"/>
+                <a:cs typeface="Times New Roman" panose="02020603050405020304" pitchFamily="18" charset="0"/>
+              </a:rPr>
+              <a:t>kết</a:t>
+            </a:r>
+            <a:r>
+              <a:rPr lang="en-US" sz="2200" dirty="0">
+                <a:latin typeface="Times New Roman" panose="02020603050405020304" pitchFamily="18" charset="0"/>
+                <a:cs typeface="Times New Roman" panose="02020603050405020304" pitchFamily="18" charset="0"/>
+              </a:rPr>
+              <a:t> </a:t>
+            </a:r>
+            <a:r>
+              <a:rPr lang="en-US" sz="2200" dirty="0" err="1">
+                <a:latin typeface="Times New Roman" panose="02020603050405020304" pitchFamily="18" charset="0"/>
+                <a:cs typeface="Times New Roman" panose="02020603050405020304" pitchFamily="18" charset="0"/>
+              </a:rPr>
+              <a:t>quả</a:t>
+            </a:r>
+            <a:r>
+              <a:rPr lang="en-US" sz="2200" dirty="0">
+                <a:latin typeface="Times New Roman" panose="02020603050405020304" pitchFamily="18" charset="0"/>
+                <a:cs typeface="Times New Roman" panose="02020603050405020304" pitchFamily="18" charset="0"/>
+              </a:rPr>
+              <a:t> </a:t>
+            </a:r>
+            <a:r>
+              <a:rPr lang="en-US" sz="2200" dirty="0" err="1">
+                <a:latin typeface="Times New Roman" panose="02020603050405020304" pitchFamily="18" charset="0"/>
+                <a:cs typeface="Times New Roman" panose="02020603050405020304" pitchFamily="18" charset="0"/>
+              </a:rPr>
+              <a:t>nhận</a:t>
+            </a:r>
+            <a:r>
+              <a:rPr lang="en-US" sz="2200" dirty="0">
+                <a:latin typeface="Times New Roman" panose="02020603050405020304" pitchFamily="18" charset="0"/>
+                <a:cs typeface="Times New Roman" panose="02020603050405020304" pitchFamily="18" charset="0"/>
+              </a:rPr>
+              <a:t> </a:t>
+            </a:r>
+            <a:r>
+              <a:rPr lang="en-US" sz="2200" dirty="0" err="1">
+                <a:latin typeface="Times New Roman" panose="02020603050405020304" pitchFamily="18" charset="0"/>
+                <a:cs typeface="Times New Roman" panose="02020603050405020304" pitchFamily="18" charset="0"/>
+              </a:rPr>
+              <a:t>dạng</a:t>
+            </a:r>
+            <a:r>
+              <a:rPr lang="en-US" sz="2200" dirty="0">
+                <a:latin typeface="Times New Roman" panose="02020603050405020304" pitchFamily="18" charset="0"/>
+                <a:cs typeface="Times New Roman" panose="02020603050405020304" pitchFamily="18" charset="0"/>
+              </a:rPr>
+              <a:t> không </a:t>
+            </a:r>
+            <a:r>
+              <a:rPr lang="en-US" sz="2200" dirty="0" err="1">
+                <a:latin typeface="Times New Roman" panose="02020603050405020304" pitchFamily="18" charset="0"/>
+                <a:cs typeface="Times New Roman" panose="02020603050405020304" pitchFamily="18" charset="0"/>
+              </a:rPr>
+              <a:t>chính</a:t>
+            </a:r>
+            <a:r>
+              <a:rPr lang="en-US" sz="2200" dirty="0">
+                <a:latin typeface="Times New Roman" panose="02020603050405020304" pitchFamily="18" charset="0"/>
+                <a:cs typeface="Times New Roman" panose="02020603050405020304" pitchFamily="18" charset="0"/>
+              </a:rPr>
+              <a:t> </a:t>
+            </a:r>
+            <a:r>
+              <a:rPr lang="en-US" sz="2200" dirty="0" err="1">
+                <a:latin typeface="Times New Roman" panose="02020603050405020304" pitchFamily="18" charset="0"/>
+                <a:cs typeface="Times New Roman" panose="02020603050405020304" pitchFamily="18" charset="0"/>
+              </a:rPr>
+              <a:t>xác</a:t>
+            </a:r>
+            <a:r>
+              <a:rPr lang="en-US" sz="2200" dirty="0">
+                <a:latin typeface="Times New Roman" panose="02020603050405020304" pitchFamily="18" charset="0"/>
+                <a:cs typeface="Times New Roman" panose="02020603050405020304" pitchFamily="18" charset="0"/>
+              </a:rPr>
+              <a:t> </a:t>
+            </a:r>
+            <a:r>
+              <a:rPr lang="en-US" sz="2200" dirty="0" err="1">
+                <a:latin typeface="Times New Roman" panose="02020603050405020304" pitchFamily="18" charset="0"/>
+                <a:cs typeface="Times New Roman" panose="02020603050405020304" pitchFamily="18" charset="0"/>
+              </a:rPr>
+              <a:t>như</a:t>
+            </a:r>
+            <a:r>
+              <a:rPr lang="en-US" sz="2200" dirty="0">
+                <a:latin typeface="Times New Roman" panose="02020603050405020304" pitchFamily="18" charset="0"/>
+                <a:cs typeface="Times New Roman" panose="02020603050405020304" pitchFamily="18" charset="0"/>
+              </a:rPr>
+              <a:t> </a:t>
+            </a:r>
+            <a:r>
+              <a:rPr lang="en-US" sz="2200" dirty="0" err="1">
+                <a:latin typeface="Times New Roman" panose="02020603050405020304" pitchFamily="18" charset="0"/>
+                <a:cs typeface="Times New Roman" panose="02020603050405020304" pitchFamily="18" charset="0"/>
+              </a:rPr>
+              <a:t>mong</a:t>
+            </a:r>
+            <a:r>
+              <a:rPr lang="en-US" sz="2200" dirty="0">
+                <a:latin typeface="Times New Roman" panose="02020603050405020304" pitchFamily="18" charset="0"/>
+                <a:cs typeface="Times New Roman" panose="02020603050405020304" pitchFamily="18" charset="0"/>
+              </a:rPr>
+              <a:t> </a:t>
+            </a:r>
+            <a:r>
+              <a:rPr lang="en-US" sz="2200" dirty="0" err="1">
+                <a:latin typeface="Times New Roman" panose="02020603050405020304" pitchFamily="18" charset="0"/>
+                <a:cs typeface="Times New Roman" panose="02020603050405020304" pitchFamily="18" charset="0"/>
+              </a:rPr>
+              <a:t>muốn</a:t>
+            </a:r>
+            <a:r>
+              <a:rPr lang="en-US" sz="2200" dirty="0">
+                <a:latin typeface="Times New Roman" panose="02020603050405020304" pitchFamily="18" charset="0"/>
+                <a:cs typeface="Times New Roman" panose="02020603050405020304" pitchFamily="18" charset="0"/>
+              </a:rPr>
+              <a:t>.</a:t>
+            </a:r>
+            <a:endParaRPr lang="vi-VN" sz="2200" dirty="0">
+              <a:latin typeface="Times New Roman" panose="02020603050405020304" pitchFamily="18" charset="0"/>
+              <a:cs typeface="Times New Roman" panose="02020603050405020304" pitchFamily="18" charset="0"/>
+            </a:endParaRPr>
+          </a:p>
+        </p:txBody>
+      </p:sp>
+      <p:pic>
+        <p:nvPicPr>
+          <p:cNvPr id="6" name="Picture 5">
+            <a:extLst>
+              <a:ext uri="{FF2B5EF4-FFF2-40B4-BE49-F238E27FC236}">
+                <a16:creationId xmlns:a16="http://schemas.microsoft.com/office/drawing/2014/main" id="{42EE7C2B-0ACA-4A63-866A-8CE3B615445A}"/>
+              </a:ext>
+            </a:extLst>
+          </p:cNvPr>
+          <p:cNvPicPr/>
+          <p:nvPr/>
+        </p:nvPicPr>
+        <p:blipFill>
+          <a:blip r:embed="rId2"/>
+          <a:stretch>
+            <a:fillRect/>
+          </a:stretch>
+        </p:blipFill>
+        <p:spPr>
+          <a:xfrm>
+            <a:off x="1575368" y="2566208"/>
+            <a:ext cx="3323645" cy="2857130"/>
+          </a:xfrm>
+          <a:prstGeom prst="rect">
+            <a:avLst/>
+          </a:prstGeom>
+        </p:spPr>
+      </p:pic>
+      <p:pic>
+        <p:nvPicPr>
+          <p:cNvPr id="7" name="Picture 6">
+            <a:extLst>
+              <a:ext uri="{FF2B5EF4-FFF2-40B4-BE49-F238E27FC236}">
+                <a16:creationId xmlns:a16="http://schemas.microsoft.com/office/drawing/2014/main" id="{1ECAFF2B-FFBD-42F8-8C32-E6BB3DEAB204}"/>
+              </a:ext>
+            </a:extLst>
+          </p:cNvPr>
+          <p:cNvPicPr/>
+          <p:nvPr/>
+        </p:nvPicPr>
+        <p:blipFill>
+          <a:blip r:embed="rId3"/>
+          <a:stretch>
+            <a:fillRect/>
+          </a:stretch>
+        </p:blipFill>
+        <p:spPr>
+          <a:xfrm>
+            <a:off x="5893189" y="2566208"/>
+            <a:ext cx="3323646" cy="2857130"/>
+          </a:xfrm>
+          <a:prstGeom prst="rect">
+            <a:avLst/>
+          </a:prstGeom>
+        </p:spPr>
+      </p:pic>
+    </p:spTree>
+    <p:extLst>
+      <p:ext uri="{BB962C8B-B14F-4D97-AF65-F5344CB8AC3E}">
+        <p14:creationId xmlns:p14="http://schemas.microsoft.com/office/powerpoint/2010/main" val="337441442"/>
+      </p:ext>
+    </p:extLst>
+  </p:cSld>
+  <p:clrMapOvr>
+    <a:masterClrMapping/>
+  </p:clrMapOvr>
+</p:sld>
+</file>
+
+<file path=ppt/slides/slide17.xml><?xml version="1.0" encoding="utf-8"?>
+<p:sld xmlns:a="http://schemas.openxmlformats.org/drawingml/2006/main" xmlns:r="http://schemas.openxmlformats.org/officeDocument/2006/relationships" xmlns:p="http://schemas.openxmlformats.org/presentationml/2006/main">
+  <p:cSld>
+    <p:spTree>
+      <p:nvGrpSpPr>
+        <p:cNvPr id="1" name=""/>
+        <p:cNvGrpSpPr/>
+        <p:nvPr/>
+      </p:nvGrpSpPr>
+      <p:grpSpPr>
+        <a:xfrm>
+          <a:off x="0" y="0"/>
+          <a:ext cx="0" cy="0"/>
+          <a:chOff x="0" y="0"/>
+          <a:chExt cx="0" cy="0"/>
+        </a:xfrm>
+      </p:grpSpPr>
+      <p:sp>
+        <p:nvSpPr>
+          <p:cNvPr id="2" name="Title 1">
+            <a:extLst>
+              <a:ext uri="{FF2B5EF4-FFF2-40B4-BE49-F238E27FC236}">
+                <a16:creationId xmlns:a16="http://schemas.microsoft.com/office/drawing/2014/main" id="{64A2D262-E7A5-4B15-B426-9EB47382C1B5}"/>
+              </a:ext>
+            </a:extLst>
+          </p:cNvPr>
+          <p:cNvSpPr>
+            <a:spLocks noGrp="1"/>
+          </p:cNvSpPr>
+          <p:nvPr>
+            <p:ph type="title"/>
+          </p:nvPr>
+        </p:nvSpPr>
+        <p:spPr/>
+        <p:txBody>
+          <a:bodyPr anchor="ctr">
+            <a:normAutofit/>
+          </a:bodyPr>
+          <a:lstStyle/>
+          <a:p>
+            <a:pPr marL="514350" indent="-514350">
+              <a:buFont typeface="+mj-lt"/>
+              <a:buAutoNum type="romanUcPeriod" startAt="3"/>
+            </a:pPr>
+            <a:r>
+              <a:rPr lang="en-US" sz="2200" b="1" dirty="0">
+                <a:latin typeface="Times New Roman" panose="02020603050405020304" pitchFamily="18" charset="0"/>
+                <a:cs typeface="Times New Roman" panose="02020603050405020304" pitchFamily="18" charset="0"/>
+              </a:rPr>
+              <a:t>THỰC NGHIỆM BÀI TOÁN</a:t>
+            </a:r>
+          </a:p>
+        </p:txBody>
+      </p:sp>
+      <p:sp>
+        <p:nvSpPr>
+          <p:cNvPr id="3" name="Content Placeholder 2">
+            <a:extLst>
+              <a:ext uri="{FF2B5EF4-FFF2-40B4-BE49-F238E27FC236}">
+                <a16:creationId xmlns:a16="http://schemas.microsoft.com/office/drawing/2014/main" id="{875B1CA3-14AD-4D49-80AF-8958CE5E5D99}"/>
+              </a:ext>
+            </a:extLst>
+          </p:cNvPr>
+          <p:cNvSpPr>
+            <a:spLocks noGrp="1"/>
+          </p:cNvSpPr>
+          <p:nvPr>
+            <p:ph idx="1"/>
+          </p:nvPr>
+        </p:nvSpPr>
+        <p:spPr>
+          <a:xfrm>
+            <a:off x="581192" y="2180496"/>
+            <a:ext cx="11029615" cy="4488318"/>
+          </a:xfrm>
+        </p:spPr>
+        <p:txBody>
+          <a:bodyPr anchor="t">
+            <a:normAutofit fontScale="85000" lnSpcReduction="20000"/>
+          </a:bodyPr>
+          <a:lstStyle/>
+          <a:p>
+            <a:r>
+              <a:rPr lang="en-US" sz="2600" dirty="0" err="1">
+                <a:latin typeface="Times New Roman" panose="02020603050405020304" pitchFamily="18" charset="0"/>
+                <a:cs typeface="Times New Roman" panose="02020603050405020304" pitchFamily="18" charset="0"/>
+              </a:rPr>
+              <a:t>Nhận</a:t>
+            </a:r>
+            <a:r>
+              <a:rPr lang="en-US" sz="2600" dirty="0">
+                <a:latin typeface="Times New Roman" panose="02020603050405020304" pitchFamily="18" charset="0"/>
+                <a:cs typeface="Times New Roman" panose="02020603050405020304" pitchFamily="18" charset="0"/>
+              </a:rPr>
+              <a:t> </a:t>
+            </a:r>
+            <a:r>
+              <a:rPr lang="en-US" sz="2600" dirty="0" err="1">
+                <a:latin typeface="Times New Roman" panose="02020603050405020304" pitchFamily="18" charset="0"/>
+                <a:cs typeface="Times New Roman" panose="02020603050405020304" pitchFamily="18" charset="0"/>
+              </a:rPr>
+              <a:t>dạng</a:t>
+            </a:r>
+            <a:r>
+              <a:rPr lang="en-US" sz="2600" dirty="0">
+                <a:latin typeface="Times New Roman" panose="02020603050405020304" pitchFamily="18" charset="0"/>
+                <a:cs typeface="Times New Roman" panose="02020603050405020304" pitchFamily="18" charset="0"/>
+              </a:rPr>
+              <a:t> </a:t>
+            </a:r>
+            <a:r>
+              <a:rPr lang="en-US" sz="2600" dirty="0" err="1">
+                <a:latin typeface="Times New Roman" panose="02020603050405020304" pitchFamily="18" charset="0"/>
+                <a:cs typeface="Times New Roman" panose="02020603050405020304" pitchFamily="18" charset="0"/>
+              </a:rPr>
+              <a:t>với</a:t>
+            </a:r>
+            <a:r>
+              <a:rPr lang="en-US" sz="2600" dirty="0">
+                <a:latin typeface="Times New Roman" panose="02020603050405020304" pitchFamily="18" charset="0"/>
+                <a:cs typeface="Times New Roman" panose="02020603050405020304" pitchFamily="18" charset="0"/>
+              </a:rPr>
+              <a:t> </a:t>
+            </a:r>
+            <a:r>
+              <a:rPr lang="en-US" sz="2600" dirty="0" err="1">
+                <a:latin typeface="Times New Roman" panose="02020603050405020304" pitchFamily="18" charset="0"/>
+                <a:cs typeface="Times New Roman" panose="02020603050405020304" pitchFamily="18" charset="0"/>
+              </a:rPr>
+              <a:t>góc</a:t>
+            </a:r>
+            <a:r>
+              <a:rPr lang="en-US" sz="2600" dirty="0">
+                <a:latin typeface="Times New Roman" panose="02020603050405020304" pitchFamily="18" charset="0"/>
+                <a:cs typeface="Times New Roman" panose="02020603050405020304" pitchFamily="18" charset="0"/>
+              </a:rPr>
+              <a:t> quay </a:t>
+            </a:r>
+            <a:r>
+              <a:rPr lang="en-US" sz="2600" dirty="0" err="1">
+                <a:latin typeface="Times New Roman" panose="02020603050405020304" pitchFamily="18" charset="0"/>
+                <a:cs typeface="Times New Roman" panose="02020603050405020304" pitchFamily="18" charset="0"/>
+              </a:rPr>
+              <a:t>khuôn</a:t>
+            </a:r>
+            <a:r>
+              <a:rPr lang="en-US" sz="2600" dirty="0">
+                <a:latin typeface="Times New Roman" panose="02020603050405020304" pitchFamily="18" charset="0"/>
+                <a:cs typeface="Times New Roman" panose="02020603050405020304" pitchFamily="18" charset="0"/>
+              </a:rPr>
+              <a:t> </a:t>
+            </a:r>
+            <a:r>
+              <a:rPr lang="en-US" sz="2600" dirty="0" err="1">
+                <a:latin typeface="Times New Roman" panose="02020603050405020304" pitchFamily="18" charset="0"/>
+                <a:cs typeface="Times New Roman" panose="02020603050405020304" pitchFamily="18" charset="0"/>
+              </a:rPr>
+              <a:t>mặt</a:t>
+            </a:r>
+            <a:r>
+              <a:rPr lang="en-US" sz="2600" dirty="0">
+                <a:latin typeface="Times New Roman" panose="02020603050405020304" pitchFamily="18" charset="0"/>
+                <a:cs typeface="Times New Roman" panose="02020603050405020304" pitchFamily="18" charset="0"/>
+              </a:rPr>
+              <a:t> </a:t>
+            </a:r>
+            <a:r>
+              <a:rPr lang="en-US" sz="2600" dirty="0" err="1">
+                <a:latin typeface="Times New Roman" panose="02020603050405020304" pitchFamily="18" charset="0"/>
+                <a:cs typeface="Times New Roman" panose="02020603050405020304" pitchFamily="18" charset="0"/>
+              </a:rPr>
+              <a:t>khác</a:t>
+            </a:r>
+            <a:r>
+              <a:rPr lang="en-US" sz="2600" dirty="0">
+                <a:latin typeface="Times New Roman" panose="02020603050405020304" pitchFamily="18" charset="0"/>
+                <a:cs typeface="Times New Roman" panose="02020603050405020304" pitchFamily="18" charset="0"/>
+              </a:rPr>
+              <a:t> </a:t>
+            </a:r>
+            <a:r>
+              <a:rPr lang="en-US" sz="2600" dirty="0" err="1">
+                <a:latin typeface="Times New Roman" panose="02020603050405020304" pitchFamily="18" charset="0"/>
+                <a:cs typeface="Times New Roman" panose="02020603050405020304" pitchFamily="18" charset="0"/>
+              </a:rPr>
+              <a:t>nhau</a:t>
+            </a:r>
+            <a:endParaRPr lang="en-US" sz="2600" dirty="0">
+              <a:latin typeface="Times New Roman" panose="02020603050405020304" pitchFamily="18" charset="0"/>
+              <a:cs typeface="Times New Roman" panose="02020603050405020304" pitchFamily="18" charset="0"/>
+            </a:endParaRPr>
+          </a:p>
+          <a:p>
+            <a:endParaRPr lang="en-US" sz="2200" dirty="0">
+              <a:latin typeface="Times New Roman" panose="02020603050405020304" pitchFamily="18" charset="0"/>
+              <a:cs typeface="Times New Roman" panose="02020603050405020304" pitchFamily="18" charset="0"/>
+            </a:endParaRPr>
+          </a:p>
+          <a:p>
+            <a:endParaRPr lang="en-US" sz="2200" dirty="0">
+              <a:latin typeface="Times New Roman" panose="02020603050405020304" pitchFamily="18" charset="0"/>
+              <a:cs typeface="Times New Roman" panose="02020603050405020304" pitchFamily="18" charset="0"/>
+            </a:endParaRPr>
+          </a:p>
+          <a:p>
+            <a:endParaRPr lang="en-US" sz="2200" dirty="0">
+              <a:latin typeface="Times New Roman" panose="02020603050405020304" pitchFamily="18" charset="0"/>
+              <a:cs typeface="Times New Roman" panose="02020603050405020304" pitchFamily="18" charset="0"/>
+            </a:endParaRPr>
+          </a:p>
+          <a:p>
+            <a:endParaRPr lang="en-US" sz="2200" dirty="0">
+              <a:latin typeface="Times New Roman" panose="02020603050405020304" pitchFamily="18" charset="0"/>
+              <a:cs typeface="Times New Roman" panose="02020603050405020304" pitchFamily="18" charset="0"/>
+            </a:endParaRPr>
+          </a:p>
+          <a:p>
+            <a:endParaRPr lang="en-US" sz="2200" dirty="0">
+              <a:latin typeface="Times New Roman" panose="02020603050405020304" pitchFamily="18" charset="0"/>
+              <a:cs typeface="Times New Roman" panose="02020603050405020304" pitchFamily="18" charset="0"/>
+            </a:endParaRPr>
+          </a:p>
+          <a:p>
+            <a:endParaRPr lang="en-US" sz="2200" dirty="0">
+              <a:latin typeface="Times New Roman" panose="02020603050405020304" pitchFamily="18" charset="0"/>
+              <a:cs typeface="Times New Roman" panose="02020603050405020304" pitchFamily="18" charset="0"/>
+            </a:endParaRPr>
+          </a:p>
+          <a:p>
+            <a:pPr marL="324000" lvl="1" indent="0" algn="just">
+              <a:buNone/>
+            </a:pPr>
+            <a:endParaRPr lang="en-US" sz="2200" b="1" dirty="0">
+              <a:latin typeface="Times New Roman" panose="02020603050405020304" pitchFamily="18" charset="0"/>
+              <a:cs typeface="Times New Roman" panose="02020603050405020304" pitchFamily="18" charset="0"/>
+            </a:endParaRPr>
+          </a:p>
+          <a:p>
+            <a:pPr marL="324000" lvl="1" indent="0" algn="just">
+              <a:buNone/>
+            </a:pPr>
+            <a:endParaRPr lang="en-US" sz="2200" b="1" dirty="0">
+              <a:latin typeface="Times New Roman" panose="02020603050405020304" pitchFamily="18" charset="0"/>
+              <a:cs typeface="Times New Roman" panose="02020603050405020304" pitchFamily="18" charset="0"/>
+            </a:endParaRPr>
+          </a:p>
+          <a:p>
+            <a:pPr marL="324000" lvl="1" indent="0" algn="just">
+              <a:buNone/>
+            </a:pPr>
+            <a:endParaRPr lang="en-US" sz="2400" b="1" dirty="0">
+              <a:latin typeface="Times New Roman" panose="02020603050405020304" pitchFamily="18" charset="0"/>
+              <a:cs typeface="Times New Roman" panose="02020603050405020304" pitchFamily="18" charset="0"/>
+            </a:endParaRPr>
+          </a:p>
+          <a:p>
+            <a:pPr marL="324000" lvl="1" indent="0" algn="just">
+              <a:buNone/>
+            </a:pPr>
+            <a:r>
+              <a:rPr lang="en-US" sz="2600" b="1" dirty="0" err="1">
+                <a:latin typeface="Times New Roman" panose="02020603050405020304" pitchFamily="18" charset="0"/>
+                <a:cs typeface="Times New Roman" panose="02020603050405020304" pitchFamily="18" charset="0"/>
+              </a:rPr>
+              <a:t>Nhận</a:t>
+            </a:r>
+            <a:r>
+              <a:rPr lang="en-US" sz="2600" b="1" dirty="0">
+                <a:latin typeface="Times New Roman" panose="02020603050405020304" pitchFamily="18" charset="0"/>
+                <a:cs typeface="Times New Roman" panose="02020603050405020304" pitchFamily="18" charset="0"/>
+              </a:rPr>
+              <a:t> </a:t>
+            </a:r>
+            <a:r>
+              <a:rPr lang="en-US" sz="2600" b="1" dirty="0" err="1">
+                <a:latin typeface="Times New Roman" panose="02020603050405020304" pitchFamily="18" charset="0"/>
+                <a:cs typeface="Times New Roman" panose="02020603050405020304" pitchFamily="18" charset="0"/>
+              </a:rPr>
+              <a:t>xét</a:t>
+            </a:r>
+            <a:r>
+              <a:rPr lang="en-US" sz="2600" dirty="0">
+                <a:latin typeface="Times New Roman" panose="02020603050405020304" pitchFamily="18" charset="0"/>
+                <a:cs typeface="Times New Roman" panose="02020603050405020304" pitchFamily="18" charset="0"/>
+              </a:rPr>
+              <a:t>: </a:t>
+            </a:r>
+            <a:r>
+              <a:rPr lang="en-US" sz="2600" dirty="0" err="1">
+                <a:latin typeface="Times New Roman" panose="02020603050405020304" pitchFamily="18" charset="0"/>
+                <a:cs typeface="Times New Roman" panose="02020603050405020304" pitchFamily="18" charset="0"/>
+              </a:rPr>
+              <a:t>Với</a:t>
+            </a:r>
+            <a:r>
+              <a:rPr lang="en-US" sz="2600" dirty="0">
+                <a:latin typeface="Times New Roman" panose="02020603050405020304" pitchFamily="18" charset="0"/>
+                <a:cs typeface="Times New Roman" panose="02020603050405020304" pitchFamily="18" charset="0"/>
+              </a:rPr>
+              <a:t> </a:t>
+            </a:r>
+            <a:r>
+              <a:rPr lang="en-US" sz="2600" dirty="0" err="1">
+                <a:latin typeface="Times New Roman" panose="02020603050405020304" pitchFamily="18" charset="0"/>
+                <a:cs typeface="Times New Roman" panose="02020603050405020304" pitchFamily="18" charset="0"/>
+              </a:rPr>
+              <a:t>những</a:t>
+            </a:r>
+            <a:r>
+              <a:rPr lang="en-US" sz="2600" dirty="0">
+                <a:latin typeface="Times New Roman" panose="02020603050405020304" pitchFamily="18" charset="0"/>
+                <a:cs typeface="Times New Roman" panose="02020603050405020304" pitchFamily="18" charset="0"/>
+              </a:rPr>
+              <a:t> </a:t>
+            </a:r>
+            <a:r>
+              <a:rPr lang="en-US" sz="2600" dirty="0" err="1">
+                <a:latin typeface="Times New Roman" panose="02020603050405020304" pitchFamily="18" charset="0"/>
+                <a:cs typeface="Times New Roman" panose="02020603050405020304" pitchFamily="18" charset="0"/>
+              </a:rPr>
+              <a:t>khuôn</a:t>
+            </a:r>
+            <a:r>
+              <a:rPr lang="en-US" sz="2600" dirty="0">
+                <a:latin typeface="Times New Roman" panose="02020603050405020304" pitchFamily="18" charset="0"/>
+                <a:cs typeface="Times New Roman" panose="02020603050405020304" pitchFamily="18" charset="0"/>
+              </a:rPr>
+              <a:t> </a:t>
+            </a:r>
+            <a:r>
+              <a:rPr lang="en-US" sz="2600" dirty="0" err="1">
+                <a:latin typeface="Times New Roman" panose="02020603050405020304" pitchFamily="18" charset="0"/>
+                <a:cs typeface="Times New Roman" panose="02020603050405020304" pitchFamily="18" charset="0"/>
+              </a:rPr>
+              <a:t>mặt</a:t>
+            </a:r>
+            <a:r>
+              <a:rPr lang="en-US" sz="2600" dirty="0">
+                <a:latin typeface="Times New Roman" panose="02020603050405020304" pitchFamily="18" charset="0"/>
+                <a:cs typeface="Times New Roman" panose="02020603050405020304" pitchFamily="18" charset="0"/>
+              </a:rPr>
+              <a:t> có </a:t>
+            </a:r>
+            <a:r>
+              <a:rPr lang="en-US" sz="2600" dirty="0" err="1">
+                <a:latin typeface="Times New Roman" panose="02020603050405020304" pitchFamily="18" charset="0"/>
+                <a:cs typeface="Times New Roman" panose="02020603050405020304" pitchFamily="18" charset="0"/>
+              </a:rPr>
+              <a:t>góc</a:t>
+            </a:r>
+            <a:r>
+              <a:rPr lang="en-US" sz="2600" dirty="0">
+                <a:latin typeface="Times New Roman" panose="02020603050405020304" pitchFamily="18" charset="0"/>
+                <a:cs typeface="Times New Roman" panose="02020603050405020304" pitchFamily="18" charset="0"/>
+              </a:rPr>
+              <a:t> quay </a:t>
+            </a:r>
+            <a:r>
+              <a:rPr lang="en-US" sz="2600" dirty="0" err="1">
+                <a:latin typeface="Times New Roman" panose="02020603050405020304" pitchFamily="18" charset="0"/>
+                <a:cs typeface="Times New Roman" panose="02020603050405020304" pitchFamily="18" charset="0"/>
+              </a:rPr>
+              <a:t>lớn</a:t>
+            </a:r>
+            <a:r>
+              <a:rPr lang="en-US" sz="2600" dirty="0">
+                <a:latin typeface="Times New Roman" panose="02020603050405020304" pitchFamily="18" charset="0"/>
+                <a:cs typeface="Times New Roman" panose="02020603050405020304" pitchFamily="18" charset="0"/>
+              </a:rPr>
+              <a:t> </a:t>
+            </a:r>
+            <a:r>
+              <a:rPr lang="en-US" sz="2600" dirty="0" err="1">
+                <a:latin typeface="Times New Roman" panose="02020603050405020304" pitchFamily="18" charset="0"/>
+                <a:cs typeface="Times New Roman" panose="02020603050405020304" pitchFamily="18" charset="0"/>
+              </a:rPr>
+              <a:t>hơn</a:t>
+            </a:r>
+            <a:r>
+              <a:rPr lang="en-US" sz="2600" dirty="0">
+                <a:latin typeface="Times New Roman" panose="02020603050405020304" pitchFamily="18" charset="0"/>
+                <a:cs typeface="Times New Roman" panose="02020603050405020304" pitchFamily="18" charset="0"/>
+              </a:rPr>
+              <a:t> </a:t>
+            </a:r>
+            <a:r>
+              <a:rPr lang="en-US" sz="2600" dirty="0" err="1">
+                <a:latin typeface="Times New Roman" panose="02020603050405020304" pitchFamily="18" charset="0"/>
+                <a:cs typeface="Times New Roman" panose="02020603050405020304" pitchFamily="18" charset="0"/>
+              </a:rPr>
+              <a:t>khoảng</a:t>
+            </a:r>
+            <a:r>
+              <a:rPr lang="en-US" sz="2600" dirty="0">
+                <a:latin typeface="Times New Roman" panose="02020603050405020304" pitchFamily="18" charset="0"/>
+                <a:cs typeface="Times New Roman" panose="02020603050405020304" pitchFamily="18" charset="0"/>
+              </a:rPr>
+              <a:t> 45</a:t>
+            </a:r>
+            <a:r>
+              <a:rPr lang="en-US" sz="2600" baseline="30000" dirty="0">
+                <a:latin typeface="Times New Roman" panose="02020603050405020304" pitchFamily="18" charset="0"/>
+                <a:cs typeface="Times New Roman" panose="02020603050405020304" pitchFamily="18" charset="0"/>
+              </a:rPr>
+              <a:t>0</a:t>
+            </a:r>
+            <a:r>
+              <a:rPr lang="en-US" sz="2600" baseline="-25000" dirty="0">
+                <a:latin typeface="Times New Roman" panose="02020603050405020304" pitchFamily="18" charset="0"/>
+                <a:cs typeface="Times New Roman" panose="02020603050405020304" pitchFamily="18" charset="0"/>
+              </a:rPr>
+              <a:t> </a:t>
+            </a:r>
+            <a:r>
+              <a:rPr lang="en-US" sz="2600" dirty="0">
+                <a:latin typeface="Times New Roman" panose="02020603050405020304" pitchFamily="18" charset="0"/>
+                <a:cs typeface="Times New Roman" panose="02020603050405020304" pitchFamily="18" charset="0"/>
+              </a:rPr>
+              <a:t>thì </a:t>
+            </a:r>
+            <a:r>
+              <a:rPr lang="en-US" sz="2600" dirty="0" err="1">
+                <a:latin typeface="Times New Roman" panose="02020603050405020304" pitchFamily="18" charset="0"/>
+                <a:cs typeface="Times New Roman" panose="02020603050405020304" pitchFamily="18" charset="0"/>
+              </a:rPr>
+              <a:t>kết</a:t>
+            </a:r>
+            <a:r>
+              <a:rPr lang="en-US" sz="2600" dirty="0">
+                <a:latin typeface="Times New Roman" panose="02020603050405020304" pitchFamily="18" charset="0"/>
+                <a:cs typeface="Times New Roman" panose="02020603050405020304" pitchFamily="18" charset="0"/>
+              </a:rPr>
+              <a:t> </a:t>
+            </a:r>
+            <a:r>
+              <a:rPr lang="en-US" sz="2600" dirty="0" err="1">
+                <a:latin typeface="Times New Roman" panose="02020603050405020304" pitchFamily="18" charset="0"/>
+                <a:cs typeface="Times New Roman" panose="02020603050405020304" pitchFamily="18" charset="0"/>
+              </a:rPr>
+              <a:t>quả</a:t>
+            </a:r>
+            <a:r>
+              <a:rPr lang="en-US" sz="2600" dirty="0">
+                <a:latin typeface="Times New Roman" panose="02020603050405020304" pitchFamily="18" charset="0"/>
+                <a:cs typeface="Times New Roman" panose="02020603050405020304" pitchFamily="18" charset="0"/>
+              </a:rPr>
+              <a:t> </a:t>
+            </a:r>
+            <a:r>
+              <a:rPr lang="en-US" sz="2600" dirty="0" err="1">
+                <a:latin typeface="Times New Roman" panose="02020603050405020304" pitchFamily="18" charset="0"/>
+                <a:cs typeface="Times New Roman" panose="02020603050405020304" pitchFamily="18" charset="0"/>
+              </a:rPr>
+              <a:t>nhận</a:t>
+            </a:r>
+            <a:r>
+              <a:rPr lang="en-US" sz="2600" dirty="0">
+                <a:latin typeface="Times New Roman" panose="02020603050405020304" pitchFamily="18" charset="0"/>
+                <a:cs typeface="Times New Roman" panose="02020603050405020304" pitchFamily="18" charset="0"/>
+              </a:rPr>
+              <a:t> </a:t>
+            </a:r>
+            <a:r>
+              <a:rPr lang="en-US" sz="2600" dirty="0" err="1">
+                <a:latin typeface="Times New Roman" panose="02020603050405020304" pitchFamily="18" charset="0"/>
+                <a:cs typeface="Times New Roman" panose="02020603050405020304" pitchFamily="18" charset="0"/>
+              </a:rPr>
+              <a:t>dạng</a:t>
+            </a:r>
+            <a:r>
+              <a:rPr lang="en-US" sz="2600" dirty="0">
+                <a:latin typeface="Times New Roman" panose="02020603050405020304" pitchFamily="18" charset="0"/>
+                <a:cs typeface="Times New Roman" panose="02020603050405020304" pitchFamily="18" charset="0"/>
+              </a:rPr>
+              <a:t> </a:t>
+            </a:r>
+            <a:r>
+              <a:rPr lang="en-US" sz="2600" dirty="0" err="1">
+                <a:latin typeface="Times New Roman" panose="02020603050405020304" pitchFamily="18" charset="0"/>
+                <a:cs typeface="Times New Roman" panose="02020603050405020304" pitchFamily="18" charset="0"/>
+              </a:rPr>
+              <a:t>sẽ</a:t>
+            </a:r>
+            <a:r>
+              <a:rPr lang="en-US" sz="2600" dirty="0">
+                <a:latin typeface="Times New Roman" panose="02020603050405020304" pitchFamily="18" charset="0"/>
+                <a:cs typeface="Times New Roman" panose="02020603050405020304" pitchFamily="18" charset="0"/>
+              </a:rPr>
+              <a:t> không </a:t>
+            </a:r>
+            <a:r>
+              <a:rPr lang="en-US" sz="2600" dirty="0" err="1">
+                <a:latin typeface="Times New Roman" panose="02020603050405020304" pitchFamily="18" charset="0"/>
+                <a:cs typeface="Times New Roman" panose="02020603050405020304" pitchFamily="18" charset="0"/>
+              </a:rPr>
+              <a:t>chính</a:t>
+            </a:r>
+            <a:r>
+              <a:rPr lang="en-US" sz="2600" dirty="0">
+                <a:latin typeface="Times New Roman" panose="02020603050405020304" pitchFamily="18" charset="0"/>
+                <a:cs typeface="Times New Roman" panose="02020603050405020304" pitchFamily="18" charset="0"/>
+              </a:rPr>
+              <a:t> </a:t>
+            </a:r>
+            <a:r>
+              <a:rPr lang="en-US" sz="2600" dirty="0" err="1">
+                <a:latin typeface="Times New Roman" panose="02020603050405020304" pitchFamily="18" charset="0"/>
+                <a:cs typeface="Times New Roman" panose="02020603050405020304" pitchFamily="18" charset="0"/>
+              </a:rPr>
+              <a:t>xác</a:t>
+            </a:r>
+            <a:endParaRPr lang="en-US" sz="2600" dirty="0">
+              <a:latin typeface="Times New Roman" panose="02020603050405020304" pitchFamily="18" charset="0"/>
+              <a:cs typeface="Times New Roman" panose="02020603050405020304" pitchFamily="18" charset="0"/>
+            </a:endParaRPr>
+          </a:p>
+          <a:p>
+            <a:pPr marL="324000" lvl="1" indent="0" algn="just">
+              <a:buNone/>
+            </a:pPr>
+            <a:endParaRPr lang="vi-VN" sz="2200" dirty="0">
+              <a:latin typeface="Times New Roman" panose="02020603050405020304" pitchFamily="18" charset="0"/>
+              <a:cs typeface="Times New Roman" panose="02020603050405020304" pitchFamily="18" charset="0"/>
+            </a:endParaRPr>
+          </a:p>
+        </p:txBody>
+      </p:sp>
+      <p:pic>
+        <p:nvPicPr>
+          <p:cNvPr id="8" name="Picture 7">
+            <a:extLst>
+              <a:ext uri="{FF2B5EF4-FFF2-40B4-BE49-F238E27FC236}">
+                <a16:creationId xmlns:a16="http://schemas.microsoft.com/office/drawing/2014/main" id="{12174D2E-144C-4C84-8EFA-06FF7A4465CD}"/>
+              </a:ext>
+            </a:extLst>
+          </p:cNvPr>
+          <p:cNvPicPr/>
+          <p:nvPr/>
+        </p:nvPicPr>
+        <p:blipFill>
+          <a:blip r:embed="rId2"/>
+          <a:stretch>
+            <a:fillRect/>
+          </a:stretch>
+        </p:blipFill>
+        <p:spPr>
+          <a:xfrm>
+            <a:off x="1198179" y="2627632"/>
+            <a:ext cx="3421118" cy="3016424"/>
+          </a:xfrm>
+          <a:prstGeom prst="rect">
+            <a:avLst/>
+          </a:prstGeom>
+        </p:spPr>
+      </p:pic>
+      <p:pic>
+        <p:nvPicPr>
+          <p:cNvPr id="9" name="Picture 8">
+            <a:extLst>
+              <a:ext uri="{FF2B5EF4-FFF2-40B4-BE49-F238E27FC236}">
+                <a16:creationId xmlns:a16="http://schemas.microsoft.com/office/drawing/2014/main" id="{B5983EB9-7DCE-4C33-B312-471C7C7DB286}"/>
+              </a:ext>
+            </a:extLst>
+          </p:cNvPr>
+          <p:cNvPicPr/>
+          <p:nvPr/>
+        </p:nvPicPr>
+        <p:blipFill>
+          <a:blip r:embed="rId3"/>
+          <a:stretch>
+            <a:fillRect/>
+          </a:stretch>
+        </p:blipFill>
+        <p:spPr>
+          <a:xfrm>
+            <a:off x="5595031" y="2601133"/>
+            <a:ext cx="3533204" cy="3016424"/>
+          </a:xfrm>
+          <a:prstGeom prst="rect">
+            <a:avLst/>
+          </a:prstGeom>
+        </p:spPr>
+      </p:pic>
+    </p:spTree>
+    <p:extLst>
+      <p:ext uri="{BB962C8B-B14F-4D97-AF65-F5344CB8AC3E}">
+        <p14:creationId xmlns:p14="http://schemas.microsoft.com/office/powerpoint/2010/main" val="3798539837"/>
+      </p:ext>
+    </p:extLst>
+  </p:cSld>
+  <p:clrMapOvr>
+    <a:masterClrMapping/>
+  </p:clrMapOvr>
+</p:sld>
+</file>
+
+<file path=ppt/slides/slide18.xml><?xml version="1.0" encoding="utf-8"?>
+<p:sld xmlns:a="http://schemas.openxmlformats.org/drawingml/2006/main" xmlns:r="http://schemas.openxmlformats.org/officeDocument/2006/relationships" xmlns:p="http://schemas.openxmlformats.org/presentationml/2006/main">
+  <p:cSld>
+    <p:spTree>
+      <p:nvGrpSpPr>
+        <p:cNvPr id="1" name=""/>
+        <p:cNvGrpSpPr/>
+        <p:nvPr/>
+      </p:nvGrpSpPr>
+      <p:grpSpPr>
+        <a:xfrm>
+          <a:off x="0" y="0"/>
+          <a:ext cx="0" cy="0"/>
+          <a:chOff x="0" y="0"/>
+          <a:chExt cx="0" cy="0"/>
+        </a:xfrm>
+      </p:grpSpPr>
+      <p:sp>
+        <p:nvSpPr>
+          <p:cNvPr id="2" name="Title 1">
+            <a:extLst>
+              <a:ext uri="{FF2B5EF4-FFF2-40B4-BE49-F238E27FC236}">
+                <a16:creationId xmlns:a16="http://schemas.microsoft.com/office/drawing/2014/main" id="{64A2D262-E7A5-4B15-B426-9EB47382C1B5}"/>
+              </a:ext>
+            </a:extLst>
+          </p:cNvPr>
+          <p:cNvSpPr>
+            <a:spLocks noGrp="1"/>
+          </p:cNvSpPr>
+          <p:nvPr>
+            <p:ph type="title"/>
+          </p:nvPr>
+        </p:nvSpPr>
+        <p:spPr/>
+        <p:txBody>
+          <a:bodyPr anchor="ctr">
+            <a:normAutofit/>
+          </a:bodyPr>
+          <a:lstStyle/>
+          <a:p>
+            <a:pPr marL="514350" indent="-514350">
+              <a:buFont typeface="+mj-lt"/>
+              <a:buAutoNum type="romanUcPeriod" startAt="3"/>
+            </a:pPr>
+            <a:r>
+              <a:rPr lang="en-US" sz="2200" b="1" dirty="0">
+                <a:latin typeface="Times New Roman" panose="02020603050405020304" pitchFamily="18" charset="0"/>
+                <a:cs typeface="Times New Roman" panose="02020603050405020304" pitchFamily="18" charset="0"/>
+              </a:rPr>
+              <a:t>THỰC NGHIỆM BÀI TOÁN</a:t>
+            </a:r>
+          </a:p>
+        </p:txBody>
+      </p:sp>
+      <p:sp>
+        <p:nvSpPr>
+          <p:cNvPr id="3" name="Content Placeholder 2">
+            <a:extLst>
+              <a:ext uri="{FF2B5EF4-FFF2-40B4-BE49-F238E27FC236}">
+                <a16:creationId xmlns:a16="http://schemas.microsoft.com/office/drawing/2014/main" id="{875B1CA3-14AD-4D49-80AF-8958CE5E5D99}"/>
+              </a:ext>
+            </a:extLst>
+          </p:cNvPr>
+          <p:cNvSpPr>
+            <a:spLocks noGrp="1"/>
+          </p:cNvSpPr>
+          <p:nvPr>
+            <p:ph idx="1"/>
+          </p:nvPr>
+        </p:nvSpPr>
+        <p:spPr>
+          <a:xfrm>
+            <a:off x="581192" y="2180496"/>
+            <a:ext cx="11029615" cy="4488318"/>
+          </a:xfrm>
+        </p:spPr>
+        <p:txBody>
+          <a:bodyPr anchor="t">
+            <a:normAutofit fontScale="77500" lnSpcReduction="20000"/>
+          </a:bodyPr>
+          <a:lstStyle/>
+          <a:p>
+            <a:r>
+              <a:rPr lang="en-US" sz="2800" dirty="0" err="1">
+                <a:latin typeface="Times New Roman" panose="02020603050405020304" pitchFamily="18" charset="0"/>
+                <a:cs typeface="Times New Roman" panose="02020603050405020304" pitchFamily="18" charset="0"/>
+              </a:rPr>
+              <a:t>Nhận</a:t>
+            </a:r>
+            <a:r>
+              <a:rPr lang="en-US" sz="2800" dirty="0">
+                <a:latin typeface="Times New Roman" panose="02020603050405020304" pitchFamily="18" charset="0"/>
+                <a:cs typeface="Times New Roman" panose="02020603050405020304" pitchFamily="18" charset="0"/>
+              </a:rPr>
+              <a:t> </a:t>
+            </a:r>
+            <a:r>
+              <a:rPr lang="en-US" sz="2800" dirty="0" err="1">
+                <a:latin typeface="Times New Roman" panose="02020603050405020304" pitchFamily="18" charset="0"/>
+                <a:cs typeface="Times New Roman" panose="02020603050405020304" pitchFamily="18" charset="0"/>
+              </a:rPr>
+              <a:t>dạng</a:t>
+            </a:r>
+            <a:r>
+              <a:rPr lang="en-US" sz="2800" dirty="0">
+                <a:latin typeface="Times New Roman" panose="02020603050405020304" pitchFamily="18" charset="0"/>
+                <a:cs typeface="Times New Roman" panose="02020603050405020304" pitchFamily="18" charset="0"/>
+              </a:rPr>
+              <a:t> </a:t>
+            </a:r>
+            <a:r>
+              <a:rPr lang="en-US" sz="2800" dirty="0" err="1">
+                <a:latin typeface="Times New Roman" panose="02020603050405020304" pitchFamily="18" charset="0"/>
+                <a:cs typeface="Times New Roman" panose="02020603050405020304" pitchFamily="18" charset="0"/>
+              </a:rPr>
+              <a:t>với</a:t>
+            </a:r>
+            <a:r>
+              <a:rPr lang="en-US" sz="2800" dirty="0">
+                <a:latin typeface="Times New Roman" panose="02020603050405020304" pitchFamily="18" charset="0"/>
+                <a:cs typeface="Times New Roman" panose="02020603050405020304" pitchFamily="18" charset="0"/>
+              </a:rPr>
+              <a:t> </a:t>
+            </a:r>
+            <a:r>
+              <a:rPr lang="en-US" sz="2800" dirty="0" err="1">
+                <a:latin typeface="Times New Roman" panose="02020603050405020304" pitchFamily="18" charset="0"/>
+                <a:cs typeface="Times New Roman" panose="02020603050405020304" pitchFamily="18" charset="0"/>
+              </a:rPr>
+              <a:t>vị</a:t>
+            </a:r>
+            <a:r>
+              <a:rPr lang="en-US" sz="2800" dirty="0">
+                <a:latin typeface="Times New Roman" panose="02020603050405020304" pitchFamily="18" charset="0"/>
+                <a:cs typeface="Times New Roman" panose="02020603050405020304" pitchFamily="18" charset="0"/>
+              </a:rPr>
+              <a:t> </a:t>
+            </a:r>
+            <a:r>
+              <a:rPr lang="en-US" sz="2800" dirty="0" err="1">
+                <a:latin typeface="Times New Roman" panose="02020603050405020304" pitchFamily="18" charset="0"/>
+                <a:cs typeface="Times New Roman" panose="02020603050405020304" pitchFamily="18" charset="0"/>
+              </a:rPr>
+              <a:t>trí</a:t>
+            </a:r>
+            <a:r>
+              <a:rPr lang="en-US" sz="2800" dirty="0">
+                <a:latin typeface="Times New Roman" panose="02020603050405020304" pitchFamily="18" charset="0"/>
+                <a:cs typeface="Times New Roman" panose="02020603050405020304" pitchFamily="18" charset="0"/>
+              </a:rPr>
+              <a:t> </a:t>
+            </a:r>
+            <a:r>
+              <a:rPr lang="en-US" sz="2800" dirty="0" err="1">
+                <a:latin typeface="Times New Roman" panose="02020603050405020304" pitchFamily="18" charset="0"/>
+                <a:cs typeface="Times New Roman" panose="02020603050405020304" pitchFamily="18" charset="0"/>
+              </a:rPr>
+              <a:t>khuôn</a:t>
+            </a:r>
+            <a:r>
+              <a:rPr lang="en-US" sz="2800" dirty="0">
+                <a:latin typeface="Times New Roman" panose="02020603050405020304" pitchFamily="18" charset="0"/>
+                <a:cs typeface="Times New Roman" panose="02020603050405020304" pitchFamily="18" charset="0"/>
+              </a:rPr>
+              <a:t> </a:t>
+            </a:r>
+            <a:r>
+              <a:rPr lang="en-US" sz="2800" dirty="0" err="1">
+                <a:latin typeface="Times New Roman" panose="02020603050405020304" pitchFamily="18" charset="0"/>
+                <a:cs typeface="Times New Roman" panose="02020603050405020304" pitchFamily="18" charset="0"/>
+              </a:rPr>
+              <a:t>mặt</a:t>
+            </a:r>
+            <a:r>
+              <a:rPr lang="en-US" sz="2800" dirty="0">
+                <a:latin typeface="Times New Roman" panose="02020603050405020304" pitchFamily="18" charset="0"/>
+                <a:cs typeface="Times New Roman" panose="02020603050405020304" pitchFamily="18" charset="0"/>
+              </a:rPr>
+              <a:t> </a:t>
+            </a:r>
+            <a:r>
+              <a:rPr lang="en-US" sz="2800" dirty="0" err="1">
+                <a:latin typeface="Times New Roman" panose="02020603050405020304" pitchFamily="18" charset="0"/>
+                <a:cs typeface="Times New Roman" panose="02020603050405020304" pitchFamily="18" charset="0"/>
+              </a:rPr>
+              <a:t>khác</a:t>
+            </a:r>
+            <a:r>
+              <a:rPr lang="en-US" sz="2800" dirty="0">
+                <a:latin typeface="Times New Roman" panose="02020603050405020304" pitchFamily="18" charset="0"/>
+                <a:cs typeface="Times New Roman" panose="02020603050405020304" pitchFamily="18" charset="0"/>
+              </a:rPr>
+              <a:t> </a:t>
+            </a:r>
+            <a:r>
+              <a:rPr lang="en-US" sz="2800" dirty="0" err="1">
+                <a:latin typeface="Times New Roman" panose="02020603050405020304" pitchFamily="18" charset="0"/>
+                <a:cs typeface="Times New Roman" panose="02020603050405020304" pitchFamily="18" charset="0"/>
+              </a:rPr>
+              <a:t>nhau</a:t>
+            </a:r>
+            <a:endParaRPr lang="en-US" sz="2800" dirty="0">
+              <a:latin typeface="Times New Roman" panose="02020603050405020304" pitchFamily="18" charset="0"/>
+              <a:cs typeface="Times New Roman" panose="02020603050405020304" pitchFamily="18" charset="0"/>
+            </a:endParaRPr>
+          </a:p>
+          <a:p>
+            <a:endParaRPr lang="en-US" sz="2200" dirty="0">
+              <a:latin typeface="Times New Roman" panose="02020603050405020304" pitchFamily="18" charset="0"/>
+              <a:cs typeface="Times New Roman" panose="02020603050405020304" pitchFamily="18" charset="0"/>
+            </a:endParaRPr>
+          </a:p>
+          <a:p>
+            <a:endParaRPr lang="en-US" sz="2200" dirty="0">
+              <a:latin typeface="Times New Roman" panose="02020603050405020304" pitchFamily="18" charset="0"/>
+              <a:cs typeface="Times New Roman" panose="02020603050405020304" pitchFamily="18" charset="0"/>
+            </a:endParaRPr>
+          </a:p>
+          <a:p>
+            <a:endParaRPr lang="en-US" sz="2200" dirty="0">
+              <a:latin typeface="Times New Roman" panose="02020603050405020304" pitchFamily="18" charset="0"/>
+              <a:cs typeface="Times New Roman" panose="02020603050405020304" pitchFamily="18" charset="0"/>
+            </a:endParaRPr>
+          </a:p>
+          <a:p>
+            <a:endParaRPr lang="en-US" sz="2200" dirty="0">
+              <a:latin typeface="Times New Roman" panose="02020603050405020304" pitchFamily="18" charset="0"/>
+              <a:cs typeface="Times New Roman" panose="02020603050405020304" pitchFamily="18" charset="0"/>
+            </a:endParaRPr>
+          </a:p>
+          <a:p>
+            <a:endParaRPr lang="en-US" sz="2200" dirty="0">
+              <a:latin typeface="Times New Roman" panose="02020603050405020304" pitchFamily="18" charset="0"/>
+              <a:cs typeface="Times New Roman" panose="02020603050405020304" pitchFamily="18" charset="0"/>
+            </a:endParaRPr>
+          </a:p>
+          <a:p>
+            <a:endParaRPr lang="en-US" sz="2200" dirty="0">
+              <a:latin typeface="Times New Roman" panose="02020603050405020304" pitchFamily="18" charset="0"/>
+              <a:cs typeface="Times New Roman" panose="02020603050405020304" pitchFamily="18" charset="0"/>
+            </a:endParaRPr>
+          </a:p>
+          <a:p>
+            <a:pPr marL="324000" lvl="1" indent="0" algn="just">
+              <a:buNone/>
+            </a:pPr>
+            <a:endParaRPr lang="en-US" sz="2200" b="1" dirty="0">
+              <a:latin typeface="Times New Roman" panose="02020603050405020304" pitchFamily="18" charset="0"/>
+              <a:cs typeface="Times New Roman" panose="02020603050405020304" pitchFamily="18" charset="0"/>
+            </a:endParaRPr>
+          </a:p>
+          <a:p>
+            <a:pPr marL="324000" lvl="1" indent="0" algn="just">
+              <a:buNone/>
+            </a:pPr>
+            <a:endParaRPr lang="en-US" sz="2200" b="1" dirty="0">
+              <a:latin typeface="Times New Roman" panose="02020603050405020304" pitchFamily="18" charset="0"/>
+              <a:cs typeface="Times New Roman" panose="02020603050405020304" pitchFamily="18" charset="0"/>
+            </a:endParaRPr>
+          </a:p>
+          <a:p>
+            <a:pPr marL="324000" lvl="1" indent="0" algn="just">
+              <a:buNone/>
+            </a:pPr>
+            <a:endParaRPr lang="en-US" sz="2400" b="1" dirty="0">
+              <a:latin typeface="Times New Roman" panose="02020603050405020304" pitchFamily="18" charset="0"/>
+              <a:cs typeface="Times New Roman" panose="02020603050405020304" pitchFamily="18" charset="0"/>
+            </a:endParaRPr>
+          </a:p>
+          <a:p>
+            <a:pPr marL="324000" lvl="1" indent="0" algn="just">
+              <a:buNone/>
+            </a:pPr>
+            <a:r>
+              <a:rPr lang="en-US" sz="2600" b="1" dirty="0" err="1">
+                <a:latin typeface="Times New Roman" panose="02020603050405020304" pitchFamily="18" charset="0"/>
+                <a:cs typeface="Times New Roman" panose="02020603050405020304" pitchFamily="18" charset="0"/>
+              </a:rPr>
+              <a:t>Nhận</a:t>
+            </a:r>
+            <a:r>
+              <a:rPr lang="en-US" sz="2600" b="1" dirty="0">
+                <a:latin typeface="Times New Roman" panose="02020603050405020304" pitchFamily="18" charset="0"/>
+                <a:cs typeface="Times New Roman" panose="02020603050405020304" pitchFamily="18" charset="0"/>
+              </a:rPr>
+              <a:t> </a:t>
+            </a:r>
+            <a:r>
+              <a:rPr lang="en-US" sz="2600" b="1" dirty="0" err="1">
+                <a:latin typeface="Times New Roman" panose="02020603050405020304" pitchFamily="18" charset="0"/>
+                <a:cs typeface="Times New Roman" panose="02020603050405020304" pitchFamily="18" charset="0"/>
+              </a:rPr>
+              <a:t>xét</a:t>
+            </a:r>
+            <a:r>
+              <a:rPr lang="en-US" sz="2600" dirty="0">
+                <a:latin typeface="Times New Roman" panose="02020603050405020304" pitchFamily="18" charset="0"/>
+                <a:cs typeface="Times New Roman" panose="02020603050405020304" pitchFamily="18" charset="0"/>
+              </a:rPr>
+              <a:t>: </a:t>
+            </a:r>
+            <a:r>
+              <a:rPr lang="en-US" sz="2800" dirty="0" err="1">
+                <a:latin typeface="Times New Roman" panose="02020603050405020304" pitchFamily="18" charset="0"/>
+                <a:ea typeface="Calibri" panose="020F0502020204030204" pitchFamily="34" charset="0"/>
+              </a:rPr>
+              <a:t>Chương</a:t>
+            </a:r>
+            <a:r>
+              <a:rPr lang="en-US" sz="2800" dirty="0">
+                <a:latin typeface="Times New Roman" panose="02020603050405020304" pitchFamily="18" charset="0"/>
+                <a:ea typeface="Calibri" panose="020F0502020204030204" pitchFamily="34" charset="0"/>
+              </a:rPr>
+              <a:t> </a:t>
+            </a:r>
+            <a:r>
+              <a:rPr lang="en-US" sz="2800" dirty="0" err="1">
+                <a:latin typeface="Times New Roman" panose="02020603050405020304" pitchFamily="18" charset="0"/>
+                <a:ea typeface="Calibri" panose="020F0502020204030204" pitchFamily="34" charset="0"/>
+              </a:rPr>
+              <a:t>trình</a:t>
+            </a:r>
+            <a:r>
+              <a:rPr lang="en-US" sz="2800" dirty="0">
+                <a:latin typeface="Times New Roman" panose="02020603050405020304" pitchFamily="18" charset="0"/>
+                <a:ea typeface="Calibri" panose="020F0502020204030204" pitchFamily="34" charset="0"/>
+              </a:rPr>
+              <a:t> </a:t>
+            </a:r>
+            <a:r>
+              <a:rPr lang="en-US" sz="2800" dirty="0" err="1">
+                <a:latin typeface="Times New Roman" panose="02020603050405020304" pitchFamily="18" charset="0"/>
+                <a:ea typeface="Calibri" panose="020F0502020204030204" pitchFamily="34" charset="0"/>
+              </a:rPr>
+              <a:t>cho</a:t>
+            </a:r>
+            <a:r>
+              <a:rPr lang="en-US" sz="2800" dirty="0">
+                <a:latin typeface="Times New Roman" panose="02020603050405020304" pitchFamily="18" charset="0"/>
+                <a:ea typeface="Calibri" panose="020F0502020204030204" pitchFamily="34" charset="0"/>
+              </a:rPr>
+              <a:t> </a:t>
+            </a:r>
+            <a:r>
+              <a:rPr lang="en-US" sz="2800" dirty="0" err="1">
+                <a:latin typeface="Times New Roman" panose="02020603050405020304" pitchFamily="18" charset="0"/>
+                <a:ea typeface="Calibri" panose="020F0502020204030204" pitchFamily="34" charset="0"/>
+              </a:rPr>
+              <a:t>kết</a:t>
+            </a:r>
+            <a:r>
+              <a:rPr lang="en-US" sz="2800" dirty="0">
+                <a:latin typeface="Times New Roman" panose="02020603050405020304" pitchFamily="18" charset="0"/>
+                <a:ea typeface="Calibri" panose="020F0502020204030204" pitchFamily="34" charset="0"/>
+              </a:rPr>
+              <a:t> </a:t>
+            </a:r>
+            <a:r>
+              <a:rPr lang="en-US" sz="2800" dirty="0" err="1">
+                <a:latin typeface="Times New Roman" panose="02020603050405020304" pitchFamily="18" charset="0"/>
+                <a:ea typeface="Calibri" panose="020F0502020204030204" pitchFamily="34" charset="0"/>
+              </a:rPr>
+              <a:t>quả</a:t>
+            </a:r>
+            <a:r>
+              <a:rPr lang="en-US" sz="2800" dirty="0">
+                <a:latin typeface="Times New Roman" panose="02020603050405020304" pitchFamily="18" charset="0"/>
+                <a:ea typeface="Calibri" panose="020F0502020204030204" pitchFamily="34" charset="0"/>
+              </a:rPr>
+              <a:t> </a:t>
+            </a:r>
+            <a:r>
+              <a:rPr lang="en-US" sz="2800" dirty="0" err="1">
+                <a:latin typeface="Times New Roman" panose="02020603050405020304" pitchFamily="18" charset="0"/>
+                <a:ea typeface="Calibri" panose="020F0502020204030204" pitchFamily="34" charset="0"/>
+              </a:rPr>
+              <a:t>tốt</a:t>
+            </a:r>
+            <a:r>
+              <a:rPr lang="en-US" sz="2800" dirty="0">
+                <a:latin typeface="Times New Roman" panose="02020603050405020304" pitchFamily="18" charset="0"/>
+                <a:ea typeface="Calibri" panose="020F0502020204030204" pitchFamily="34" charset="0"/>
+              </a:rPr>
+              <a:t> </a:t>
+            </a:r>
+            <a:r>
+              <a:rPr lang="en-US" sz="2800" dirty="0" err="1">
+                <a:latin typeface="Times New Roman" panose="02020603050405020304" pitchFamily="18" charset="0"/>
+                <a:ea typeface="Calibri" panose="020F0502020204030204" pitchFamily="34" charset="0"/>
+              </a:rPr>
+              <a:t>khi</a:t>
+            </a:r>
+            <a:r>
+              <a:rPr lang="en-US" sz="2800" dirty="0">
+                <a:latin typeface="Times New Roman" panose="02020603050405020304" pitchFamily="18" charset="0"/>
+                <a:ea typeface="Calibri" panose="020F0502020204030204" pitchFamily="34" charset="0"/>
+              </a:rPr>
+              <a:t> </a:t>
+            </a:r>
+            <a:r>
+              <a:rPr lang="en-US" sz="2800" dirty="0" err="1">
+                <a:latin typeface="Times New Roman" panose="02020603050405020304" pitchFamily="18" charset="0"/>
+                <a:ea typeface="Calibri" panose="020F0502020204030204" pitchFamily="34" charset="0"/>
+              </a:rPr>
+              <a:t>khuôn</a:t>
+            </a:r>
+            <a:r>
+              <a:rPr lang="en-US" sz="2800" dirty="0">
+                <a:latin typeface="Times New Roman" panose="02020603050405020304" pitchFamily="18" charset="0"/>
+                <a:ea typeface="Calibri" panose="020F0502020204030204" pitchFamily="34" charset="0"/>
+              </a:rPr>
+              <a:t> </a:t>
+            </a:r>
+            <a:r>
+              <a:rPr lang="en-US" sz="2800" dirty="0" err="1">
+                <a:latin typeface="Times New Roman" panose="02020603050405020304" pitchFamily="18" charset="0"/>
+                <a:ea typeface="Calibri" panose="020F0502020204030204" pitchFamily="34" charset="0"/>
+              </a:rPr>
+              <a:t>mặt</a:t>
+            </a:r>
+            <a:r>
+              <a:rPr lang="en-US" sz="2800" dirty="0">
+                <a:latin typeface="Times New Roman" panose="02020603050405020304" pitchFamily="18" charset="0"/>
+                <a:ea typeface="Calibri" panose="020F0502020204030204" pitchFamily="34" charset="0"/>
+              </a:rPr>
+              <a:t> </a:t>
+            </a:r>
+            <a:r>
+              <a:rPr lang="en-US" sz="2800" dirty="0" err="1">
+                <a:latin typeface="Times New Roman" panose="02020603050405020304" pitchFamily="18" charset="0"/>
+                <a:ea typeface="Calibri" panose="020F0502020204030204" pitchFamily="34" charset="0"/>
+              </a:rPr>
+              <a:t>nằm</a:t>
+            </a:r>
+            <a:r>
+              <a:rPr lang="en-US" sz="2800" dirty="0">
+                <a:latin typeface="Times New Roman" panose="02020603050405020304" pitchFamily="18" charset="0"/>
+                <a:ea typeface="Calibri" panose="020F0502020204030204" pitchFamily="34" charset="0"/>
+              </a:rPr>
+              <a:t> </a:t>
+            </a:r>
+            <a:r>
+              <a:rPr lang="en-US" sz="2800" dirty="0" err="1">
+                <a:latin typeface="Times New Roman" panose="02020603050405020304" pitchFamily="18" charset="0"/>
+                <a:ea typeface="Calibri" panose="020F0502020204030204" pitchFamily="34" charset="0"/>
+              </a:rPr>
+              <a:t>chính</a:t>
+            </a:r>
+            <a:r>
+              <a:rPr lang="en-US" sz="2800" dirty="0">
+                <a:latin typeface="Times New Roman" panose="02020603050405020304" pitchFamily="18" charset="0"/>
+                <a:ea typeface="Calibri" panose="020F0502020204030204" pitchFamily="34" charset="0"/>
+              </a:rPr>
+              <a:t> </a:t>
+            </a:r>
+            <a:r>
+              <a:rPr lang="en-US" sz="2800" dirty="0" err="1">
+                <a:latin typeface="Times New Roman" panose="02020603050405020304" pitchFamily="18" charset="0"/>
+                <a:ea typeface="Calibri" panose="020F0502020204030204" pitchFamily="34" charset="0"/>
+              </a:rPr>
+              <a:t>giữa</a:t>
+            </a:r>
+            <a:r>
+              <a:rPr lang="en-US" sz="2800" dirty="0">
+                <a:latin typeface="Times New Roman" panose="02020603050405020304" pitchFamily="18" charset="0"/>
+                <a:ea typeface="Calibri" panose="020F0502020204030204" pitchFamily="34" charset="0"/>
+              </a:rPr>
+              <a:t> hay gần </a:t>
+            </a:r>
+            <a:r>
+              <a:rPr lang="en-US" sz="2800" dirty="0" err="1">
+                <a:latin typeface="Times New Roman" panose="02020603050405020304" pitchFamily="18" charset="0"/>
+                <a:ea typeface="Calibri" panose="020F0502020204030204" pitchFamily="34" charset="0"/>
+              </a:rPr>
+              <a:t>chính</a:t>
+            </a:r>
+            <a:r>
+              <a:rPr lang="en-US" sz="2800" dirty="0">
+                <a:latin typeface="Times New Roman" panose="02020603050405020304" pitchFamily="18" charset="0"/>
+                <a:ea typeface="Calibri" panose="020F0502020204030204" pitchFamily="34" charset="0"/>
+              </a:rPr>
+              <a:t> </a:t>
+            </a:r>
+            <a:r>
+              <a:rPr lang="en-US" sz="2800" dirty="0" err="1">
+                <a:latin typeface="Times New Roman" panose="02020603050405020304" pitchFamily="18" charset="0"/>
+                <a:ea typeface="Calibri" panose="020F0502020204030204" pitchFamily="34" charset="0"/>
+              </a:rPr>
+              <a:t>giữa</a:t>
+            </a:r>
+            <a:r>
+              <a:rPr lang="en-US" sz="2800" dirty="0">
+                <a:latin typeface="Times New Roman" panose="02020603050405020304" pitchFamily="18" charset="0"/>
+                <a:ea typeface="Calibri" panose="020F0502020204030204" pitchFamily="34" charset="0"/>
+              </a:rPr>
+              <a:t> </a:t>
+            </a:r>
+            <a:r>
+              <a:rPr lang="en-US" sz="2800" dirty="0" err="1">
+                <a:latin typeface="Times New Roman" panose="02020603050405020304" pitchFamily="18" charset="0"/>
+                <a:ea typeface="Calibri" panose="020F0502020204030204" pitchFamily="34" charset="0"/>
+              </a:rPr>
+              <a:t>bức</a:t>
+            </a:r>
+            <a:r>
+              <a:rPr lang="en-US" sz="2800" dirty="0">
+                <a:latin typeface="Times New Roman" panose="02020603050405020304" pitchFamily="18" charset="0"/>
+                <a:ea typeface="Calibri" panose="020F0502020204030204" pitchFamily="34" charset="0"/>
+              </a:rPr>
+              <a:t> </a:t>
+            </a:r>
+            <a:r>
+              <a:rPr lang="en-US" sz="2800" dirty="0" err="1">
+                <a:latin typeface="Times New Roman" panose="02020603050405020304" pitchFamily="18" charset="0"/>
+                <a:ea typeface="Calibri" panose="020F0502020204030204" pitchFamily="34" charset="0"/>
+              </a:rPr>
+              <a:t>ảnh</a:t>
+            </a:r>
+            <a:r>
+              <a:rPr lang="en-US" sz="2800" dirty="0">
+                <a:latin typeface="Times New Roman" panose="02020603050405020304" pitchFamily="18" charset="0"/>
+                <a:ea typeface="Calibri" panose="020F0502020204030204" pitchFamily="34" charset="0"/>
+              </a:rPr>
+              <a:t>, </a:t>
+            </a:r>
+            <a:r>
+              <a:rPr lang="en-US" sz="2800" dirty="0" err="1">
+                <a:latin typeface="Times New Roman" panose="02020603050405020304" pitchFamily="18" charset="0"/>
+                <a:ea typeface="Calibri" panose="020F0502020204030204" pitchFamily="34" charset="0"/>
+              </a:rPr>
+              <a:t>tuy</a:t>
+            </a:r>
+            <a:r>
+              <a:rPr lang="en-US" sz="2800" dirty="0">
+                <a:latin typeface="Times New Roman" panose="02020603050405020304" pitchFamily="18" charset="0"/>
+                <a:ea typeface="Calibri" panose="020F0502020204030204" pitchFamily="34" charset="0"/>
+              </a:rPr>
+              <a:t> </a:t>
+            </a:r>
+            <a:r>
+              <a:rPr lang="en-US" sz="2800" dirty="0" err="1">
+                <a:latin typeface="Times New Roman" panose="02020603050405020304" pitchFamily="18" charset="0"/>
+                <a:ea typeface="Calibri" panose="020F0502020204030204" pitchFamily="34" charset="0"/>
+              </a:rPr>
+              <a:t>nhiên</a:t>
+            </a:r>
+            <a:r>
+              <a:rPr lang="en-US" sz="2800" dirty="0">
+                <a:latin typeface="Times New Roman" panose="02020603050405020304" pitchFamily="18" charset="0"/>
+                <a:ea typeface="Calibri" panose="020F0502020204030204" pitchFamily="34" charset="0"/>
+              </a:rPr>
+              <a:t> </a:t>
+            </a:r>
+            <a:r>
+              <a:rPr lang="en-US" sz="2800" dirty="0" err="1">
+                <a:latin typeface="Times New Roman" panose="02020603050405020304" pitchFamily="18" charset="0"/>
+                <a:ea typeface="Calibri" panose="020F0502020204030204" pitchFamily="34" charset="0"/>
+              </a:rPr>
+              <a:t>với</a:t>
+            </a:r>
+            <a:r>
+              <a:rPr lang="en-US" sz="2800" dirty="0">
+                <a:latin typeface="Times New Roman" panose="02020603050405020304" pitchFamily="18" charset="0"/>
+                <a:ea typeface="Calibri" panose="020F0502020204030204" pitchFamily="34" charset="0"/>
+              </a:rPr>
+              <a:t> </a:t>
+            </a:r>
+            <a:r>
+              <a:rPr lang="en-US" sz="2800" dirty="0" err="1">
+                <a:latin typeface="Times New Roman" panose="02020603050405020304" pitchFamily="18" charset="0"/>
+                <a:ea typeface="Calibri" panose="020F0502020204030204" pitchFamily="34" charset="0"/>
+              </a:rPr>
+              <a:t>các</a:t>
+            </a:r>
+            <a:r>
+              <a:rPr lang="en-US" sz="2800" dirty="0">
+                <a:latin typeface="Times New Roman" panose="02020603050405020304" pitchFamily="18" charset="0"/>
+                <a:ea typeface="Calibri" panose="020F0502020204030204" pitchFamily="34" charset="0"/>
+              </a:rPr>
+              <a:t> </a:t>
+            </a:r>
+            <a:r>
+              <a:rPr lang="en-US" sz="2800" dirty="0" err="1">
+                <a:latin typeface="Times New Roman" panose="02020603050405020304" pitchFamily="18" charset="0"/>
+                <a:ea typeface="Calibri" panose="020F0502020204030204" pitchFamily="34" charset="0"/>
+              </a:rPr>
+              <a:t>bức</a:t>
+            </a:r>
+            <a:r>
+              <a:rPr lang="en-US" sz="2800" dirty="0">
+                <a:latin typeface="Times New Roman" panose="02020603050405020304" pitchFamily="18" charset="0"/>
+                <a:ea typeface="Calibri" panose="020F0502020204030204" pitchFamily="34" charset="0"/>
+              </a:rPr>
+              <a:t> </a:t>
+            </a:r>
+            <a:r>
+              <a:rPr lang="en-US" sz="2800" dirty="0" err="1">
+                <a:latin typeface="Times New Roman" panose="02020603050405020304" pitchFamily="18" charset="0"/>
+                <a:ea typeface="Calibri" panose="020F0502020204030204" pitchFamily="34" charset="0"/>
+              </a:rPr>
+              <a:t>ảnh</a:t>
+            </a:r>
+            <a:r>
+              <a:rPr lang="en-US" sz="2800" dirty="0">
+                <a:latin typeface="Times New Roman" panose="02020603050405020304" pitchFamily="18" charset="0"/>
+                <a:ea typeface="Calibri" panose="020F0502020204030204" pitchFamily="34" charset="0"/>
+              </a:rPr>
+              <a:t> có </a:t>
+            </a:r>
+            <a:r>
+              <a:rPr lang="en-US" sz="2800" dirty="0" err="1">
+                <a:latin typeface="Times New Roman" panose="02020603050405020304" pitchFamily="18" charset="0"/>
+                <a:ea typeface="Calibri" panose="020F0502020204030204" pitchFamily="34" charset="0"/>
+              </a:rPr>
+              <a:t>khuôn</a:t>
+            </a:r>
+            <a:r>
+              <a:rPr lang="en-US" sz="2800" dirty="0">
+                <a:latin typeface="Times New Roman" panose="02020603050405020304" pitchFamily="18" charset="0"/>
+                <a:ea typeface="Calibri" panose="020F0502020204030204" pitchFamily="34" charset="0"/>
+              </a:rPr>
+              <a:t> </a:t>
+            </a:r>
+            <a:r>
+              <a:rPr lang="en-US" sz="2800" dirty="0" err="1">
+                <a:latin typeface="Times New Roman" panose="02020603050405020304" pitchFamily="18" charset="0"/>
+                <a:ea typeface="Calibri" panose="020F0502020204030204" pitchFamily="34" charset="0"/>
+              </a:rPr>
+              <a:t>mặt</a:t>
+            </a:r>
+            <a:r>
+              <a:rPr lang="en-US" sz="2800" dirty="0">
+                <a:latin typeface="Times New Roman" panose="02020603050405020304" pitchFamily="18" charset="0"/>
+                <a:ea typeface="Calibri" panose="020F0502020204030204" pitchFamily="34" charset="0"/>
+              </a:rPr>
+              <a:t> </a:t>
+            </a:r>
+            <a:r>
+              <a:rPr lang="en-US" sz="2800" dirty="0" err="1">
+                <a:latin typeface="Times New Roman" panose="02020603050405020304" pitchFamily="18" charset="0"/>
+                <a:ea typeface="Calibri" panose="020F0502020204030204" pitchFamily="34" charset="0"/>
+              </a:rPr>
+              <a:t>nằm</a:t>
+            </a:r>
+            <a:r>
+              <a:rPr lang="en-US" sz="2800" dirty="0">
+                <a:latin typeface="Times New Roman" panose="02020603050405020304" pitchFamily="18" charset="0"/>
+                <a:ea typeface="Calibri" panose="020F0502020204030204" pitchFamily="34" charset="0"/>
+              </a:rPr>
+              <a:t> ở </a:t>
+            </a:r>
+            <a:r>
+              <a:rPr lang="en-US" sz="2800" dirty="0" err="1">
+                <a:latin typeface="Times New Roman" panose="02020603050405020304" pitchFamily="18" charset="0"/>
+                <a:ea typeface="Calibri" panose="020F0502020204030204" pitchFamily="34" charset="0"/>
+              </a:rPr>
+              <a:t>ngoài</a:t>
+            </a:r>
+            <a:r>
+              <a:rPr lang="en-US" sz="2800" dirty="0">
+                <a:latin typeface="Times New Roman" panose="02020603050405020304" pitchFamily="18" charset="0"/>
+                <a:ea typeface="Calibri" panose="020F0502020204030204" pitchFamily="34" charset="0"/>
+              </a:rPr>
+              <a:t> ½ </a:t>
+            </a:r>
+            <a:r>
+              <a:rPr lang="en-US" sz="2800" dirty="0" err="1">
+                <a:latin typeface="Times New Roman" panose="02020603050405020304" pitchFamily="18" charset="0"/>
+                <a:ea typeface="Calibri" panose="020F0502020204030204" pitchFamily="34" charset="0"/>
+              </a:rPr>
+              <a:t>bức</a:t>
+            </a:r>
+            <a:r>
+              <a:rPr lang="en-US" sz="2800" dirty="0">
+                <a:latin typeface="Times New Roman" panose="02020603050405020304" pitchFamily="18" charset="0"/>
+                <a:ea typeface="Calibri" panose="020F0502020204030204" pitchFamily="34" charset="0"/>
+              </a:rPr>
+              <a:t> </a:t>
+            </a:r>
+            <a:r>
+              <a:rPr lang="en-US" sz="2800" dirty="0" err="1">
+                <a:latin typeface="Times New Roman" panose="02020603050405020304" pitchFamily="18" charset="0"/>
+                <a:ea typeface="Calibri" panose="020F0502020204030204" pitchFamily="34" charset="0"/>
+              </a:rPr>
+              <a:t>ảnh</a:t>
+            </a:r>
+            <a:r>
+              <a:rPr lang="en-US" sz="2800" dirty="0">
+                <a:latin typeface="Times New Roman" panose="02020603050405020304" pitchFamily="18" charset="0"/>
+                <a:ea typeface="Calibri" panose="020F0502020204030204" pitchFamily="34" charset="0"/>
+              </a:rPr>
+              <a:t> </a:t>
+            </a:r>
+            <a:r>
+              <a:rPr lang="en-US" sz="2800" dirty="0" err="1">
+                <a:latin typeface="Times New Roman" panose="02020603050405020304" pitchFamily="18" charset="0"/>
+                <a:ea typeface="Calibri" panose="020F0502020204030204" pitchFamily="34" charset="0"/>
+              </a:rPr>
+              <a:t>sẽ</a:t>
+            </a:r>
+            <a:r>
+              <a:rPr lang="en-US" sz="2800" dirty="0">
+                <a:latin typeface="Times New Roman" panose="02020603050405020304" pitchFamily="18" charset="0"/>
+                <a:ea typeface="Calibri" panose="020F0502020204030204" pitchFamily="34" charset="0"/>
+              </a:rPr>
+              <a:t> không </a:t>
+            </a:r>
+            <a:r>
+              <a:rPr lang="en-US" sz="2800" dirty="0" err="1">
+                <a:latin typeface="Times New Roman" panose="02020603050405020304" pitchFamily="18" charset="0"/>
+                <a:ea typeface="Calibri" panose="020F0502020204030204" pitchFamily="34" charset="0"/>
+              </a:rPr>
+              <a:t>còn</a:t>
+            </a:r>
+            <a:r>
+              <a:rPr lang="en-US" sz="2800" dirty="0">
+                <a:latin typeface="Times New Roman" panose="02020603050405020304" pitchFamily="18" charset="0"/>
+                <a:ea typeface="Calibri" panose="020F0502020204030204" pitchFamily="34" charset="0"/>
+              </a:rPr>
+              <a:t> </a:t>
+            </a:r>
+            <a:r>
+              <a:rPr lang="en-US" sz="2800" dirty="0" err="1">
+                <a:latin typeface="Times New Roman" panose="02020603050405020304" pitchFamily="18" charset="0"/>
+                <a:ea typeface="Calibri" panose="020F0502020204030204" pitchFamily="34" charset="0"/>
+              </a:rPr>
+              <a:t>chính</a:t>
+            </a:r>
+            <a:r>
+              <a:rPr lang="en-US" sz="2800" dirty="0">
+                <a:latin typeface="Times New Roman" panose="02020603050405020304" pitchFamily="18" charset="0"/>
+                <a:ea typeface="Calibri" panose="020F0502020204030204" pitchFamily="34" charset="0"/>
+              </a:rPr>
+              <a:t> </a:t>
+            </a:r>
+            <a:r>
+              <a:rPr lang="en-US" sz="2800" dirty="0" err="1">
+                <a:latin typeface="Times New Roman" panose="02020603050405020304" pitchFamily="18" charset="0"/>
+                <a:ea typeface="Calibri" panose="020F0502020204030204" pitchFamily="34" charset="0"/>
+              </a:rPr>
+              <a:t>xác</a:t>
+            </a:r>
+            <a:r>
+              <a:rPr lang="en-US" sz="2800" dirty="0">
+                <a:latin typeface="Times New Roman" panose="02020603050405020304" pitchFamily="18" charset="0"/>
+                <a:ea typeface="Calibri" panose="020F0502020204030204" pitchFamily="34" charset="0"/>
+              </a:rPr>
+              <a:t> </a:t>
+            </a:r>
+            <a:r>
+              <a:rPr lang="en-US" sz="2800" dirty="0" err="1">
+                <a:latin typeface="Times New Roman" panose="02020603050405020304" pitchFamily="18" charset="0"/>
+                <a:ea typeface="Calibri" panose="020F0502020204030204" pitchFamily="34" charset="0"/>
+              </a:rPr>
+              <a:t>nữa</a:t>
+            </a:r>
+            <a:r>
+              <a:rPr lang="en-US" sz="2800" dirty="0">
+                <a:latin typeface="Times New Roman" panose="02020603050405020304" pitchFamily="18" charset="0"/>
+                <a:ea typeface="Calibri" panose="020F0502020204030204" pitchFamily="34" charset="0"/>
+              </a:rPr>
+              <a:t>.</a:t>
+            </a:r>
+            <a:endParaRPr lang="en-US" sz="2600" dirty="0">
+              <a:latin typeface="Times New Roman" panose="02020603050405020304" pitchFamily="18" charset="0"/>
+              <a:cs typeface="Times New Roman" panose="02020603050405020304" pitchFamily="18" charset="0"/>
+            </a:endParaRPr>
+          </a:p>
+          <a:p>
+            <a:pPr marL="324000" lvl="1" indent="0" algn="just">
+              <a:buNone/>
+            </a:pPr>
+            <a:endParaRPr lang="vi-VN" sz="2200" dirty="0">
+              <a:latin typeface="Times New Roman" panose="02020603050405020304" pitchFamily="18" charset="0"/>
+              <a:cs typeface="Times New Roman" panose="02020603050405020304" pitchFamily="18" charset="0"/>
+            </a:endParaRPr>
+          </a:p>
+        </p:txBody>
+      </p:sp>
+      <p:pic>
+        <p:nvPicPr>
+          <p:cNvPr id="7" name="Picture 6">
+            <a:extLst>
+              <a:ext uri="{FF2B5EF4-FFF2-40B4-BE49-F238E27FC236}">
+                <a16:creationId xmlns:a16="http://schemas.microsoft.com/office/drawing/2014/main" id="{CA4325E2-FA6B-407E-B150-F175C79A3EB0}"/>
+              </a:ext>
+            </a:extLst>
+          </p:cNvPr>
+          <p:cNvPicPr/>
+          <p:nvPr/>
+        </p:nvPicPr>
+        <p:blipFill>
+          <a:blip r:embed="rId2"/>
+          <a:stretch>
+            <a:fillRect/>
+          </a:stretch>
+        </p:blipFill>
+        <p:spPr>
+          <a:xfrm>
+            <a:off x="1322409" y="2617076"/>
+            <a:ext cx="3596432" cy="2913993"/>
+          </a:xfrm>
+          <a:prstGeom prst="rect">
+            <a:avLst/>
+          </a:prstGeom>
+        </p:spPr>
+      </p:pic>
+      <p:pic>
+        <p:nvPicPr>
+          <p:cNvPr id="10" name="Picture 9">
+            <a:extLst>
+              <a:ext uri="{FF2B5EF4-FFF2-40B4-BE49-F238E27FC236}">
+                <a16:creationId xmlns:a16="http://schemas.microsoft.com/office/drawing/2014/main" id="{938F82EC-9AB3-4763-8878-792A85A93C2E}"/>
+              </a:ext>
+            </a:extLst>
+          </p:cNvPr>
+          <p:cNvPicPr/>
+          <p:nvPr/>
+        </p:nvPicPr>
+        <p:blipFill>
+          <a:blip r:embed="rId3"/>
+          <a:stretch>
+            <a:fillRect/>
+          </a:stretch>
+        </p:blipFill>
+        <p:spPr>
+          <a:xfrm>
+            <a:off x="5660058" y="2617076"/>
+            <a:ext cx="3596432" cy="2913993"/>
+          </a:xfrm>
+          <a:prstGeom prst="rect">
+            <a:avLst/>
+          </a:prstGeom>
+        </p:spPr>
+      </p:pic>
+    </p:spTree>
+    <p:extLst>
+      <p:ext uri="{BB962C8B-B14F-4D97-AF65-F5344CB8AC3E}">
+        <p14:creationId xmlns:p14="http://schemas.microsoft.com/office/powerpoint/2010/main" val="2443853876"/>
+      </p:ext>
+    </p:extLst>
+  </p:cSld>
+  <p:clrMapOvr>
+    <a:masterClrMapping/>
+  </p:clrMapOvr>
+</p:sld>
+</file>
+
+<file path=ppt/slides/slide19.xml><?xml version="1.0" encoding="utf-8"?>
+<p:sld xmlns:a="http://schemas.openxmlformats.org/drawingml/2006/main" xmlns:r="http://schemas.openxmlformats.org/officeDocument/2006/relationships" xmlns:p="http://schemas.openxmlformats.org/presentationml/2006/main">
+  <p:cSld>
+    <p:spTree>
+      <p:nvGrpSpPr>
+        <p:cNvPr id="1" name=""/>
+        <p:cNvGrpSpPr/>
+        <p:nvPr/>
+      </p:nvGrpSpPr>
+      <p:grpSpPr>
+        <a:xfrm>
+          <a:off x="0" y="0"/>
+          <a:ext cx="0" cy="0"/>
+          <a:chOff x="0" y="0"/>
+          <a:chExt cx="0" cy="0"/>
+        </a:xfrm>
+      </p:grpSpPr>
+      <p:sp>
+        <p:nvSpPr>
+          <p:cNvPr id="2" name="Title 1">
+            <a:extLst>
+              <a:ext uri="{FF2B5EF4-FFF2-40B4-BE49-F238E27FC236}">
+                <a16:creationId xmlns:a16="http://schemas.microsoft.com/office/drawing/2014/main" id="{64A2D262-E7A5-4B15-B426-9EB47382C1B5}"/>
+              </a:ext>
+            </a:extLst>
+          </p:cNvPr>
+          <p:cNvSpPr>
+            <a:spLocks noGrp="1"/>
+          </p:cNvSpPr>
+          <p:nvPr>
+            <p:ph type="title"/>
+          </p:nvPr>
+        </p:nvSpPr>
+        <p:spPr/>
+        <p:txBody>
+          <a:bodyPr anchor="ctr">
+            <a:normAutofit/>
+          </a:bodyPr>
+          <a:lstStyle/>
+          <a:p>
+            <a:pPr marL="514350" indent="-514350">
+              <a:buFont typeface="+mj-lt"/>
+              <a:buAutoNum type="romanUcPeriod" startAt="3"/>
+            </a:pPr>
+            <a:r>
+              <a:rPr lang="en-US" sz="2200" b="1" dirty="0">
+                <a:latin typeface="Times New Roman" panose="02020603050405020304" pitchFamily="18" charset="0"/>
+                <a:cs typeface="Times New Roman" panose="02020603050405020304" pitchFamily="18" charset="0"/>
+              </a:rPr>
+              <a:t>THỰC NGHIỆM BÀI TOÁN</a:t>
+            </a:r>
+          </a:p>
+        </p:txBody>
+      </p:sp>
+      <p:sp>
+        <p:nvSpPr>
+          <p:cNvPr id="3" name="Content Placeholder 2">
+            <a:extLst>
+              <a:ext uri="{FF2B5EF4-FFF2-40B4-BE49-F238E27FC236}">
+                <a16:creationId xmlns:a16="http://schemas.microsoft.com/office/drawing/2014/main" id="{875B1CA3-14AD-4D49-80AF-8958CE5E5D99}"/>
+              </a:ext>
+            </a:extLst>
+          </p:cNvPr>
+          <p:cNvSpPr>
+            <a:spLocks noGrp="1"/>
+          </p:cNvSpPr>
+          <p:nvPr>
+            <p:ph idx="1"/>
+          </p:nvPr>
+        </p:nvSpPr>
+        <p:spPr>
+          <a:xfrm>
+            <a:off x="581192" y="2180496"/>
+            <a:ext cx="11029615" cy="4488318"/>
+          </a:xfrm>
+        </p:spPr>
+        <p:txBody>
+          <a:bodyPr anchor="t">
+            <a:normAutofit fontScale="85000" lnSpcReduction="20000"/>
+          </a:bodyPr>
+          <a:lstStyle/>
+          <a:p>
+            <a:r>
+              <a:rPr lang="en-US" sz="2800" dirty="0" err="1">
+                <a:latin typeface="Times New Roman" panose="02020603050405020304" pitchFamily="18" charset="0"/>
+                <a:cs typeface="Times New Roman" panose="02020603050405020304" pitchFamily="18" charset="0"/>
+              </a:rPr>
+              <a:t>Nhận</a:t>
+            </a:r>
+            <a:r>
+              <a:rPr lang="en-US" sz="2800" dirty="0">
+                <a:latin typeface="Times New Roman" panose="02020603050405020304" pitchFamily="18" charset="0"/>
+                <a:cs typeface="Times New Roman" panose="02020603050405020304" pitchFamily="18" charset="0"/>
+              </a:rPr>
+              <a:t> </a:t>
+            </a:r>
+            <a:r>
+              <a:rPr lang="en-US" sz="2800" dirty="0" err="1">
+                <a:latin typeface="Times New Roman" panose="02020603050405020304" pitchFamily="18" charset="0"/>
+                <a:cs typeface="Times New Roman" panose="02020603050405020304" pitchFamily="18" charset="0"/>
+              </a:rPr>
+              <a:t>dạng</a:t>
+            </a:r>
+            <a:r>
+              <a:rPr lang="en-US" sz="2800" dirty="0">
+                <a:latin typeface="Times New Roman" panose="02020603050405020304" pitchFamily="18" charset="0"/>
+                <a:cs typeface="Times New Roman" panose="02020603050405020304" pitchFamily="18" charset="0"/>
+              </a:rPr>
+              <a:t> </a:t>
+            </a:r>
+            <a:r>
+              <a:rPr lang="en-US" sz="2800" dirty="0" err="1">
+                <a:latin typeface="Times New Roman" panose="02020603050405020304" pitchFamily="18" charset="0"/>
+                <a:cs typeface="Times New Roman" panose="02020603050405020304" pitchFamily="18" charset="0"/>
+              </a:rPr>
+              <a:t>với</a:t>
+            </a:r>
+            <a:r>
+              <a:rPr lang="en-US" sz="2800" dirty="0">
+                <a:latin typeface="Times New Roman" panose="02020603050405020304" pitchFamily="18" charset="0"/>
+                <a:cs typeface="Times New Roman" panose="02020603050405020304" pitchFamily="18" charset="0"/>
+              </a:rPr>
+              <a:t> </a:t>
+            </a:r>
+            <a:r>
+              <a:rPr lang="en-US" sz="2800" dirty="0" err="1">
+                <a:latin typeface="Times New Roman" panose="02020603050405020304" pitchFamily="18" charset="0"/>
+                <a:cs typeface="Times New Roman" panose="02020603050405020304" pitchFamily="18" charset="0"/>
+              </a:rPr>
+              <a:t>khuôn</a:t>
+            </a:r>
+            <a:r>
+              <a:rPr lang="en-US" sz="2800" dirty="0">
+                <a:latin typeface="Times New Roman" panose="02020603050405020304" pitchFamily="18" charset="0"/>
+                <a:cs typeface="Times New Roman" panose="02020603050405020304" pitchFamily="18" charset="0"/>
+              </a:rPr>
+              <a:t> </a:t>
+            </a:r>
+            <a:r>
+              <a:rPr lang="en-US" sz="2800" dirty="0" err="1">
+                <a:latin typeface="Times New Roman" panose="02020603050405020304" pitchFamily="18" charset="0"/>
+                <a:cs typeface="Times New Roman" panose="02020603050405020304" pitchFamily="18" charset="0"/>
+              </a:rPr>
+              <a:t>mặt</a:t>
+            </a:r>
+            <a:r>
+              <a:rPr lang="en-US" sz="2800" dirty="0">
+                <a:latin typeface="Times New Roman" panose="02020603050405020304" pitchFamily="18" charset="0"/>
+                <a:cs typeface="Times New Roman" panose="02020603050405020304" pitchFamily="18" charset="0"/>
+              </a:rPr>
+              <a:t> </a:t>
+            </a:r>
+            <a:r>
+              <a:rPr lang="en-US" sz="2800" dirty="0" err="1">
+                <a:latin typeface="Times New Roman" panose="02020603050405020304" pitchFamily="18" charset="0"/>
+                <a:cs typeface="Times New Roman" panose="02020603050405020304" pitchFamily="18" charset="0"/>
+              </a:rPr>
+              <a:t>bị</a:t>
+            </a:r>
+            <a:r>
+              <a:rPr lang="en-US" sz="2800" dirty="0">
+                <a:latin typeface="Times New Roman" panose="02020603050405020304" pitchFamily="18" charset="0"/>
+                <a:cs typeface="Times New Roman" panose="02020603050405020304" pitchFamily="18" charset="0"/>
+              </a:rPr>
+              <a:t> </a:t>
+            </a:r>
+            <a:r>
+              <a:rPr lang="en-US" sz="2800" dirty="0" err="1">
+                <a:latin typeface="Times New Roman" panose="02020603050405020304" pitchFamily="18" charset="0"/>
+                <a:cs typeface="Times New Roman" panose="02020603050405020304" pitchFamily="18" charset="0"/>
+              </a:rPr>
+              <a:t>che</a:t>
+            </a:r>
+            <a:endParaRPr lang="en-US" sz="2800" dirty="0">
+              <a:latin typeface="Times New Roman" panose="02020603050405020304" pitchFamily="18" charset="0"/>
+              <a:cs typeface="Times New Roman" panose="02020603050405020304" pitchFamily="18" charset="0"/>
+            </a:endParaRPr>
+          </a:p>
+          <a:p>
+            <a:endParaRPr lang="en-US" sz="2200" dirty="0">
+              <a:latin typeface="Times New Roman" panose="02020603050405020304" pitchFamily="18" charset="0"/>
+              <a:cs typeface="Times New Roman" panose="02020603050405020304" pitchFamily="18" charset="0"/>
+            </a:endParaRPr>
+          </a:p>
+          <a:p>
+            <a:endParaRPr lang="en-US" sz="2200" dirty="0">
+              <a:latin typeface="Times New Roman" panose="02020603050405020304" pitchFamily="18" charset="0"/>
+              <a:cs typeface="Times New Roman" panose="02020603050405020304" pitchFamily="18" charset="0"/>
+            </a:endParaRPr>
+          </a:p>
+          <a:p>
+            <a:endParaRPr lang="en-US" sz="2200" dirty="0">
+              <a:latin typeface="Times New Roman" panose="02020603050405020304" pitchFamily="18" charset="0"/>
+              <a:cs typeface="Times New Roman" panose="02020603050405020304" pitchFamily="18" charset="0"/>
+            </a:endParaRPr>
+          </a:p>
+          <a:p>
+            <a:endParaRPr lang="en-US" sz="2200" dirty="0">
+              <a:latin typeface="Times New Roman" panose="02020603050405020304" pitchFamily="18" charset="0"/>
+              <a:cs typeface="Times New Roman" panose="02020603050405020304" pitchFamily="18" charset="0"/>
+            </a:endParaRPr>
+          </a:p>
+          <a:p>
+            <a:endParaRPr lang="en-US" sz="2200" dirty="0">
+              <a:latin typeface="Times New Roman" panose="02020603050405020304" pitchFamily="18" charset="0"/>
+              <a:cs typeface="Times New Roman" panose="02020603050405020304" pitchFamily="18" charset="0"/>
+            </a:endParaRPr>
+          </a:p>
+          <a:p>
+            <a:endParaRPr lang="en-US" sz="2200" dirty="0">
+              <a:latin typeface="Times New Roman" panose="02020603050405020304" pitchFamily="18" charset="0"/>
+              <a:cs typeface="Times New Roman" panose="02020603050405020304" pitchFamily="18" charset="0"/>
+            </a:endParaRPr>
+          </a:p>
+          <a:p>
+            <a:pPr marL="324000" lvl="1" indent="0" algn="just">
+              <a:buNone/>
+            </a:pPr>
+            <a:endParaRPr lang="en-US" sz="2200" b="1" dirty="0">
+              <a:latin typeface="Times New Roman" panose="02020603050405020304" pitchFamily="18" charset="0"/>
+              <a:cs typeface="Times New Roman" panose="02020603050405020304" pitchFamily="18" charset="0"/>
+            </a:endParaRPr>
+          </a:p>
+          <a:p>
+            <a:pPr marL="324000" lvl="1" indent="0" algn="just">
+              <a:buNone/>
+            </a:pPr>
+            <a:endParaRPr lang="en-US" sz="2200" b="1" dirty="0">
+              <a:latin typeface="Times New Roman" panose="02020603050405020304" pitchFamily="18" charset="0"/>
+              <a:cs typeface="Times New Roman" panose="02020603050405020304" pitchFamily="18" charset="0"/>
+            </a:endParaRPr>
+          </a:p>
+          <a:p>
+            <a:pPr marL="324000" lvl="1" indent="0" algn="just">
+              <a:buNone/>
+            </a:pPr>
+            <a:endParaRPr lang="en-US" sz="2400" b="1" dirty="0">
+              <a:latin typeface="Times New Roman" panose="02020603050405020304" pitchFamily="18" charset="0"/>
+              <a:cs typeface="Times New Roman" panose="02020603050405020304" pitchFamily="18" charset="0"/>
+            </a:endParaRPr>
+          </a:p>
+          <a:p>
+            <a:pPr marL="324000" lvl="1" indent="0" algn="just">
+              <a:buNone/>
+            </a:pPr>
+            <a:r>
+              <a:rPr lang="en-US" sz="2600" b="1" dirty="0" err="1">
+                <a:latin typeface="Times New Roman" panose="02020603050405020304" pitchFamily="18" charset="0"/>
+                <a:cs typeface="Times New Roman" panose="02020603050405020304" pitchFamily="18" charset="0"/>
+              </a:rPr>
+              <a:t>Nhận</a:t>
+            </a:r>
+            <a:r>
+              <a:rPr lang="en-US" sz="2600" b="1" dirty="0">
+                <a:latin typeface="Times New Roman" panose="02020603050405020304" pitchFamily="18" charset="0"/>
+                <a:cs typeface="Times New Roman" panose="02020603050405020304" pitchFamily="18" charset="0"/>
+              </a:rPr>
+              <a:t> </a:t>
+            </a:r>
+            <a:r>
+              <a:rPr lang="en-US" sz="2600" b="1" dirty="0" err="1">
+                <a:latin typeface="Times New Roman" panose="02020603050405020304" pitchFamily="18" charset="0"/>
+                <a:cs typeface="Times New Roman" panose="02020603050405020304" pitchFamily="18" charset="0"/>
+              </a:rPr>
+              <a:t>xét</a:t>
+            </a:r>
+            <a:r>
+              <a:rPr lang="en-US" sz="2600" dirty="0">
+                <a:latin typeface="Times New Roman" panose="02020603050405020304" pitchFamily="18" charset="0"/>
+                <a:cs typeface="Times New Roman" panose="02020603050405020304" pitchFamily="18" charset="0"/>
+              </a:rPr>
+              <a:t>: </a:t>
+            </a:r>
+            <a:r>
+              <a:rPr lang="en-US" sz="2600" dirty="0" err="1">
+                <a:latin typeface="Times New Roman" panose="02020603050405020304" pitchFamily="18" charset="0"/>
+                <a:ea typeface="Calibri" panose="020F0502020204030204" pitchFamily="34" charset="0"/>
+              </a:rPr>
+              <a:t>Khi</a:t>
+            </a:r>
+            <a:r>
+              <a:rPr lang="en-US" sz="2600" dirty="0">
+                <a:latin typeface="Times New Roman" panose="02020603050405020304" pitchFamily="18" charset="0"/>
+                <a:ea typeface="Calibri" panose="020F0502020204030204" pitchFamily="34" charset="0"/>
+              </a:rPr>
+              <a:t> </a:t>
+            </a:r>
+            <a:r>
+              <a:rPr lang="en-US" sz="2600" dirty="0" err="1">
+                <a:latin typeface="Times New Roman" panose="02020603050405020304" pitchFamily="18" charset="0"/>
+                <a:ea typeface="Calibri" panose="020F0502020204030204" pitchFamily="34" charset="0"/>
+              </a:rPr>
+              <a:t>khuôn</a:t>
+            </a:r>
+            <a:r>
+              <a:rPr lang="en-US" sz="2600" dirty="0">
+                <a:latin typeface="Times New Roman" panose="02020603050405020304" pitchFamily="18" charset="0"/>
+                <a:ea typeface="Calibri" panose="020F0502020204030204" pitchFamily="34" charset="0"/>
+              </a:rPr>
+              <a:t> </a:t>
+            </a:r>
+            <a:r>
+              <a:rPr lang="en-US" sz="2600" dirty="0" err="1">
+                <a:latin typeface="Times New Roman" panose="02020603050405020304" pitchFamily="18" charset="0"/>
+                <a:ea typeface="Calibri" panose="020F0502020204030204" pitchFamily="34" charset="0"/>
+              </a:rPr>
+              <a:t>mặt</a:t>
+            </a:r>
+            <a:r>
+              <a:rPr lang="en-US" sz="2600" dirty="0">
+                <a:latin typeface="Times New Roman" panose="02020603050405020304" pitchFamily="18" charset="0"/>
+                <a:ea typeface="Calibri" panose="020F0502020204030204" pitchFamily="34" charset="0"/>
+              </a:rPr>
+              <a:t> </a:t>
+            </a:r>
+            <a:r>
+              <a:rPr lang="en-US" sz="2600" dirty="0" err="1">
+                <a:latin typeface="Times New Roman" panose="02020603050405020304" pitchFamily="18" charset="0"/>
+                <a:ea typeface="Calibri" panose="020F0502020204030204" pitchFamily="34" charset="0"/>
+              </a:rPr>
+              <a:t>bị</a:t>
+            </a:r>
+            <a:r>
+              <a:rPr lang="en-US" sz="2600" dirty="0">
+                <a:latin typeface="Times New Roman" panose="02020603050405020304" pitchFamily="18" charset="0"/>
+                <a:ea typeface="Calibri" panose="020F0502020204030204" pitchFamily="34" charset="0"/>
+              </a:rPr>
+              <a:t> </a:t>
+            </a:r>
+            <a:r>
+              <a:rPr lang="en-US" sz="2600" dirty="0" err="1">
+                <a:latin typeface="Times New Roman" panose="02020603050405020304" pitchFamily="18" charset="0"/>
+                <a:ea typeface="Calibri" panose="020F0502020204030204" pitchFamily="34" charset="0"/>
+              </a:rPr>
+              <a:t>che</a:t>
+            </a:r>
+            <a:r>
+              <a:rPr lang="en-US" sz="2600" dirty="0">
+                <a:latin typeface="Times New Roman" panose="02020603050405020304" pitchFamily="18" charset="0"/>
+                <a:ea typeface="Calibri" panose="020F0502020204030204" pitchFamily="34" charset="0"/>
+              </a:rPr>
+              <a:t> quá 1/3 thì </a:t>
+            </a:r>
+            <a:r>
+              <a:rPr lang="en-US" sz="2600" dirty="0" err="1">
+                <a:latin typeface="Times New Roman" panose="02020603050405020304" pitchFamily="18" charset="0"/>
+                <a:ea typeface="Calibri" panose="020F0502020204030204" pitchFamily="34" charset="0"/>
+              </a:rPr>
+              <a:t>kết</a:t>
+            </a:r>
+            <a:r>
+              <a:rPr lang="en-US" sz="2600" dirty="0">
+                <a:latin typeface="Times New Roman" panose="02020603050405020304" pitchFamily="18" charset="0"/>
+                <a:ea typeface="Calibri" panose="020F0502020204030204" pitchFamily="34" charset="0"/>
+              </a:rPr>
+              <a:t> </a:t>
+            </a:r>
+            <a:r>
+              <a:rPr lang="en-US" sz="2600" dirty="0" err="1">
+                <a:latin typeface="Times New Roman" panose="02020603050405020304" pitchFamily="18" charset="0"/>
+                <a:ea typeface="Calibri" panose="020F0502020204030204" pitchFamily="34" charset="0"/>
+              </a:rPr>
+              <a:t>quả</a:t>
+            </a:r>
+            <a:r>
+              <a:rPr lang="en-US" sz="2600" dirty="0">
+                <a:latin typeface="Times New Roman" panose="02020603050405020304" pitchFamily="18" charset="0"/>
+                <a:ea typeface="Calibri" panose="020F0502020204030204" pitchFamily="34" charset="0"/>
+              </a:rPr>
+              <a:t> </a:t>
+            </a:r>
+            <a:r>
+              <a:rPr lang="en-US" sz="2600" dirty="0" err="1">
+                <a:latin typeface="Times New Roman" panose="02020603050405020304" pitchFamily="18" charset="0"/>
+                <a:ea typeface="Calibri" panose="020F0502020204030204" pitchFamily="34" charset="0"/>
+              </a:rPr>
+              <a:t>nhận</a:t>
+            </a:r>
+            <a:r>
+              <a:rPr lang="en-US" sz="2600" dirty="0">
+                <a:latin typeface="Times New Roman" panose="02020603050405020304" pitchFamily="18" charset="0"/>
+                <a:ea typeface="Calibri" panose="020F0502020204030204" pitchFamily="34" charset="0"/>
+              </a:rPr>
+              <a:t> </a:t>
+            </a:r>
+            <a:r>
+              <a:rPr lang="en-US" sz="2600" dirty="0" err="1">
+                <a:latin typeface="Times New Roman" panose="02020603050405020304" pitchFamily="18" charset="0"/>
+                <a:ea typeface="Calibri" panose="020F0502020204030204" pitchFamily="34" charset="0"/>
+              </a:rPr>
+              <a:t>dạng</a:t>
+            </a:r>
+            <a:r>
+              <a:rPr lang="en-US" sz="2600" dirty="0">
+                <a:latin typeface="Times New Roman" panose="02020603050405020304" pitchFamily="18" charset="0"/>
+                <a:ea typeface="Calibri" panose="020F0502020204030204" pitchFamily="34" charset="0"/>
+              </a:rPr>
+              <a:t> không </a:t>
+            </a:r>
+            <a:r>
+              <a:rPr lang="en-US" sz="2600" dirty="0" err="1">
+                <a:latin typeface="Times New Roman" panose="02020603050405020304" pitchFamily="18" charset="0"/>
+                <a:ea typeface="Calibri" panose="020F0502020204030204" pitchFamily="34" charset="0"/>
+              </a:rPr>
+              <a:t>còn</a:t>
+            </a:r>
+            <a:r>
+              <a:rPr lang="en-US" sz="2600" dirty="0">
+                <a:latin typeface="Times New Roman" panose="02020603050405020304" pitchFamily="18" charset="0"/>
+                <a:ea typeface="Calibri" panose="020F0502020204030204" pitchFamily="34" charset="0"/>
+              </a:rPr>
+              <a:t> </a:t>
+            </a:r>
+            <a:r>
+              <a:rPr lang="en-US" sz="2600" dirty="0" err="1">
+                <a:latin typeface="Times New Roman" panose="02020603050405020304" pitchFamily="18" charset="0"/>
+                <a:ea typeface="Calibri" panose="020F0502020204030204" pitchFamily="34" charset="0"/>
+              </a:rPr>
+              <a:t>chính</a:t>
+            </a:r>
+            <a:r>
+              <a:rPr lang="en-US" sz="2600" dirty="0">
+                <a:latin typeface="Times New Roman" panose="02020603050405020304" pitchFamily="18" charset="0"/>
+                <a:ea typeface="Calibri" panose="020F0502020204030204" pitchFamily="34" charset="0"/>
+              </a:rPr>
+              <a:t> </a:t>
+            </a:r>
+            <a:r>
+              <a:rPr lang="en-US" sz="2600" dirty="0" err="1">
+                <a:latin typeface="Times New Roman" panose="02020603050405020304" pitchFamily="18" charset="0"/>
+                <a:ea typeface="Calibri" panose="020F0502020204030204" pitchFamily="34" charset="0"/>
+              </a:rPr>
+              <a:t>xác</a:t>
+            </a:r>
+            <a:r>
+              <a:rPr lang="en-US" sz="2600" dirty="0">
+                <a:latin typeface="Times New Roman" panose="02020603050405020304" pitchFamily="18" charset="0"/>
+                <a:ea typeface="Calibri" panose="020F0502020204030204" pitchFamily="34" charset="0"/>
+              </a:rPr>
+              <a:t>.</a:t>
+            </a:r>
+            <a:endParaRPr lang="en-US" sz="2600" dirty="0">
+              <a:latin typeface="Times New Roman" panose="02020603050405020304" pitchFamily="18" charset="0"/>
+              <a:cs typeface="Times New Roman" panose="02020603050405020304" pitchFamily="18" charset="0"/>
+            </a:endParaRPr>
+          </a:p>
+          <a:p>
+            <a:pPr marL="324000" lvl="1" indent="0" algn="just">
+              <a:buNone/>
+            </a:pPr>
+            <a:endParaRPr lang="vi-VN" sz="2200" dirty="0">
+              <a:latin typeface="Times New Roman" panose="02020603050405020304" pitchFamily="18" charset="0"/>
+              <a:cs typeface="Times New Roman" panose="02020603050405020304" pitchFamily="18" charset="0"/>
+            </a:endParaRPr>
+          </a:p>
+        </p:txBody>
+      </p:sp>
+      <p:pic>
+        <p:nvPicPr>
+          <p:cNvPr id="8" name="Picture 7">
+            <a:extLst>
+              <a:ext uri="{FF2B5EF4-FFF2-40B4-BE49-F238E27FC236}">
+                <a16:creationId xmlns:a16="http://schemas.microsoft.com/office/drawing/2014/main" id="{6E5E0F30-6C11-4F83-B0E0-A80982B5BAE4}"/>
+              </a:ext>
+            </a:extLst>
+          </p:cNvPr>
+          <p:cNvPicPr/>
+          <p:nvPr/>
+        </p:nvPicPr>
+        <p:blipFill>
+          <a:blip r:embed="rId2"/>
+          <a:stretch>
+            <a:fillRect/>
+          </a:stretch>
+        </p:blipFill>
+        <p:spPr>
+          <a:xfrm>
+            <a:off x="1392142" y="2727435"/>
+            <a:ext cx="3605527" cy="2963728"/>
+          </a:xfrm>
+          <a:prstGeom prst="rect">
+            <a:avLst/>
+          </a:prstGeom>
+        </p:spPr>
+      </p:pic>
+      <p:pic>
+        <p:nvPicPr>
+          <p:cNvPr id="9" name="Picture 8">
+            <a:extLst>
+              <a:ext uri="{FF2B5EF4-FFF2-40B4-BE49-F238E27FC236}">
+                <a16:creationId xmlns:a16="http://schemas.microsoft.com/office/drawing/2014/main" id="{1EE8E7A9-0808-4238-8114-0669CA2BA193}"/>
+              </a:ext>
+            </a:extLst>
+          </p:cNvPr>
+          <p:cNvPicPr/>
+          <p:nvPr/>
+        </p:nvPicPr>
+        <p:blipFill>
+          <a:blip r:embed="rId3"/>
+          <a:stretch>
+            <a:fillRect/>
+          </a:stretch>
+        </p:blipFill>
+        <p:spPr>
+          <a:xfrm>
+            <a:off x="5289827" y="2725530"/>
+            <a:ext cx="3605527" cy="2963727"/>
+          </a:xfrm>
+          <a:prstGeom prst="rect">
+            <a:avLst/>
+          </a:prstGeom>
+        </p:spPr>
+      </p:pic>
+    </p:spTree>
+    <p:extLst>
+      <p:ext uri="{BB962C8B-B14F-4D97-AF65-F5344CB8AC3E}">
+        <p14:creationId xmlns:p14="http://schemas.microsoft.com/office/powerpoint/2010/main" val="1681521011"/>
+      </p:ext>
+    </p:extLst>
+  </p:cSld>
+  <p:clrMapOvr>
+    <a:masterClrMapping/>
+  </p:clrMapOvr>
+</p:sld>
+</file>
+
+<file path=ppt/slides/slide2.xml><?xml version="1.0" encoding="utf-8"?>
+<p:sld xmlns:a="http://schemas.openxmlformats.org/drawingml/2006/main" xmlns:r="http://schemas.openxmlformats.org/officeDocument/2006/relationships" xmlns:p="http://schemas.openxmlformats.org/presentationml/2006/main">
+  <p:cSld>
+    <p:spTree>
+      <p:nvGrpSpPr>
+        <p:cNvPr id="1" name=""/>
+        <p:cNvGrpSpPr/>
+        <p:nvPr/>
+      </p:nvGrpSpPr>
+      <p:grpSpPr>
+        <a:xfrm>
+          <a:off x="0" y="0"/>
+          <a:ext cx="0" cy="0"/>
+          <a:chOff x="0" y="0"/>
+          <a:chExt cx="0" cy="0"/>
+        </a:xfrm>
+      </p:grpSpPr>
+      <p:sp>
+        <p:nvSpPr>
+          <p:cNvPr id="2" name="Title 1">
+            <a:extLst>
+              <a:ext uri="{FF2B5EF4-FFF2-40B4-BE49-F238E27FC236}">
+                <a16:creationId xmlns:a16="http://schemas.microsoft.com/office/drawing/2014/main" id="{4F5C3CD3-37F0-404F-BB08-5D1D4DDBB657}"/>
+              </a:ext>
+            </a:extLst>
+          </p:cNvPr>
+          <p:cNvSpPr>
+            <a:spLocks noGrp="1"/>
+          </p:cNvSpPr>
+          <p:nvPr>
+            <p:ph type="title"/>
+          </p:nvPr>
+        </p:nvSpPr>
+        <p:spPr>
+          <a:xfrm>
+            <a:off x="581192" y="702156"/>
+            <a:ext cx="11029616" cy="1013800"/>
+          </a:xfrm>
+        </p:spPr>
+        <p:txBody>
+          <a:bodyPr anchor="ctr">
+            <a:normAutofit/>
+          </a:bodyPr>
+          <a:lstStyle/>
+          <a:p>
+            <a:r>
+              <a:rPr lang="en-US" sz="2200" b="1" dirty="0" err="1">
+                <a:latin typeface="Times New Roman" panose="02020603050405020304" pitchFamily="18" charset="0"/>
+                <a:cs typeface="Times New Roman" panose="02020603050405020304" pitchFamily="18" charset="0"/>
+              </a:rPr>
+              <a:t>Nội</a:t>
+            </a:r>
+            <a:r>
+              <a:rPr lang="en-US" sz="2200" b="1" dirty="0">
+                <a:latin typeface="Times New Roman" panose="02020603050405020304" pitchFamily="18" charset="0"/>
+                <a:cs typeface="Times New Roman" panose="02020603050405020304" pitchFamily="18" charset="0"/>
+              </a:rPr>
+              <a:t> dung </a:t>
+            </a:r>
+            <a:r>
+              <a:rPr lang="en-US" sz="2200" b="1" dirty="0" err="1">
+                <a:latin typeface="Times New Roman" panose="02020603050405020304" pitchFamily="18" charset="0"/>
+                <a:cs typeface="Times New Roman" panose="02020603050405020304" pitchFamily="18" charset="0"/>
+              </a:rPr>
+              <a:t>báo</a:t>
+            </a:r>
+            <a:r>
+              <a:rPr lang="en-US" sz="2200" b="1" dirty="0">
+                <a:latin typeface="Times New Roman" panose="02020603050405020304" pitchFamily="18" charset="0"/>
+                <a:cs typeface="Times New Roman" panose="02020603050405020304" pitchFamily="18" charset="0"/>
+              </a:rPr>
+              <a:t> </a:t>
+            </a:r>
+            <a:r>
+              <a:rPr lang="en-US" sz="2200" b="1" dirty="0" err="1">
+                <a:latin typeface="Times New Roman" panose="02020603050405020304" pitchFamily="18" charset="0"/>
+                <a:cs typeface="Times New Roman" panose="02020603050405020304" pitchFamily="18" charset="0"/>
+              </a:rPr>
+              <a:t>cáo</a:t>
+            </a:r>
+            <a:endParaRPr lang="en-US" sz="2200" dirty="0"/>
+          </a:p>
+        </p:txBody>
+      </p:sp>
+      <p:sp>
+        <p:nvSpPr>
+          <p:cNvPr id="3" name="Content Placeholder 2">
+            <a:extLst>
+              <a:ext uri="{FF2B5EF4-FFF2-40B4-BE49-F238E27FC236}">
+                <a16:creationId xmlns:a16="http://schemas.microsoft.com/office/drawing/2014/main" id="{7909A3D2-1B82-4BE7-A827-0E224FB2A4BC}"/>
               </a:ext>
             </a:extLst>
           </p:cNvPr>
@@ -19155,13 +22359,469 @@
         </p:nvSpPr>
         <p:spPr/>
         <p:txBody>
-          <a:bodyPr/>
+          <a:bodyPr>
+            <a:normAutofit/>
+          </a:bodyPr>
           <a:lstStyle/>
           <a:p>
-            <a:pPr marL="0" indent="0">
+            <a:pPr marL="514350" indent="-514350">
+              <a:buFont typeface="+mj-lt"/>
+              <a:buAutoNum type="romanUcPeriod"/>
+            </a:pPr>
+            <a:r>
+              <a:rPr lang="en-US" sz="2200" dirty="0">
+                <a:latin typeface="Times New Roman" panose="02020603050405020304" pitchFamily="18" charset="0"/>
+                <a:cs typeface="Times New Roman" panose="02020603050405020304" pitchFamily="18" charset="0"/>
+              </a:rPr>
+              <a:t>TỔNG QUAN VỀ XỬ LÝ ẢNH VÀ BÀI TOÁN NHẬN DẠNG KHUÔN MẶT</a:t>
+            </a:r>
+          </a:p>
+          <a:p>
+            <a:pPr marL="514350" indent="-514350">
+              <a:buFont typeface="+mj-lt"/>
+              <a:buAutoNum type="romanUcPeriod"/>
+            </a:pPr>
+            <a:r>
+              <a:rPr lang="en-US" sz="2200" dirty="0">
+                <a:latin typeface="Times New Roman" panose="02020603050405020304" pitchFamily="18" charset="0"/>
+                <a:cs typeface="Times New Roman" panose="02020603050405020304" pitchFamily="18" charset="0"/>
+              </a:rPr>
+              <a:t>NHẬN DẠNG KHUÔN MẶT DỰA VÀO PH</a:t>
+            </a:r>
+            <a:r>
+              <a:rPr lang="vi-VN" sz="2200" dirty="0">
+                <a:latin typeface="Times New Roman" panose="02020603050405020304" pitchFamily="18" charset="0"/>
+                <a:cs typeface="Times New Roman" panose="02020603050405020304" pitchFamily="18" charset="0"/>
+              </a:rPr>
+              <a:t>Ư</a:t>
+            </a:r>
+            <a:r>
+              <a:rPr lang="en-US" sz="2200" dirty="0">
+                <a:latin typeface="Times New Roman" panose="02020603050405020304" pitchFamily="18" charset="0"/>
+                <a:cs typeface="Times New Roman" panose="02020603050405020304" pitchFamily="18" charset="0"/>
+              </a:rPr>
+              <a:t>ƠNG PHÁP BIỂU DIỄN TH</a:t>
+            </a:r>
+            <a:r>
+              <a:rPr lang="vi-VN" sz="2200" dirty="0">
+                <a:latin typeface="Times New Roman" panose="02020603050405020304" pitchFamily="18" charset="0"/>
+                <a:cs typeface="Times New Roman" panose="02020603050405020304" pitchFamily="18" charset="0"/>
+              </a:rPr>
+              <a:t>Ư</a:t>
+            </a:r>
+            <a:r>
+              <a:rPr lang="en-US" sz="2200" dirty="0">
+                <a:latin typeface="Times New Roman" panose="02020603050405020304" pitchFamily="18" charset="0"/>
+                <a:cs typeface="Times New Roman" panose="02020603050405020304" pitchFamily="18" charset="0"/>
+              </a:rPr>
+              <a:t>A</a:t>
+            </a:r>
+          </a:p>
+          <a:p>
+            <a:pPr marL="514350" indent="-514350">
+              <a:buFont typeface="+mj-lt"/>
+              <a:buAutoNum type="romanUcPeriod"/>
+            </a:pPr>
+            <a:r>
+              <a:rPr lang="en-US" sz="2200" dirty="0">
+                <a:latin typeface="Times New Roman" panose="02020603050405020304" pitchFamily="18" charset="0"/>
+                <a:cs typeface="Times New Roman" panose="02020603050405020304" pitchFamily="18" charset="0"/>
+              </a:rPr>
+              <a:t>THỰC NGHIỆM BÀI TOÁN</a:t>
+            </a:r>
+          </a:p>
+          <a:p>
+            <a:pPr marL="514350" indent="-514350">
+              <a:buFont typeface="+mj-lt"/>
+              <a:buAutoNum type="romanUcPeriod"/>
+            </a:pPr>
+            <a:r>
+              <a:rPr lang="en-US" sz="2200" dirty="0">
+                <a:latin typeface="Times New Roman" panose="02020603050405020304" pitchFamily="18" charset="0"/>
+                <a:cs typeface="Times New Roman" panose="02020603050405020304" pitchFamily="18" charset="0"/>
+              </a:rPr>
+              <a:t>KẾT LUẬN</a:t>
+            </a:r>
+            <a:endParaRPr lang="en-US" sz="2200" dirty="0"/>
+          </a:p>
+        </p:txBody>
+      </p:sp>
+    </p:spTree>
+    <p:extLst>
+      <p:ext uri="{BB962C8B-B14F-4D97-AF65-F5344CB8AC3E}">
+        <p14:creationId xmlns:p14="http://schemas.microsoft.com/office/powerpoint/2010/main" val="3772707082"/>
+      </p:ext>
+    </p:extLst>
+  </p:cSld>
+  <p:clrMapOvr>
+    <a:masterClrMapping/>
+  </p:clrMapOvr>
+</p:sld>
+</file>
+
+<file path=ppt/slides/slide20.xml><?xml version="1.0" encoding="utf-8"?>
+<p:sld xmlns:a="http://schemas.openxmlformats.org/drawingml/2006/main" xmlns:r="http://schemas.openxmlformats.org/officeDocument/2006/relationships" xmlns:p="http://schemas.openxmlformats.org/presentationml/2006/main">
+  <p:cSld>
+    <p:spTree>
+      <p:nvGrpSpPr>
+        <p:cNvPr id="1" name=""/>
+        <p:cNvGrpSpPr/>
+        <p:nvPr/>
+      </p:nvGrpSpPr>
+      <p:grpSpPr>
+        <a:xfrm>
+          <a:off x="0" y="0"/>
+          <a:ext cx="0" cy="0"/>
+          <a:chOff x="0" y="0"/>
+          <a:chExt cx="0" cy="0"/>
+        </a:xfrm>
+      </p:grpSpPr>
+      <p:sp>
+        <p:nvSpPr>
+          <p:cNvPr id="2" name="Title 1">
+            <a:extLst>
+              <a:ext uri="{FF2B5EF4-FFF2-40B4-BE49-F238E27FC236}">
+                <a16:creationId xmlns:a16="http://schemas.microsoft.com/office/drawing/2014/main" id="{64A2D262-E7A5-4B15-B426-9EB47382C1B5}"/>
+              </a:ext>
+            </a:extLst>
+          </p:cNvPr>
+          <p:cNvSpPr>
+            <a:spLocks noGrp="1"/>
+          </p:cNvSpPr>
+          <p:nvPr>
+            <p:ph type="title"/>
+          </p:nvPr>
+        </p:nvSpPr>
+        <p:spPr/>
+        <p:txBody>
+          <a:bodyPr anchor="ctr">
+            <a:normAutofit/>
+          </a:bodyPr>
+          <a:lstStyle/>
+          <a:p>
+            <a:pPr marL="514350" indent="-514350">
+              <a:buFont typeface="+mj-lt"/>
+              <a:buAutoNum type="romanUcPeriod" startAt="3"/>
+            </a:pPr>
+            <a:r>
+              <a:rPr lang="en-US" sz="2200" b="1" dirty="0">
+                <a:latin typeface="Times New Roman" panose="02020603050405020304" pitchFamily="18" charset="0"/>
+                <a:cs typeface="Times New Roman" panose="02020603050405020304" pitchFamily="18" charset="0"/>
+              </a:rPr>
+              <a:t>THỰC NGHIỆM BÀI TOÁN</a:t>
+            </a:r>
+          </a:p>
+        </p:txBody>
+      </p:sp>
+      <p:sp>
+        <p:nvSpPr>
+          <p:cNvPr id="3" name="Content Placeholder 2">
+            <a:extLst>
+              <a:ext uri="{FF2B5EF4-FFF2-40B4-BE49-F238E27FC236}">
+                <a16:creationId xmlns:a16="http://schemas.microsoft.com/office/drawing/2014/main" id="{875B1CA3-14AD-4D49-80AF-8958CE5E5D99}"/>
+              </a:ext>
+            </a:extLst>
+          </p:cNvPr>
+          <p:cNvSpPr>
+            <a:spLocks noGrp="1"/>
+          </p:cNvSpPr>
+          <p:nvPr>
+            <p:ph idx="1"/>
+          </p:nvPr>
+        </p:nvSpPr>
+        <p:spPr>
+          <a:xfrm>
+            <a:off x="581192" y="2180496"/>
+            <a:ext cx="11029615" cy="4488318"/>
+          </a:xfrm>
+        </p:spPr>
+        <p:txBody>
+          <a:bodyPr anchor="t">
+            <a:normAutofit fontScale="85000" lnSpcReduction="20000"/>
+          </a:bodyPr>
+          <a:lstStyle/>
+          <a:p>
+            <a:r>
+              <a:rPr lang="en-US" sz="2800" dirty="0" err="1">
+                <a:latin typeface="Times New Roman" panose="02020603050405020304" pitchFamily="18" charset="0"/>
+                <a:cs typeface="Times New Roman" panose="02020603050405020304" pitchFamily="18" charset="0"/>
+              </a:rPr>
+              <a:t>Nhận</a:t>
+            </a:r>
+            <a:r>
+              <a:rPr lang="en-US" sz="2800" dirty="0">
+                <a:latin typeface="Times New Roman" panose="02020603050405020304" pitchFamily="18" charset="0"/>
+                <a:cs typeface="Times New Roman" panose="02020603050405020304" pitchFamily="18" charset="0"/>
+              </a:rPr>
+              <a:t> </a:t>
+            </a:r>
+            <a:r>
+              <a:rPr lang="en-US" sz="2800" dirty="0" err="1">
+                <a:latin typeface="Times New Roman" panose="02020603050405020304" pitchFamily="18" charset="0"/>
+                <a:cs typeface="Times New Roman" panose="02020603050405020304" pitchFamily="18" charset="0"/>
+              </a:rPr>
+              <a:t>dạng</a:t>
+            </a:r>
+            <a:r>
+              <a:rPr lang="en-US" sz="2800" dirty="0">
+                <a:latin typeface="Times New Roman" panose="02020603050405020304" pitchFamily="18" charset="0"/>
+                <a:cs typeface="Times New Roman" panose="02020603050405020304" pitchFamily="18" charset="0"/>
+              </a:rPr>
+              <a:t> </a:t>
+            </a:r>
+            <a:r>
+              <a:rPr lang="en-US" sz="2800" dirty="0" err="1">
+                <a:latin typeface="Times New Roman" panose="02020603050405020304" pitchFamily="18" charset="0"/>
+                <a:cs typeface="Times New Roman" panose="02020603050405020304" pitchFamily="18" charset="0"/>
+              </a:rPr>
+              <a:t>với</a:t>
+            </a:r>
+            <a:r>
+              <a:rPr lang="en-US" sz="2800" dirty="0">
+                <a:latin typeface="Times New Roman" panose="02020603050405020304" pitchFamily="18" charset="0"/>
+                <a:cs typeface="Times New Roman" panose="02020603050405020304" pitchFamily="18" charset="0"/>
+              </a:rPr>
+              <a:t> </a:t>
+            </a:r>
+            <a:r>
+              <a:rPr lang="en-US" sz="2800" dirty="0" err="1">
+                <a:latin typeface="Times New Roman" panose="02020603050405020304" pitchFamily="18" charset="0"/>
+                <a:cs typeface="Times New Roman" panose="02020603050405020304" pitchFamily="18" charset="0"/>
+              </a:rPr>
+              <a:t>khuôn</a:t>
+            </a:r>
+            <a:r>
+              <a:rPr lang="en-US" sz="2800" dirty="0">
+                <a:latin typeface="Times New Roman" panose="02020603050405020304" pitchFamily="18" charset="0"/>
+                <a:cs typeface="Times New Roman" panose="02020603050405020304" pitchFamily="18" charset="0"/>
+              </a:rPr>
+              <a:t> </a:t>
+            </a:r>
+            <a:r>
+              <a:rPr lang="en-US" sz="2800" dirty="0" err="1">
+                <a:latin typeface="Times New Roman" panose="02020603050405020304" pitchFamily="18" charset="0"/>
+                <a:cs typeface="Times New Roman" panose="02020603050405020304" pitchFamily="18" charset="0"/>
+              </a:rPr>
+              <a:t>mặt</a:t>
+            </a:r>
+            <a:r>
+              <a:rPr lang="en-US" sz="2800" dirty="0">
+                <a:latin typeface="Times New Roman" panose="02020603050405020304" pitchFamily="18" charset="0"/>
+                <a:cs typeface="Times New Roman" panose="02020603050405020304" pitchFamily="18" charset="0"/>
+              </a:rPr>
+              <a:t> có </a:t>
+            </a:r>
+            <a:r>
+              <a:rPr lang="en-US" sz="2800" dirty="0" err="1">
+                <a:latin typeface="Times New Roman" panose="02020603050405020304" pitchFamily="18" charset="0"/>
+                <a:cs typeface="Times New Roman" panose="02020603050405020304" pitchFamily="18" charset="0"/>
+              </a:rPr>
+              <a:t>các</a:t>
+            </a:r>
+            <a:r>
+              <a:rPr lang="en-US" sz="2800" dirty="0">
+                <a:latin typeface="Times New Roman" panose="02020603050405020304" pitchFamily="18" charset="0"/>
+                <a:cs typeface="Times New Roman" panose="02020603050405020304" pitchFamily="18" charset="0"/>
+              </a:rPr>
+              <a:t> </a:t>
+            </a:r>
+            <a:r>
+              <a:rPr lang="en-US" sz="2800" dirty="0" err="1">
+                <a:latin typeface="Times New Roman" panose="02020603050405020304" pitchFamily="18" charset="0"/>
+                <a:cs typeface="Times New Roman" panose="02020603050405020304" pitchFamily="18" charset="0"/>
+              </a:rPr>
+              <a:t>biểu</a:t>
+            </a:r>
+            <a:r>
+              <a:rPr lang="en-US" sz="2800" dirty="0">
+                <a:latin typeface="Times New Roman" panose="02020603050405020304" pitchFamily="18" charset="0"/>
+                <a:cs typeface="Times New Roman" panose="02020603050405020304" pitchFamily="18" charset="0"/>
+              </a:rPr>
+              <a:t> </a:t>
+            </a:r>
+            <a:r>
+              <a:rPr lang="en-US" sz="2800" dirty="0" err="1">
+                <a:latin typeface="Times New Roman" panose="02020603050405020304" pitchFamily="18" charset="0"/>
+                <a:cs typeface="Times New Roman" panose="02020603050405020304" pitchFamily="18" charset="0"/>
+              </a:rPr>
+              <a:t>cảm</a:t>
+            </a:r>
+            <a:r>
+              <a:rPr lang="en-US" sz="2800" dirty="0">
+                <a:latin typeface="Times New Roman" panose="02020603050405020304" pitchFamily="18" charset="0"/>
+                <a:cs typeface="Times New Roman" panose="02020603050405020304" pitchFamily="18" charset="0"/>
+              </a:rPr>
+              <a:t> hay </a:t>
+            </a:r>
+            <a:r>
+              <a:rPr lang="en-US" sz="2800" dirty="0" err="1">
+                <a:latin typeface="Times New Roman" panose="02020603050405020304" pitchFamily="18" charset="0"/>
+                <a:cs typeface="Times New Roman" panose="02020603050405020304" pitchFamily="18" charset="0"/>
+              </a:rPr>
+              <a:t>góc</a:t>
+            </a:r>
+            <a:r>
+              <a:rPr lang="en-US" sz="2800" dirty="0">
+                <a:latin typeface="Times New Roman" panose="02020603050405020304" pitchFamily="18" charset="0"/>
+                <a:cs typeface="Times New Roman" panose="02020603050405020304" pitchFamily="18" charset="0"/>
+              </a:rPr>
+              <a:t> </a:t>
+            </a:r>
+            <a:r>
+              <a:rPr lang="en-US" sz="2800" dirty="0" err="1">
+                <a:latin typeface="Times New Roman" panose="02020603050405020304" pitchFamily="18" charset="0"/>
+                <a:cs typeface="Times New Roman" panose="02020603050405020304" pitchFamily="18" charset="0"/>
+              </a:rPr>
+              <a:t>nghiêng</a:t>
+            </a:r>
+            <a:r>
+              <a:rPr lang="en-US" sz="2800" dirty="0">
+                <a:latin typeface="Times New Roman" panose="02020603050405020304" pitchFamily="18" charset="0"/>
+                <a:cs typeface="Times New Roman" panose="02020603050405020304" pitchFamily="18" charset="0"/>
+              </a:rPr>
+              <a:t> </a:t>
+            </a:r>
+            <a:r>
+              <a:rPr lang="en-US" sz="2800" dirty="0" err="1">
+                <a:latin typeface="Times New Roman" panose="02020603050405020304" pitchFamily="18" charset="0"/>
+                <a:cs typeface="Times New Roman" panose="02020603050405020304" pitchFamily="18" charset="0"/>
+              </a:rPr>
+              <a:t>khác</a:t>
+            </a:r>
+            <a:r>
+              <a:rPr lang="en-US" sz="2800" dirty="0">
+                <a:latin typeface="Times New Roman" panose="02020603050405020304" pitchFamily="18" charset="0"/>
+                <a:cs typeface="Times New Roman" panose="02020603050405020304" pitchFamily="18" charset="0"/>
+              </a:rPr>
+              <a:t> </a:t>
+            </a:r>
+            <a:r>
+              <a:rPr lang="en-US" sz="2800" dirty="0" err="1">
+                <a:latin typeface="Times New Roman" panose="02020603050405020304" pitchFamily="18" charset="0"/>
+                <a:cs typeface="Times New Roman" panose="02020603050405020304" pitchFamily="18" charset="0"/>
+              </a:rPr>
+              <a:t>nhau</a:t>
+            </a:r>
+            <a:endParaRPr lang="en-US" sz="2800" dirty="0">
+              <a:latin typeface="Times New Roman" panose="02020603050405020304" pitchFamily="18" charset="0"/>
+              <a:cs typeface="Times New Roman" panose="02020603050405020304" pitchFamily="18" charset="0"/>
+            </a:endParaRPr>
+          </a:p>
+          <a:p>
+            <a:endParaRPr lang="en-US" sz="2200" dirty="0">
+              <a:latin typeface="Times New Roman" panose="02020603050405020304" pitchFamily="18" charset="0"/>
+              <a:cs typeface="Times New Roman" panose="02020603050405020304" pitchFamily="18" charset="0"/>
+            </a:endParaRPr>
+          </a:p>
+          <a:p>
+            <a:endParaRPr lang="en-US" sz="2200" dirty="0">
+              <a:latin typeface="Times New Roman" panose="02020603050405020304" pitchFamily="18" charset="0"/>
+              <a:cs typeface="Times New Roman" panose="02020603050405020304" pitchFamily="18" charset="0"/>
+            </a:endParaRPr>
+          </a:p>
+          <a:p>
+            <a:endParaRPr lang="en-US" sz="2200" dirty="0">
+              <a:latin typeface="Times New Roman" panose="02020603050405020304" pitchFamily="18" charset="0"/>
+              <a:cs typeface="Times New Roman" panose="02020603050405020304" pitchFamily="18" charset="0"/>
+            </a:endParaRPr>
+          </a:p>
+          <a:p>
+            <a:endParaRPr lang="en-US" sz="2200" dirty="0">
+              <a:latin typeface="Times New Roman" panose="02020603050405020304" pitchFamily="18" charset="0"/>
+              <a:cs typeface="Times New Roman" panose="02020603050405020304" pitchFamily="18" charset="0"/>
+            </a:endParaRPr>
+          </a:p>
+          <a:p>
+            <a:endParaRPr lang="en-US" sz="2200" dirty="0">
+              <a:latin typeface="Times New Roman" panose="02020603050405020304" pitchFamily="18" charset="0"/>
+              <a:cs typeface="Times New Roman" panose="02020603050405020304" pitchFamily="18" charset="0"/>
+            </a:endParaRPr>
+          </a:p>
+          <a:p>
+            <a:endParaRPr lang="en-US" sz="2200" dirty="0">
+              <a:latin typeface="Times New Roman" panose="02020603050405020304" pitchFamily="18" charset="0"/>
+              <a:cs typeface="Times New Roman" panose="02020603050405020304" pitchFamily="18" charset="0"/>
+            </a:endParaRPr>
+          </a:p>
+          <a:p>
+            <a:pPr marL="324000" lvl="1" indent="0" algn="just">
               <a:buNone/>
             </a:pPr>
-            <a:endParaRPr lang="en-US" dirty="0"/>
+            <a:endParaRPr lang="en-US" sz="2200" b="1" dirty="0">
+              <a:latin typeface="Times New Roman" panose="02020603050405020304" pitchFamily="18" charset="0"/>
+              <a:cs typeface="Times New Roman" panose="02020603050405020304" pitchFamily="18" charset="0"/>
+            </a:endParaRPr>
+          </a:p>
+          <a:p>
+            <a:pPr marL="324000" lvl="1" indent="0" algn="just">
+              <a:buNone/>
+            </a:pPr>
+            <a:endParaRPr lang="en-US" sz="2200" b="1" dirty="0">
+              <a:latin typeface="Times New Roman" panose="02020603050405020304" pitchFamily="18" charset="0"/>
+              <a:cs typeface="Times New Roman" panose="02020603050405020304" pitchFamily="18" charset="0"/>
+            </a:endParaRPr>
+          </a:p>
+          <a:p>
+            <a:pPr marL="324000" lvl="1" indent="0" algn="just">
+              <a:buNone/>
+            </a:pPr>
+            <a:endParaRPr lang="en-US" sz="2400" b="1" dirty="0">
+              <a:latin typeface="Times New Roman" panose="02020603050405020304" pitchFamily="18" charset="0"/>
+              <a:cs typeface="Times New Roman" panose="02020603050405020304" pitchFamily="18" charset="0"/>
+            </a:endParaRPr>
+          </a:p>
+          <a:p>
+            <a:pPr marL="324000" lvl="1" indent="0" algn="just">
+              <a:buNone/>
+            </a:pPr>
+            <a:r>
+              <a:rPr lang="en-US" sz="2600" b="1" dirty="0" err="1">
+                <a:latin typeface="Times New Roman" panose="02020603050405020304" pitchFamily="18" charset="0"/>
+                <a:cs typeface="Times New Roman" panose="02020603050405020304" pitchFamily="18" charset="0"/>
+              </a:rPr>
+              <a:t>Nhận</a:t>
+            </a:r>
+            <a:r>
+              <a:rPr lang="en-US" sz="2600" b="1" dirty="0">
+                <a:latin typeface="Times New Roman" panose="02020603050405020304" pitchFamily="18" charset="0"/>
+                <a:cs typeface="Times New Roman" panose="02020603050405020304" pitchFamily="18" charset="0"/>
+              </a:rPr>
+              <a:t> </a:t>
+            </a:r>
+            <a:r>
+              <a:rPr lang="en-US" sz="2600" b="1" dirty="0" err="1">
+                <a:latin typeface="Times New Roman" panose="02020603050405020304" pitchFamily="18" charset="0"/>
+                <a:cs typeface="Times New Roman" panose="02020603050405020304" pitchFamily="18" charset="0"/>
+              </a:rPr>
+              <a:t>xét</a:t>
+            </a:r>
+            <a:r>
+              <a:rPr lang="en-US" sz="2600" dirty="0">
+                <a:latin typeface="Times New Roman" panose="02020603050405020304" pitchFamily="18" charset="0"/>
+                <a:cs typeface="Times New Roman" panose="02020603050405020304" pitchFamily="18" charset="0"/>
+              </a:rPr>
+              <a:t>: </a:t>
+            </a:r>
+            <a:r>
+              <a:rPr lang="vi-VN" sz="2600" dirty="0">
+                <a:latin typeface="Times New Roman" panose="02020603050405020304" pitchFamily="18" charset="0"/>
+                <a:ea typeface="Calibri" panose="020F0502020204030204" pitchFamily="34" charset="0"/>
+              </a:rPr>
+              <a:t>Chương trình cho kết quả chính xác khi khuôn mặt có biểu cảm khác nhau và góc nghiêng đầu không quá 350.</a:t>
+            </a:r>
+            <a:endParaRPr lang="en-US" sz="2600" dirty="0">
+              <a:latin typeface="Times New Roman" panose="02020603050405020304" pitchFamily="18" charset="0"/>
+              <a:cs typeface="Times New Roman" panose="02020603050405020304" pitchFamily="18" charset="0"/>
+            </a:endParaRPr>
+          </a:p>
+          <a:p>
+            <a:pPr marL="324000" lvl="1" indent="0" algn="just">
+              <a:buNone/>
+            </a:pPr>
+            <a:endParaRPr lang="vi-VN" sz="2200" dirty="0">
+              <a:latin typeface="Times New Roman" panose="02020603050405020304" pitchFamily="18" charset="0"/>
+              <a:cs typeface="Times New Roman" panose="02020603050405020304" pitchFamily="18" charset="0"/>
+            </a:endParaRPr>
           </a:p>
         </p:txBody>
       </p:sp>
@@ -19170,13 +22830,11 @@
           <p:cNvPr id="6" name="Picture 5">
             <a:extLst>
               <a:ext uri="{FF2B5EF4-FFF2-40B4-BE49-F238E27FC236}">
-                <a16:creationId xmlns:a16="http://schemas.microsoft.com/office/drawing/2014/main" id="{BB460857-866E-4E08-ACEE-F7E4A06F7059}"/>
+                <a16:creationId xmlns:a16="http://schemas.microsoft.com/office/drawing/2014/main" id="{F09B9AE0-CD50-406C-8B11-AE9B71F12AAA}"/>
               </a:ext>
             </a:extLst>
           </p:cNvPr>
-          <p:cNvPicPr>
-            <a:picLocks noChangeAspect="1"/>
-          </p:cNvPicPr>
+          <p:cNvPicPr/>
           <p:nvPr/>
         </p:nvPicPr>
         <p:blipFill>
@@ -19187,8 +22845,8 @@
         </p:blipFill>
         <p:spPr>
           <a:xfrm>
-            <a:off x="677054" y="2654971"/>
-            <a:ext cx="3332681" cy="2729351"/>
+            <a:off x="1575401" y="2601310"/>
+            <a:ext cx="3847937" cy="3220370"/>
           </a:xfrm>
           <a:prstGeom prst="rect">
             <a:avLst/>
@@ -19197,16 +22855,14 @@
       </p:pic>
       <p:pic>
         <p:nvPicPr>
-          <p:cNvPr id="8" name="Picture 7">
+          <p:cNvPr id="7" name="Picture 6">
             <a:extLst>
               <a:ext uri="{FF2B5EF4-FFF2-40B4-BE49-F238E27FC236}">
-                <a16:creationId xmlns:a16="http://schemas.microsoft.com/office/drawing/2014/main" id="{3413577C-467E-474E-84D6-5C43ECBC28B2}"/>
+                <a16:creationId xmlns:a16="http://schemas.microsoft.com/office/drawing/2014/main" id="{6313B4E3-BB7A-4A7A-BC47-6781177A260F}"/>
               </a:ext>
             </a:extLst>
           </p:cNvPr>
-          <p:cNvPicPr>
-            <a:picLocks noChangeAspect="1"/>
-          </p:cNvPicPr>
+          <p:cNvPicPr/>
           <p:nvPr/>
         </p:nvPicPr>
         <p:blipFill>
@@ -19217,38 +22873,8 @@
         </p:blipFill>
         <p:spPr>
           <a:xfrm>
-            <a:off x="4331838" y="2654971"/>
-            <a:ext cx="3332681" cy="2743542"/>
-          </a:xfrm>
-          <a:prstGeom prst="rect">
-            <a:avLst/>
-          </a:prstGeom>
-        </p:spPr>
-      </p:pic>
-      <p:pic>
-        <p:nvPicPr>
-          <p:cNvPr id="9" name="Picture 8">
-            <a:extLst>
-              <a:ext uri="{FF2B5EF4-FFF2-40B4-BE49-F238E27FC236}">
-                <a16:creationId xmlns:a16="http://schemas.microsoft.com/office/drawing/2014/main" id="{52DB17E7-FD7A-43CD-9959-FE2EDD4F0F6E}"/>
-              </a:ext>
-            </a:extLst>
-          </p:cNvPr>
-          <p:cNvPicPr>
-            <a:picLocks noChangeAspect="1"/>
-          </p:cNvPicPr>
-          <p:nvPr/>
-        </p:nvPicPr>
-        <p:blipFill>
-          <a:blip r:embed="rId4"/>
-          <a:stretch>
-            <a:fillRect/>
-          </a:stretch>
-        </p:blipFill>
-        <p:spPr>
-          <a:xfrm>
-            <a:off x="7986622" y="2658692"/>
-            <a:ext cx="3332681" cy="2739821"/>
+            <a:off x="5907853" y="2601311"/>
+            <a:ext cx="3847937" cy="3220370"/>
           </a:xfrm>
           <a:prstGeom prst="rect">
             <a:avLst/>
@@ -19258,7 +22884,7 @@
     </p:spTree>
     <p:extLst>
       <p:ext uri="{BB962C8B-B14F-4D97-AF65-F5344CB8AC3E}">
-        <p14:creationId xmlns:p14="http://schemas.microsoft.com/office/powerpoint/2010/main" val="4005715146"/>
+        <p14:creationId xmlns:p14="http://schemas.microsoft.com/office/powerpoint/2010/main" val="2459459837"/>
       </p:ext>
     </p:extLst>
   </p:cSld>
@@ -19268,7 +22894,598 @@
 </p:sld>
 </file>
 
-<file path=ppt/slides/slide16.xml><?xml version="1.0" encoding="utf-8"?>
+<file path=ppt/slides/slide21.xml><?xml version="1.0" encoding="utf-8"?>
+<p:sld xmlns:a="http://schemas.openxmlformats.org/drawingml/2006/main" xmlns:r="http://schemas.openxmlformats.org/officeDocument/2006/relationships" xmlns:p="http://schemas.openxmlformats.org/presentationml/2006/main">
+  <p:cSld>
+    <p:spTree>
+      <p:nvGrpSpPr>
+        <p:cNvPr id="1" name=""/>
+        <p:cNvGrpSpPr/>
+        <p:nvPr/>
+      </p:nvGrpSpPr>
+      <p:grpSpPr>
+        <a:xfrm>
+          <a:off x="0" y="0"/>
+          <a:ext cx="0" cy="0"/>
+          <a:chOff x="0" y="0"/>
+          <a:chExt cx="0" cy="0"/>
+        </a:xfrm>
+      </p:grpSpPr>
+      <p:sp>
+        <p:nvSpPr>
+          <p:cNvPr id="2" name="Title 1">
+            <a:extLst>
+              <a:ext uri="{FF2B5EF4-FFF2-40B4-BE49-F238E27FC236}">
+                <a16:creationId xmlns:a16="http://schemas.microsoft.com/office/drawing/2014/main" id="{64A2D262-E7A5-4B15-B426-9EB47382C1B5}"/>
+              </a:ext>
+            </a:extLst>
+          </p:cNvPr>
+          <p:cNvSpPr>
+            <a:spLocks noGrp="1"/>
+          </p:cNvSpPr>
+          <p:nvPr>
+            <p:ph type="title"/>
+          </p:nvPr>
+        </p:nvSpPr>
+        <p:spPr/>
+        <p:txBody>
+          <a:bodyPr anchor="ctr">
+            <a:normAutofit/>
+          </a:bodyPr>
+          <a:lstStyle/>
+          <a:p>
+            <a:pPr marL="514350" indent="-514350">
+              <a:buFont typeface="+mj-lt"/>
+              <a:buAutoNum type="romanUcPeriod" startAt="3"/>
+            </a:pPr>
+            <a:r>
+              <a:rPr lang="en-US" sz="2200" b="1" dirty="0">
+                <a:latin typeface="Times New Roman" panose="02020603050405020304" pitchFamily="18" charset="0"/>
+                <a:cs typeface="Times New Roman" panose="02020603050405020304" pitchFamily="18" charset="0"/>
+              </a:rPr>
+              <a:t>THỰC NGHIỆM BÀI TOÁN</a:t>
+            </a:r>
+          </a:p>
+        </p:txBody>
+      </p:sp>
+      <p:sp>
+        <p:nvSpPr>
+          <p:cNvPr id="3" name="Content Placeholder 2">
+            <a:extLst>
+              <a:ext uri="{FF2B5EF4-FFF2-40B4-BE49-F238E27FC236}">
+                <a16:creationId xmlns:a16="http://schemas.microsoft.com/office/drawing/2014/main" id="{875B1CA3-14AD-4D49-80AF-8958CE5E5D99}"/>
+              </a:ext>
+            </a:extLst>
+          </p:cNvPr>
+          <p:cNvSpPr>
+            <a:spLocks noGrp="1"/>
+          </p:cNvSpPr>
+          <p:nvPr>
+            <p:ph sz="half" idx="1"/>
+          </p:nvPr>
+        </p:nvSpPr>
+        <p:spPr/>
+        <p:txBody>
+          <a:bodyPr anchor="t">
+            <a:normAutofit/>
+          </a:bodyPr>
+          <a:lstStyle/>
+          <a:p>
+            <a:r>
+              <a:rPr lang="en-US" sz="2200" dirty="0" err="1">
+                <a:latin typeface="Times New Roman" panose="02020603050405020304" pitchFamily="18" charset="0"/>
+                <a:cs typeface="Times New Roman" panose="02020603050405020304" pitchFamily="18" charset="0"/>
+              </a:rPr>
+              <a:t>Thời</a:t>
+            </a:r>
+            <a:r>
+              <a:rPr lang="en-US" sz="2200" dirty="0">
+                <a:latin typeface="Times New Roman" panose="02020603050405020304" pitchFamily="18" charset="0"/>
+                <a:cs typeface="Times New Roman" panose="02020603050405020304" pitchFamily="18" charset="0"/>
+              </a:rPr>
+              <a:t> </a:t>
+            </a:r>
+            <a:r>
+              <a:rPr lang="en-US" sz="2200" dirty="0" err="1">
+                <a:latin typeface="Times New Roman" panose="02020603050405020304" pitchFamily="18" charset="0"/>
+                <a:cs typeface="Times New Roman" panose="02020603050405020304" pitchFamily="18" charset="0"/>
+              </a:rPr>
+              <a:t>gian</a:t>
+            </a:r>
+            <a:r>
+              <a:rPr lang="en-US" sz="2200" dirty="0">
+                <a:latin typeface="Times New Roman" panose="02020603050405020304" pitchFamily="18" charset="0"/>
+                <a:cs typeface="Times New Roman" panose="02020603050405020304" pitchFamily="18" charset="0"/>
+              </a:rPr>
+              <a:t> </a:t>
+            </a:r>
+            <a:r>
+              <a:rPr lang="en-US" sz="2200" dirty="0" err="1">
+                <a:latin typeface="Times New Roman" panose="02020603050405020304" pitchFamily="18" charset="0"/>
+                <a:cs typeface="Times New Roman" panose="02020603050405020304" pitchFamily="18" charset="0"/>
+              </a:rPr>
+              <a:t>và</a:t>
+            </a:r>
+            <a:r>
+              <a:rPr lang="en-US" sz="2200" dirty="0">
+                <a:latin typeface="Times New Roman" panose="02020603050405020304" pitchFamily="18" charset="0"/>
+                <a:cs typeface="Times New Roman" panose="02020603050405020304" pitchFamily="18" charset="0"/>
+              </a:rPr>
+              <a:t> </a:t>
+            </a:r>
+            <a:r>
+              <a:rPr lang="en-US" sz="2200" dirty="0" err="1">
+                <a:latin typeface="Times New Roman" panose="02020603050405020304" pitchFamily="18" charset="0"/>
+                <a:cs typeface="Times New Roman" panose="02020603050405020304" pitchFamily="18" charset="0"/>
+              </a:rPr>
+              <a:t>độ</a:t>
+            </a:r>
+            <a:r>
+              <a:rPr lang="en-US" sz="2200" dirty="0">
+                <a:latin typeface="Times New Roman" panose="02020603050405020304" pitchFamily="18" charset="0"/>
+                <a:cs typeface="Times New Roman" panose="02020603050405020304" pitchFamily="18" charset="0"/>
+              </a:rPr>
+              <a:t> </a:t>
+            </a:r>
+            <a:r>
+              <a:rPr lang="en-US" sz="2200" dirty="0" err="1">
+                <a:latin typeface="Times New Roman" panose="02020603050405020304" pitchFamily="18" charset="0"/>
+                <a:cs typeface="Times New Roman" panose="02020603050405020304" pitchFamily="18" charset="0"/>
+              </a:rPr>
+              <a:t>chính</a:t>
+            </a:r>
+            <a:r>
+              <a:rPr lang="en-US" sz="2200" dirty="0">
+                <a:latin typeface="Times New Roman" panose="02020603050405020304" pitchFamily="18" charset="0"/>
+                <a:cs typeface="Times New Roman" panose="02020603050405020304" pitchFamily="18" charset="0"/>
+              </a:rPr>
+              <a:t> </a:t>
+            </a:r>
+            <a:r>
+              <a:rPr lang="en-US" sz="2200" dirty="0" err="1">
+                <a:latin typeface="Times New Roman" panose="02020603050405020304" pitchFamily="18" charset="0"/>
+                <a:cs typeface="Times New Roman" panose="02020603050405020304" pitchFamily="18" charset="0"/>
+              </a:rPr>
+              <a:t>xác</a:t>
+            </a:r>
+            <a:r>
+              <a:rPr lang="en-US" sz="2200" dirty="0">
+                <a:latin typeface="Times New Roman" panose="02020603050405020304" pitchFamily="18" charset="0"/>
+                <a:cs typeface="Times New Roman" panose="02020603050405020304" pitchFamily="18" charset="0"/>
+              </a:rPr>
+              <a:t> </a:t>
+            </a:r>
+            <a:r>
+              <a:rPr lang="en-US" sz="2200" dirty="0" err="1">
+                <a:latin typeface="Times New Roman" panose="02020603050405020304" pitchFamily="18" charset="0"/>
+                <a:cs typeface="Times New Roman" panose="02020603050405020304" pitchFamily="18" charset="0"/>
+              </a:rPr>
+              <a:t>khi</a:t>
+            </a:r>
+            <a:r>
+              <a:rPr lang="en-US" sz="2200" dirty="0">
+                <a:latin typeface="Times New Roman" panose="02020603050405020304" pitchFamily="18" charset="0"/>
+                <a:cs typeface="Times New Roman" panose="02020603050405020304" pitchFamily="18" charset="0"/>
+              </a:rPr>
+              <a:t> </a:t>
+            </a:r>
+            <a:r>
+              <a:rPr lang="en-US" sz="2200" dirty="0" err="1">
+                <a:latin typeface="Times New Roman" panose="02020603050405020304" pitchFamily="18" charset="0"/>
+                <a:cs typeface="Times New Roman" panose="02020603050405020304" pitchFamily="18" charset="0"/>
+              </a:rPr>
+              <a:t>nhận</a:t>
+            </a:r>
+            <a:r>
+              <a:rPr lang="en-US" sz="2200" dirty="0">
+                <a:latin typeface="Times New Roman" panose="02020603050405020304" pitchFamily="18" charset="0"/>
+                <a:cs typeface="Times New Roman" panose="02020603050405020304" pitchFamily="18" charset="0"/>
+              </a:rPr>
+              <a:t> </a:t>
+            </a:r>
+            <a:r>
+              <a:rPr lang="en-US" sz="2200" dirty="0" err="1">
+                <a:latin typeface="Times New Roman" panose="02020603050405020304" pitchFamily="18" charset="0"/>
+                <a:cs typeface="Times New Roman" panose="02020603050405020304" pitchFamily="18" charset="0"/>
+              </a:rPr>
+              <a:t>dạng</a:t>
+            </a:r>
+            <a:r>
+              <a:rPr lang="en-US" sz="2200" dirty="0">
+                <a:latin typeface="Times New Roman" panose="02020603050405020304" pitchFamily="18" charset="0"/>
+                <a:cs typeface="Times New Roman" panose="02020603050405020304" pitchFamily="18" charset="0"/>
+              </a:rPr>
+              <a:t> </a:t>
+            </a:r>
+            <a:r>
+              <a:rPr lang="en-US" sz="2200" dirty="0" err="1">
+                <a:latin typeface="Times New Roman" panose="02020603050405020304" pitchFamily="18" charset="0"/>
+                <a:cs typeface="Times New Roman" panose="02020603050405020304" pitchFamily="18" charset="0"/>
+              </a:rPr>
+              <a:t>trên</a:t>
+            </a:r>
+            <a:r>
+              <a:rPr lang="en-US" sz="2200" dirty="0">
+                <a:latin typeface="Times New Roman" panose="02020603050405020304" pitchFamily="18" charset="0"/>
+                <a:cs typeface="Times New Roman" panose="02020603050405020304" pitchFamily="18" charset="0"/>
+              </a:rPr>
+              <a:t> </a:t>
+            </a:r>
+            <a:r>
+              <a:rPr lang="en-US" sz="2200" dirty="0" err="1">
+                <a:latin typeface="Times New Roman" panose="02020603050405020304" pitchFamily="18" charset="0"/>
+                <a:cs typeface="Times New Roman" panose="02020603050405020304" pitchFamily="18" charset="0"/>
+              </a:rPr>
+              <a:t>toàn</a:t>
+            </a:r>
+            <a:r>
+              <a:rPr lang="en-US" sz="2200" dirty="0">
+                <a:latin typeface="Times New Roman" panose="02020603050405020304" pitchFamily="18" charset="0"/>
+                <a:cs typeface="Times New Roman" panose="02020603050405020304" pitchFamily="18" charset="0"/>
+              </a:rPr>
+              <a:t> </a:t>
+            </a:r>
+            <a:r>
+              <a:rPr lang="en-US" sz="2200" dirty="0" err="1">
+                <a:latin typeface="Times New Roman" panose="02020603050405020304" pitchFamily="18" charset="0"/>
+                <a:cs typeface="Times New Roman" panose="02020603050405020304" pitchFamily="18" charset="0"/>
+              </a:rPr>
+              <a:t>bộ</a:t>
+            </a:r>
+            <a:r>
+              <a:rPr lang="en-US" sz="2200" dirty="0">
+                <a:latin typeface="Times New Roman" panose="02020603050405020304" pitchFamily="18" charset="0"/>
+                <a:cs typeface="Times New Roman" panose="02020603050405020304" pitchFamily="18" charset="0"/>
+              </a:rPr>
+              <a:t> </a:t>
+            </a:r>
+            <a:r>
+              <a:rPr lang="en-US" sz="2200" dirty="0" err="1">
+                <a:latin typeface="Times New Roman" panose="02020603050405020304" pitchFamily="18" charset="0"/>
+                <a:cs typeface="Times New Roman" panose="02020603050405020304" pitchFamily="18" charset="0"/>
+              </a:rPr>
+              <a:t>tập</a:t>
+            </a:r>
+            <a:r>
+              <a:rPr lang="en-US" sz="2200" dirty="0">
+                <a:latin typeface="Times New Roman" panose="02020603050405020304" pitchFamily="18" charset="0"/>
+                <a:cs typeface="Times New Roman" panose="02020603050405020304" pitchFamily="18" charset="0"/>
+              </a:rPr>
+              <a:t> </a:t>
+            </a:r>
+            <a:r>
+              <a:rPr lang="en-US" sz="2200" dirty="0" err="1">
+                <a:latin typeface="Times New Roman" panose="02020603050405020304" pitchFamily="18" charset="0"/>
+                <a:cs typeface="Times New Roman" panose="02020603050405020304" pitchFamily="18" charset="0"/>
+              </a:rPr>
+              <a:t>ảnh</a:t>
+            </a:r>
+            <a:r>
+              <a:rPr lang="en-US" sz="2200" dirty="0">
+                <a:latin typeface="Times New Roman" panose="02020603050405020304" pitchFamily="18" charset="0"/>
+                <a:cs typeface="Times New Roman" panose="02020603050405020304" pitchFamily="18" charset="0"/>
+              </a:rPr>
+              <a:t> test</a:t>
+            </a:r>
+          </a:p>
+          <a:p>
+            <a:pPr lvl="1"/>
+            <a:r>
+              <a:rPr lang="en-US" sz="2200" dirty="0" err="1">
+                <a:latin typeface="Times New Roman" panose="02020603050405020304" pitchFamily="18" charset="0"/>
+                <a:cs typeface="Times New Roman" panose="02020603050405020304" pitchFamily="18" charset="0"/>
+              </a:rPr>
+              <a:t>Độ</a:t>
+            </a:r>
+            <a:r>
+              <a:rPr lang="en-US" sz="2200" dirty="0">
+                <a:latin typeface="Times New Roman" panose="02020603050405020304" pitchFamily="18" charset="0"/>
+                <a:cs typeface="Times New Roman" panose="02020603050405020304" pitchFamily="18" charset="0"/>
+              </a:rPr>
+              <a:t> </a:t>
+            </a:r>
+            <a:r>
+              <a:rPr lang="en-US" sz="2200" dirty="0" err="1">
+                <a:latin typeface="Times New Roman" panose="02020603050405020304" pitchFamily="18" charset="0"/>
+                <a:cs typeface="Times New Roman" panose="02020603050405020304" pitchFamily="18" charset="0"/>
+              </a:rPr>
+              <a:t>chính</a:t>
+            </a:r>
+            <a:r>
+              <a:rPr lang="en-US" sz="2200" dirty="0">
+                <a:latin typeface="Times New Roman" panose="02020603050405020304" pitchFamily="18" charset="0"/>
+                <a:cs typeface="Times New Roman" panose="02020603050405020304" pitchFamily="18" charset="0"/>
+              </a:rPr>
+              <a:t> </a:t>
+            </a:r>
+            <a:r>
+              <a:rPr lang="en-US" sz="2200" dirty="0" err="1">
+                <a:latin typeface="Times New Roman" panose="02020603050405020304" pitchFamily="18" charset="0"/>
+                <a:cs typeface="Times New Roman" panose="02020603050405020304" pitchFamily="18" charset="0"/>
+              </a:rPr>
+              <a:t>xác</a:t>
+            </a:r>
+            <a:r>
+              <a:rPr lang="en-US" sz="2200" dirty="0">
+                <a:latin typeface="Times New Roman" panose="02020603050405020304" pitchFamily="18" charset="0"/>
+                <a:cs typeface="Times New Roman" panose="02020603050405020304" pitchFamily="18" charset="0"/>
+              </a:rPr>
+              <a:t>: 90.2%</a:t>
+            </a:r>
+          </a:p>
+          <a:p>
+            <a:pPr lvl="1"/>
+            <a:r>
+              <a:rPr lang="en-US" sz="2200" dirty="0" err="1">
+                <a:latin typeface="Times New Roman" panose="02020603050405020304" pitchFamily="18" charset="0"/>
+                <a:cs typeface="Times New Roman" panose="02020603050405020304" pitchFamily="18" charset="0"/>
+              </a:rPr>
+              <a:t>Tổng</a:t>
+            </a:r>
+            <a:r>
+              <a:rPr lang="en-US" sz="2200" dirty="0">
+                <a:latin typeface="Times New Roman" panose="02020603050405020304" pitchFamily="18" charset="0"/>
+                <a:cs typeface="Times New Roman" panose="02020603050405020304" pitchFamily="18" charset="0"/>
+              </a:rPr>
+              <a:t> </a:t>
+            </a:r>
+            <a:r>
+              <a:rPr lang="en-US" sz="2200" dirty="0" err="1">
+                <a:latin typeface="Times New Roman" panose="02020603050405020304" pitchFamily="18" charset="0"/>
+                <a:cs typeface="Times New Roman" panose="02020603050405020304" pitchFamily="18" charset="0"/>
+              </a:rPr>
+              <a:t>thời</a:t>
+            </a:r>
+            <a:r>
+              <a:rPr lang="en-US" sz="2200" dirty="0">
+                <a:latin typeface="Times New Roman" panose="02020603050405020304" pitchFamily="18" charset="0"/>
+                <a:cs typeface="Times New Roman" panose="02020603050405020304" pitchFamily="18" charset="0"/>
+              </a:rPr>
+              <a:t> </a:t>
+            </a:r>
+            <a:r>
+              <a:rPr lang="en-US" sz="2200" dirty="0" err="1">
+                <a:latin typeface="Times New Roman" panose="02020603050405020304" pitchFamily="18" charset="0"/>
+                <a:cs typeface="Times New Roman" panose="02020603050405020304" pitchFamily="18" charset="0"/>
+              </a:rPr>
+              <a:t>gian</a:t>
+            </a:r>
+            <a:r>
+              <a:rPr lang="en-US" sz="2200" dirty="0">
+                <a:latin typeface="Times New Roman" panose="02020603050405020304" pitchFamily="18" charset="0"/>
+                <a:cs typeface="Times New Roman" panose="02020603050405020304" pitchFamily="18" charset="0"/>
+              </a:rPr>
+              <a:t> </a:t>
+            </a:r>
+            <a:r>
+              <a:rPr lang="en-US" sz="2200" dirty="0" err="1">
+                <a:latin typeface="Times New Roman" panose="02020603050405020304" pitchFamily="18" charset="0"/>
+                <a:cs typeface="Times New Roman" panose="02020603050405020304" pitchFamily="18" charset="0"/>
+              </a:rPr>
+              <a:t>nhận</a:t>
+            </a:r>
+            <a:r>
+              <a:rPr lang="en-US" sz="2200" dirty="0">
+                <a:latin typeface="Times New Roman" panose="02020603050405020304" pitchFamily="18" charset="0"/>
+                <a:cs typeface="Times New Roman" panose="02020603050405020304" pitchFamily="18" charset="0"/>
+              </a:rPr>
+              <a:t> </a:t>
+            </a:r>
+            <a:r>
+              <a:rPr lang="en-US" sz="2200" dirty="0" err="1">
+                <a:latin typeface="Times New Roman" panose="02020603050405020304" pitchFamily="18" charset="0"/>
+                <a:cs typeface="Times New Roman" panose="02020603050405020304" pitchFamily="18" charset="0"/>
+              </a:rPr>
+              <a:t>dạng</a:t>
+            </a:r>
+            <a:r>
+              <a:rPr lang="en-US" sz="2200" dirty="0">
+                <a:latin typeface="Times New Roman" panose="02020603050405020304" pitchFamily="18" charset="0"/>
+                <a:cs typeface="Times New Roman" panose="02020603050405020304" pitchFamily="18" charset="0"/>
+              </a:rPr>
+              <a:t>: 13.18s</a:t>
+            </a:r>
+          </a:p>
+          <a:p>
+            <a:pPr lvl="1"/>
+            <a:r>
+              <a:rPr lang="en-US" sz="2200" dirty="0" err="1">
+                <a:latin typeface="Times New Roman" panose="02020603050405020304" pitchFamily="18" charset="0"/>
+                <a:cs typeface="Times New Roman" panose="02020603050405020304" pitchFamily="18" charset="0"/>
+              </a:rPr>
+              <a:t>Thời</a:t>
+            </a:r>
+            <a:r>
+              <a:rPr lang="en-US" sz="2200" dirty="0">
+                <a:latin typeface="Times New Roman" panose="02020603050405020304" pitchFamily="18" charset="0"/>
+                <a:cs typeface="Times New Roman" panose="02020603050405020304" pitchFamily="18" charset="0"/>
+              </a:rPr>
+              <a:t> </a:t>
+            </a:r>
+            <a:r>
+              <a:rPr lang="en-US" sz="2200" dirty="0" err="1">
+                <a:latin typeface="Times New Roman" panose="02020603050405020304" pitchFamily="18" charset="0"/>
+                <a:cs typeface="Times New Roman" panose="02020603050405020304" pitchFamily="18" charset="0"/>
+              </a:rPr>
+              <a:t>gian</a:t>
+            </a:r>
+            <a:r>
+              <a:rPr lang="en-US" sz="2200" dirty="0">
+                <a:latin typeface="Times New Roman" panose="02020603050405020304" pitchFamily="18" charset="0"/>
+                <a:cs typeface="Times New Roman" panose="02020603050405020304" pitchFamily="18" charset="0"/>
+              </a:rPr>
+              <a:t> </a:t>
+            </a:r>
+            <a:r>
+              <a:rPr lang="en-US" sz="2200" dirty="0" err="1">
+                <a:latin typeface="Times New Roman" panose="02020603050405020304" pitchFamily="18" charset="0"/>
+                <a:cs typeface="Times New Roman" panose="02020603050405020304" pitchFamily="18" charset="0"/>
+              </a:rPr>
+              <a:t>trung</a:t>
+            </a:r>
+            <a:r>
+              <a:rPr lang="en-US" sz="2200" dirty="0">
+                <a:latin typeface="Times New Roman" panose="02020603050405020304" pitchFamily="18" charset="0"/>
+                <a:cs typeface="Times New Roman" panose="02020603050405020304" pitchFamily="18" charset="0"/>
+              </a:rPr>
+              <a:t> </a:t>
+            </a:r>
+            <a:r>
+              <a:rPr lang="en-US" sz="2200" dirty="0" err="1">
+                <a:latin typeface="Times New Roman" panose="02020603050405020304" pitchFamily="18" charset="0"/>
+                <a:cs typeface="Times New Roman" panose="02020603050405020304" pitchFamily="18" charset="0"/>
+              </a:rPr>
+              <a:t>bình</a:t>
+            </a:r>
+            <a:r>
+              <a:rPr lang="en-US" sz="2200" dirty="0">
+                <a:latin typeface="Times New Roman" panose="02020603050405020304" pitchFamily="18" charset="0"/>
+                <a:cs typeface="Times New Roman" panose="02020603050405020304" pitchFamily="18" charset="0"/>
+              </a:rPr>
+              <a:t> </a:t>
+            </a:r>
+            <a:r>
+              <a:rPr lang="en-US" sz="2200" dirty="0" err="1">
+                <a:latin typeface="Times New Roman" panose="02020603050405020304" pitchFamily="18" charset="0"/>
+                <a:cs typeface="Times New Roman" panose="02020603050405020304" pitchFamily="18" charset="0"/>
+              </a:rPr>
+              <a:t>nhận</a:t>
+            </a:r>
+            <a:r>
+              <a:rPr lang="en-US" sz="2200" dirty="0">
+                <a:latin typeface="Times New Roman" panose="02020603050405020304" pitchFamily="18" charset="0"/>
+                <a:cs typeface="Times New Roman" panose="02020603050405020304" pitchFamily="18" charset="0"/>
+              </a:rPr>
+              <a:t> </a:t>
+            </a:r>
+            <a:r>
+              <a:rPr lang="en-US" sz="2200" dirty="0" err="1">
+                <a:latin typeface="Times New Roman" panose="02020603050405020304" pitchFamily="18" charset="0"/>
+                <a:cs typeface="Times New Roman" panose="02020603050405020304" pitchFamily="18" charset="0"/>
+              </a:rPr>
+              <a:t>dạng</a:t>
+            </a:r>
+            <a:r>
+              <a:rPr lang="en-US" sz="2200" dirty="0">
+                <a:latin typeface="Times New Roman" panose="02020603050405020304" pitchFamily="18" charset="0"/>
+                <a:cs typeface="Times New Roman" panose="02020603050405020304" pitchFamily="18" charset="0"/>
+              </a:rPr>
+              <a:t> 1 </a:t>
+            </a:r>
+            <a:r>
+              <a:rPr lang="en-US" sz="2200" dirty="0" err="1">
+                <a:latin typeface="Times New Roman" panose="02020603050405020304" pitchFamily="18" charset="0"/>
+                <a:cs typeface="Times New Roman" panose="02020603050405020304" pitchFamily="18" charset="0"/>
+              </a:rPr>
+              <a:t>ảnh</a:t>
+            </a:r>
+            <a:r>
+              <a:rPr lang="en-US" sz="2200" dirty="0">
+                <a:latin typeface="Times New Roman" panose="02020603050405020304" pitchFamily="18" charset="0"/>
+                <a:cs typeface="Times New Roman" panose="02020603050405020304" pitchFamily="18" charset="0"/>
+              </a:rPr>
+              <a:t>: 0.06s</a:t>
+            </a:r>
+          </a:p>
+          <a:p>
+            <a:endParaRPr lang="en-US" sz="2200" dirty="0">
+              <a:latin typeface="Times New Roman" panose="02020603050405020304" pitchFamily="18" charset="0"/>
+              <a:cs typeface="Times New Roman" panose="02020603050405020304" pitchFamily="18" charset="0"/>
+            </a:endParaRPr>
+          </a:p>
+          <a:p>
+            <a:endParaRPr lang="en-US" sz="2200" dirty="0">
+              <a:latin typeface="Times New Roman" panose="02020603050405020304" pitchFamily="18" charset="0"/>
+              <a:cs typeface="Times New Roman" panose="02020603050405020304" pitchFamily="18" charset="0"/>
+            </a:endParaRPr>
+          </a:p>
+          <a:p>
+            <a:endParaRPr lang="en-US" sz="2200" dirty="0">
+              <a:latin typeface="Times New Roman" panose="02020603050405020304" pitchFamily="18" charset="0"/>
+              <a:cs typeface="Times New Roman" panose="02020603050405020304" pitchFamily="18" charset="0"/>
+            </a:endParaRPr>
+          </a:p>
+          <a:p>
+            <a:endParaRPr lang="en-US" sz="2200" dirty="0">
+              <a:latin typeface="Times New Roman" panose="02020603050405020304" pitchFamily="18" charset="0"/>
+              <a:cs typeface="Times New Roman" panose="02020603050405020304" pitchFamily="18" charset="0"/>
+            </a:endParaRPr>
+          </a:p>
+          <a:p>
+            <a:pPr marL="324000" lvl="1" indent="0" algn="just">
+              <a:buNone/>
+            </a:pPr>
+            <a:endParaRPr lang="en-US" sz="2200" b="1" dirty="0">
+              <a:latin typeface="Times New Roman" panose="02020603050405020304" pitchFamily="18" charset="0"/>
+              <a:cs typeface="Times New Roman" panose="02020603050405020304" pitchFamily="18" charset="0"/>
+            </a:endParaRPr>
+          </a:p>
+          <a:p>
+            <a:pPr marL="324000" lvl="1" indent="0" algn="just">
+              <a:buNone/>
+            </a:pPr>
+            <a:endParaRPr lang="en-US" sz="2200" b="1" dirty="0">
+              <a:latin typeface="Times New Roman" panose="02020603050405020304" pitchFamily="18" charset="0"/>
+              <a:cs typeface="Times New Roman" panose="02020603050405020304" pitchFamily="18" charset="0"/>
+            </a:endParaRPr>
+          </a:p>
+          <a:p>
+            <a:pPr marL="324000" lvl="1" indent="0" algn="just">
+              <a:buNone/>
+            </a:pPr>
+            <a:endParaRPr lang="vi-VN" sz="2200" dirty="0">
+              <a:latin typeface="Times New Roman" panose="02020603050405020304" pitchFamily="18" charset="0"/>
+              <a:cs typeface="Times New Roman" panose="02020603050405020304" pitchFamily="18" charset="0"/>
+            </a:endParaRPr>
+          </a:p>
+        </p:txBody>
+      </p:sp>
+      <p:pic>
+        <p:nvPicPr>
+          <p:cNvPr id="8" name="Content Placeholder 7">
+            <a:extLst>
+              <a:ext uri="{FF2B5EF4-FFF2-40B4-BE49-F238E27FC236}">
+                <a16:creationId xmlns:a16="http://schemas.microsoft.com/office/drawing/2014/main" id="{A170FC75-E28F-49F7-BD20-6FDB51255274}"/>
+              </a:ext>
+            </a:extLst>
+          </p:cNvPr>
+          <p:cNvPicPr>
+            <a:picLocks noGrp="1"/>
+          </p:cNvPicPr>
+          <p:nvPr>
+            <p:ph sz="half" idx="2"/>
+          </p:nvPr>
+        </p:nvPicPr>
+        <p:blipFill>
+          <a:blip r:embed="rId2"/>
+          <a:stretch>
+            <a:fillRect/>
+          </a:stretch>
+        </p:blipFill>
+        <p:spPr>
+          <a:xfrm>
+            <a:off x="6188420" y="2227263"/>
+            <a:ext cx="5099690" cy="4346958"/>
+          </a:xfrm>
+          <a:prstGeom prst="rect">
+            <a:avLst/>
+          </a:prstGeom>
+        </p:spPr>
+      </p:pic>
+    </p:spTree>
+    <p:extLst>
+      <p:ext uri="{BB962C8B-B14F-4D97-AF65-F5344CB8AC3E}">
+        <p14:creationId xmlns:p14="http://schemas.microsoft.com/office/powerpoint/2010/main" val="321466020"/>
+      </p:ext>
+    </p:extLst>
+  </p:cSld>
+  <p:clrMapOvr>
+    <a:masterClrMapping/>
+  </p:clrMapOvr>
+</p:sld>
+</file>
+
+<file path=ppt/slides/slide22.xml><?xml version="1.0" encoding="utf-8"?>
 <p:sld xmlns:a="http://schemas.openxmlformats.org/drawingml/2006/main" xmlns:r="http://schemas.openxmlformats.org/officeDocument/2006/relationships" xmlns:p="http://schemas.openxmlformats.org/presentationml/2006/main">
   <p:cSld>
     <p:spTree>
@@ -19310,58 +23527,16 @@
           <a:p>
             <a:pPr marL="514350" indent="-514350">
               <a:buFont typeface="+mj-lt"/>
-              <a:buAutoNum type="romanUcPeriod" startAt="5"/>
+              <a:buAutoNum type="romanUcPeriod" startAt="4"/>
             </a:pPr>
             <a:r>
-              <a:rPr lang="en-US" sz="2400" b="1" dirty="0" err="1">
-                <a:latin typeface="Times New Roman" panose="02020603050405020304" pitchFamily="18" charset="0"/>
-                <a:cs typeface="Times New Roman" panose="02020603050405020304" pitchFamily="18" charset="0"/>
-              </a:rPr>
-              <a:t>Thực</a:t>
-            </a:r>
-            <a:r>
-              <a:rPr lang="en-US" sz="2400" b="1" dirty="0">
-                <a:latin typeface="Times New Roman" panose="02020603050405020304" pitchFamily="18" charset="0"/>
-                <a:cs typeface="Times New Roman" panose="02020603050405020304" pitchFamily="18" charset="0"/>
-              </a:rPr>
-              <a:t> </a:t>
-            </a:r>
-            <a:r>
-              <a:rPr lang="en-US" sz="2400" b="1" dirty="0" err="1">
-                <a:latin typeface="Times New Roman" panose="02020603050405020304" pitchFamily="18" charset="0"/>
-                <a:cs typeface="Times New Roman" panose="02020603050405020304" pitchFamily="18" charset="0"/>
-              </a:rPr>
-              <a:t>nghiệm</a:t>
-            </a:r>
-            <a:r>
-              <a:rPr lang="en-US" sz="2400" b="1" dirty="0">
-                <a:latin typeface="Times New Roman" panose="02020603050405020304" pitchFamily="18" charset="0"/>
-                <a:cs typeface="Times New Roman" panose="02020603050405020304" pitchFamily="18" charset="0"/>
-              </a:rPr>
-              <a:t> </a:t>
-            </a:r>
-            <a:r>
-              <a:rPr lang="en-US" sz="2400" b="1" dirty="0" err="1">
-                <a:latin typeface="Times New Roman" panose="02020603050405020304" pitchFamily="18" charset="0"/>
-                <a:cs typeface="Times New Roman" panose="02020603050405020304" pitchFamily="18" charset="0"/>
-              </a:rPr>
-              <a:t>bài</a:t>
-            </a:r>
-            <a:r>
-              <a:rPr lang="en-US" sz="2400" b="1" dirty="0">
-                <a:latin typeface="Times New Roman" panose="02020603050405020304" pitchFamily="18" charset="0"/>
-                <a:cs typeface="Times New Roman" panose="02020603050405020304" pitchFamily="18" charset="0"/>
-              </a:rPr>
-              <a:t> </a:t>
-            </a:r>
-            <a:r>
-              <a:rPr lang="en-US" sz="2400" b="1" dirty="0" err="1">
-                <a:latin typeface="Times New Roman" panose="02020603050405020304" pitchFamily="18" charset="0"/>
-                <a:cs typeface="Times New Roman" panose="02020603050405020304" pitchFamily="18" charset="0"/>
-              </a:rPr>
-              <a:t>toán</a:t>
-            </a:r>
-            <a:endParaRPr lang="en-US" sz="2400" dirty="0"/>
+              <a:rPr lang="en-US" sz="2200" b="1" dirty="0">
+                <a:latin typeface="Times New Roman" panose="02020603050405020304" pitchFamily="18" charset="0"/>
+                <a:cs typeface="Times New Roman" panose="02020603050405020304" pitchFamily="18" charset="0"/>
+              </a:rPr>
+              <a:t>KẾT LUẬN</a:t>
+            </a:r>
+            <a:endParaRPr lang="en-US" sz="2200" b="1" dirty="0"/>
           </a:p>
         </p:txBody>
       </p:sp>
@@ -19384,32 +23559,9 @@
         <p:spPr/>
         <p:txBody>
           <a:bodyPr>
-            <a:normAutofit/>
+            <a:normAutofit fontScale="92500" lnSpcReduction="10000"/>
           </a:bodyPr>
           <a:lstStyle/>
-          <a:p>
-            <a:r>
-              <a:rPr lang="vi-VN" sz="2400" dirty="0">
-                <a:latin typeface="Times New Roman" panose="02020603050405020304" pitchFamily="18" charset="0"/>
-                <a:cs typeface="Times New Roman" panose="02020603050405020304" pitchFamily="18" charset="0"/>
-              </a:rPr>
-              <a:t>Tập dữ liệu test: </a:t>
-            </a:r>
-            <a:r>
-              <a:rPr lang="en-US" sz="2400" dirty="0">
-                <a:latin typeface="Times New Roman" panose="02020603050405020304" pitchFamily="18" charset="0"/>
-                <a:cs typeface="Times New Roman" panose="02020603050405020304" pitchFamily="18" charset="0"/>
-              </a:rPr>
-              <a:t>220</a:t>
-            </a:r>
-            <a:r>
-              <a:rPr lang="vi-VN" sz="2400" dirty="0">
-                <a:latin typeface="Times New Roman" panose="02020603050405020304" pitchFamily="18" charset="0"/>
-                <a:cs typeface="Times New Roman" panose="02020603050405020304" pitchFamily="18" charset="0"/>
-              </a:rPr>
-              <a:t> bức ảnh</a:t>
-            </a:r>
-          </a:p>
           <a:p>
             <a:r>
               <a:rPr lang="vi-VN" sz="2400" dirty="0">
@@ -19429,26 +23581,8 @@
                 <a:latin typeface="Times New Roman" panose="02020603050405020304" pitchFamily="18" charset="0"/>
                 <a:cs typeface="Times New Roman" panose="02020603050405020304" pitchFamily="18" charset="0"/>
               </a:rPr>
-              <a:t>Độ chính xác 9</a:t>
-            </a:r>
-            <a:r>
-              <a:rPr lang="en-US" sz="2200">
-                <a:latin typeface="Times New Roman" panose="02020603050405020304" pitchFamily="18" charset="0"/>
-                <a:cs typeface="Times New Roman" panose="02020603050405020304" pitchFamily="18" charset="0"/>
-              </a:rPr>
-              <a:t>2</a:t>
-            </a:r>
-            <a:r>
-              <a:rPr lang="vi-VN" sz="2200">
-                <a:latin typeface="Times New Roman" panose="02020603050405020304" pitchFamily="18" charset="0"/>
-                <a:cs typeface="Times New Roman" panose="02020603050405020304" pitchFamily="18" charset="0"/>
-              </a:rPr>
-              <a:t>%</a:t>
-            </a:r>
-            <a:endParaRPr lang="vi-VN" sz="2200" dirty="0">
-              <a:latin typeface="Times New Roman" panose="02020603050405020304" pitchFamily="18" charset="0"/>
-              <a:cs typeface="Times New Roman" panose="02020603050405020304" pitchFamily="18" charset="0"/>
-            </a:endParaRPr>
+              <a:t>Chương trình đạt được yêu cầu bài toán</a:t>
+            </a:r>
           </a:p>
           <a:p>
             <a:pPr lvl="1">
@@ -19460,9 +23594,69 @@
                 <a:latin typeface="Times New Roman" panose="02020603050405020304" pitchFamily="18" charset="0"/>
                 <a:cs typeface="Times New Roman" panose="02020603050405020304" pitchFamily="18" charset="0"/>
               </a:rPr>
-              <a:t>Tổng thời gian: 8.5s</a:t>
-            </a:r>
-            <a:endParaRPr lang="en-US" sz="2200" dirty="0"/>
+              <a:t>Hiểu được việc ứng dụng phương pháp biểu diễn thưa vào bài toán nhận dạng</a:t>
+            </a:r>
+          </a:p>
+          <a:p>
+            <a:r>
+              <a:rPr lang="vi-VN" sz="2400" dirty="0">
+                <a:latin typeface="Times New Roman" panose="02020603050405020304" pitchFamily="18" charset="0"/>
+                <a:cs typeface="Times New Roman" panose="02020603050405020304" pitchFamily="18" charset="0"/>
+              </a:rPr>
+              <a:t>Hạn chế: Chương trình chỉ nhận dạng được trên nhưng bức ảnh khuôn mặt đơn thuần với điều kiện môi trường và ánh sáng đủ tốt</a:t>
+            </a:r>
+          </a:p>
+          <a:p>
+            <a:r>
+              <a:rPr lang="vi-VN" sz="2400" dirty="0">
+                <a:latin typeface="Times New Roman" panose="02020603050405020304" pitchFamily="18" charset="0"/>
+                <a:cs typeface="Times New Roman" panose="02020603050405020304" pitchFamily="18" charset="0"/>
+              </a:rPr>
+              <a:t>Hướng phát triển: </a:t>
+            </a:r>
+          </a:p>
+          <a:p>
+            <a:pPr lvl="1">
+              <a:buFont typeface="Wingdings" panose="05000000000000000000" pitchFamily="2" charset="2"/>
+              <a:buChar char="v"/>
+            </a:pPr>
+            <a:r>
+              <a:rPr lang="vi-VN" sz="2200" dirty="0">
+                <a:latin typeface="Times New Roman" panose="02020603050405020304" pitchFamily="18" charset="0"/>
+                <a:cs typeface="Times New Roman" panose="02020603050405020304" pitchFamily="18" charset="0"/>
+              </a:rPr>
+              <a:t>Thử nghiệm và so sánh kết quả với các phương pháp khác</a:t>
+            </a:r>
+          </a:p>
+          <a:p>
+            <a:pPr lvl="1">
+              <a:buFont typeface="Wingdings" panose="05000000000000000000" pitchFamily="2" charset="2"/>
+              <a:buChar char="v"/>
+            </a:pPr>
+            <a:r>
+              <a:rPr lang="vi-VN" sz="2200" dirty="0">
+                <a:latin typeface="Times New Roman" panose="02020603050405020304" pitchFamily="18" charset="0"/>
+                <a:cs typeface="Times New Roman" panose="02020603050405020304" pitchFamily="18" charset="0"/>
+              </a:rPr>
+              <a:t>Nâng cao độ chính xác của thuật toán</a:t>
+            </a:r>
+          </a:p>
+          <a:p>
+            <a:pPr lvl="1">
+              <a:buFont typeface="Wingdings" panose="05000000000000000000" pitchFamily="2" charset="2"/>
+              <a:buChar char="v"/>
+            </a:pPr>
+            <a:r>
+              <a:rPr lang="vi-VN" sz="2200" dirty="0">
+                <a:latin typeface="Times New Roman" panose="02020603050405020304" pitchFamily="18" charset="0"/>
+                <a:cs typeface="Times New Roman" panose="02020603050405020304" pitchFamily="18" charset="0"/>
+              </a:rPr>
+              <a:t>Nhận dạng trên video hay các ảnh có nhiều yếu tố gây nhiễu hơn</a:t>
+            </a:r>
+            <a:endParaRPr lang="en-US" sz="2200" dirty="0">
+              <a:latin typeface="Times New Roman" panose="02020603050405020304" pitchFamily="18" charset="0"/>
+              <a:cs typeface="Times New Roman" panose="02020603050405020304" pitchFamily="18" charset="0"/>
+            </a:endParaRPr>
           </a:p>
         </p:txBody>
       </p:sp>
@@ -19479,212 +23673,7 @@
 </p:sld>
 </file>
 
-<file path=ppt/slides/slide17.xml><?xml version="1.0" encoding="utf-8"?>
-<p:sld xmlns:a="http://schemas.openxmlformats.org/drawingml/2006/main" xmlns:r="http://schemas.openxmlformats.org/officeDocument/2006/relationships" xmlns:p="http://schemas.openxmlformats.org/presentationml/2006/main">
-  <p:cSld>
-    <p:spTree>
-      <p:nvGrpSpPr>
-        <p:cNvPr id="1" name=""/>
-        <p:cNvGrpSpPr/>
-        <p:nvPr/>
-      </p:nvGrpSpPr>
-      <p:grpSpPr>
-        <a:xfrm>
-          <a:off x="0" y="0"/>
-          <a:ext cx="0" cy="0"/>
-          <a:chOff x="0" y="0"/>
-          <a:chExt cx="0" cy="0"/>
-        </a:xfrm>
-      </p:grpSpPr>
-      <p:sp>
-        <p:nvSpPr>
-          <p:cNvPr id="2" name="Title 1">
-            <a:extLst>
-              <a:ext uri="{FF2B5EF4-FFF2-40B4-BE49-F238E27FC236}">
-                <a16:creationId xmlns:a16="http://schemas.microsoft.com/office/drawing/2014/main" id="{9BF77DAB-889A-40C5-A84E-31C086628D57}"/>
-              </a:ext>
-            </a:extLst>
-          </p:cNvPr>
-          <p:cNvSpPr>
-            <a:spLocks noGrp="1"/>
-          </p:cNvSpPr>
-          <p:nvPr>
-            <p:ph type="title"/>
-          </p:nvPr>
-        </p:nvSpPr>
-        <p:spPr/>
-        <p:txBody>
-          <a:bodyPr anchor="ctr">
-            <a:normAutofit/>
-          </a:bodyPr>
-          <a:lstStyle/>
-          <a:p>
-            <a:pPr marL="514350" indent="-514350">
-              <a:buFont typeface="+mj-lt"/>
-              <a:buAutoNum type="romanUcPeriod" startAt="6"/>
-            </a:pPr>
-            <a:r>
-              <a:rPr lang="en-US" sz="2400" b="1" dirty="0" err="1">
-                <a:latin typeface="Times New Roman" panose="02020603050405020304" pitchFamily="18" charset="0"/>
-                <a:cs typeface="Times New Roman" panose="02020603050405020304" pitchFamily="18" charset="0"/>
-              </a:rPr>
-              <a:t>Kết</a:t>
-            </a:r>
-            <a:r>
-              <a:rPr lang="en-US" sz="2400" b="1" dirty="0">
-                <a:latin typeface="Times New Roman" panose="02020603050405020304" pitchFamily="18" charset="0"/>
-                <a:cs typeface="Times New Roman" panose="02020603050405020304" pitchFamily="18" charset="0"/>
-              </a:rPr>
-              <a:t> </a:t>
-            </a:r>
-            <a:r>
-              <a:rPr lang="en-US" sz="2400" b="1" dirty="0" err="1">
-                <a:latin typeface="Times New Roman" panose="02020603050405020304" pitchFamily="18" charset="0"/>
-                <a:cs typeface="Times New Roman" panose="02020603050405020304" pitchFamily="18" charset="0"/>
-              </a:rPr>
-              <a:t>luận</a:t>
-            </a:r>
-            <a:endParaRPr lang="en-US" sz="2400" b="1" dirty="0">
-              <a:latin typeface="Times New Roman" panose="02020603050405020304" pitchFamily="18" charset="0"/>
-              <a:cs typeface="Times New Roman" panose="02020603050405020304" pitchFamily="18" charset="0"/>
-            </a:endParaRPr>
-          </a:p>
-        </p:txBody>
-      </p:sp>
-      <p:sp>
-        <p:nvSpPr>
-          <p:cNvPr id="3" name="Content Placeholder 2">
-            <a:extLst>
-              <a:ext uri="{FF2B5EF4-FFF2-40B4-BE49-F238E27FC236}">
-                <a16:creationId xmlns:a16="http://schemas.microsoft.com/office/drawing/2014/main" id="{6A5AA352-7C09-4A98-BFD3-4B4D60BB583D}"/>
-              </a:ext>
-            </a:extLst>
-          </p:cNvPr>
-          <p:cNvSpPr>
-            <a:spLocks noGrp="1"/>
-          </p:cNvSpPr>
-          <p:nvPr>
-            <p:ph idx="1"/>
-          </p:nvPr>
-        </p:nvSpPr>
-        <p:spPr/>
-        <p:txBody>
-          <a:bodyPr>
-            <a:normAutofit fontScale="92500" lnSpcReduction="10000"/>
-          </a:bodyPr>
-          <a:lstStyle/>
-          <a:p>
-            <a:r>
-              <a:rPr lang="vi-VN" sz="2400" dirty="0">
-                <a:latin typeface="Times New Roman" panose="02020603050405020304" pitchFamily="18" charset="0"/>
-                <a:cs typeface="Times New Roman" panose="02020603050405020304" pitchFamily="18" charset="0"/>
-              </a:rPr>
-              <a:t>Kết quả thu được: </a:t>
-            </a:r>
-          </a:p>
-          <a:p>
-            <a:pPr lvl="1">
-              <a:buFont typeface="Wingdings" panose="05000000000000000000" pitchFamily="2" charset="2"/>
-              <a:buChar char="v"/>
-            </a:pPr>
-            <a:r>
-              <a:rPr lang="vi-VN" sz="2200" dirty="0">
-                <a:latin typeface="Times New Roman" panose="02020603050405020304" pitchFamily="18" charset="0"/>
-                <a:cs typeface="Times New Roman" panose="02020603050405020304" pitchFamily="18" charset="0"/>
-              </a:rPr>
-              <a:t>Chương trình đạt được yêu cầu bài toán</a:t>
-            </a:r>
-          </a:p>
-          <a:p>
-            <a:pPr lvl="1">
-              <a:buFont typeface="Wingdings" panose="05000000000000000000" pitchFamily="2" charset="2"/>
-              <a:buChar char="v"/>
-            </a:pPr>
-            <a:r>
-              <a:rPr lang="vi-VN" sz="2200" dirty="0">
-                <a:latin typeface="Times New Roman" panose="02020603050405020304" pitchFamily="18" charset="0"/>
-                <a:cs typeface="Times New Roman" panose="02020603050405020304" pitchFamily="18" charset="0"/>
-              </a:rPr>
-              <a:t>Hiểu được việc ứng dụng phương pháp biểu diễn thưa vào bài toán nhận dạng</a:t>
-            </a:r>
-          </a:p>
-          <a:p>
-            <a:r>
-              <a:rPr lang="vi-VN" sz="2400" dirty="0">
-                <a:latin typeface="Times New Roman" panose="02020603050405020304" pitchFamily="18" charset="0"/>
-                <a:cs typeface="Times New Roman" panose="02020603050405020304" pitchFamily="18" charset="0"/>
-              </a:rPr>
-              <a:t>Hạn chế: Chương trình chỉ nhận dạng được trên nhưng bức ảnh khuôn mặt đơn thuần với điều kiện môi trường và ánh sáng đủ tốt</a:t>
-            </a:r>
-          </a:p>
-          <a:p>
-            <a:r>
-              <a:rPr lang="vi-VN" sz="2400" dirty="0">
-                <a:latin typeface="Times New Roman" panose="02020603050405020304" pitchFamily="18" charset="0"/>
-                <a:cs typeface="Times New Roman" panose="02020603050405020304" pitchFamily="18" charset="0"/>
-              </a:rPr>
-              <a:t>Hướng phát triển: </a:t>
-            </a:r>
-          </a:p>
-          <a:p>
-            <a:pPr lvl="1">
-              <a:buFont typeface="Wingdings" panose="05000000000000000000" pitchFamily="2" charset="2"/>
-              <a:buChar char="v"/>
-            </a:pPr>
-            <a:r>
-              <a:rPr lang="vi-VN" sz="2200" dirty="0">
-                <a:latin typeface="Times New Roman" panose="02020603050405020304" pitchFamily="18" charset="0"/>
-                <a:cs typeface="Times New Roman" panose="02020603050405020304" pitchFamily="18" charset="0"/>
-              </a:rPr>
-              <a:t>Thử nghiệm và so sánh kết quả với các phương pháp khác</a:t>
-            </a:r>
-          </a:p>
-          <a:p>
-            <a:pPr lvl="1">
-              <a:buFont typeface="Wingdings" panose="05000000000000000000" pitchFamily="2" charset="2"/>
-              <a:buChar char="v"/>
-            </a:pPr>
-            <a:r>
-              <a:rPr lang="vi-VN" sz="2200" dirty="0">
-                <a:latin typeface="Times New Roman" panose="02020603050405020304" pitchFamily="18" charset="0"/>
-                <a:cs typeface="Times New Roman" panose="02020603050405020304" pitchFamily="18" charset="0"/>
-              </a:rPr>
-              <a:t>Nâng cao độ chính xác của thuật toán</a:t>
-            </a:r>
-          </a:p>
-          <a:p>
-            <a:pPr lvl="1">
-              <a:buFont typeface="Wingdings" panose="05000000000000000000" pitchFamily="2" charset="2"/>
-              <a:buChar char="v"/>
-            </a:pPr>
-            <a:r>
-              <a:rPr lang="vi-VN" sz="2200" dirty="0">
-                <a:latin typeface="Times New Roman" panose="02020603050405020304" pitchFamily="18" charset="0"/>
-                <a:cs typeface="Times New Roman" panose="02020603050405020304" pitchFamily="18" charset="0"/>
-              </a:rPr>
-              <a:t>Nhận dạng trên video hay các ảnh có nhiều yếu tố gây nhiễu hơn</a:t>
-            </a:r>
-            <a:endParaRPr lang="en-US" sz="2200" dirty="0">
-              <a:latin typeface="Times New Roman" panose="02020603050405020304" pitchFamily="18" charset="0"/>
-              <a:cs typeface="Times New Roman" panose="02020603050405020304" pitchFamily="18" charset="0"/>
-            </a:endParaRPr>
-          </a:p>
-        </p:txBody>
-      </p:sp>
-    </p:spTree>
-    <p:extLst>
-      <p:ext uri="{BB962C8B-B14F-4D97-AF65-F5344CB8AC3E}">
-        <p14:creationId xmlns:p14="http://schemas.microsoft.com/office/powerpoint/2010/main" val="2430576876"/>
-      </p:ext>
-    </p:extLst>
-  </p:cSld>
-  <p:clrMapOvr>
-    <a:masterClrMapping/>
-  </p:clrMapOvr>
-</p:sld>
-</file>
-
-<file path=ppt/slides/slide18.xml><?xml version="1.0" encoding="utf-8"?>
+<file path=ppt/slides/slide23.xml><?xml version="1.0" encoding="utf-8"?>
 <p:sld xmlns:a="http://schemas.openxmlformats.org/drawingml/2006/main" xmlns:r="http://schemas.openxmlformats.org/officeDocument/2006/relationships" xmlns:p="http://schemas.openxmlformats.org/presentationml/2006/main">
   <p:cSld>
     <p:spTree>
@@ -19741,208 +23730,6 @@
     <p:extLst>
       <p:ext uri="{BB962C8B-B14F-4D97-AF65-F5344CB8AC3E}">
         <p14:creationId xmlns:p14="http://schemas.microsoft.com/office/powerpoint/2010/main" val="1330992852"/>
-      </p:ext>
-    </p:extLst>
-  </p:cSld>
-  <p:clrMapOvr>
-    <a:masterClrMapping/>
-  </p:clrMapOvr>
-</p:sld>
-</file>
-
-<file path=ppt/slides/slide2.xml><?xml version="1.0" encoding="utf-8"?>
-<p:sld xmlns:a="http://schemas.openxmlformats.org/drawingml/2006/main" xmlns:r="http://schemas.openxmlformats.org/officeDocument/2006/relationships" xmlns:p="http://schemas.openxmlformats.org/presentationml/2006/main">
-  <p:cSld>
-    <p:spTree>
-      <p:nvGrpSpPr>
-        <p:cNvPr id="1" name=""/>
-        <p:cNvGrpSpPr/>
-        <p:nvPr/>
-      </p:nvGrpSpPr>
-      <p:grpSpPr>
-        <a:xfrm>
-          <a:off x="0" y="0"/>
-          <a:ext cx="0" cy="0"/>
-          <a:chOff x="0" y="0"/>
-          <a:chExt cx="0" cy="0"/>
-        </a:xfrm>
-      </p:grpSpPr>
-      <p:sp>
-        <p:nvSpPr>
-          <p:cNvPr id="2" name="Title 1">
-            <a:extLst>
-              <a:ext uri="{FF2B5EF4-FFF2-40B4-BE49-F238E27FC236}">
-                <a16:creationId xmlns:a16="http://schemas.microsoft.com/office/drawing/2014/main" id="{4F5C3CD3-37F0-404F-BB08-5D1D4DDBB657}"/>
-              </a:ext>
-            </a:extLst>
-          </p:cNvPr>
-          <p:cNvSpPr>
-            <a:spLocks noGrp="1"/>
-          </p:cNvSpPr>
-          <p:nvPr>
-            <p:ph type="title"/>
-          </p:nvPr>
-        </p:nvSpPr>
-        <p:spPr>
-          <a:xfrm>
-            <a:off x="581192" y="702156"/>
-            <a:ext cx="11029616" cy="1013800"/>
-          </a:xfrm>
-        </p:spPr>
-        <p:txBody>
-          <a:bodyPr anchor="ctr">
-            <a:normAutofit/>
-          </a:bodyPr>
-          <a:lstStyle/>
-          <a:p>
-            <a:r>
-              <a:rPr lang="en-US" sz="2200" b="1" dirty="0" err="1">
-                <a:latin typeface="Times New Roman" panose="02020603050405020304" pitchFamily="18" charset="0"/>
-                <a:cs typeface="Times New Roman" panose="02020603050405020304" pitchFamily="18" charset="0"/>
-              </a:rPr>
-              <a:t>Nội</a:t>
-            </a:r>
-            <a:r>
-              <a:rPr lang="en-US" sz="2200" b="1" dirty="0">
-                <a:latin typeface="Times New Roman" panose="02020603050405020304" pitchFamily="18" charset="0"/>
-                <a:cs typeface="Times New Roman" panose="02020603050405020304" pitchFamily="18" charset="0"/>
-              </a:rPr>
-              <a:t> dung </a:t>
-            </a:r>
-            <a:r>
-              <a:rPr lang="en-US" sz="2200" b="1" dirty="0" err="1">
-                <a:latin typeface="Times New Roman" panose="02020603050405020304" pitchFamily="18" charset="0"/>
-                <a:cs typeface="Times New Roman" panose="02020603050405020304" pitchFamily="18" charset="0"/>
-              </a:rPr>
-              <a:t>báo</a:t>
-            </a:r>
-            <a:r>
-              <a:rPr lang="en-US" sz="2200" b="1" dirty="0">
-                <a:latin typeface="Times New Roman" panose="02020603050405020304" pitchFamily="18" charset="0"/>
-                <a:cs typeface="Times New Roman" panose="02020603050405020304" pitchFamily="18" charset="0"/>
-              </a:rPr>
-              <a:t> </a:t>
-            </a:r>
-            <a:r>
-              <a:rPr lang="en-US" sz="2200" b="1" dirty="0" err="1">
-                <a:latin typeface="Times New Roman" panose="02020603050405020304" pitchFamily="18" charset="0"/>
-                <a:cs typeface="Times New Roman" panose="02020603050405020304" pitchFamily="18" charset="0"/>
-              </a:rPr>
-              <a:t>cáo</a:t>
-            </a:r>
-            <a:endParaRPr lang="en-US" sz="2200" dirty="0"/>
-          </a:p>
-        </p:txBody>
-      </p:sp>
-      <p:sp>
-        <p:nvSpPr>
-          <p:cNvPr id="3" name="Content Placeholder 2">
-            <a:extLst>
-              <a:ext uri="{FF2B5EF4-FFF2-40B4-BE49-F238E27FC236}">
-                <a16:creationId xmlns:a16="http://schemas.microsoft.com/office/drawing/2014/main" id="{7909A3D2-1B82-4BE7-A827-0E224FB2A4BC}"/>
-              </a:ext>
-            </a:extLst>
-          </p:cNvPr>
-          <p:cNvSpPr>
-            <a:spLocks noGrp="1"/>
-          </p:cNvSpPr>
-          <p:nvPr>
-            <p:ph idx="1"/>
-          </p:nvPr>
-        </p:nvSpPr>
-        <p:spPr/>
-        <p:txBody>
-          <a:bodyPr>
-            <a:normAutofit/>
-          </a:bodyPr>
-          <a:lstStyle/>
-          <a:p>
-            <a:pPr marL="514350" indent="-514350">
-              <a:buFont typeface="+mj-lt"/>
-              <a:buAutoNum type="romanUcPeriod"/>
-            </a:pPr>
-            <a:r>
-              <a:rPr lang="en-US" sz="2200" dirty="0">
-                <a:latin typeface="Times New Roman" panose="02020603050405020304" pitchFamily="18" charset="0"/>
-                <a:cs typeface="Times New Roman" panose="02020603050405020304" pitchFamily="18" charset="0"/>
-              </a:rPr>
-              <a:t>TỔNG QUAN VỀ XỬ LÝ ẢNH VÀ BÀI TOÁN NHẬN DẠNG KHUÔN MẶT</a:t>
-            </a:r>
-          </a:p>
-          <a:p>
-            <a:pPr marL="514350" indent="-514350">
-              <a:buFont typeface="+mj-lt"/>
-              <a:buAutoNum type="romanUcPeriod"/>
-            </a:pPr>
-            <a:r>
-              <a:rPr lang="en-US" sz="2200" dirty="0">
-                <a:latin typeface="Times New Roman" panose="02020603050405020304" pitchFamily="18" charset="0"/>
-                <a:cs typeface="Times New Roman" panose="02020603050405020304" pitchFamily="18" charset="0"/>
-              </a:rPr>
-              <a:t>NHẬN DẠNG KHUÔN MẶT DỰA VÀO PH</a:t>
-            </a:r>
-            <a:r>
-              <a:rPr lang="vi-VN" sz="2200" dirty="0">
-                <a:latin typeface="Times New Roman" panose="02020603050405020304" pitchFamily="18" charset="0"/>
-                <a:cs typeface="Times New Roman" panose="02020603050405020304" pitchFamily="18" charset="0"/>
-              </a:rPr>
-              <a:t>Ư</a:t>
-            </a:r>
-            <a:r>
-              <a:rPr lang="en-US" sz="2200" dirty="0">
-                <a:latin typeface="Times New Roman" panose="02020603050405020304" pitchFamily="18" charset="0"/>
-                <a:cs typeface="Times New Roman" panose="02020603050405020304" pitchFamily="18" charset="0"/>
-              </a:rPr>
-              <a:t>ƠNG PHÁP BIỂU DIỄN TH</a:t>
-            </a:r>
-            <a:r>
-              <a:rPr lang="vi-VN" sz="2200" dirty="0">
-                <a:latin typeface="Times New Roman" panose="02020603050405020304" pitchFamily="18" charset="0"/>
-                <a:cs typeface="Times New Roman" panose="02020603050405020304" pitchFamily="18" charset="0"/>
-              </a:rPr>
-              <a:t>Ư</a:t>
-            </a:r>
-            <a:r>
-              <a:rPr lang="en-US" sz="2200" dirty="0">
-                <a:latin typeface="Times New Roman" panose="02020603050405020304" pitchFamily="18" charset="0"/>
-                <a:cs typeface="Times New Roman" panose="02020603050405020304" pitchFamily="18" charset="0"/>
-              </a:rPr>
-              <a:t>A</a:t>
-            </a:r>
-          </a:p>
-          <a:p>
-            <a:pPr marL="514350" indent="-514350">
-              <a:buFont typeface="+mj-lt"/>
-              <a:buAutoNum type="romanUcPeriod"/>
-            </a:pPr>
-            <a:r>
-              <a:rPr lang="en-US" sz="2200" dirty="0">
-                <a:latin typeface="Times New Roman" panose="02020603050405020304" pitchFamily="18" charset="0"/>
-                <a:cs typeface="Times New Roman" panose="02020603050405020304" pitchFamily="18" charset="0"/>
-              </a:rPr>
-              <a:t>THỰC NGHIỆM BÀI TOÁN</a:t>
-            </a:r>
-          </a:p>
-          <a:p>
-            <a:pPr marL="514350" indent="-514350">
-              <a:buFont typeface="+mj-lt"/>
-              <a:buAutoNum type="romanUcPeriod"/>
-            </a:pPr>
-            <a:r>
-              <a:rPr lang="en-US" sz="2200" dirty="0">
-                <a:latin typeface="Times New Roman" panose="02020603050405020304" pitchFamily="18" charset="0"/>
-                <a:cs typeface="Times New Roman" panose="02020603050405020304" pitchFamily="18" charset="0"/>
-              </a:rPr>
-              <a:t>KẾT LUẬN</a:t>
-            </a:r>
-            <a:endParaRPr lang="en-US" sz="2200" dirty="0"/>
-          </a:p>
-        </p:txBody>
-      </p:sp>
-    </p:spTree>
-    <p:extLst>
-      <p:ext uri="{BB962C8B-B14F-4D97-AF65-F5344CB8AC3E}">
-        <p14:creationId xmlns:p14="http://schemas.microsoft.com/office/powerpoint/2010/main" val="3772707082"/>
       </p:ext>
     </p:extLst>
   </p:cSld>

--- a/Documents/Sparse representation-DangKhacToan.pptx
+++ b/Documents/Sparse representation-DangKhacToan.pptx
@@ -220,7 +220,7 @@
           <a:p>
             <a:fld id="{14641362-0CCB-4D2C-9AB2-B32328E8BDA6}" type="datetimeFigureOut">
               <a:rPr lang="en-US" smtClean="0"/>
-              <a:t>26-May-18</a:t>
+              <a:t>28-May-18</a:t>
             </a:fld>
             <a:endParaRPr lang="en-US"/>
           </a:p>
@@ -1341,6 +1341,2441 @@
               <a:t>).</a:t>
             </a:r>
           </a:p>
+          <a:p>
+            <a:pPr marL="0" marR="0" lvl="0" indent="0" algn="l" defTabSz="914400" rtl="0" eaLnBrk="1" fontAlgn="auto" latinLnBrk="0" hangingPunct="1">
+              <a:lnSpc>
+                <a:spcPct val="100000"/>
+              </a:lnSpc>
+              <a:spcBef>
+                <a:spcPts val="0"/>
+              </a:spcBef>
+              <a:spcAft>
+                <a:spcPts val="0"/>
+              </a:spcAft>
+              <a:buClrTx/>
+              <a:buSzTx/>
+              <a:buFontTx/>
+              <a:buNone/>
+              <a:tabLst/>
+              <a:defRPr/>
+            </a:pPr>
+            <a:r>
+              <a:rPr lang="en-US" sz="1200" b="0" i="0" kern="1200" dirty="0" err="1">
+                <a:solidFill>
+                  <a:schemeClr val="tx1"/>
+                </a:solidFill>
+                <a:effectLst/>
+                <a:latin typeface="+mn-lt"/>
+                <a:ea typeface="+mn-ea"/>
+                <a:cs typeface="+mn-cs"/>
+              </a:rPr>
+              <a:t>Gốc</a:t>
+            </a:r>
+            <a:r>
+              <a:rPr lang="en-US" sz="1200" b="0" i="0" kern="1200" dirty="0">
+                <a:solidFill>
+                  <a:schemeClr val="tx1"/>
+                </a:solidFill>
+                <a:effectLst/>
+                <a:latin typeface="+mn-lt"/>
+                <a:ea typeface="+mn-ea"/>
+                <a:cs typeface="+mn-cs"/>
+              </a:rPr>
+              <a:t> </a:t>
+            </a:r>
+            <a:r>
+              <a:rPr lang="en-US" sz="1200" b="0" i="0" kern="1200" dirty="0" err="1">
+                <a:solidFill>
+                  <a:schemeClr val="tx1"/>
+                </a:solidFill>
+                <a:effectLst/>
+                <a:latin typeface="+mn-lt"/>
+                <a:ea typeface="+mn-ea"/>
+                <a:cs typeface="+mn-cs"/>
+              </a:rPr>
+              <a:t>của</a:t>
+            </a:r>
+            <a:r>
+              <a:rPr lang="en-US" sz="1200" b="0" i="0" kern="1200" dirty="0">
+                <a:solidFill>
+                  <a:schemeClr val="tx1"/>
+                </a:solidFill>
+                <a:effectLst/>
+                <a:latin typeface="+mn-lt"/>
+                <a:ea typeface="+mn-ea"/>
+                <a:cs typeface="+mn-cs"/>
+              </a:rPr>
+              <a:t> </a:t>
+            </a:r>
+            <a:r>
+              <a:rPr lang="en-US" sz="1200" b="0" i="0" kern="1200" dirty="0" err="1">
+                <a:solidFill>
+                  <a:schemeClr val="tx1"/>
+                </a:solidFill>
+                <a:effectLst/>
+                <a:latin typeface="+mn-lt"/>
+                <a:ea typeface="+mn-ea"/>
+                <a:cs typeface="+mn-cs"/>
+              </a:rPr>
+              <a:t>ảnh</a:t>
+            </a:r>
+            <a:r>
+              <a:rPr lang="en-US" sz="1200" b="0" i="0" kern="1200" dirty="0">
+                <a:solidFill>
+                  <a:schemeClr val="tx1"/>
+                </a:solidFill>
+                <a:effectLst/>
+                <a:latin typeface="+mn-lt"/>
+                <a:ea typeface="+mn-ea"/>
+                <a:cs typeface="+mn-cs"/>
+              </a:rPr>
+              <a:t> </a:t>
+            </a:r>
+            <a:r>
+              <a:rPr lang="en-US" sz="1200" b="0" i="0" kern="1200" dirty="0" err="1">
+                <a:solidFill>
+                  <a:schemeClr val="tx1"/>
+                </a:solidFill>
+                <a:effectLst/>
+                <a:latin typeface="+mn-lt"/>
+                <a:ea typeface="+mn-ea"/>
+                <a:cs typeface="+mn-cs"/>
+              </a:rPr>
+              <a:t>là</a:t>
+            </a:r>
+            <a:r>
+              <a:rPr lang="en-US" sz="1200" b="0" i="0" kern="1200" dirty="0">
+                <a:solidFill>
+                  <a:schemeClr val="tx1"/>
+                </a:solidFill>
+                <a:effectLst/>
+                <a:latin typeface="+mn-lt"/>
+                <a:ea typeface="+mn-ea"/>
+                <a:cs typeface="+mn-cs"/>
+              </a:rPr>
+              <a:t> </a:t>
+            </a:r>
+            <a:r>
+              <a:rPr lang="en-US" sz="1200" b="0" i="0" kern="1200" dirty="0" err="1">
+                <a:solidFill>
+                  <a:schemeClr val="tx1"/>
+                </a:solidFill>
+                <a:effectLst/>
+                <a:latin typeface="+mn-lt"/>
+                <a:ea typeface="+mn-ea"/>
+                <a:cs typeface="+mn-cs"/>
+              </a:rPr>
+              <a:t>ảnh</a:t>
+            </a:r>
+            <a:r>
+              <a:rPr lang="en-US" sz="1200" b="0" i="0" kern="1200" dirty="0">
+                <a:solidFill>
+                  <a:schemeClr val="tx1"/>
+                </a:solidFill>
+                <a:effectLst/>
+                <a:latin typeface="+mn-lt"/>
+                <a:ea typeface="+mn-ea"/>
+                <a:cs typeface="+mn-cs"/>
+              </a:rPr>
+              <a:t> </a:t>
+            </a:r>
+            <a:r>
+              <a:rPr lang="en-US" sz="1200" b="0" i="0" kern="1200" dirty="0" err="1">
+                <a:solidFill>
+                  <a:schemeClr val="tx1"/>
+                </a:solidFill>
+                <a:effectLst/>
+                <a:latin typeface="+mn-lt"/>
+                <a:ea typeface="+mn-ea"/>
+                <a:cs typeface="+mn-cs"/>
+              </a:rPr>
+              <a:t>liên</a:t>
+            </a:r>
+            <a:r>
+              <a:rPr lang="en-US" sz="1200" b="0" i="0" kern="1200" dirty="0">
+                <a:solidFill>
+                  <a:schemeClr val="tx1"/>
+                </a:solidFill>
+                <a:effectLst/>
+                <a:latin typeface="+mn-lt"/>
+                <a:ea typeface="+mn-ea"/>
+                <a:cs typeface="+mn-cs"/>
+              </a:rPr>
+              <a:t> </a:t>
+            </a:r>
+            <a:r>
+              <a:rPr lang="en-US" sz="1200" b="0" i="0" kern="1200" dirty="0" err="1">
+                <a:solidFill>
+                  <a:schemeClr val="tx1"/>
+                </a:solidFill>
+                <a:effectLst/>
+                <a:latin typeface="+mn-lt"/>
+                <a:ea typeface="+mn-ea"/>
+                <a:cs typeface="+mn-cs"/>
+              </a:rPr>
+              <a:t>tục</a:t>
+            </a:r>
+            <a:r>
+              <a:rPr lang="en-US" sz="1200" b="0" i="0" kern="1200" dirty="0">
+                <a:solidFill>
+                  <a:schemeClr val="tx1"/>
+                </a:solidFill>
+                <a:effectLst/>
+                <a:latin typeface="+mn-lt"/>
+                <a:ea typeface="+mn-ea"/>
+                <a:cs typeface="+mn-cs"/>
+              </a:rPr>
+              <a:t> </a:t>
+            </a:r>
+            <a:r>
+              <a:rPr lang="en-US" sz="1200" b="0" i="0" kern="1200" dirty="0" err="1">
+                <a:solidFill>
+                  <a:schemeClr val="tx1"/>
+                </a:solidFill>
+                <a:effectLst/>
+                <a:latin typeface="+mn-lt"/>
+                <a:ea typeface="+mn-ea"/>
+                <a:cs typeface="+mn-cs"/>
+              </a:rPr>
+              <a:t>về</a:t>
+            </a:r>
+            <a:r>
+              <a:rPr lang="en-US" sz="1200" b="0" i="0" kern="1200" dirty="0">
+                <a:solidFill>
+                  <a:schemeClr val="tx1"/>
+                </a:solidFill>
+                <a:effectLst/>
+                <a:latin typeface="+mn-lt"/>
+                <a:ea typeface="+mn-ea"/>
+                <a:cs typeface="+mn-cs"/>
+              </a:rPr>
+              <a:t> không </a:t>
+            </a:r>
+            <a:r>
+              <a:rPr lang="en-US" sz="1200" b="0" i="0" kern="1200" dirty="0" err="1">
+                <a:solidFill>
+                  <a:schemeClr val="tx1"/>
+                </a:solidFill>
+                <a:effectLst/>
+                <a:latin typeface="+mn-lt"/>
+                <a:ea typeface="+mn-ea"/>
+                <a:cs typeface="+mn-cs"/>
+              </a:rPr>
+              <a:t>gian</a:t>
+            </a:r>
+            <a:r>
+              <a:rPr lang="en-US" sz="1200" b="0" i="0" kern="1200" dirty="0">
+                <a:solidFill>
+                  <a:schemeClr val="tx1"/>
+                </a:solidFill>
+                <a:effectLst/>
+                <a:latin typeface="+mn-lt"/>
+                <a:ea typeface="+mn-ea"/>
+                <a:cs typeface="+mn-cs"/>
+              </a:rPr>
+              <a:t> </a:t>
+            </a:r>
+            <a:r>
+              <a:rPr lang="en-US" sz="1200" b="0" i="0" kern="1200" dirty="0" err="1">
+                <a:solidFill>
+                  <a:schemeClr val="tx1"/>
+                </a:solidFill>
+                <a:effectLst/>
+                <a:latin typeface="+mn-lt"/>
+                <a:ea typeface="+mn-ea"/>
+                <a:cs typeface="+mn-cs"/>
+              </a:rPr>
+              <a:t>và</a:t>
+            </a:r>
+            <a:r>
+              <a:rPr lang="en-US" sz="1200" b="0" i="0" kern="1200" dirty="0">
+                <a:solidFill>
+                  <a:schemeClr val="tx1"/>
+                </a:solidFill>
+                <a:effectLst/>
+                <a:latin typeface="+mn-lt"/>
+                <a:ea typeface="+mn-ea"/>
+                <a:cs typeface="+mn-cs"/>
+              </a:rPr>
+              <a:t> </a:t>
+            </a:r>
+            <a:r>
+              <a:rPr lang="en-US" sz="1200" b="0" i="0" kern="1200" dirty="0" err="1">
+                <a:solidFill>
+                  <a:schemeClr val="tx1"/>
+                </a:solidFill>
+                <a:effectLst/>
+                <a:latin typeface="+mn-lt"/>
+                <a:ea typeface="+mn-ea"/>
+                <a:cs typeface="+mn-cs"/>
+              </a:rPr>
+              <a:t>độ</a:t>
+            </a:r>
+            <a:r>
+              <a:rPr lang="en-US" sz="1200" b="0" i="0" kern="1200" dirty="0">
+                <a:solidFill>
+                  <a:schemeClr val="tx1"/>
+                </a:solidFill>
+                <a:effectLst/>
+                <a:latin typeface="+mn-lt"/>
+                <a:ea typeface="+mn-ea"/>
+                <a:cs typeface="+mn-cs"/>
+              </a:rPr>
+              <a:t> </a:t>
+            </a:r>
+            <a:r>
+              <a:rPr lang="en-US" sz="1200" b="0" i="0" kern="1200" dirty="0" err="1">
+                <a:solidFill>
+                  <a:schemeClr val="tx1"/>
+                </a:solidFill>
+                <a:effectLst/>
+                <a:latin typeface="+mn-lt"/>
+                <a:ea typeface="+mn-ea"/>
+                <a:cs typeface="+mn-cs"/>
+              </a:rPr>
+              <a:t>sáng</a:t>
+            </a:r>
+            <a:r>
+              <a:rPr lang="en-US" sz="1200" b="0" i="0" kern="1200" dirty="0">
+                <a:solidFill>
+                  <a:schemeClr val="tx1"/>
+                </a:solidFill>
+                <a:effectLst/>
+                <a:latin typeface="+mn-lt"/>
+                <a:ea typeface="+mn-ea"/>
+                <a:cs typeface="+mn-cs"/>
+              </a:rPr>
+              <a:t>. </a:t>
+            </a:r>
+            <a:r>
+              <a:rPr lang="en-US" sz="1200" b="0" i="0" kern="1200" dirty="0" err="1">
+                <a:solidFill>
+                  <a:schemeClr val="tx1"/>
+                </a:solidFill>
+                <a:effectLst/>
+                <a:latin typeface="+mn-lt"/>
+                <a:ea typeface="+mn-ea"/>
+                <a:cs typeface="+mn-cs"/>
+              </a:rPr>
+              <a:t>Để</a:t>
+            </a:r>
+            <a:r>
+              <a:rPr lang="en-US" sz="1200" b="0" i="0" kern="1200" dirty="0">
+                <a:solidFill>
+                  <a:schemeClr val="tx1"/>
+                </a:solidFill>
+                <a:effectLst/>
+                <a:latin typeface="+mn-lt"/>
+                <a:ea typeface="+mn-ea"/>
+                <a:cs typeface="+mn-cs"/>
+              </a:rPr>
+              <a:t> </a:t>
+            </a:r>
+            <a:r>
+              <a:rPr lang="en-US" sz="1200" b="0" i="0" kern="1200" dirty="0" err="1">
+                <a:solidFill>
+                  <a:schemeClr val="tx1"/>
+                </a:solidFill>
+                <a:effectLst/>
+                <a:latin typeface="+mn-lt"/>
+                <a:ea typeface="+mn-ea"/>
+                <a:cs typeface="+mn-cs"/>
+              </a:rPr>
+              <a:t>xử</a:t>
+            </a:r>
+            <a:r>
+              <a:rPr lang="en-US" sz="1200" b="0" i="0" kern="1200" dirty="0">
+                <a:solidFill>
+                  <a:schemeClr val="tx1"/>
+                </a:solidFill>
+                <a:effectLst/>
+                <a:latin typeface="+mn-lt"/>
+                <a:ea typeface="+mn-ea"/>
+                <a:cs typeface="+mn-cs"/>
+              </a:rPr>
+              <a:t> </a:t>
+            </a:r>
+            <a:r>
+              <a:rPr lang="en-US" sz="1200" b="0" i="0" kern="1200" dirty="0" err="1">
+                <a:solidFill>
+                  <a:schemeClr val="tx1"/>
+                </a:solidFill>
+                <a:effectLst/>
+                <a:latin typeface="+mn-lt"/>
+                <a:ea typeface="+mn-ea"/>
+                <a:cs typeface="+mn-cs"/>
+              </a:rPr>
+              <a:t>lý</a:t>
+            </a:r>
+            <a:r>
+              <a:rPr lang="en-US" sz="1200" b="0" i="0" kern="1200" dirty="0">
+                <a:solidFill>
+                  <a:schemeClr val="tx1"/>
+                </a:solidFill>
+                <a:effectLst/>
+                <a:latin typeface="+mn-lt"/>
+                <a:ea typeface="+mn-ea"/>
+                <a:cs typeface="+mn-cs"/>
+              </a:rPr>
+              <a:t> </a:t>
+            </a:r>
+            <a:r>
+              <a:rPr lang="en-US" sz="1200" b="0" i="0" kern="1200" dirty="0" err="1">
+                <a:solidFill>
+                  <a:schemeClr val="tx1"/>
+                </a:solidFill>
+                <a:effectLst/>
+                <a:latin typeface="+mn-lt"/>
+                <a:ea typeface="+mn-ea"/>
+                <a:cs typeface="+mn-cs"/>
+              </a:rPr>
+              <a:t>bằng</a:t>
+            </a:r>
+            <a:r>
+              <a:rPr lang="en-US" sz="1200" b="0" i="0" kern="1200" dirty="0">
+                <a:solidFill>
+                  <a:schemeClr val="tx1"/>
+                </a:solidFill>
+                <a:effectLst/>
+                <a:latin typeface="+mn-lt"/>
+                <a:ea typeface="+mn-ea"/>
+                <a:cs typeface="+mn-cs"/>
+              </a:rPr>
+              <a:t> </a:t>
+            </a:r>
+            <a:r>
+              <a:rPr lang="en-US" sz="1200" b="0" i="0" kern="1200" dirty="0" err="1">
+                <a:solidFill>
+                  <a:schemeClr val="tx1"/>
+                </a:solidFill>
+                <a:effectLst/>
+                <a:latin typeface="+mn-lt"/>
+                <a:ea typeface="+mn-ea"/>
+                <a:cs typeface="+mn-cs"/>
+              </a:rPr>
+              <a:t>máy</a:t>
+            </a:r>
+            <a:r>
+              <a:rPr lang="en-US" sz="1200" kern="1200" dirty="0">
+                <a:solidFill>
+                  <a:schemeClr val="tx1"/>
+                </a:solidFill>
+                <a:effectLst/>
+                <a:latin typeface="+mn-lt"/>
+                <a:ea typeface="+mn-ea"/>
+                <a:cs typeface="+mn-cs"/>
+              </a:rPr>
+              <a:t> </a:t>
+            </a:r>
+            <a:r>
+              <a:rPr lang="en-US" sz="1200" b="0" i="0" kern="1200" dirty="0" err="1">
+                <a:solidFill>
+                  <a:schemeClr val="tx1"/>
+                </a:solidFill>
+                <a:effectLst/>
+                <a:latin typeface="+mn-lt"/>
+                <a:ea typeface="+mn-ea"/>
+                <a:cs typeface="+mn-cs"/>
+              </a:rPr>
+              <a:t>tính</a:t>
+            </a:r>
+            <a:r>
+              <a:rPr lang="en-US" sz="1200" b="0" i="0" kern="1200" dirty="0">
+                <a:solidFill>
+                  <a:schemeClr val="tx1"/>
+                </a:solidFill>
+                <a:effectLst/>
+                <a:latin typeface="+mn-lt"/>
+                <a:ea typeface="+mn-ea"/>
+                <a:cs typeface="+mn-cs"/>
+              </a:rPr>
+              <a:t>, </a:t>
+            </a:r>
+            <a:r>
+              <a:rPr lang="en-US" sz="1200" b="0" i="0" kern="1200" dirty="0" err="1">
+                <a:solidFill>
+                  <a:schemeClr val="tx1"/>
+                </a:solidFill>
+                <a:effectLst/>
+                <a:latin typeface="+mn-lt"/>
+                <a:ea typeface="+mn-ea"/>
+                <a:cs typeface="+mn-cs"/>
+              </a:rPr>
+              <a:t>ảnh</a:t>
+            </a:r>
+            <a:r>
+              <a:rPr lang="en-US" sz="1200" b="0" i="0" kern="1200" dirty="0">
+                <a:solidFill>
+                  <a:schemeClr val="tx1"/>
+                </a:solidFill>
+                <a:effectLst/>
+                <a:latin typeface="+mn-lt"/>
+                <a:ea typeface="+mn-ea"/>
+                <a:cs typeface="+mn-cs"/>
+              </a:rPr>
+              <a:t> </a:t>
+            </a:r>
+            <a:r>
+              <a:rPr lang="en-US" sz="1200" b="0" i="0" kern="1200" dirty="0" err="1">
+                <a:solidFill>
+                  <a:schemeClr val="tx1"/>
+                </a:solidFill>
+                <a:effectLst/>
+                <a:latin typeface="+mn-lt"/>
+                <a:ea typeface="+mn-ea"/>
+                <a:cs typeface="+mn-cs"/>
+              </a:rPr>
+              <a:t>cần</a:t>
+            </a:r>
+            <a:r>
+              <a:rPr lang="en-US" sz="1200" b="0" i="0" kern="1200" dirty="0">
+                <a:solidFill>
+                  <a:schemeClr val="tx1"/>
+                </a:solidFill>
+                <a:effectLst/>
+                <a:latin typeface="+mn-lt"/>
+                <a:ea typeface="+mn-ea"/>
+                <a:cs typeface="+mn-cs"/>
+              </a:rPr>
+              <a:t> </a:t>
+            </a:r>
+            <a:r>
+              <a:rPr lang="en-US" sz="1200" b="0" i="0" kern="1200" dirty="0" err="1">
+                <a:solidFill>
+                  <a:schemeClr val="tx1"/>
+                </a:solidFill>
+                <a:effectLst/>
+                <a:latin typeface="+mn-lt"/>
+                <a:ea typeface="+mn-ea"/>
+                <a:cs typeface="+mn-cs"/>
+              </a:rPr>
+              <a:t>phải</a:t>
+            </a:r>
+            <a:r>
+              <a:rPr lang="en-US" sz="1200" b="0" i="0" kern="1200" dirty="0">
+                <a:solidFill>
+                  <a:schemeClr val="tx1"/>
+                </a:solidFill>
+                <a:effectLst/>
+                <a:latin typeface="+mn-lt"/>
+                <a:ea typeface="+mn-ea"/>
+                <a:cs typeface="+mn-cs"/>
+              </a:rPr>
+              <a:t> </a:t>
+            </a:r>
+            <a:r>
+              <a:rPr lang="en-US" sz="1200" b="0" i="0" kern="1200" dirty="0" err="1">
+                <a:solidFill>
+                  <a:schemeClr val="tx1"/>
+                </a:solidFill>
+                <a:effectLst/>
+                <a:latin typeface="+mn-lt"/>
+                <a:ea typeface="+mn-ea"/>
+                <a:cs typeface="+mn-cs"/>
+              </a:rPr>
+              <a:t>được</a:t>
+            </a:r>
+            <a:r>
+              <a:rPr lang="en-US" sz="1200" b="0" i="0" kern="1200" dirty="0">
+                <a:solidFill>
+                  <a:schemeClr val="tx1"/>
+                </a:solidFill>
+                <a:effectLst/>
+                <a:latin typeface="+mn-lt"/>
+                <a:ea typeface="+mn-ea"/>
+                <a:cs typeface="+mn-cs"/>
+              </a:rPr>
+              <a:t> </a:t>
+            </a:r>
+            <a:r>
+              <a:rPr lang="en-US" sz="1200" b="0" i="0" kern="1200" dirty="0" err="1">
+                <a:solidFill>
+                  <a:schemeClr val="tx1"/>
+                </a:solidFill>
+                <a:effectLst/>
+                <a:latin typeface="+mn-lt"/>
+                <a:ea typeface="+mn-ea"/>
+                <a:cs typeface="+mn-cs"/>
+              </a:rPr>
+              <a:t>số</a:t>
+            </a:r>
+            <a:r>
+              <a:rPr lang="en-US" sz="1200" b="0" i="0" kern="1200" dirty="0">
+                <a:solidFill>
+                  <a:schemeClr val="tx1"/>
+                </a:solidFill>
+                <a:effectLst/>
+                <a:latin typeface="+mn-lt"/>
+                <a:ea typeface="+mn-ea"/>
+                <a:cs typeface="+mn-cs"/>
+              </a:rPr>
+              <a:t> </a:t>
+            </a:r>
+            <a:r>
+              <a:rPr lang="en-US" sz="1200" b="0" i="0" kern="1200" dirty="0" err="1">
+                <a:solidFill>
+                  <a:schemeClr val="tx1"/>
+                </a:solidFill>
+                <a:effectLst/>
+                <a:latin typeface="+mn-lt"/>
+                <a:ea typeface="+mn-ea"/>
+                <a:cs typeface="+mn-cs"/>
+              </a:rPr>
+              <a:t>hoá</a:t>
+            </a:r>
+            <a:r>
+              <a:rPr lang="en-US" sz="1200" b="0" i="0" kern="1200" dirty="0">
+                <a:solidFill>
+                  <a:schemeClr val="tx1"/>
+                </a:solidFill>
+                <a:effectLst/>
+                <a:latin typeface="+mn-lt"/>
+                <a:ea typeface="+mn-ea"/>
+                <a:cs typeface="+mn-cs"/>
+              </a:rPr>
+              <a:t>. </a:t>
+            </a:r>
+            <a:r>
+              <a:rPr lang="en-US" sz="1200" b="0" i="0" kern="1200" dirty="0" err="1">
+                <a:solidFill>
+                  <a:schemeClr val="tx1"/>
+                </a:solidFill>
+                <a:effectLst/>
+                <a:latin typeface="+mn-lt"/>
+                <a:ea typeface="+mn-ea"/>
+                <a:cs typeface="+mn-cs"/>
+              </a:rPr>
+              <a:t>Số</a:t>
+            </a:r>
+            <a:r>
+              <a:rPr lang="en-US" sz="1200" b="0" i="0" kern="1200" dirty="0">
+                <a:solidFill>
+                  <a:schemeClr val="tx1"/>
+                </a:solidFill>
+                <a:effectLst/>
+                <a:latin typeface="+mn-lt"/>
+                <a:ea typeface="+mn-ea"/>
+                <a:cs typeface="+mn-cs"/>
+              </a:rPr>
+              <a:t> </a:t>
+            </a:r>
+            <a:r>
+              <a:rPr lang="en-US" sz="1200" b="0" i="0" kern="1200" dirty="0" err="1">
+                <a:solidFill>
+                  <a:schemeClr val="tx1"/>
+                </a:solidFill>
+                <a:effectLst/>
+                <a:latin typeface="+mn-lt"/>
+                <a:ea typeface="+mn-ea"/>
+                <a:cs typeface="+mn-cs"/>
+              </a:rPr>
+              <a:t>hoá</a:t>
+            </a:r>
+            <a:r>
+              <a:rPr lang="en-US" sz="1200" b="0" i="0" kern="1200" dirty="0">
+                <a:solidFill>
+                  <a:schemeClr val="tx1"/>
+                </a:solidFill>
+                <a:effectLst/>
+                <a:latin typeface="+mn-lt"/>
+                <a:ea typeface="+mn-ea"/>
+                <a:cs typeface="+mn-cs"/>
+              </a:rPr>
+              <a:t> </a:t>
+            </a:r>
+            <a:r>
+              <a:rPr lang="en-US" sz="1200" b="0" i="0" kern="1200" dirty="0" err="1">
+                <a:solidFill>
+                  <a:schemeClr val="tx1"/>
+                </a:solidFill>
+                <a:effectLst/>
+                <a:latin typeface="+mn-lt"/>
+                <a:ea typeface="+mn-ea"/>
+                <a:cs typeface="+mn-cs"/>
+              </a:rPr>
+              <a:t>ảnh</a:t>
+            </a:r>
+            <a:r>
+              <a:rPr lang="en-US" sz="1200" b="0" i="0" kern="1200" dirty="0">
+                <a:solidFill>
+                  <a:schemeClr val="tx1"/>
+                </a:solidFill>
+                <a:effectLst/>
+                <a:latin typeface="+mn-lt"/>
+                <a:ea typeface="+mn-ea"/>
+                <a:cs typeface="+mn-cs"/>
+              </a:rPr>
+              <a:t> </a:t>
+            </a:r>
+            <a:r>
+              <a:rPr lang="en-US" sz="1200" b="0" i="0" kern="1200" dirty="0" err="1">
+                <a:solidFill>
+                  <a:schemeClr val="tx1"/>
+                </a:solidFill>
+                <a:effectLst/>
+                <a:latin typeface="+mn-lt"/>
+                <a:ea typeface="+mn-ea"/>
+                <a:cs typeface="+mn-cs"/>
+              </a:rPr>
+              <a:t>là</a:t>
+            </a:r>
+            <a:r>
+              <a:rPr lang="en-US" sz="1200" b="0" i="0" kern="1200" dirty="0">
+                <a:solidFill>
+                  <a:schemeClr val="tx1"/>
+                </a:solidFill>
+                <a:effectLst/>
+                <a:latin typeface="+mn-lt"/>
+                <a:ea typeface="+mn-ea"/>
+                <a:cs typeface="+mn-cs"/>
+              </a:rPr>
+              <a:t> </a:t>
+            </a:r>
+            <a:r>
+              <a:rPr lang="en-US" sz="1200" b="0" i="0" kern="1200" dirty="0" err="1">
+                <a:solidFill>
+                  <a:schemeClr val="tx1"/>
+                </a:solidFill>
+                <a:effectLst/>
+                <a:latin typeface="+mn-lt"/>
+                <a:ea typeface="+mn-ea"/>
+                <a:cs typeface="+mn-cs"/>
+              </a:rPr>
+              <a:t>sự</a:t>
+            </a:r>
+            <a:r>
+              <a:rPr lang="en-US" sz="1200" b="0" i="0" kern="1200" dirty="0">
+                <a:solidFill>
+                  <a:schemeClr val="tx1"/>
+                </a:solidFill>
+                <a:effectLst/>
+                <a:latin typeface="+mn-lt"/>
+                <a:ea typeface="+mn-ea"/>
+                <a:cs typeface="+mn-cs"/>
+              </a:rPr>
+              <a:t> </a:t>
+            </a:r>
+            <a:r>
+              <a:rPr lang="en-US" sz="1200" b="0" i="0" kern="1200" dirty="0" err="1">
+                <a:solidFill>
+                  <a:schemeClr val="tx1"/>
+                </a:solidFill>
+                <a:effectLst/>
+                <a:latin typeface="+mn-lt"/>
+                <a:ea typeface="+mn-ea"/>
+                <a:cs typeface="+mn-cs"/>
+              </a:rPr>
+              <a:t>biến</a:t>
+            </a:r>
+            <a:r>
+              <a:rPr lang="en-US" sz="1200" b="0" i="0" kern="1200" dirty="0">
+                <a:solidFill>
+                  <a:schemeClr val="tx1"/>
+                </a:solidFill>
+                <a:effectLst/>
+                <a:latin typeface="+mn-lt"/>
+                <a:ea typeface="+mn-ea"/>
+                <a:cs typeface="+mn-cs"/>
+              </a:rPr>
+              <a:t> </a:t>
+            </a:r>
+            <a:r>
+              <a:rPr lang="en-US" sz="1200" b="0" i="0" kern="1200" dirty="0" err="1">
+                <a:solidFill>
+                  <a:schemeClr val="tx1"/>
+                </a:solidFill>
+                <a:effectLst/>
+                <a:latin typeface="+mn-lt"/>
+                <a:ea typeface="+mn-ea"/>
+                <a:cs typeface="+mn-cs"/>
+              </a:rPr>
+              <a:t>đổi</a:t>
+            </a:r>
+            <a:r>
+              <a:rPr lang="en-US" sz="1200" b="0" i="0" kern="1200" dirty="0">
+                <a:solidFill>
+                  <a:schemeClr val="tx1"/>
+                </a:solidFill>
+                <a:effectLst/>
+                <a:latin typeface="+mn-lt"/>
+                <a:ea typeface="+mn-ea"/>
+                <a:cs typeface="+mn-cs"/>
+              </a:rPr>
+              <a:t> gần </a:t>
+            </a:r>
+            <a:r>
+              <a:rPr lang="en-US" sz="1200" b="0" i="0" kern="1200" dirty="0" err="1">
+                <a:solidFill>
+                  <a:schemeClr val="tx1"/>
+                </a:solidFill>
+                <a:effectLst/>
+                <a:latin typeface="+mn-lt"/>
+                <a:ea typeface="+mn-ea"/>
+                <a:cs typeface="+mn-cs"/>
+              </a:rPr>
+              <a:t>đúng</a:t>
+            </a:r>
+            <a:r>
+              <a:rPr lang="en-US" sz="1200" b="0" i="0" kern="1200" dirty="0">
+                <a:solidFill>
+                  <a:schemeClr val="tx1"/>
+                </a:solidFill>
+                <a:effectLst/>
+                <a:latin typeface="+mn-lt"/>
+                <a:ea typeface="+mn-ea"/>
+                <a:cs typeface="+mn-cs"/>
+              </a:rPr>
+              <a:t> </a:t>
+            </a:r>
+            <a:r>
+              <a:rPr lang="en-US" sz="1200" b="0" i="0" kern="1200" dirty="0" err="1">
+                <a:solidFill>
+                  <a:schemeClr val="tx1"/>
+                </a:solidFill>
+                <a:effectLst/>
+                <a:latin typeface="+mn-lt"/>
+                <a:ea typeface="+mn-ea"/>
+                <a:cs typeface="+mn-cs"/>
+              </a:rPr>
+              <a:t>một</a:t>
+            </a:r>
+            <a:r>
+              <a:rPr lang="en-US" sz="1200" b="0" i="0" kern="1200" dirty="0">
+                <a:solidFill>
+                  <a:schemeClr val="tx1"/>
+                </a:solidFill>
+                <a:effectLst/>
+                <a:latin typeface="+mn-lt"/>
+                <a:ea typeface="+mn-ea"/>
+                <a:cs typeface="+mn-cs"/>
+              </a:rPr>
+              <a:t> </a:t>
+            </a:r>
+            <a:r>
+              <a:rPr lang="en-US" sz="1200" b="0" i="0" kern="1200" dirty="0" err="1">
+                <a:solidFill>
+                  <a:schemeClr val="tx1"/>
+                </a:solidFill>
+                <a:effectLst/>
+                <a:latin typeface="+mn-lt"/>
+                <a:ea typeface="+mn-ea"/>
+                <a:cs typeface="+mn-cs"/>
+              </a:rPr>
+              <a:t>ảnh</a:t>
+            </a:r>
+            <a:r>
+              <a:rPr lang="en-US" sz="1200" b="0" i="0" kern="1200" dirty="0">
+                <a:solidFill>
+                  <a:schemeClr val="tx1"/>
+                </a:solidFill>
+                <a:effectLst/>
+                <a:latin typeface="+mn-lt"/>
+                <a:ea typeface="+mn-ea"/>
+                <a:cs typeface="+mn-cs"/>
+              </a:rPr>
+              <a:t> </a:t>
+            </a:r>
+            <a:r>
+              <a:rPr lang="en-US" sz="1200" b="0" i="0" kern="1200" dirty="0" err="1">
+                <a:solidFill>
+                  <a:schemeClr val="tx1"/>
+                </a:solidFill>
+                <a:effectLst/>
+                <a:latin typeface="+mn-lt"/>
+                <a:ea typeface="+mn-ea"/>
+                <a:cs typeface="+mn-cs"/>
+              </a:rPr>
+              <a:t>liên</a:t>
+            </a:r>
+            <a:r>
+              <a:rPr lang="en-US" sz="1200" b="0" i="0" kern="1200" dirty="0">
+                <a:solidFill>
+                  <a:schemeClr val="tx1"/>
+                </a:solidFill>
+                <a:effectLst/>
+                <a:latin typeface="+mn-lt"/>
+                <a:ea typeface="+mn-ea"/>
+                <a:cs typeface="+mn-cs"/>
+              </a:rPr>
+              <a:t> </a:t>
+            </a:r>
+            <a:r>
+              <a:rPr lang="en-US" sz="1200" b="0" i="0" kern="1200" dirty="0" err="1">
+                <a:solidFill>
+                  <a:schemeClr val="tx1"/>
+                </a:solidFill>
+                <a:effectLst/>
+                <a:latin typeface="+mn-lt"/>
+                <a:ea typeface="+mn-ea"/>
+                <a:cs typeface="+mn-cs"/>
+              </a:rPr>
+              <a:t>tục</a:t>
+            </a:r>
+            <a:r>
+              <a:rPr lang="en-US" sz="1200" kern="1200" dirty="0">
+                <a:solidFill>
+                  <a:schemeClr val="tx1"/>
+                </a:solidFill>
+                <a:effectLst/>
+                <a:latin typeface="+mn-lt"/>
+                <a:ea typeface="+mn-ea"/>
+                <a:cs typeface="+mn-cs"/>
+              </a:rPr>
+              <a:t> </a:t>
+            </a:r>
+            <a:r>
+              <a:rPr lang="en-US" sz="1200" b="0" i="0" kern="1200" dirty="0" err="1">
+                <a:solidFill>
+                  <a:schemeClr val="tx1"/>
+                </a:solidFill>
+                <a:effectLst/>
+                <a:latin typeface="+mn-lt"/>
+                <a:ea typeface="+mn-ea"/>
+                <a:cs typeface="+mn-cs"/>
+              </a:rPr>
+              <a:t>thành</a:t>
+            </a:r>
+            <a:r>
+              <a:rPr lang="en-US" sz="1200" b="0" i="0" kern="1200" dirty="0">
+                <a:solidFill>
+                  <a:schemeClr val="tx1"/>
+                </a:solidFill>
+                <a:effectLst/>
+                <a:latin typeface="+mn-lt"/>
+                <a:ea typeface="+mn-ea"/>
+                <a:cs typeface="+mn-cs"/>
+              </a:rPr>
+              <a:t> </a:t>
+            </a:r>
+            <a:r>
+              <a:rPr lang="en-US" sz="1200" b="0" i="0" kern="1200" dirty="0" err="1">
+                <a:solidFill>
+                  <a:schemeClr val="tx1"/>
+                </a:solidFill>
+                <a:effectLst/>
+                <a:latin typeface="+mn-lt"/>
+                <a:ea typeface="+mn-ea"/>
+                <a:cs typeface="+mn-cs"/>
+              </a:rPr>
+              <a:t>một</a:t>
+            </a:r>
+            <a:r>
+              <a:rPr lang="en-US" sz="1200" b="0" i="0" kern="1200" dirty="0">
+                <a:solidFill>
+                  <a:schemeClr val="tx1"/>
+                </a:solidFill>
+                <a:effectLst/>
+                <a:latin typeface="+mn-lt"/>
+                <a:ea typeface="+mn-ea"/>
+                <a:cs typeface="+mn-cs"/>
+              </a:rPr>
+              <a:t> </a:t>
+            </a:r>
+            <a:r>
+              <a:rPr lang="en-US" sz="1200" b="0" i="0" kern="1200" dirty="0" err="1">
+                <a:solidFill>
+                  <a:schemeClr val="tx1"/>
+                </a:solidFill>
+                <a:effectLst/>
+                <a:latin typeface="+mn-lt"/>
+                <a:ea typeface="+mn-ea"/>
+                <a:cs typeface="+mn-cs"/>
+              </a:rPr>
+              <a:t>tập</a:t>
+            </a:r>
+            <a:r>
+              <a:rPr lang="en-US" sz="1200" b="0" i="0" kern="1200" dirty="0">
+                <a:solidFill>
+                  <a:schemeClr val="tx1"/>
+                </a:solidFill>
+                <a:effectLst/>
+                <a:latin typeface="+mn-lt"/>
+                <a:ea typeface="+mn-ea"/>
+                <a:cs typeface="+mn-cs"/>
+              </a:rPr>
+              <a:t> </a:t>
+            </a:r>
+            <a:r>
+              <a:rPr lang="en-US" sz="1200" b="0" i="0" kern="1200" dirty="0" err="1">
+                <a:solidFill>
+                  <a:schemeClr val="tx1"/>
+                </a:solidFill>
+                <a:effectLst/>
+                <a:latin typeface="+mn-lt"/>
+                <a:ea typeface="+mn-ea"/>
+                <a:cs typeface="+mn-cs"/>
+              </a:rPr>
+              <a:t>điểm</a:t>
+            </a:r>
+            <a:r>
+              <a:rPr lang="en-US" sz="1200" b="0" i="0" kern="1200" dirty="0">
+                <a:solidFill>
+                  <a:schemeClr val="tx1"/>
+                </a:solidFill>
+                <a:effectLst/>
+                <a:latin typeface="+mn-lt"/>
+                <a:ea typeface="+mn-ea"/>
+                <a:cs typeface="+mn-cs"/>
+              </a:rPr>
+              <a:t> </a:t>
+            </a:r>
+            <a:r>
+              <a:rPr lang="en-US" sz="1200" b="0" i="0" kern="1200" dirty="0" err="1">
+                <a:solidFill>
+                  <a:schemeClr val="tx1"/>
+                </a:solidFill>
+                <a:effectLst/>
+                <a:latin typeface="+mn-lt"/>
+                <a:ea typeface="+mn-ea"/>
+                <a:cs typeface="+mn-cs"/>
+              </a:rPr>
+              <a:t>phù</a:t>
+            </a:r>
+            <a:r>
+              <a:rPr lang="en-US" sz="1200" b="0" i="0" kern="1200" dirty="0">
+                <a:solidFill>
+                  <a:schemeClr val="tx1"/>
+                </a:solidFill>
+                <a:effectLst/>
+                <a:latin typeface="+mn-lt"/>
+                <a:ea typeface="+mn-ea"/>
+                <a:cs typeface="+mn-cs"/>
+              </a:rPr>
+              <a:t> </a:t>
+            </a:r>
+            <a:r>
+              <a:rPr lang="en-US" sz="1200" b="0" i="0" kern="1200" dirty="0" err="1">
+                <a:solidFill>
+                  <a:schemeClr val="tx1"/>
+                </a:solidFill>
+                <a:effectLst/>
+                <a:latin typeface="+mn-lt"/>
+                <a:ea typeface="+mn-ea"/>
+                <a:cs typeface="+mn-cs"/>
+              </a:rPr>
+              <a:t>hợp</a:t>
+            </a:r>
+            <a:r>
+              <a:rPr lang="en-US" sz="1200" b="0" i="0" kern="1200" dirty="0">
+                <a:solidFill>
+                  <a:schemeClr val="tx1"/>
+                </a:solidFill>
+                <a:effectLst/>
+                <a:latin typeface="+mn-lt"/>
+                <a:ea typeface="+mn-ea"/>
+                <a:cs typeface="+mn-cs"/>
+              </a:rPr>
+              <a:t> </a:t>
+            </a:r>
+            <a:r>
+              <a:rPr lang="en-US" sz="1200" b="0" i="0" kern="1200" dirty="0" err="1">
+                <a:solidFill>
+                  <a:schemeClr val="tx1"/>
+                </a:solidFill>
+                <a:effectLst/>
+                <a:latin typeface="+mn-lt"/>
+                <a:ea typeface="+mn-ea"/>
+                <a:cs typeface="+mn-cs"/>
+              </a:rPr>
+              <a:t>với</a:t>
+            </a:r>
+            <a:r>
+              <a:rPr lang="en-US" sz="1200" b="0" i="0" kern="1200" dirty="0">
+                <a:solidFill>
+                  <a:schemeClr val="tx1"/>
+                </a:solidFill>
+                <a:effectLst/>
+                <a:latin typeface="+mn-lt"/>
+                <a:ea typeface="+mn-ea"/>
+                <a:cs typeface="+mn-cs"/>
+              </a:rPr>
+              <a:t> </a:t>
+            </a:r>
+            <a:r>
+              <a:rPr lang="en-US" sz="1200" b="0" i="0" kern="1200" dirty="0" err="1">
+                <a:solidFill>
+                  <a:schemeClr val="tx1"/>
+                </a:solidFill>
+                <a:effectLst/>
+                <a:latin typeface="+mn-lt"/>
+                <a:ea typeface="+mn-ea"/>
+                <a:cs typeface="+mn-cs"/>
+              </a:rPr>
+              <a:t>ảnh</a:t>
+            </a:r>
+            <a:r>
+              <a:rPr lang="en-US" sz="1200" b="0" i="0" kern="1200" dirty="0">
+                <a:solidFill>
+                  <a:schemeClr val="tx1"/>
+                </a:solidFill>
+                <a:effectLst/>
+                <a:latin typeface="+mn-lt"/>
+                <a:ea typeface="+mn-ea"/>
+                <a:cs typeface="+mn-cs"/>
+              </a:rPr>
+              <a:t> </a:t>
+            </a:r>
+            <a:r>
+              <a:rPr lang="en-US" sz="1200" b="0" i="0" kern="1200" dirty="0" err="1">
+                <a:solidFill>
+                  <a:schemeClr val="tx1"/>
+                </a:solidFill>
+                <a:effectLst/>
+                <a:latin typeface="+mn-lt"/>
+                <a:ea typeface="+mn-ea"/>
+                <a:cs typeface="+mn-cs"/>
+              </a:rPr>
+              <a:t>thật</a:t>
+            </a:r>
+            <a:r>
+              <a:rPr lang="en-US" sz="1200" b="0" i="0" kern="1200" dirty="0">
+                <a:solidFill>
+                  <a:schemeClr val="tx1"/>
+                </a:solidFill>
+                <a:effectLst/>
+                <a:latin typeface="+mn-lt"/>
+                <a:ea typeface="+mn-ea"/>
+                <a:cs typeface="+mn-cs"/>
+              </a:rPr>
+              <a:t> </a:t>
+            </a:r>
+            <a:r>
+              <a:rPr lang="en-US" sz="1200" b="0" i="0" kern="1200" dirty="0" err="1">
+                <a:solidFill>
+                  <a:schemeClr val="tx1"/>
+                </a:solidFill>
+                <a:effectLst/>
+                <a:latin typeface="+mn-lt"/>
+                <a:ea typeface="+mn-ea"/>
+                <a:cs typeface="+mn-cs"/>
+              </a:rPr>
+              <a:t>về</a:t>
+            </a:r>
+            <a:r>
+              <a:rPr lang="en-US" sz="1200" b="0" i="0" kern="1200" dirty="0">
+                <a:solidFill>
+                  <a:schemeClr val="tx1"/>
+                </a:solidFill>
+                <a:effectLst/>
+                <a:latin typeface="+mn-lt"/>
+                <a:ea typeface="+mn-ea"/>
+                <a:cs typeface="+mn-cs"/>
+              </a:rPr>
+              <a:t> </a:t>
+            </a:r>
+            <a:r>
+              <a:rPr lang="en-US" sz="1200" b="0" i="0" kern="1200" dirty="0" err="1">
+                <a:solidFill>
+                  <a:schemeClr val="tx1"/>
+                </a:solidFill>
+                <a:effectLst/>
+                <a:latin typeface="+mn-lt"/>
+                <a:ea typeface="+mn-ea"/>
+                <a:cs typeface="+mn-cs"/>
+              </a:rPr>
+              <a:t>vị</a:t>
+            </a:r>
+            <a:r>
+              <a:rPr lang="en-US" sz="1200" b="0" i="0" kern="1200" dirty="0">
+                <a:solidFill>
+                  <a:schemeClr val="tx1"/>
+                </a:solidFill>
+                <a:effectLst/>
+                <a:latin typeface="+mn-lt"/>
+                <a:ea typeface="+mn-ea"/>
+                <a:cs typeface="+mn-cs"/>
+              </a:rPr>
+              <a:t> </a:t>
+            </a:r>
+            <a:r>
+              <a:rPr lang="en-US" sz="1200" b="0" i="0" kern="1200" dirty="0" err="1">
+                <a:solidFill>
+                  <a:schemeClr val="tx1"/>
+                </a:solidFill>
+                <a:effectLst/>
+                <a:latin typeface="+mn-lt"/>
+                <a:ea typeface="+mn-ea"/>
+                <a:cs typeface="+mn-cs"/>
+              </a:rPr>
+              <a:t>trí</a:t>
+            </a:r>
+            <a:r>
+              <a:rPr lang="en-US" sz="1200" b="0" i="0" kern="1200" dirty="0">
+                <a:solidFill>
+                  <a:schemeClr val="tx1"/>
+                </a:solidFill>
+                <a:effectLst/>
+                <a:latin typeface="+mn-lt"/>
+                <a:ea typeface="+mn-ea"/>
+                <a:cs typeface="+mn-cs"/>
+              </a:rPr>
+              <a:t> (không </a:t>
+            </a:r>
+            <a:r>
+              <a:rPr lang="en-US" sz="1200" b="0" i="0" kern="1200" dirty="0" err="1">
+                <a:solidFill>
+                  <a:schemeClr val="tx1"/>
+                </a:solidFill>
+                <a:effectLst/>
+                <a:latin typeface="+mn-lt"/>
+                <a:ea typeface="+mn-ea"/>
+                <a:cs typeface="+mn-cs"/>
+              </a:rPr>
+              <a:t>gian</a:t>
+            </a:r>
+            <a:r>
+              <a:rPr lang="en-US" sz="1200" b="0" i="0" kern="1200" dirty="0">
+                <a:solidFill>
+                  <a:schemeClr val="tx1"/>
+                </a:solidFill>
+                <a:effectLst/>
+                <a:latin typeface="+mn-lt"/>
+                <a:ea typeface="+mn-ea"/>
+                <a:cs typeface="+mn-cs"/>
+              </a:rPr>
+              <a:t>) </a:t>
+            </a:r>
+            <a:r>
+              <a:rPr lang="en-US" sz="1200" b="0" i="0" kern="1200" dirty="0" err="1">
+                <a:solidFill>
+                  <a:schemeClr val="tx1"/>
+                </a:solidFill>
+                <a:effectLst/>
+                <a:latin typeface="+mn-lt"/>
+                <a:ea typeface="+mn-ea"/>
+                <a:cs typeface="+mn-cs"/>
+              </a:rPr>
+              <a:t>và</a:t>
+            </a:r>
+            <a:r>
+              <a:rPr lang="en-US" sz="1200" b="0" i="0" kern="1200" dirty="0">
+                <a:solidFill>
+                  <a:schemeClr val="tx1"/>
+                </a:solidFill>
+                <a:effectLst/>
+                <a:latin typeface="+mn-lt"/>
+                <a:ea typeface="+mn-ea"/>
+                <a:cs typeface="+mn-cs"/>
+              </a:rPr>
+              <a:t> </a:t>
+            </a:r>
+            <a:r>
+              <a:rPr lang="en-US" sz="1200" b="0" i="0" kern="1200" dirty="0" err="1">
+                <a:solidFill>
+                  <a:schemeClr val="tx1"/>
+                </a:solidFill>
+                <a:effectLst/>
+                <a:latin typeface="+mn-lt"/>
+                <a:ea typeface="+mn-ea"/>
+                <a:cs typeface="+mn-cs"/>
+              </a:rPr>
+              <a:t>độ</a:t>
+            </a:r>
+            <a:r>
+              <a:rPr lang="en-US" sz="1200" b="0" i="0" kern="1200" dirty="0">
+                <a:solidFill>
+                  <a:schemeClr val="tx1"/>
+                </a:solidFill>
+                <a:effectLst/>
+                <a:latin typeface="+mn-lt"/>
+                <a:ea typeface="+mn-ea"/>
+                <a:cs typeface="+mn-cs"/>
+              </a:rPr>
+              <a:t> </a:t>
+            </a:r>
+            <a:r>
+              <a:rPr lang="en-US" sz="1200" b="0" i="0" kern="1200" dirty="0" err="1">
+                <a:solidFill>
+                  <a:schemeClr val="tx1"/>
+                </a:solidFill>
+                <a:effectLst/>
+                <a:latin typeface="+mn-lt"/>
+                <a:ea typeface="+mn-ea"/>
+                <a:cs typeface="+mn-cs"/>
+              </a:rPr>
+              <a:t>sáng</a:t>
+            </a:r>
+            <a:r>
+              <a:rPr lang="en-US" sz="1200" b="0" i="0" kern="1200" dirty="0">
+                <a:solidFill>
+                  <a:schemeClr val="tx1"/>
+                </a:solidFill>
+                <a:effectLst/>
+                <a:latin typeface="+mn-lt"/>
+                <a:ea typeface="+mn-ea"/>
+                <a:cs typeface="+mn-cs"/>
+              </a:rPr>
+              <a:t> (</a:t>
+            </a:r>
+            <a:r>
+              <a:rPr lang="en-US" sz="1200" b="0" i="0" kern="1200" dirty="0" err="1">
+                <a:solidFill>
+                  <a:schemeClr val="tx1"/>
+                </a:solidFill>
+                <a:effectLst/>
+                <a:latin typeface="+mn-lt"/>
+                <a:ea typeface="+mn-ea"/>
+                <a:cs typeface="+mn-cs"/>
+              </a:rPr>
+              <a:t>mức</a:t>
+            </a:r>
+            <a:r>
+              <a:rPr lang="en-US" sz="1200" kern="1200" dirty="0">
+                <a:solidFill>
+                  <a:schemeClr val="tx1"/>
+                </a:solidFill>
+                <a:effectLst/>
+                <a:latin typeface="+mn-lt"/>
+                <a:ea typeface="+mn-ea"/>
+                <a:cs typeface="+mn-cs"/>
+              </a:rPr>
+              <a:t> </a:t>
+            </a:r>
+            <a:r>
+              <a:rPr lang="en-US" sz="1200" b="0" i="0" kern="1200" dirty="0" err="1">
+                <a:solidFill>
+                  <a:schemeClr val="tx1"/>
+                </a:solidFill>
+                <a:effectLst/>
+                <a:latin typeface="+mn-lt"/>
+                <a:ea typeface="+mn-ea"/>
+                <a:cs typeface="+mn-cs"/>
+              </a:rPr>
+              <a:t>xám</a:t>
+            </a:r>
+            <a:r>
+              <a:rPr lang="en-US" sz="1200" b="0" i="0" kern="1200" dirty="0">
+                <a:solidFill>
+                  <a:schemeClr val="tx1"/>
+                </a:solidFill>
+                <a:effectLst/>
+                <a:latin typeface="+mn-lt"/>
+                <a:ea typeface="+mn-ea"/>
+                <a:cs typeface="+mn-cs"/>
+              </a:rPr>
+              <a:t>). </a:t>
+            </a:r>
+            <a:r>
+              <a:rPr lang="en-US" sz="1200" b="0" i="0" kern="1200" dirty="0" err="1">
+                <a:solidFill>
+                  <a:schemeClr val="tx1"/>
+                </a:solidFill>
+                <a:effectLst/>
+                <a:latin typeface="+mn-lt"/>
+                <a:ea typeface="+mn-ea"/>
+                <a:cs typeface="+mn-cs"/>
+              </a:rPr>
+              <a:t>Khoảng</a:t>
+            </a:r>
+            <a:r>
+              <a:rPr lang="en-US" sz="1200" b="0" i="0" kern="1200" dirty="0">
+                <a:solidFill>
+                  <a:schemeClr val="tx1"/>
+                </a:solidFill>
+                <a:effectLst/>
+                <a:latin typeface="+mn-lt"/>
+                <a:ea typeface="+mn-ea"/>
+                <a:cs typeface="+mn-cs"/>
+              </a:rPr>
+              <a:t> </a:t>
+            </a:r>
+            <a:r>
+              <a:rPr lang="en-US" sz="1200" b="0" i="0" kern="1200" dirty="0" err="1">
+                <a:solidFill>
+                  <a:schemeClr val="tx1"/>
+                </a:solidFill>
+                <a:effectLst/>
+                <a:latin typeface="+mn-lt"/>
+                <a:ea typeface="+mn-ea"/>
+                <a:cs typeface="+mn-cs"/>
+              </a:rPr>
+              <a:t>cách</a:t>
+            </a:r>
+            <a:r>
+              <a:rPr lang="en-US" sz="1200" b="0" i="0" kern="1200" dirty="0">
+                <a:solidFill>
+                  <a:schemeClr val="tx1"/>
+                </a:solidFill>
+                <a:effectLst/>
+                <a:latin typeface="+mn-lt"/>
+                <a:ea typeface="+mn-ea"/>
+                <a:cs typeface="+mn-cs"/>
+              </a:rPr>
+              <a:t> </a:t>
+            </a:r>
+            <a:r>
+              <a:rPr lang="en-US" sz="1200" b="0" i="0" kern="1200" dirty="0" err="1">
+                <a:solidFill>
+                  <a:schemeClr val="tx1"/>
+                </a:solidFill>
+                <a:effectLst/>
+                <a:latin typeface="+mn-lt"/>
+                <a:ea typeface="+mn-ea"/>
+                <a:cs typeface="+mn-cs"/>
+              </a:rPr>
+              <a:t>giữa</a:t>
+            </a:r>
+            <a:r>
+              <a:rPr lang="en-US" sz="1200" b="0" i="0" kern="1200" dirty="0">
+                <a:solidFill>
+                  <a:schemeClr val="tx1"/>
+                </a:solidFill>
+                <a:effectLst/>
+                <a:latin typeface="+mn-lt"/>
+                <a:ea typeface="+mn-ea"/>
+                <a:cs typeface="+mn-cs"/>
+              </a:rPr>
+              <a:t> </a:t>
+            </a:r>
+            <a:r>
+              <a:rPr lang="en-US" sz="1200" b="0" i="0" kern="1200" dirty="0" err="1">
+                <a:solidFill>
+                  <a:schemeClr val="tx1"/>
+                </a:solidFill>
+                <a:effectLst/>
+                <a:latin typeface="+mn-lt"/>
+                <a:ea typeface="+mn-ea"/>
+                <a:cs typeface="+mn-cs"/>
+              </a:rPr>
+              <a:t>các</a:t>
+            </a:r>
+            <a:r>
+              <a:rPr lang="en-US" sz="1200" b="0" i="0" kern="1200" dirty="0">
+                <a:solidFill>
+                  <a:schemeClr val="tx1"/>
+                </a:solidFill>
+                <a:effectLst/>
+                <a:latin typeface="+mn-lt"/>
+                <a:ea typeface="+mn-ea"/>
+                <a:cs typeface="+mn-cs"/>
+              </a:rPr>
+              <a:t> </a:t>
+            </a:r>
+            <a:r>
+              <a:rPr lang="en-US" sz="1200" b="0" i="0" kern="1200" dirty="0" err="1">
+                <a:solidFill>
+                  <a:schemeClr val="tx1"/>
+                </a:solidFill>
+                <a:effectLst/>
+                <a:latin typeface="+mn-lt"/>
+                <a:ea typeface="+mn-ea"/>
+                <a:cs typeface="+mn-cs"/>
+              </a:rPr>
+              <a:t>điểm</a:t>
+            </a:r>
+            <a:r>
+              <a:rPr lang="en-US" sz="1200" b="0" i="0" kern="1200" dirty="0">
+                <a:solidFill>
+                  <a:schemeClr val="tx1"/>
+                </a:solidFill>
+                <a:effectLst/>
+                <a:latin typeface="+mn-lt"/>
+                <a:ea typeface="+mn-ea"/>
+                <a:cs typeface="+mn-cs"/>
+              </a:rPr>
+              <a:t> </a:t>
+            </a:r>
+            <a:r>
+              <a:rPr lang="en-US" sz="1200" b="0" i="0" kern="1200" dirty="0" err="1">
+                <a:solidFill>
+                  <a:schemeClr val="tx1"/>
+                </a:solidFill>
+                <a:effectLst/>
+                <a:latin typeface="+mn-lt"/>
+                <a:ea typeface="+mn-ea"/>
+                <a:cs typeface="+mn-cs"/>
+              </a:rPr>
+              <a:t>ảnh</a:t>
+            </a:r>
+            <a:r>
+              <a:rPr lang="en-US" sz="1200" b="0" i="0" kern="1200" dirty="0">
+                <a:solidFill>
+                  <a:schemeClr val="tx1"/>
+                </a:solidFill>
+                <a:effectLst/>
+                <a:latin typeface="+mn-lt"/>
+                <a:ea typeface="+mn-ea"/>
+                <a:cs typeface="+mn-cs"/>
+              </a:rPr>
+              <a:t> </a:t>
+            </a:r>
+            <a:r>
+              <a:rPr lang="en-US" sz="1200" b="0" i="0" kern="1200" dirty="0" err="1">
+                <a:solidFill>
+                  <a:schemeClr val="tx1"/>
+                </a:solidFill>
+                <a:effectLst/>
+                <a:latin typeface="+mn-lt"/>
+                <a:ea typeface="+mn-ea"/>
+                <a:cs typeface="+mn-cs"/>
+              </a:rPr>
+              <a:t>đó</a:t>
+            </a:r>
+            <a:r>
+              <a:rPr lang="en-US" sz="1200" b="0" i="0" kern="1200" dirty="0">
+                <a:solidFill>
+                  <a:schemeClr val="tx1"/>
+                </a:solidFill>
+                <a:effectLst/>
+                <a:latin typeface="+mn-lt"/>
+                <a:ea typeface="+mn-ea"/>
+                <a:cs typeface="+mn-cs"/>
+              </a:rPr>
+              <a:t> </a:t>
+            </a:r>
+            <a:r>
+              <a:rPr lang="en-US" sz="1200" b="0" i="0" kern="1200" dirty="0" err="1">
+                <a:solidFill>
+                  <a:schemeClr val="tx1"/>
+                </a:solidFill>
+                <a:effectLst/>
+                <a:latin typeface="+mn-lt"/>
+                <a:ea typeface="+mn-ea"/>
+                <a:cs typeface="+mn-cs"/>
+              </a:rPr>
+              <a:t>được</a:t>
+            </a:r>
+            <a:r>
+              <a:rPr lang="en-US" sz="1200" b="0" i="0" kern="1200" dirty="0">
+                <a:solidFill>
+                  <a:schemeClr val="tx1"/>
+                </a:solidFill>
+                <a:effectLst/>
+                <a:latin typeface="+mn-lt"/>
+                <a:ea typeface="+mn-ea"/>
+                <a:cs typeface="+mn-cs"/>
+              </a:rPr>
+              <a:t> </a:t>
+            </a:r>
+            <a:r>
+              <a:rPr lang="en-US" sz="1200" b="0" i="0" kern="1200" dirty="0" err="1">
+                <a:solidFill>
+                  <a:schemeClr val="tx1"/>
+                </a:solidFill>
+                <a:effectLst/>
+                <a:latin typeface="+mn-lt"/>
+                <a:ea typeface="+mn-ea"/>
+                <a:cs typeface="+mn-cs"/>
+              </a:rPr>
+              <a:t>thiết</a:t>
+            </a:r>
+            <a:r>
+              <a:rPr lang="en-US" sz="1200" b="0" i="0" kern="1200" dirty="0">
+                <a:solidFill>
+                  <a:schemeClr val="tx1"/>
+                </a:solidFill>
+                <a:effectLst/>
+                <a:latin typeface="+mn-lt"/>
+                <a:ea typeface="+mn-ea"/>
+                <a:cs typeface="+mn-cs"/>
+              </a:rPr>
+              <a:t> </a:t>
+            </a:r>
+            <a:r>
+              <a:rPr lang="en-US" sz="1200" b="0" i="0" kern="1200" dirty="0" err="1">
+                <a:solidFill>
+                  <a:schemeClr val="tx1"/>
+                </a:solidFill>
+                <a:effectLst/>
+                <a:latin typeface="+mn-lt"/>
+                <a:ea typeface="+mn-ea"/>
+                <a:cs typeface="+mn-cs"/>
+              </a:rPr>
+              <a:t>lập</a:t>
+            </a:r>
+            <a:r>
+              <a:rPr lang="en-US" sz="1200" b="0" i="0" kern="1200" dirty="0">
+                <a:solidFill>
+                  <a:schemeClr val="tx1"/>
+                </a:solidFill>
+                <a:effectLst/>
+                <a:latin typeface="+mn-lt"/>
+                <a:ea typeface="+mn-ea"/>
+                <a:cs typeface="+mn-cs"/>
+              </a:rPr>
+              <a:t> </a:t>
+            </a:r>
+            <a:r>
+              <a:rPr lang="en-US" sz="1200" b="0" i="0" kern="1200" dirty="0" err="1">
+                <a:solidFill>
+                  <a:schemeClr val="tx1"/>
+                </a:solidFill>
+                <a:effectLst/>
+                <a:latin typeface="+mn-lt"/>
+                <a:ea typeface="+mn-ea"/>
+                <a:cs typeface="+mn-cs"/>
+              </a:rPr>
+              <a:t>sao</a:t>
+            </a:r>
+            <a:r>
+              <a:rPr lang="en-US" sz="1200" b="0" i="0" kern="1200" dirty="0">
+                <a:solidFill>
+                  <a:schemeClr val="tx1"/>
+                </a:solidFill>
+                <a:effectLst/>
+                <a:latin typeface="+mn-lt"/>
+                <a:ea typeface="+mn-ea"/>
+                <a:cs typeface="+mn-cs"/>
+              </a:rPr>
+              <a:t> </a:t>
+            </a:r>
+            <a:r>
+              <a:rPr lang="en-US" sz="1200" b="0" i="0" kern="1200" dirty="0" err="1">
+                <a:solidFill>
+                  <a:schemeClr val="tx1"/>
+                </a:solidFill>
+                <a:effectLst/>
+                <a:latin typeface="+mn-lt"/>
+                <a:ea typeface="+mn-ea"/>
+                <a:cs typeface="+mn-cs"/>
+              </a:rPr>
+              <a:t>cho</a:t>
+            </a:r>
+            <a:r>
+              <a:rPr lang="en-US" sz="1200" b="0" i="0" kern="1200" dirty="0">
+                <a:solidFill>
+                  <a:schemeClr val="tx1"/>
+                </a:solidFill>
+                <a:effectLst/>
+                <a:latin typeface="+mn-lt"/>
+                <a:ea typeface="+mn-ea"/>
+                <a:cs typeface="+mn-cs"/>
+              </a:rPr>
+              <a:t> </a:t>
+            </a:r>
+            <a:r>
+              <a:rPr lang="en-US" sz="1200" b="0" i="0" kern="1200" dirty="0" err="1">
+                <a:solidFill>
+                  <a:schemeClr val="tx1"/>
+                </a:solidFill>
+                <a:effectLst/>
+                <a:latin typeface="+mn-lt"/>
+                <a:ea typeface="+mn-ea"/>
+                <a:cs typeface="+mn-cs"/>
+              </a:rPr>
+              <a:t>mắt</a:t>
+            </a:r>
+            <a:r>
+              <a:rPr lang="en-US" sz="1200" b="0" i="0" kern="1200" dirty="0">
+                <a:solidFill>
+                  <a:schemeClr val="tx1"/>
+                </a:solidFill>
+                <a:effectLst/>
+                <a:latin typeface="+mn-lt"/>
+                <a:ea typeface="+mn-ea"/>
+                <a:cs typeface="+mn-cs"/>
+              </a:rPr>
+              <a:t> </a:t>
+            </a:r>
+            <a:r>
+              <a:rPr lang="en-US" sz="1200" b="0" i="0" kern="1200" dirty="0" err="1">
+                <a:solidFill>
+                  <a:schemeClr val="tx1"/>
+                </a:solidFill>
+                <a:effectLst/>
+                <a:latin typeface="+mn-lt"/>
+                <a:ea typeface="+mn-ea"/>
+                <a:cs typeface="+mn-cs"/>
+              </a:rPr>
+              <a:t>người</a:t>
+            </a:r>
+            <a:r>
+              <a:rPr lang="en-US" sz="1200" b="0" i="0" kern="1200" dirty="0">
+                <a:solidFill>
+                  <a:schemeClr val="tx1"/>
+                </a:solidFill>
+                <a:effectLst/>
+                <a:latin typeface="+mn-lt"/>
+                <a:ea typeface="+mn-ea"/>
+                <a:cs typeface="+mn-cs"/>
+              </a:rPr>
+              <a:t> không</a:t>
+            </a:r>
+            <a:r>
+              <a:rPr lang="en-US" sz="1200" kern="1200" dirty="0">
+                <a:solidFill>
+                  <a:schemeClr val="tx1"/>
+                </a:solidFill>
+                <a:effectLst/>
+                <a:latin typeface="+mn-lt"/>
+                <a:ea typeface="+mn-ea"/>
+                <a:cs typeface="+mn-cs"/>
+              </a:rPr>
+              <a:t> </a:t>
+            </a:r>
+            <a:r>
+              <a:rPr lang="en-US" sz="1200" b="0" i="0" kern="1200" dirty="0" err="1">
+                <a:solidFill>
+                  <a:schemeClr val="tx1"/>
+                </a:solidFill>
+                <a:effectLst/>
+                <a:latin typeface="+mn-lt"/>
+                <a:ea typeface="+mn-ea"/>
+                <a:cs typeface="+mn-cs"/>
+              </a:rPr>
+              <a:t>phân</a:t>
+            </a:r>
+            <a:r>
+              <a:rPr lang="en-US" sz="1200" b="0" i="0" kern="1200" dirty="0">
+                <a:solidFill>
+                  <a:schemeClr val="tx1"/>
+                </a:solidFill>
+                <a:effectLst/>
+                <a:latin typeface="+mn-lt"/>
+                <a:ea typeface="+mn-ea"/>
+                <a:cs typeface="+mn-cs"/>
+              </a:rPr>
+              <a:t> </a:t>
+            </a:r>
+            <a:r>
+              <a:rPr lang="en-US" sz="1200" b="0" i="0" kern="1200" dirty="0" err="1">
+                <a:solidFill>
+                  <a:schemeClr val="tx1"/>
+                </a:solidFill>
+                <a:effectLst/>
+                <a:latin typeface="+mn-lt"/>
+                <a:ea typeface="+mn-ea"/>
+                <a:cs typeface="+mn-cs"/>
+              </a:rPr>
+              <a:t>biệt</a:t>
+            </a:r>
+            <a:r>
+              <a:rPr lang="en-US" sz="1200" b="0" i="0" kern="1200" dirty="0">
+                <a:solidFill>
+                  <a:schemeClr val="tx1"/>
+                </a:solidFill>
+                <a:effectLst/>
+                <a:latin typeface="+mn-lt"/>
+                <a:ea typeface="+mn-ea"/>
+                <a:cs typeface="+mn-cs"/>
+              </a:rPr>
+              <a:t> </a:t>
+            </a:r>
+            <a:r>
+              <a:rPr lang="en-US" sz="1200" b="0" i="0" kern="1200" dirty="0" err="1">
+                <a:solidFill>
+                  <a:schemeClr val="tx1"/>
+                </a:solidFill>
+                <a:effectLst/>
+                <a:latin typeface="+mn-lt"/>
+                <a:ea typeface="+mn-ea"/>
+                <a:cs typeface="+mn-cs"/>
+              </a:rPr>
+              <a:t>được</a:t>
+            </a:r>
+            <a:r>
+              <a:rPr lang="en-US" sz="1200" b="0" i="0" kern="1200" dirty="0">
+                <a:solidFill>
+                  <a:schemeClr val="tx1"/>
+                </a:solidFill>
+                <a:effectLst/>
+                <a:latin typeface="+mn-lt"/>
+                <a:ea typeface="+mn-ea"/>
+                <a:cs typeface="+mn-cs"/>
+              </a:rPr>
+              <a:t> </a:t>
+            </a:r>
+            <a:r>
+              <a:rPr lang="en-US" sz="1200" b="0" i="0" kern="1200" dirty="0" err="1">
+                <a:solidFill>
+                  <a:schemeClr val="tx1"/>
+                </a:solidFill>
+                <a:effectLst/>
+                <a:latin typeface="+mn-lt"/>
+                <a:ea typeface="+mn-ea"/>
+                <a:cs typeface="+mn-cs"/>
+              </a:rPr>
+              <a:t>ranh</a:t>
+            </a:r>
+            <a:r>
+              <a:rPr lang="en-US" sz="1200" b="0" i="0" kern="1200" dirty="0">
+                <a:solidFill>
+                  <a:schemeClr val="tx1"/>
+                </a:solidFill>
+                <a:effectLst/>
+                <a:latin typeface="+mn-lt"/>
+                <a:ea typeface="+mn-ea"/>
+                <a:cs typeface="+mn-cs"/>
+              </a:rPr>
+              <a:t> </a:t>
+            </a:r>
+            <a:r>
+              <a:rPr lang="en-US" sz="1200" b="0" i="0" kern="1200" dirty="0" err="1">
+                <a:solidFill>
+                  <a:schemeClr val="tx1"/>
+                </a:solidFill>
+                <a:effectLst/>
+                <a:latin typeface="+mn-lt"/>
+                <a:ea typeface="+mn-ea"/>
+                <a:cs typeface="+mn-cs"/>
+              </a:rPr>
+              <a:t>giới</a:t>
+            </a:r>
+            <a:r>
+              <a:rPr lang="en-US" sz="1200" b="0" i="0" kern="1200" dirty="0">
+                <a:solidFill>
+                  <a:schemeClr val="tx1"/>
+                </a:solidFill>
+                <a:effectLst/>
+                <a:latin typeface="+mn-lt"/>
+                <a:ea typeface="+mn-ea"/>
+                <a:cs typeface="+mn-cs"/>
+              </a:rPr>
+              <a:t> </a:t>
+            </a:r>
+            <a:r>
+              <a:rPr lang="en-US" sz="1200" b="0" i="0" kern="1200" dirty="0" err="1">
+                <a:solidFill>
+                  <a:schemeClr val="tx1"/>
+                </a:solidFill>
+                <a:effectLst/>
+                <a:latin typeface="+mn-lt"/>
+                <a:ea typeface="+mn-ea"/>
+                <a:cs typeface="+mn-cs"/>
+              </a:rPr>
+              <a:t>giữa</a:t>
+            </a:r>
+            <a:r>
+              <a:rPr lang="en-US" sz="1200" b="0" i="0" kern="1200" dirty="0">
+                <a:solidFill>
+                  <a:schemeClr val="tx1"/>
+                </a:solidFill>
+                <a:effectLst/>
+                <a:latin typeface="+mn-lt"/>
+                <a:ea typeface="+mn-ea"/>
+                <a:cs typeface="+mn-cs"/>
+              </a:rPr>
+              <a:t> </a:t>
+            </a:r>
+            <a:r>
+              <a:rPr lang="en-US" sz="1200" b="0" i="0" kern="1200" dirty="0" err="1">
+                <a:solidFill>
+                  <a:schemeClr val="tx1"/>
+                </a:solidFill>
+                <a:effectLst/>
+                <a:latin typeface="+mn-lt"/>
+                <a:ea typeface="+mn-ea"/>
+                <a:cs typeface="+mn-cs"/>
+              </a:rPr>
+              <a:t>chúng</a:t>
+            </a:r>
+            <a:r>
+              <a:rPr lang="en-US" sz="1200" b="0" i="0" kern="1200" dirty="0">
+                <a:solidFill>
+                  <a:schemeClr val="tx1"/>
+                </a:solidFill>
+                <a:effectLst/>
+                <a:latin typeface="+mn-lt"/>
+                <a:ea typeface="+mn-ea"/>
+                <a:cs typeface="+mn-cs"/>
+              </a:rPr>
+              <a:t>. </a:t>
+            </a:r>
+            <a:r>
+              <a:rPr lang="en-US" sz="1200" kern="1200" dirty="0" err="1">
+                <a:solidFill>
+                  <a:schemeClr val="tx1"/>
+                </a:solidFill>
+                <a:effectLst/>
+                <a:latin typeface="+mn-lt"/>
+                <a:ea typeface="+mn-ea"/>
+                <a:cs typeface="+mn-cs"/>
+              </a:rPr>
+              <a:t>Mỗi</a:t>
+            </a:r>
+            <a:r>
+              <a:rPr lang="en-US" sz="1200" kern="1200" dirty="0">
+                <a:solidFill>
+                  <a:schemeClr val="tx1"/>
+                </a:solidFill>
+                <a:effectLst/>
+                <a:latin typeface="+mn-lt"/>
+                <a:ea typeface="+mn-ea"/>
+                <a:cs typeface="+mn-cs"/>
+              </a:rPr>
+              <a:t> </a:t>
+            </a:r>
+            <a:r>
+              <a:rPr lang="en-US" sz="1200" kern="1200" dirty="0" err="1">
+                <a:solidFill>
+                  <a:schemeClr val="tx1"/>
+                </a:solidFill>
+                <a:effectLst/>
+                <a:latin typeface="+mn-lt"/>
+                <a:ea typeface="+mn-ea"/>
+                <a:cs typeface="+mn-cs"/>
+              </a:rPr>
+              <a:t>một</a:t>
+            </a:r>
+            <a:r>
+              <a:rPr lang="en-US" sz="1200" kern="1200" dirty="0">
+                <a:solidFill>
+                  <a:schemeClr val="tx1"/>
+                </a:solidFill>
+                <a:effectLst/>
+                <a:latin typeface="+mn-lt"/>
+                <a:ea typeface="+mn-ea"/>
+                <a:cs typeface="+mn-cs"/>
+              </a:rPr>
+              <a:t> </a:t>
+            </a:r>
+            <a:r>
+              <a:rPr lang="en-US" sz="1200" kern="1200" dirty="0" err="1">
+                <a:solidFill>
+                  <a:schemeClr val="tx1"/>
+                </a:solidFill>
+                <a:effectLst/>
+                <a:latin typeface="+mn-lt"/>
+                <a:ea typeface="+mn-ea"/>
+                <a:cs typeface="+mn-cs"/>
+              </a:rPr>
+              <a:t>điểm</a:t>
+            </a:r>
+            <a:r>
+              <a:rPr lang="en-US" sz="1200" kern="1200" dirty="0">
+                <a:solidFill>
+                  <a:schemeClr val="tx1"/>
+                </a:solidFill>
+                <a:effectLst/>
+                <a:latin typeface="+mn-lt"/>
+                <a:ea typeface="+mn-ea"/>
+                <a:cs typeface="+mn-cs"/>
+              </a:rPr>
+              <a:t> </a:t>
+            </a:r>
+            <a:r>
+              <a:rPr lang="en-US" sz="1200" kern="1200" dirty="0" err="1">
+                <a:solidFill>
+                  <a:schemeClr val="tx1"/>
+                </a:solidFill>
+                <a:effectLst/>
+                <a:latin typeface="+mn-lt"/>
+                <a:ea typeface="+mn-ea"/>
+                <a:cs typeface="+mn-cs"/>
+              </a:rPr>
+              <a:t>như</a:t>
+            </a:r>
+            <a:r>
+              <a:rPr lang="en-US" sz="1200" kern="1200" dirty="0">
+                <a:solidFill>
+                  <a:schemeClr val="tx1"/>
+                </a:solidFill>
+                <a:effectLst/>
+                <a:latin typeface="+mn-lt"/>
+                <a:ea typeface="+mn-ea"/>
+                <a:cs typeface="+mn-cs"/>
+              </a:rPr>
+              <a:t> </a:t>
+            </a:r>
+            <a:r>
+              <a:rPr lang="en-US" sz="1200" kern="1200" dirty="0" err="1">
+                <a:solidFill>
+                  <a:schemeClr val="tx1"/>
+                </a:solidFill>
+                <a:effectLst/>
+                <a:latin typeface="+mn-lt"/>
+                <a:ea typeface="+mn-ea"/>
+                <a:cs typeface="+mn-cs"/>
+              </a:rPr>
+              <a:t>vậy</a:t>
+            </a:r>
+            <a:r>
+              <a:rPr lang="en-US" sz="1200" kern="1200" dirty="0">
+                <a:solidFill>
+                  <a:schemeClr val="tx1"/>
+                </a:solidFill>
+                <a:effectLst/>
+                <a:latin typeface="+mn-lt"/>
+                <a:ea typeface="+mn-ea"/>
+                <a:cs typeface="+mn-cs"/>
+              </a:rPr>
+              <a:t> </a:t>
+            </a:r>
+            <a:r>
+              <a:rPr lang="en-US" sz="1200" kern="1200" dirty="0" err="1">
+                <a:solidFill>
+                  <a:schemeClr val="tx1"/>
+                </a:solidFill>
+                <a:effectLst/>
+                <a:latin typeface="+mn-lt"/>
+                <a:ea typeface="+mn-ea"/>
+                <a:cs typeface="+mn-cs"/>
+              </a:rPr>
+              <a:t>gọi</a:t>
+            </a:r>
+            <a:r>
+              <a:rPr lang="en-US" sz="1200" kern="1200" dirty="0">
+                <a:solidFill>
+                  <a:schemeClr val="tx1"/>
+                </a:solidFill>
+                <a:effectLst/>
+                <a:latin typeface="+mn-lt"/>
+                <a:ea typeface="+mn-ea"/>
+                <a:cs typeface="+mn-cs"/>
+              </a:rPr>
+              <a:t> </a:t>
+            </a:r>
+            <a:r>
+              <a:rPr lang="en-US" sz="1200" kern="1200" dirty="0" err="1">
+                <a:solidFill>
+                  <a:schemeClr val="tx1"/>
+                </a:solidFill>
+                <a:effectLst/>
+                <a:latin typeface="+mn-lt"/>
+                <a:ea typeface="+mn-ea"/>
+                <a:cs typeface="+mn-cs"/>
+              </a:rPr>
+              <a:t>là</a:t>
+            </a:r>
+            <a:r>
+              <a:rPr lang="en-US" sz="1200" kern="1200" dirty="0">
+                <a:solidFill>
+                  <a:schemeClr val="tx1"/>
+                </a:solidFill>
+                <a:effectLst/>
+                <a:latin typeface="+mn-lt"/>
+                <a:ea typeface="+mn-ea"/>
+                <a:cs typeface="+mn-cs"/>
+              </a:rPr>
+              <a:t> </a:t>
+            </a:r>
+            <a:r>
+              <a:rPr lang="en-US" sz="1200" kern="1200" dirty="0" err="1">
+                <a:solidFill>
+                  <a:schemeClr val="tx1"/>
+                </a:solidFill>
+                <a:effectLst/>
+                <a:latin typeface="+mn-lt"/>
+                <a:ea typeface="+mn-ea"/>
+                <a:cs typeface="+mn-cs"/>
+              </a:rPr>
+              <a:t>điểm</a:t>
+            </a:r>
+            <a:r>
+              <a:rPr lang="en-US" sz="1200" kern="1200" dirty="0">
+                <a:solidFill>
+                  <a:schemeClr val="tx1"/>
+                </a:solidFill>
+                <a:effectLst/>
+                <a:latin typeface="+mn-lt"/>
+                <a:ea typeface="+mn-ea"/>
+                <a:cs typeface="+mn-cs"/>
+              </a:rPr>
+              <a:t> </a:t>
+            </a:r>
+            <a:r>
+              <a:rPr lang="en-US" sz="1200" kern="1200" dirty="0" err="1">
+                <a:solidFill>
+                  <a:schemeClr val="tx1"/>
+                </a:solidFill>
+                <a:effectLst/>
+                <a:latin typeface="+mn-lt"/>
+                <a:ea typeface="+mn-ea"/>
+                <a:cs typeface="+mn-cs"/>
+              </a:rPr>
+              <a:t>ảnh</a:t>
+            </a:r>
+            <a:r>
+              <a:rPr lang="en-US" sz="1200" kern="1200" dirty="0">
+                <a:solidFill>
+                  <a:schemeClr val="tx1"/>
+                </a:solidFill>
+                <a:effectLst/>
+                <a:latin typeface="+mn-lt"/>
+                <a:ea typeface="+mn-ea"/>
+                <a:cs typeface="+mn-cs"/>
+              </a:rPr>
+              <a:t> hay </a:t>
+            </a:r>
+            <a:r>
+              <a:rPr lang="en-US" sz="1200" kern="1200" dirty="0" err="1">
+                <a:solidFill>
+                  <a:schemeClr val="tx1"/>
+                </a:solidFill>
+                <a:effectLst/>
+                <a:latin typeface="+mn-lt"/>
+                <a:ea typeface="+mn-ea"/>
+                <a:cs typeface="+mn-cs"/>
+              </a:rPr>
+              <a:t>gọi</a:t>
+            </a:r>
+            <a:r>
+              <a:rPr lang="en-US" sz="1200" kern="1200" dirty="0">
+                <a:solidFill>
+                  <a:schemeClr val="tx1"/>
+                </a:solidFill>
+                <a:effectLst/>
+                <a:latin typeface="+mn-lt"/>
+                <a:ea typeface="+mn-ea"/>
+                <a:cs typeface="+mn-cs"/>
+              </a:rPr>
+              <a:t> </a:t>
+            </a:r>
+            <a:r>
+              <a:rPr lang="en-US" sz="1200" kern="1200" dirty="0" err="1">
+                <a:solidFill>
+                  <a:schemeClr val="tx1"/>
+                </a:solidFill>
+                <a:effectLst/>
+                <a:latin typeface="+mn-lt"/>
+                <a:ea typeface="+mn-ea"/>
+                <a:cs typeface="+mn-cs"/>
+              </a:rPr>
+              <a:t>tắt</a:t>
+            </a:r>
+            <a:r>
+              <a:rPr lang="en-US" sz="1200" kern="1200" dirty="0">
+                <a:solidFill>
+                  <a:schemeClr val="tx1"/>
+                </a:solidFill>
+                <a:effectLst/>
+                <a:latin typeface="+mn-lt"/>
+                <a:ea typeface="+mn-ea"/>
+                <a:cs typeface="+mn-cs"/>
+              </a:rPr>
+              <a:t> </a:t>
+            </a:r>
+            <a:r>
+              <a:rPr lang="en-US" sz="1200" kern="1200" dirty="0" err="1">
+                <a:solidFill>
+                  <a:schemeClr val="tx1"/>
+                </a:solidFill>
+                <a:effectLst/>
+                <a:latin typeface="+mn-lt"/>
+                <a:ea typeface="+mn-ea"/>
+                <a:cs typeface="+mn-cs"/>
+              </a:rPr>
+              <a:t>là</a:t>
+            </a:r>
+            <a:r>
+              <a:rPr lang="en-US" sz="1200" kern="1200" dirty="0">
+                <a:solidFill>
+                  <a:schemeClr val="tx1"/>
+                </a:solidFill>
+                <a:effectLst/>
+                <a:latin typeface="+mn-lt"/>
+                <a:ea typeface="+mn-ea"/>
+                <a:cs typeface="+mn-cs"/>
+              </a:rPr>
+              <a:t> pixel. </a:t>
+            </a:r>
+            <a:r>
+              <a:rPr lang="en-US" sz="1200" kern="1200" dirty="0" err="1">
+                <a:solidFill>
+                  <a:schemeClr val="tx1"/>
+                </a:solidFill>
+                <a:effectLst/>
+                <a:latin typeface="+mn-lt"/>
+                <a:ea typeface="+mn-ea"/>
+                <a:cs typeface="+mn-cs"/>
+              </a:rPr>
+              <a:t>Trong</a:t>
+            </a:r>
+            <a:r>
+              <a:rPr lang="en-US" sz="1200" kern="1200" dirty="0">
+                <a:solidFill>
+                  <a:schemeClr val="tx1"/>
+                </a:solidFill>
+                <a:effectLst/>
+                <a:latin typeface="+mn-lt"/>
+                <a:ea typeface="+mn-ea"/>
+                <a:cs typeface="+mn-cs"/>
+              </a:rPr>
+              <a:t> </a:t>
+            </a:r>
+            <a:r>
+              <a:rPr lang="en-US" sz="1200" kern="1200" dirty="0" err="1">
+                <a:solidFill>
+                  <a:schemeClr val="tx1"/>
+                </a:solidFill>
+                <a:effectLst/>
+                <a:latin typeface="+mn-lt"/>
+                <a:ea typeface="+mn-ea"/>
+                <a:cs typeface="+mn-cs"/>
+              </a:rPr>
+              <a:t>khuôn</a:t>
+            </a:r>
+            <a:r>
+              <a:rPr lang="en-US" sz="1200" kern="1200" dirty="0">
+                <a:solidFill>
+                  <a:schemeClr val="tx1"/>
+                </a:solidFill>
+                <a:effectLst/>
+                <a:latin typeface="+mn-lt"/>
+                <a:ea typeface="+mn-ea"/>
+                <a:cs typeface="+mn-cs"/>
+              </a:rPr>
+              <a:t> </a:t>
+            </a:r>
+            <a:r>
+              <a:rPr lang="en-US" sz="1200" kern="1200" dirty="0" err="1">
+                <a:solidFill>
+                  <a:schemeClr val="tx1"/>
+                </a:solidFill>
+                <a:effectLst/>
+                <a:latin typeface="+mn-lt"/>
+                <a:ea typeface="+mn-ea"/>
+                <a:cs typeface="+mn-cs"/>
+              </a:rPr>
+              <a:t>khổ</a:t>
+            </a:r>
+            <a:r>
+              <a:rPr lang="en-US" sz="1200" kern="1200" dirty="0">
+                <a:solidFill>
+                  <a:schemeClr val="tx1"/>
+                </a:solidFill>
+                <a:effectLst/>
+                <a:latin typeface="+mn-lt"/>
+                <a:ea typeface="+mn-ea"/>
+                <a:cs typeface="+mn-cs"/>
+              </a:rPr>
+              <a:t> </a:t>
+            </a:r>
+            <a:r>
+              <a:rPr lang="en-US" sz="1200" kern="1200" dirty="0" err="1">
+                <a:solidFill>
+                  <a:schemeClr val="tx1"/>
+                </a:solidFill>
+                <a:effectLst/>
+                <a:latin typeface="+mn-lt"/>
+                <a:ea typeface="+mn-ea"/>
+                <a:cs typeface="+mn-cs"/>
+              </a:rPr>
+              <a:t>ảnh</a:t>
+            </a:r>
+            <a:r>
+              <a:rPr lang="en-US" sz="1200" kern="1200" dirty="0">
+                <a:solidFill>
+                  <a:schemeClr val="tx1"/>
+                </a:solidFill>
+                <a:effectLst/>
+                <a:latin typeface="+mn-lt"/>
+                <a:ea typeface="+mn-ea"/>
+                <a:cs typeface="+mn-cs"/>
+              </a:rPr>
+              <a:t> </a:t>
+            </a:r>
+            <a:r>
+              <a:rPr lang="en-US" sz="1200" kern="1200" dirty="0" err="1">
+                <a:solidFill>
+                  <a:schemeClr val="tx1"/>
+                </a:solidFill>
+                <a:effectLst/>
+                <a:latin typeface="+mn-lt"/>
+                <a:ea typeface="+mn-ea"/>
+                <a:cs typeface="+mn-cs"/>
+              </a:rPr>
+              <a:t>hai</a:t>
+            </a:r>
+            <a:r>
+              <a:rPr lang="en-US" sz="1200" kern="1200" dirty="0">
+                <a:solidFill>
+                  <a:schemeClr val="tx1"/>
+                </a:solidFill>
+                <a:effectLst/>
+                <a:latin typeface="+mn-lt"/>
+                <a:ea typeface="+mn-ea"/>
+                <a:cs typeface="+mn-cs"/>
+              </a:rPr>
+              <a:t> chiều, </a:t>
+            </a:r>
+            <a:r>
+              <a:rPr lang="en-US" sz="1200" kern="1200" dirty="0" err="1">
+                <a:solidFill>
+                  <a:schemeClr val="tx1"/>
+                </a:solidFill>
+                <a:effectLst/>
+                <a:latin typeface="+mn-lt"/>
+                <a:ea typeface="+mn-ea"/>
+                <a:cs typeface="+mn-cs"/>
+              </a:rPr>
+              <a:t>mỗi</a:t>
+            </a:r>
+            <a:r>
+              <a:rPr lang="en-US" sz="1200" kern="1200" dirty="0">
+                <a:solidFill>
+                  <a:schemeClr val="tx1"/>
+                </a:solidFill>
+                <a:effectLst/>
+                <a:latin typeface="+mn-lt"/>
+                <a:ea typeface="+mn-ea"/>
+                <a:cs typeface="+mn-cs"/>
+              </a:rPr>
+              <a:t> pixel </a:t>
+            </a:r>
+            <a:r>
+              <a:rPr lang="en-US" sz="1200" kern="1200" dirty="0" err="1">
+                <a:solidFill>
+                  <a:schemeClr val="tx1"/>
+                </a:solidFill>
+                <a:effectLst/>
+                <a:latin typeface="+mn-lt"/>
+                <a:ea typeface="+mn-ea"/>
+                <a:cs typeface="+mn-cs"/>
+              </a:rPr>
+              <a:t>ứng</a:t>
+            </a:r>
+            <a:r>
+              <a:rPr lang="en-US" sz="1200" kern="1200" dirty="0">
+                <a:solidFill>
+                  <a:schemeClr val="tx1"/>
+                </a:solidFill>
+                <a:effectLst/>
+                <a:latin typeface="+mn-lt"/>
+                <a:ea typeface="+mn-ea"/>
+                <a:cs typeface="+mn-cs"/>
+              </a:rPr>
+              <a:t> </a:t>
+            </a:r>
+            <a:r>
+              <a:rPr lang="en-US" sz="1200" kern="1200" dirty="0" err="1">
+                <a:solidFill>
+                  <a:schemeClr val="tx1"/>
+                </a:solidFill>
+                <a:effectLst/>
+                <a:latin typeface="+mn-lt"/>
+                <a:ea typeface="+mn-ea"/>
+                <a:cs typeface="+mn-cs"/>
+              </a:rPr>
+              <a:t>với</a:t>
+            </a:r>
+            <a:r>
+              <a:rPr lang="en-US" sz="1200" kern="1200" dirty="0">
+                <a:solidFill>
+                  <a:schemeClr val="tx1"/>
+                </a:solidFill>
+                <a:effectLst/>
+                <a:latin typeface="+mn-lt"/>
+                <a:ea typeface="+mn-ea"/>
+                <a:cs typeface="+mn-cs"/>
+              </a:rPr>
+              <a:t> </a:t>
+            </a:r>
+            <a:r>
+              <a:rPr lang="en-US" sz="1200" kern="1200" dirty="0" err="1">
+                <a:solidFill>
+                  <a:schemeClr val="tx1"/>
+                </a:solidFill>
+                <a:effectLst/>
+                <a:latin typeface="+mn-lt"/>
+                <a:ea typeface="+mn-ea"/>
+                <a:cs typeface="+mn-cs"/>
+              </a:rPr>
+              <a:t>cặp</a:t>
+            </a:r>
+            <a:r>
+              <a:rPr lang="en-US" sz="1200" kern="1200" dirty="0">
+                <a:solidFill>
+                  <a:schemeClr val="tx1"/>
+                </a:solidFill>
+                <a:effectLst/>
+                <a:latin typeface="+mn-lt"/>
+                <a:ea typeface="+mn-ea"/>
+                <a:cs typeface="+mn-cs"/>
+              </a:rPr>
+              <a:t> </a:t>
+            </a:r>
+            <a:r>
+              <a:rPr lang="en-US" sz="1200" kern="1200" dirty="0" err="1">
+                <a:solidFill>
+                  <a:schemeClr val="tx1"/>
+                </a:solidFill>
+                <a:effectLst/>
+                <a:latin typeface="+mn-lt"/>
+                <a:ea typeface="+mn-ea"/>
+                <a:cs typeface="+mn-cs"/>
+              </a:rPr>
+              <a:t>tọa</a:t>
+            </a:r>
+            <a:r>
+              <a:rPr lang="en-US" sz="1200" kern="1200" dirty="0">
+                <a:solidFill>
+                  <a:schemeClr val="tx1"/>
+                </a:solidFill>
+                <a:effectLst/>
+                <a:latin typeface="+mn-lt"/>
+                <a:ea typeface="+mn-ea"/>
+                <a:cs typeface="+mn-cs"/>
+              </a:rPr>
+              <a:t> </a:t>
+            </a:r>
+            <a:r>
+              <a:rPr lang="en-US" sz="1200" kern="1200" dirty="0" err="1">
+                <a:solidFill>
+                  <a:schemeClr val="tx1"/>
+                </a:solidFill>
+                <a:effectLst/>
+                <a:latin typeface="+mn-lt"/>
+                <a:ea typeface="+mn-ea"/>
+                <a:cs typeface="+mn-cs"/>
+              </a:rPr>
+              <a:t>độ</a:t>
+            </a:r>
+            <a:r>
+              <a:rPr lang="en-US" sz="1200" kern="1200" dirty="0">
+                <a:solidFill>
+                  <a:schemeClr val="tx1"/>
+                </a:solidFill>
+                <a:effectLst/>
+                <a:latin typeface="+mn-lt"/>
+                <a:ea typeface="+mn-ea"/>
+                <a:cs typeface="+mn-cs"/>
+              </a:rPr>
+              <a:t> (</a:t>
+            </a:r>
+            <a:r>
+              <a:rPr lang="en-US" sz="1200" kern="1200" dirty="0" err="1">
+                <a:solidFill>
+                  <a:schemeClr val="tx1"/>
+                </a:solidFill>
+                <a:effectLst/>
+                <a:latin typeface="+mn-lt"/>
+                <a:ea typeface="+mn-ea"/>
+                <a:cs typeface="+mn-cs"/>
+              </a:rPr>
+              <a:t>x,y</a:t>
+            </a:r>
+            <a:r>
+              <a:rPr lang="en-US" sz="1200" kern="1200" dirty="0">
+                <a:solidFill>
+                  <a:schemeClr val="tx1"/>
+                </a:solidFill>
+                <a:effectLst/>
+                <a:latin typeface="+mn-lt"/>
+                <a:ea typeface="+mn-ea"/>
+                <a:cs typeface="+mn-cs"/>
+              </a:rPr>
+              <a:t>). </a:t>
+            </a:r>
+          </a:p>
+          <a:p>
+            <a:pPr marL="0" marR="0" lvl="0" indent="0" algn="l" defTabSz="914400" rtl="0" eaLnBrk="1" fontAlgn="auto" latinLnBrk="0" hangingPunct="1">
+              <a:lnSpc>
+                <a:spcPct val="100000"/>
+              </a:lnSpc>
+              <a:spcBef>
+                <a:spcPts val="0"/>
+              </a:spcBef>
+              <a:spcAft>
+                <a:spcPts val="0"/>
+              </a:spcAft>
+              <a:buClrTx/>
+              <a:buSzTx/>
+              <a:buFontTx/>
+              <a:buNone/>
+              <a:tabLst/>
+              <a:defRPr/>
+            </a:pPr>
+            <a:endParaRPr lang="en-US" sz="1200" kern="1200" dirty="0">
+              <a:solidFill>
+                <a:schemeClr val="tx1"/>
+              </a:solidFill>
+              <a:effectLst/>
+              <a:latin typeface="+mn-lt"/>
+              <a:ea typeface="+mn-ea"/>
+              <a:cs typeface="+mn-cs"/>
+            </a:endParaRPr>
+          </a:p>
         </p:txBody>
       </p:sp>
       <p:sp>
@@ -1460,6 +3895,416 @@
                 <a:cs typeface="+mn-cs"/>
               </a:rPr>
               <a:t>3840 x 2160 pixel hoặc 4096 x 2160 pixel</a:t>
+            </a:r>
+          </a:p>
+          <a:p>
+            <a:r>
+              <a:rPr lang="de-DE" sz="1200" b="0" i="0" kern="1200" dirty="0">
+                <a:solidFill>
+                  <a:schemeClr val="tx1"/>
+                </a:solidFill>
+                <a:effectLst/>
+                <a:latin typeface="+mn-lt"/>
+                <a:ea typeface="+mn-ea"/>
+                <a:cs typeface="+mn-cs"/>
+              </a:rPr>
+              <a:t>T</a:t>
+            </a:r>
+            <a:r>
+              <a:rPr lang="vi-VN" sz="1200" b="0" i="0" kern="1200" dirty="0">
+                <a:solidFill>
+                  <a:schemeClr val="tx1"/>
+                </a:solidFill>
+                <a:effectLst/>
+                <a:latin typeface="+mn-lt"/>
+                <a:ea typeface="+mn-ea"/>
+                <a:cs typeface="+mn-cs"/>
+              </a:rPr>
+              <a:t>ư</a:t>
+            </a:r>
+            <a:r>
+              <a:rPr lang="en-US" sz="1200" b="0" i="0" kern="1200" dirty="0" err="1">
+                <a:solidFill>
+                  <a:schemeClr val="tx1"/>
+                </a:solidFill>
+                <a:effectLst/>
+                <a:latin typeface="+mn-lt"/>
+                <a:ea typeface="+mn-ea"/>
+                <a:cs typeface="+mn-cs"/>
+              </a:rPr>
+              <a:t>ơng</a:t>
+            </a:r>
+            <a:r>
+              <a:rPr lang="en-US" sz="1200" b="0" i="0" kern="1200" dirty="0">
+                <a:solidFill>
+                  <a:schemeClr val="tx1"/>
+                </a:solidFill>
+                <a:effectLst/>
+                <a:latin typeface="+mn-lt"/>
+                <a:ea typeface="+mn-ea"/>
+                <a:cs typeface="+mn-cs"/>
+              </a:rPr>
+              <a:t> </a:t>
+            </a:r>
+            <a:r>
+              <a:rPr lang="en-US" sz="1200" b="0" i="0" kern="1200" dirty="0" err="1">
+                <a:solidFill>
+                  <a:schemeClr val="tx1"/>
+                </a:solidFill>
+                <a:effectLst/>
+                <a:latin typeface="+mn-lt"/>
+                <a:ea typeface="+mn-ea"/>
+                <a:cs typeface="+mn-cs"/>
+              </a:rPr>
+              <a:t>tự</a:t>
+            </a:r>
+            <a:r>
+              <a:rPr lang="en-US" sz="1200" b="0" i="0" kern="1200" dirty="0">
+                <a:solidFill>
+                  <a:schemeClr val="tx1"/>
+                </a:solidFill>
+                <a:effectLst/>
+                <a:latin typeface="+mn-lt"/>
+                <a:ea typeface="+mn-ea"/>
+                <a:cs typeface="+mn-cs"/>
+              </a:rPr>
+              <a:t> c</a:t>
+            </a:r>
+            <a:r>
+              <a:rPr lang="vi-VN" sz="1200" b="0" i="0" kern="1200" dirty="0">
+                <a:solidFill>
+                  <a:schemeClr val="tx1"/>
+                </a:solidFill>
+                <a:effectLst/>
+                <a:latin typeface="+mn-lt"/>
+                <a:ea typeface="+mn-ea"/>
+                <a:cs typeface="+mn-cs"/>
+              </a:rPr>
+              <a:t>ư</a:t>
+            </a:r>
+            <a:r>
+              <a:rPr lang="en-US" sz="1200" b="0" i="0" kern="1200" dirty="0">
+                <a:solidFill>
+                  <a:schemeClr val="tx1"/>
+                </a:solidFill>
+                <a:effectLst/>
+                <a:latin typeface="+mn-lt"/>
+                <a:ea typeface="+mn-ea"/>
+                <a:cs typeface="+mn-cs"/>
+              </a:rPr>
+              <a:t>ng </a:t>
+            </a:r>
+            <a:r>
+              <a:rPr lang="en-US" sz="1200" b="0" i="0" kern="1200" dirty="0" err="1">
+                <a:solidFill>
+                  <a:schemeClr val="tx1"/>
+                </a:solidFill>
+                <a:effectLst/>
+                <a:latin typeface="+mn-lt"/>
+                <a:ea typeface="+mn-ea"/>
+                <a:cs typeface="+mn-cs"/>
+              </a:rPr>
+              <a:t>độ</a:t>
+            </a:r>
+            <a:r>
+              <a:rPr lang="en-US" sz="1200" b="0" i="0" kern="1200" dirty="0">
+                <a:solidFill>
+                  <a:schemeClr val="tx1"/>
+                </a:solidFill>
+                <a:effectLst/>
+                <a:latin typeface="+mn-lt"/>
+                <a:ea typeface="+mn-ea"/>
+                <a:cs typeface="+mn-cs"/>
+              </a:rPr>
+              <a:t> </a:t>
+            </a:r>
+            <a:r>
+              <a:rPr lang="en-US" sz="1200" b="0" i="0" kern="1200" dirty="0" err="1">
+                <a:solidFill>
+                  <a:schemeClr val="tx1"/>
+                </a:solidFill>
+                <a:effectLst/>
+                <a:latin typeface="+mn-lt"/>
+                <a:ea typeface="+mn-ea"/>
+                <a:cs typeface="+mn-cs"/>
+              </a:rPr>
+              <a:t>phân</a:t>
+            </a:r>
+            <a:r>
+              <a:rPr lang="en-US" sz="1200" b="0" i="0" kern="1200" dirty="0">
+                <a:solidFill>
+                  <a:schemeClr val="tx1"/>
+                </a:solidFill>
+                <a:effectLst/>
+                <a:latin typeface="+mn-lt"/>
+                <a:ea typeface="+mn-ea"/>
+                <a:cs typeface="+mn-cs"/>
+              </a:rPr>
+              <a:t> </a:t>
+            </a:r>
+            <a:r>
+              <a:rPr lang="en-US" sz="1200" b="0" i="0" kern="1200" dirty="0" err="1">
+                <a:solidFill>
+                  <a:schemeClr val="tx1"/>
+                </a:solidFill>
+                <a:effectLst/>
+                <a:latin typeface="+mn-lt"/>
+                <a:ea typeface="+mn-ea"/>
+                <a:cs typeface="+mn-cs"/>
+              </a:rPr>
+              <a:t>giải</a:t>
+            </a:r>
+            <a:r>
+              <a:rPr lang="en-US" sz="1200" b="0" i="0" kern="1200" dirty="0">
+                <a:solidFill>
+                  <a:schemeClr val="tx1"/>
+                </a:solidFill>
+                <a:effectLst/>
+                <a:latin typeface="+mn-lt"/>
+                <a:ea typeface="+mn-ea"/>
+                <a:cs typeface="+mn-cs"/>
+              </a:rPr>
+              <a:t> thì </a:t>
+            </a:r>
+            <a:r>
+              <a:rPr lang="en-US" sz="1200" b="0" i="0" kern="1200" dirty="0" err="1">
+                <a:solidFill>
+                  <a:schemeClr val="tx1"/>
+                </a:solidFill>
+                <a:effectLst/>
+                <a:latin typeface="+mn-lt"/>
+                <a:ea typeface="+mn-ea"/>
+                <a:cs typeface="+mn-cs"/>
+              </a:rPr>
+              <a:t>màn</a:t>
+            </a:r>
+            <a:r>
+              <a:rPr lang="en-US" sz="1200" b="0" i="0" kern="1200" dirty="0">
+                <a:solidFill>
+                  <a:schemeClr val="tx1"/>
+                </a:solidFill>
+                <a:effectLst/>
+                <a:latin typeface="+mn-lt"/>
+                <a:ea typeface="+mn-ea"/>
+                <a:cs typeface="+mn-cs"/>
+              </a:rPr>
+              <a:t> </a:t>
+            </a:r>
+            <a:r>
+              <a:rPr lang="en-US" sz="1200" b="0" i="0" kern="1200" dirty="0" err="1">
+                <a:solidFill>
+                  <a:schemeClr val="tx1"/>
+                </a:solidFill>
+                <a:effectLst/>
+                <a:latin typeface="+mn-lt"/>
+                <a:ea typeface="+mn-ea"/>
+                <a:cs typeface="+mn-cs"/>
+              </a:rPr>
+              <a:t>hình</a:t>
+            </a:r>
+            <a:r>
+              <a:rPr lang="en-US" sz="1200" b="0" i="0" kern="1200" dirty="0">
+                <a:solidFill>
+                  <a:schemeClr val="tx1"/>
+                </a:solidFill>
+                <a:effectLst/>
+                <a:latin typeface="+mn-lt"/>
+                <a:ea typeface="+mn-ea"/>
+                <a:cs typeface="+mn-cs"/>
+              </a:rPr>
+              <a:t> </a:t>
+            </a:r>
+            <a:r>
+              <a:rPr lang="en-US" sz="1200" b="0" i="0" kern="1200" dirty="0" err="1">
+                <a:solidFill>
+                  <a:schemeClr val="tx1"/>
+                </a:solidFill>
+                <a:effectLst/>
+                <a:latin typeface="+mn-lt"/>
+                <a:ea typeface="+mn-ea"/>
+                <a:cs typeface="+mn-cs"/>
+              </a:rPr>
+              <a:t>nhỏ</a:t>
+            </a:r>
+            <a:r>
+              <a:rPr lang="en-US" sz="1200" b="0" i="0" kern="1200" dirty="0">
+                <a:solidFill>
+                  <a:schemeClr val="tx1"/>
+                </a:solidFill>
+                <a:effectLst/>
+                <a:latin typeface="+mn-lt"/>
+                <a:ea typeface="+mn-ea"/>
+                <a:cs typeface="+mn-cs"/>
+              </a:rPr>
+              <a:t> h</a:t>
+            </a:r>
+            <a:r>
+              <a:rPr lang="vi-VN" sz="1200" b="0" i="0" kern="1200" dirty="0">
+                <a:solidFill>
+                  <a:schemeClr val="tx1"/>
+                </a:solidFill>
+                <a:effectLst/>
+                <a:latin typeface="+mn-lt"/>
+                <a:ea typeface="+mn-ea"/>
+                <a:cs typeface="+mn-cs"/>
+              </a:rPr>
+              <a:t>ơ</a:t>
+            </a:r>
+            <a:r>
+              <a:rPr lang="en-US" sz="1200" b="0" i="0" kern="1200" dirty="0">
+                <a:solidFill>
+                  <a:schemeClr val="tx1"/>
+                </a:solidFill>
+                <a:effectLst/>
+                <a:latin typeface="+mn-lt"/>
+                <a:ea typeface="+mn-ea"/>
+                <a:cs typeface="+mn-cs"/>
+              </a:rPr>
+              <a:t>n ta </a:t>
+            </a:r>
+            <a:r>
+              <a:rPr lang="en-US" sz="1200" b="0" i="0" kern="1200" dirty="0" err="1">
+                <a:solidFill>
+                  <a:schemeClr val="tx1"/>
+                </a:solidFill>
+                <a:effectLst/>
+                <a:latin typeface="+mn-lt"/>
+                <a:ea typeface="+mn-ea"/>
+                <a:cs typeface="+mn-cs"/>
+              </a:rPr>
+              <a:t>sẽ</a:t>
+            </a:r>
+            <a:r>
+              <a:rPr lang="en-US" sz="1200" b="0" i="0" kern="1200" dirty="0">
+                <a:solidFill>
+                  <a:schemeClr val="tx1"/>
+                </a:solidFill>
+                <a:effectLst/>
+                <a:latin typeface="+mn-lt"/>
+                <a:ea typeface="+mn-ea"/>
+                <a:cs typeface="+mn-cs"/>
+              </a:rPr>
+              <a:t> </a:t>
+            </a:r>
+            <a:r>
+              <a:rPr lang="en-US" sz="1200" b="0" i="0" kern="1200" dirty="0" err="1">
+                <a:solidFill>
+                  <a:schemeClr val="tx1"/>
+                </a:solidFill>
+                <a:effectLst/>
+                <a:latin typeface="+mn-lt"/>
+                <a:ea typeface="+mn-ea"/>
+                <a:cs typeface="+mn-cs"/>
+              </a:rPr>
+              <a:t>thấy</a:t>
+            </a:r>
+            <a:r>
+              <a:rPr lang="en-US" sz="1200" b="0" i="0" kern="1200" dirty="0">
+                <a:solidFill>
+                  <a:schemeClr val="tx1"/>
+                </a:solidFill>
+                <a:effectLst/>
+                <a:latin typeface="+mn-lt"/>
+                <a:ea typeface="+mn-ea"/>
+                <a:cs typeface="+mn-cs"/>
+              </a:rPr>
+              <a:t> </a:t>
+            </a:r>
+            <a:r>
+              <a:rPr lang="en-US" sz="1200" b="0" i="0" kern="1200" dirty="0" err="1">
+                <a:solidFill>
+                  <a:schemeClr val="tx1"/>
+                </a:solidFill>
+                <a:effectLst/>
+                <a:latin typeface="+mn-lt"/>
+                <a:ea typeface="+mn-ea"/>
+                <a:cs typeface="+mn-cs"/>
+              </a:rPr>
+              <a:t>hình</a:t>
+            </a:r>
+            <a:r>
+              <a:rPr lang="en-US" sz="1200" b="0" i="0" kern="1200" dirty="0">
+                <a:solidFill>
+                  <a:schemeClr val="tx1"/>
+                </a:solidFill>
+                <a:effectLst/>
+                <a:latin typeface="+mn-lt"/>
+                <a:ea typeface="+mn-ea"/>
+                <a:cs typeface="+mn-cs"/>
+              </a:rPr>
+              <a:t> </a:t>
+            </a:r>
+            <a:r>
+              <a:rPr lang="en-US" sz="1200" b="0" i="0" kern="1200" dirty="0" err="1">
+                <a:solidFill>
+                  <a:schemeClr val="tx1"/>
+                </a:solidFill>
+                <a:effectLst/>
+                <a:latin typeface="+mn-lt"/>
+                <a:ea typeface="+mn-ea"/>
+                <a:cs typeface="+mn-cs"/>
+              </a:rPr>
+              <a:t>ảnh</a:t>
+            </a:r>
+            <a:r>
+              <a:rPr lang="en-US" sz="1200" b="0" i="0" kern="1200" dirty="0">
+                <a:solidFill>
+                  <a:schemeClr val="tx1"/>
+                </a:solidFill>
+                <a:effectLst/>
+                <a:latin typeface="+mn-lt"/>
+                <a:ea typeface="+mn-ea"/>
+                <a:cs typeface="+mn-cs"/>
+              </a:rPr>
+              <a:t> </a:t>
+            </a:r>
+            <a:r>
+              <a:rPr lang="en-US" sz="1200" b="0" i="0" kern="1200" dirty="0" err="1">
+                <a:solidFill>
+                  <a:schemeClr val="tx1"/>
+                </a:solidFill>
+                <a:effectLst/>
+                <a:latin typeface="+mn-lt"/>
+                <a:ea typeface="+mn-ea"/>
+                <a:cs typeface="+mn-cs"/>
+              </a:rPr>
+              <a:t>mịn</a:t>
+            </a:r>
+            <a:r>
+              <a:rPr lang="en-US" sz="1200" b="0" i="0" kern="1200" dirty="0">
+                <a:solidFill>
+                  <a:schemeClr val="tx1"/>
+                </a:solidFill>
+                <a:effectLst/>
+                <a:latin typeface="+mn-lt"/>
+                <a:ea typeface="+mn-ea"/>
+                <a:cs typeface="+mn-cs"/>
+              </a:rPr>
+              <a:t> h</a:t>
+            </a:r>
+            <a:r>
+              <a:rPr lang="vi-VN" sz="1200" b="0" i="0" kern="1200" dirty="0">
+                <a:solidFill>
+                  <a:schemeClr val="tx1"/>
+                </a:solidFill>
+                <a:effectLst/>
+                <a:latin typeface="+mn-lt"/>
+                <a:ea typeface="+mn-ea"/>
+                <a:cs typeface="+mn-cs"/>
+              </a:rPr>
+              <a:t>ơ</a:t>
+            </a:r>
+            <a:r>
+              <a:rPr lang="en-US" sz="1200" b="0" i="0" kern="1200" dirty="0">
+                <a:solidFill>
+                  <a:schemeClr val="tx1"/>
+                </a:solidFill>
+                <a:effectLst/>
+                <a:latin typeface="+mn-lt"/>
+                <a:ea typeface="+mn-ea"/>
+                <a:cs typeface="+mn-cs"/>
+              </a:rPr>
+              <a:t>n</a:t>
             </a:r>
             <a:endParaRPr lang="en-US" dirty="0"/>
           </a:p>
@@ -5767,7 +8612,7 @@
           <a:p>
             <a:fld id="{5D7D7629-532F-418C-8977-C5888154CE4E}" type="datetimeFigureOut">
               <a:rPr lang="en-US" smtClean="0"/>
-              <a:t>26-May-18</a:t>
+              <a:t>28-May-18</a:t>
             </a:fld>
             <a:endParaRPr lang="en-US"/>
           </a:p>
@@ -6029,7 +8874,7 @@
           <a:p>
             <a:fld id="{5D7D7629-532F-418C-8977-C5888154CE4E}" type="datetimeFigureOut">
               <a:rPr lang="en-US" smtClean="0"/>
-              <a:t>26-May-18</a:t>
+              <a:t>28-May-18</a:t>
             </a:fld>
             <a:endParaRPr lang="en-US"/>
           </a:p>
@@ -6264,7 +9109,7 @@
           <a:p>
             <a:fld id="{5D7D7629-532F-418C-8977-C5888154CE4E}" type="datetimeFigureOut">
               <a:rPr lang="en-US" smtClean="0"/>
-              <a:t>26-May-18</a:t>
+              <a:t>28-May-18</a:t>
             </a:fld>
             <a:endParaRPr lang="en-US"/>
           </a:p>
@@ -6493,7 +9338,7 @@
           <a:p>
             <a:fld id="{5D7D7629-532F-418C-8977-C5888154CE4E}" type="datetimeFigureOut">
               <a:rPr lang="en-US" smtClean="0"/>
-              <a:t>26-May-18</a:t>
+              <a:t>28-May-18</a:t>
             </a:fld>
             <a:endParaRPr lang="en-US"/>
           </a:p>
@@ -6691,7 +9536,7 @@
           <a:p>
             <a:fld id="{5D7D7629-532F-418C-8977-C5888154CE4E}" type="datetimeFigureOut">
               <a:rPr lang="en-US" smtClean="0"/>
-              <a:t>26-May-18</a:t>
+              <a:t>28-May-18</a:t>
             </a:fld>
             <a:endParaRPr lang="en-US"/>
           </a:p>
@@ -6966,7 +9811,7 @@
           <a:p>
             <a:fld id="{5D7D7629-532F-418C-8977-C5888154CE4E}" type="datetimeFigureOut">
               <a:rPr lang="en-US" smtClean="0"/>
-              <a:t>26-May-18</a:t>
+              <a:t>28-May-18</a:t>
             </a:fld>
             <a:endParaRPr lang="en-US"/>
           </a:p>
@@ -7231,7 +10076,7 @@
           <a:p>
             <a:fld id="{5D7D7629-532F-418C-8977-C5888154CE4E}" type="datetimeFigureOut">
               <a:rPr lang="en-US" smtClean="0"/>
-              <a:t>26-May-18</a:t>
+              <a:t>28-May-18</a:t>
             </a:fld>
             <a:endParaRPr lang="en-US"/>
           </a:p>
@@ -7643,7 +10488,7 @@
           <a:p>
             <a:fld id="{5D7D7629-532F-418C-8977-C5888154CE4E}" type="datetimeFigureOut">
               <a:rPr lang="en-US" smtClean="0"/>
-              <a:t>26-May-18</a:t>
+              <a:t>28-May-18</a:t>
             </a:fld>
             <a:endParaRPr lang="en-US"/>
           </a:p>
@@ -7784,7 +10629,7 @@
           <a:p>
             <a:fld id="{5D7D7629-532F-418C-8977-C5888154CE4E}" type="datetimeFigureOut">
               <a:rPr lang="en-US" smtClean="0"/>
-              <a:t>26-May-18</a:t>
+              <a:t>28-May-18</a:t>
             </a:fld>
             <a:endParaRPr lang="en-US"/>
           </a:p>
@@ -7897,7 +10742,7 @@
           <a:p>
             <a:fld id="{5D7D7629-532F-418C-8977-C5888154CE4E}" type="datetimeFigureOut">
               <a:rPr lang="en-US" smtClean="0"/>
-              <a:t>26-May-18</a:t>
+              <a:t>28-May-18</a:t>
             </a:fld>
             <a:endParaRPr lang="en-US"/>
           </a:p>
@@ -8208,7 +11053,7 @@
           <a:p>
             <a:fld id="{5D7D7629-532F-418C-8977-C5888154CE4E}" type="datetimeFigureOut">
               <a:rPr lang="en-US" smtClean="0"/>
-              <a:t>26-May-18</a:t>
+              <a:t>28-May-18</a:t>
             </a:fld>
             <a:endParaRPr lang="en-US"/>
           </a:p>
@@ -8439,7 +11284,7 @@
           <a:p>
             <a:fld id="{5D7D7629-532F-418C-8977-C5888154CE4E}" type="datetimeFigureOut">
               <a:rPr lang="en-US" smtClean="0"/>
-              <a:t>26-May-18</a:t>
+              <a:t>28-May-18</a:t>
             </a:fld>
             <a:endParaRPr lang="en-US"/>
           </a:p>
@@ -8720,7 +11565,7 @@
           <a:p>
             <a:fld id="{5D7D7629-532F-418C-8977-C5888154CE4E}" type="datetimeFigureOut">
               <a:rPr lang="en-US" smtClean="0"/>
-              <a:t>26-May-18</a:t>
+              <a:t>28-May-18</a:t>
             </a:fld>
             <a:endParaRPr lang="en-US"/>
           </a:p>
@@ -8918,7 +11763,7 @@
           <a:p>
             <a:fld id="{5D7D7629-532F-418C-8977-C5888154CE4E}" type="datetimeFigureOut">
               <a:rPr lang="en-US" smtClean="0"/>
-              <a:t>26-May-18</a:t>
+              <a:t>28-May-18</a:t>
             </a:fld>
             <a:endParaRPr lang="en-US"/>
           </a:p>
@@ -9126,7 +11971,7 @@
           <a:p>
             <a:fld id="{5D7D7629-532F-418C-8977-C5888154CE4E}" type="datetimeFigureOut">
               <a:rPr lang="en-US" smtClean="0"/>
-              <a:t>26-May-18</a:t>
+              <a:t>28-May-18</a:t>
             </a:fld>
             <a:endParaRPr lang="en-US"/>
           </a:p>
@@ -9440,7 +12285,7 @@
           <a:p>
             <a:fld id="{5D7D7629-532F-418C-8977-C5888154CE4E}" type="datetimeFigureOut">
               <a:rPr lang="en-US" smtClean="0"/>
-              <a:t>26-May-18</a:t>
+              <a:t>28-May-18</a:t>
             </a:fld>
             <a:endParaRPr lang="en-US"/>
           </a:p>
@@ -9742,7 +12587,7 @@
           <a:p>
             <a:fld id="{5D7D7629-532F-418C-8977-C5888154CE4E}" type="datetimeFigureOut">
               <a:rPr lang="en-US" smtClean="0"/>
-              <a:t>26-May-18</a:t>
+              <a:t>28-May-18</a:t>
             </a:fld>
             <a:endParaRPr lang="en-US"/>
           </a:p>
@@ -10164,7 +13009,7 @@
           <a:p>
             <a:fld id="{5D7D7629-532F-418C-8977-C5888154CE4E}" type="datetimeFigureOut">
               <a:rPr lang="en-US" smtClean="0"/>
-              <a:t>26-May-18</a:t>
+              <a:t>28-May-18</a:t>
             </a:fld>
             <a:endParaRPr lang="en-US"/>
           </a:p>
@@ -10259,7 +13104,7 @@
           <a:p>
             <a:fld id="{5D7D7629-532F-418C-8977-C5888154CE4E}" type="datetimeFigureOut">
               <a:rPr lang="en-US" smtClean="0"/>
-              <a:t>26-May-18</a:t>
+              <a:t>28-May-18</a:t>
             </a:fld>
             <a:endParaRPr lang="en-US"/>
           </a:p>
@@ -10421,7 +13266,7 @@
           <a:p>
             <a:fld id="{5D7D7629-532F-418C-8977-C5888154CE4E}" type="datetimeFigureOut">
               <a:rPr lang="en-US" smtClean="0"/>
-              <a:t>26-May-18</a:t>
+              <a:t>28-May-18</a:t>
             </a:fld>
             <a:endParaRPr lang="en-US"/>
           </a:p>
@@ -10799,7 +13644,7 @@
           <a:p>
             <a:fld id="{5D7D7629-532F-418C-8977-C5888154CE4E}" type="datetimeFigureOut">
               <a:rPr lang="en-US" smtClean="0"/>
-              <a:t>26-May-18</a:t>
+              <a:t>28-May-18</a:t>
             </a:fld>
             <a:endParaRPr lang="en-US"/>
           </a:p>
@@ -11088,7 +13933,7 @@
           <a:p>
             <a:fld id="{5D7D7629-532F-418C-8977-C5888154CE4E}" type="datetimeFigureOut">
               <a:rPr lang="en-US" smtClean="0"/>
-              <a:t>26-May-18</a:t>
+              <a:t>28-May-18</a:t>
             </a:fld>
             <a:endParaRPr lang="en-US"/>
           </a:p>
@@ -11299,7 +14144,7 @@
           <a:p>
             <a:fld id="{5D7D7629-532F-418C-8977-C5888154CE4E}" type="datetimeFigureOut">
               <a:rPr lang="en-US" smtClean="0"/>
-              <a:t>26-May-18</a:t>
+              <a:t>28-May-18</a:t>
             </a:fld>
             <a:endParaRPr lang="en-US"/>
           </a:p>
@@ -12051,7 +14896,7 @@
           <a:p>
             <a:fld id="{5D7D7629-532F-418C-8977-C5888154CE4E}" type="datetimeFigureOut">
               <a:rPr lang="en-US" smtClean="0"/>
-              <a:t>26-May-18</a:t>
+              <a:t>28-May-18</a:t>
             </a:fld>
             <a:endParaRPr lang="en-US"/>
           </a:p>
@@ -17066,26 +19911,26 @@
             </p:spPr>
             <p:txBody>
               <a:bodyPr>
-                <a:normAutofit lnSpcReduction="10000"/>
+                <a:normAutofit fontScale="92500" lnSpcReduction="20000"/>
               </a:bodyPr>
               <a:lstStyle/>
               <a:p>
                 <a:r>
-                  <a:rPr lang="en-US" sz="2200" dirty="0">
+                  <a:rPr lang="en-US" sz="2400" dirty="0">
                     <a:latin typeface="Times New Roman" panose="02020603050405020304" pitchFamily="18" charset="0"/>
                     <a:cs typeface="Times New Roman" panose="02020603050405020304" pitchFamily="18" charset="0"/>
                   </a:rPr>
                   <a:t>Thuật </a:t>
                 </a:r>
                 <a:r>
-                  <a:rPr lang="en-US" sz="2200" dirty="0" err="1">
+                  <a:rPr lang="en-US" sz="2400" dirty="0" err="1">
                     <a:latin typeface="Times New Roman" panose="02020603050405020304" pitchFamily="18" charset="0"/>
                     <a:cs typeface="Times New Roman" panose="02020603050405020304" pitchFamily="18" charset="0"/>
                   </a:rPr>
                   <a:t>toán</a:t>
                 </a:r>
                 <a:r>
-                  <a:rPr lang="en-US" sz="2200" dirty="0">
+                  <a:rPr lang="en-US" sz="2400" dirty="0">
                     <a:latin typeface="Times New Roman" panose="02020603050405020304" pitchFamily="18" charset="0"/>
                     <a:cs typeface="Times New Roman" panose="02020603050405020304" pitchFamily="18" charset="0"/>
                   </a:rPr>
@@ -17098,189 +19943,189 @@
                   <a:buAutoNum type="arabicPeriod"/>
                 </a:pPr>
                 <a:r>
-                  <a:rPr lang="en-US" sz="2200" dirty="0">
+                  <a:rPr lang="en-US" sz="2400" dirty="0">
                     <a:latin typeface="Times New Roman" panose="02020603050405020304" pitchFamily="18" charset="0"/>
                     <a:cs typeface="Times New Roman" panose="02020603050405020304" pitchFamily="18" charset="0"/>
                   </a:rPr>
                   <a:t> </a:t>
                 </a:r>
                 <a:r>
-                  <a:rPr lang="en-US" sz="2200" dirty="0" err="1">
+                  <a:rPr lang="en-US" sz="2400" dirty="0" err="1">
                     <a:latin typeface="Times New Roman" panose="02020603050405020304" pitchFamily="18" charset="0"/>
                     <a:cs typeface="Times New Roman" panose="02020603050405020304" pitchFamily="18" charset="0"/>
                   </a:rPr>
                   <a:t>Đầu</a:t>
                 </a:r>
                 <a:r>
-                  <a:rPr lang="en-US" sz="2200" dirty="0">
+                  <a:rPr lang="en-US" sz="2400" dirty="0">
                     <a:latin typeface="Times New Roman" panose="02020603050405020304" pitchFamily="18" charset="0"/>
                     <a:cs typeface="Times New Roman" panose="02020603050405020304" pitchFamily="18" charset="0"/>
                   </a:rPr>
                   <a:t> </a:t>
                 </a:r>
                 <a:r>
-                  <a:rPr lang="en-US" sz="2200" dirty="0" err="1">
+                  <a:rPr lang="en-US" sz="2400" dirty="0" err="1">
                     <a:latin typeface="Times New Roman" panose="02020603050405020304" pitchFamily="18" charset="0"/>
                     <a:cs typeface="Times New Roman" panose="02020603050405020304" pitchFamily="18" charset="0"/>
                   </a:rPr>
                   <a:t>vào</a:t>
                 </a:r>
                 <a:r>
-                  <a:rPr lang="en-US" sz="2200" dirty="0">
+                  <a:rPr lang="en-US" sz="2400" dirty="0">
                     <a:latin typeface="Times New Roman" panose="02020603050405020304" pitchFamily="18" charset="0"/>
                     <a:cs typeface="Times New Roman" panose="02020603050405020304" pitchFamily="18" charset="0"/>
                   </a:rPr>
                   <a:t>: </a:t>
                 </a:r>
                 <a:r>
-                  <a:rPr lang="en-US" sz="2200" dirty="0" err="1">
+                  <a:rPr lang="en-US" sz="2400" dirty="0" err="1">
                     <a:latin typeface="Times New Roman" panose="02020603050405020304" pitchFamily="18" charset="0"/>
                     <a:cs typeface="Times New Roman" panose="02020603050405020304" pitchFamily="18" charset="0"/>
                   </a:rPr>
                   <a:t>Tập</a:t>
                 </a:r>
                 <a:r>
-                  <a:rPr lang="en-US" sz="2200" dirty="0">
+                  <a:rPr lang="en-US" sz="2400" dirty="0">
                     <a:latin typeface="Times New Roman" panose="02020603050405020304" pitchFamily="18" charset="0"/>
                     <a:cs typeface="Times New Roman" panose="02020603050405020304" pitchFamily="18" charset="0"/>
                   </a:rPr>
                   <a:t> </a:t>
                 </a:r>
                 <a:r>
-                  <a:rPr lang="en-US" sz="2200" dirty="0" err="1">
+                  <a:rPr lang="en-US" sz="2400" dirty="0" err="1">
                     <a:latin typeface="Times New Roman" panose="02020603050405020304" pitchFamily="18" charset="0"/>
                     <a:cs typeface="Times New Roman" panose="02020603050405020304" pitchFamily="18" charset="0"/>
                   </a:rPr>
                   <a:t>các</a:t>
                 </a:r>
                 <a:r>
-                  <a:rPr lang="en-US" sz="2200" dirty="0">
+                  <a:rPr lang="en-US" sz="2400" dirty="0">
                     <a:latin typeface="Times New Roman" panose="02020603050405020304" pitchFamily="18" charset="0"/>
                     <a:cs typeface="Times New Roman" panose="02020603050405020304" pitchFamily="18" charset="0"/>
                   </a:rPr>
                   <a:t> vector </a:t>
                 </a:r>
                 <a:r>
-                  <a:rPr lang="en-US" sz="2200" dirty="0" err="1">
+                  <a:rPr lang="en-US" sz="2400" dirty="0" err="1">
                     <a:latin typeface="Times New Roman" panose="02020603050405020304" pitchFamily="18" charset="0"/>
                     <a:cs typeface="Times New Roman" panose="02020603050405020304" pitchFamily="18" charset="0"/>
                   </a:rPr>
                   <a:t>đặc</a:t>
                 </a:r>
                 <a:r>
-                  <a:rPr lang="en-US" sz="2200" dirty="0">
+                  <a:rPr lang="en-US" sz="2400" dirty="0">
                     <a:latin typeface="Times New Roman" panose="02020603050405020304" pitchFamily="18" charset="0"/>
                     <a:cs typeface="Times New Roman" panose="02020603050405020304" pitchFamily="18" charset="0"/>
                   </a:rPr>
                   <a:t> tr</a:t>
                 </a:r>
                 <a:r>
-                  <a:rPr lang="vi-VN" sz="2200" dirty="0">
+                  <a:rPr lang="vi-VN" sz="2400" dirty="0">
                     <a:latin typeface="Times New Roman" panose="02020603050405020304" pitchFamily="18" charset="0"/>
                     <a:cs typeface="Times New Roman" panose="02020603050405020304" pitchFamily="18" charset="0"/>
                   </a:rPr>
                   <a:t>ư</a:t>
                 </a:r>
                 <a:r>
-                  <a:rPr lang="en-US" sz="2200" dirty="0">
+                  <a:rPr lang="en-US" sz="2400" dirty="0">
                     <a:latin typeface="Times New Roman" panose="02020603050405020304" pitchFamily="18" charset="0"/>
                     <a:cs typeface="Times New Roman" panose="02020603050405020304" pitchFamily="18" charset="0"/>
                   </a:rPr>
                   <a:t>ng </a:t>
                 </a:r>
                 <a:r>
-                  <a:rPr lang="en-US" sz="2200" dirty="0" err="1">
+                  <a:rPr lang="en-US" sz="2400" dirty="0" err="1">
                     <a:latin typeface="Times New Roman" panose="02020603050405020304" pitchFamily="18" charset="0"/>
                     <a:cs typeface="Times New Roman" panose="02020603050405020304" pitchFamily="18" charset="0"/>
                   </a:rPr>
                   <a:t>của</a:t>
                 </a:r>
                 <a:r>
-                  <a:rPr lang="en-US" sz="2200" dirty="0">
+                  <a:rPr lang="en-US" sz="2400" dirty="0">
                     <a:latin typeface="Times New Roman" panose="02020603050405020304" pitchFamily="18" charset="0"/>
                     <a:cs typeface="Times New Roman" panose="02020603050405020304" pitchFamily="18" charset="0"/>
                   </a:rPr>
                   <a:t> </a:t>
                 </a:r>
                 <a:r>
-                  <a:rPr lang="en-US" sz="2200" dirty="0" err="1">
+                  <a:rPr lang="en-US" sz="2400" dirty="0" err="1">
                     <a:latin typeface="Times New Roman" panose="02020603050405020304" pitchFamily="18" charset="0"/>
                     <a:cs typeface="Times New Roman" panose="02020603050405020304" pitchFamily="18" charset="0"/>
                   </a:rPr>
                   <a:t>mẫu</a:t>
                 </a:r>
                 <a:r>
-                  <a:rPr lang="en-US" sz="2200" dirty="0">
+                  <a:rPr lang="en-US" sz="2400" dirty="0">
                     <a:latin typeface="Times New Roman" panose="02020603050405020304" pitchFamily="18" charset="0"/>
                     <a:cs typeface="Times New Roman" panose="02020603050405020304" pitchFamily="18" charset="0"/>
                   </a:rPr>
                   <a:t> training </a:t>
                 </a:r>
                 <a:r>
-                  <a:rPr lang="en-US" sz="2200" dirty="0" err="1">
+                  <a:rPr lang="en-US" sz="2400" dirty="0" err="1">
                     <a:latin typeface="Times New Roman" panose="02020603050405020304" pitchFamily="18" charset="0"/>
                     <a:cs typeface="Times New Roman" panose="02020603050405020304" pitchFamily="18" charset="0"/>
                   </a:rPr>
                   <a:t>và</a:t>
                 </a:r>
                 <a:r>
-                  <a:rPr lang="en-US" sz="2200" dirty="0">
+                  <a:rPr lang="en-US" sz="2400" dirty="0">
                     <a:latin typeface="Times New Roman" panose="02020603050405020304" pitchFamily="18" charset="0"/>
                     <a:cs typeface="Times New Roman" panose="02020603050405020304" pitchFamily="18" charset="0"/>
                   </a:rPr>
                   <a:t> vector </a:t>
                 </a:r>
                 <a:r>
-                  <a:rPr lang="en-US" sz="2200" dirty="0" err="1">
+                  <a:rPr lang="en-US" sz="2400" dirty="0" err="1">
                     <a:latin typeface="Times New Roman" panose="02020603050405020304" pitchFamily="18" charset="0"/>
                     <a:cs typeface="Times New Roman" panose="02020603050405020304" pitchFamily="18" charset="0"/>
                   </a:rPr>
                   <a:t>đặc</a:t>
                 </a:r>
                 <a:r>
-                  <a:rPr lang="en-US" sz="2200" dirty="0">
+                  <a:rPr lang="en-US" sz="2400" dirty="0">
                     <a:latin typeface="Times New Roman" panose="02020603050405020304" pitchFamily="18" charset="0"/>
                     <a:cs typeface="Times New Roman" panose="02020603050405020304" pitchFamily="18" charset="0"/>
                   </a:rPr>
                   <a:t> tr</a:t>
                 </a:r>
                 <a:r>
-                  <a:rPr lang="vi-VN" sz="2200" dirty="0">
+                  <a:rPr lang="vi-VN" sz="2400" dirty="0">
                     <a:latin typeface="Times New Roman" panose="02020603050405020304" pitchFamily="18" charset="0"/>
                     <a:cs typeface="Times New Roman" panose="02020603050405020304" pitchFamily="18" charset="0"/>
                   </a:rPr>
                   <a:t>ư</a:t>
                 </a:r>
                 <a:r>
-                  <a:rPr lang="en-US" sz="2200" dirty="0">
+                  <a:rPr lang="en-US" sz="2400" dirty="0">
                     <a:latin typeface="Times New Roman" panose="02020603050405020304" pitchFamily="18" charset="0"/>
                     <a:cs typeface="Times New Roman" panose="02020603050405020304" pitchFamily="18" charset="0"/>
                   </a:rPr>
                   <a:t>ng </a:t>
                 </a:r>
                 <a:r>
-                  <a:rPr lang="en-US" sz="2200" dirty="0" err="1">
+                  <a:rPr lang="en-US" sz="2400" dirty="0" err="1">
                     <a:latin typeface="Times New Roman" panose="02020603050405020304" pitchFamily="18" charset="0"/>
                     <a:cs typeface="Times New Roman" panose="02020603050405020304" pitchFamily="18" charset="0"/>
                   </a:rPr>
                   <a:t>của</a:t>
                 </a:r>
                 <a:r>
-                  <a:rPr lang="en-US" sz="2200" dirty="0">
+                  <a:rPr lang="en-US" sz="2400" dirty="0">
                     <a:latin typeface="Times New Roman" panose="02020603050405020304" pitchFamily="18" charset="0"/>
                     <a:cs typeface="Times New Roman" panose="02020603050405020304" pitchFamily="18" charset="0"/>
                   </a:rPr>
                   <a:t> </a:t>
                 </a:r>
                 <a:r>
-                  <a:rPr lang="en-US" sz="2200" dirty="0" err="1">
+                  <a:rPr lang="en-US" sz="2400" dirty="0" err="1">
                     <a:latin typeface="Times New Roman" panose="02020603050405020304" pitchFamily="18" charset="0"/>
                     <a:cs typeface="Times New Roman" panose="02020603050405020304" pitchFamily="18" charset="0"/>
                   </a:rPr>
                   <a:t>ảnh</a:t>
                 </a:r>
                 <a:r>
-                  <a:rPr lang="en-US" sz="2200" dirty="0">
+                  <a:rPr lang="en-US" sz="2400" dirty="0">
                     <a:latin typeface="Times New Roman" panose="02020603050405020304" pitchFamily="18" charset="0"/>
                     <a:cs typeface="Times New Roman" panose="02020603050405020304" pitchFamily="18" charset="0"/>
                   </a:rPr>
@@ -17292,7 +20137,7 @@
                   <a:buNone/>
                 </a:pPr>
                 <a:r>
-                  <a:rPr lang="en-US" sz="2000" dirty="0">
+                  <a:rPr lang="en-US" sz="2400" dirty="0">
                     <a:cs typeface="Times New Roman" panose="02020603050405020304" pitchFamily="18" charset="0"/>
                   </a:rPr>
                   <a:t>		</a:t>
@@ -17300,14 +20145,14 @@
                 <a14:m>
                   <m:oMath xmlns:m="http://schemas.openxmlformats.org/officeDocument/2006/math">
                     <m:r>
-                      <a:rPr lang="en-US" sz="2000" i="1">
+                      <a:rPr lang="en-US" sz="2400" i="1">
                         <a:latin typeface="Cambria Math" panose="02040503050406030204" pitchFamily="18" charset="0"/>
                         <a:cs typeface="Times New Roman" panose="02020603050405020304" pitchFamily="18" charset="0"/>
                       </a:rPr>
                       <m:t>𝐴</m:t>
                     </m:r>
                     <m:r>
-                      <a:rPr lang="en-US" sz="2000" i="1">
+                      <a:rPr lang="en-US" sz="2400" i="1">
                         <a:latin typeface="Cambria Math" panose="02040503050406030204" pitchFamily="18" charset="0"/>
                         <a:cs typeface="Times New Roman" panose="02020603050405020304" pitchFamily="18" charset="0"/>
                       </a:rPr>
@@ -17318,7 +20163,7 @@
                         <m:begChr m:val="["/>
                         <m:endChr m:val="]"/>
                         <m:ctrlPr>
-                          <a:rPr lang="en-US" sz="2000" i="1">
+                          <a:rPr lang="en-US" sz="2400" i="1">
                             <a:latin typeface="Cambria Math" panose="02040503050406030204" pitchFamily="18" charset="0"/>
                             <a:cs typeface="Times New Roman" panose="02020603050405020304" pitchFamily="18" charset="0"/>
                           </a:rPr>
@@ -17328,7 +20173,7 @@
                         <m:sSub>
                           <m:sSubPr>
                             <m:ctrlPr>
-                              <a:rPr lang="en-US" sz="2000" i="1">
+                              <a:rPr lang="en-US" sz="2400" i="1">
                                 <a:latin typeface="Cambria Math" panose="02040503050406030204" pitchFamily="18" charset="0"/>
                                 <a:cs typeface="Times New Roman" panose="02020603050405020304" pitchFamily="18" charset="0"/>
                               </a:rPr>
@@ -17336,7 +20181,7 @@
                           </m:sSubPr>
                           <m:e>
                             <m:r>
-                              <a:rPr lang="en-US" sz="2000" i="1">
+                              <a:rPr lang="en-US" sz="2400" i="1">
                                 <a:latin typeface="Cambria Math" panose="02040503050406030204" pitchFamily="18" charset="0"/>
                                 <a:cs typeface="Times New Roman" panose="02020603050405020304" pitchFamily="18" charset="0"/>
                               </a:rPr>
@@ -17345,7 +20190,7 @@
                           </m:e>
                           <m:sub>
                             <m:r>
-                              <a:rPr lang="en-US" sz="2000" i="1">
+                              <a:rPr lang="en-US" sz="2400" i="1">
                                 <a:latin typeface="Cambria Math" panose="02040503050406030204" pitchFamily="18" charset="0"/>
                                 <a:cs typeface="Times New Roman" panose="02020603050405020304" pitchFamily="18" charset="0"/>
                               </a:rPr>
@@ -17354,7 +20199,7 @@
                           </m:sub>
                         </m:sSub>
                         <m:r>
-                          <a:rPr lang="en-US" sz="2000" i="1">
+                          <a:rPr lang="en-US" sz="2400" i="1">
                             <a:latin typeface="Cambria Math" panose="02040503050406030204" pitchFamily="18" charset="0"/>
                             <a:cs typeface="Times New Roman" panose="02020603050405020304" pitchFamily="18" charset="0"/>
                           </a:rPr>
@@ -17363,7 +20208,7 @@
                         <m:sSub>
                           <m:sSubPr>
                             <m:ctrlPr>
-                              <a:rPr lang="en-US" sz="2000" i="1">
+                              <a:rPr lang="en-US" sz="2400" i="1">
                                 <a:latin typeface="Cambria Math" panose="02040503050406030204" pitchFamily="18" charset="0"/>
                                 <a:cs typeface="Times New Roman" panose="02020603050405020304" pitchFamily="18" charset="0"/>
                               </a:rPr>
@@ -17371,7 +20216,7 @@
                           </m:sSubPr>
                           <m:e>
                             <m:r>
-                              <a:rPr lang="en-US" sz="2000" i="1">
+                              <a:rPr lang="en-US" sz="2400" i="1">
                                 <a:latin typeface="Cambria Math" panose="02040503050406030204" pitchFamily="18" charset="0"/>
                                 <a:cs typeface="Times New Roman" panose="02020603050405020304" pitchFamily="18" charset="0"/>
                               </a:rPr>
@@ -17380,7 +20225,7 @@
                           </m:e>
                           <m:sub>
                             <m:r>
-                              <a:rPr lang="en-US" sz="2000" i="1">
+                              <a:rPr lang="en-US" sz="2400" i="1">
                                 <a:latin typeface="Cambria Math" panose="02040503050406030204" pitchFamily="18" charset="0"/>
                                 <a:cs typeface="Times New Roman" panose="02020603050405020304" pitchFamily="18" charset="0"/>
                               </a:rPr>
@@ -17389,7 +20234,7 @@
                           </m:sub>
                         </m:sSub>
                         <m:r>
-                          <a:rPr lang="en-US" sz="2000" i="1">
+                          <a:rPr lang="en-US" sz="2400" i="1">
                             <a:latin typeface="Cambria Math" panose="02040503050406030204" pitchFamily="18" charset="0"/>
                             <a:cs typeface="Times New Roman" panose="02020603050405020304" pitchFamily="18" charset="0"/>
                           </a:rPr>
@@ -17398,7 +20243,7 @@
                         <m:sSub>
                           <m:sSubPr>
                             <m:ctrlPr>
-                              <a:rPr lang="en-US" sz="2000" i="1">
+                              <a:rPr lang="en-US" sz="2400" i="1">
                                 <a:latin typeface="Cambria Math" panose="02040503050406030204" pitchFamily="18" charset="0"/>
                                 <a:cs typeface="Times New Roman" panose="02020603050405020304" pitchFamily="18" charset="0"/>
                               </a:rPr>
@@ -17406,14 +20251,14 @@
                           </m:sSubPr>
                           <m:e>
                             <m:r>
-                              <a:rPr lang="en-US" sz="2000" i="1">
+                              <a:rPr lang="en-US" sz="2400" i="1">
                                 <a:latin typeface="Cambria Math" panose="02040503050406030204" pitchFamily="18" charset="0"/>
                                 <a:cs typeface="Times New Roman" panose="02020603050405020304" pitchFamily="18" charset="0"/>
                               </a:rPr>
                               <m:t>…,</m:t>
                             </m:r>
                             <m:r>
-                              <a:rPr lang="en-US" sz="2000" i="1">
+                              <a:rPr lang="en-US" sz="2400" i="1">
                                 <a:latin typeface="Cambria Math" panose="02040503050406030204" pitchFamily="18" charset="0"/>
                                 <a:cs typeface="Times New Roman" panose="02020603050405020304" pitchFamily="18" charset="0"/>
                               </a:rPr>
@@ -17422,7 +20267,7 @@
                           </m:e>
                           <m:sub>
                             <m:r>
-                              <a:rPr lang="en-US" sz="2000" i="1">
+                              <a:rPr lang="en-US" sz="2400" i="1">
                                 <a:latin typeface="Cambria Math" panose="02040503050406030204" pitchFamily="18" charset="0"/>
                                 <a:cs typeface="Times New Roman" panose="02020603050405020304" pitchFamily="18" charset="0"/>
                               </a:rPr>
@@ -17435,7 +20280,7 @@
                   </m:oMath>
                 </a14:m>
                 <a:r>
-                  <a:rPr lang="en-US" sz="2000" dirty="0">
+                  <a:rPr lang="en-US" sz="2400" dirty="0">
                     <a:latin typeface="Times New Roman" panose="02020603050405020304" pitchFamily="18" charset="0"/>
                     <a:cs typeface="Times New Roman" panose="02020603050405020304" pitchFamily="18" charset="0"/>
                   </a:rPr>
@@ -17444,7 +20289,7 @@
                 <a14:m>
                   <m:oMath xmlns:m="http://schemas.openxmlformats.org/officeDocument/2006/math">
                     <m:r>
-                      <a:rPr lang="en-US" sz="2000" i="1">
+                      <a:rPr lang="en-US" sz="2400" i="1">
                         <a:latin typeface="Cambria Math" panose="02040503050406030204" pitchFamily="18" charset="0"/>
                         <a:cs typeface="Times New Roman" panose="02020603050405020304" pitchFamily="18" charset="0"/>
                         <a:sym typeface="Symbol" panose="05050102010706020507" pitchFamily="18" charset="2"/>
@@ -17454,7 +20299,7 @@
                   </m:oMath>
                 </a14:m>
                 <a:r>
-                  <a:rPr lang="en-US" sz="2000" dirty="0">
+                  <a:rPr lang="en-US" sz="2400" dirty="0">
                     <a:latin typeface="Times New Roman" panose="02020603050405020304" pitchFamily="18" charset="0"/>
                     <a:cs typeface="Times New Roman" panose="02020603050405020304" pitchFamily="18" charset="0"/>
                   </a:rPr>
@@ -17465,7 +20310,7 @@
                     <m:sSup>
                       <m:sSupPr>
                         <m:ctrlPr>
-                          <a:rPr lang="en-US" sz="2000" i="1" dirty="0">
+                          <a:rPr lang="en-US" sz="2400" i="1" dirty="0">
                             <a:latin typeface="Cambria Math" panose="02040503050406030204" pitchFamily="18" charset="0"/>
                             <a:cs typeface="Times New Roman" panose="02020603050405020304" pitchFamily="18" charset="0"/>
                           </a:rPr>
@@ -17473,7 +20318,7 @@
                       </m:sSupPr>
                       <m:e>
                         <m:r>
-                          <a:rPr lang="en-US" sz="2000" i="1" dirty="0">
+                          <a:rPr lang="en-US" sz="2400" i="1" dirty="0">
                             <a:latin typeface="Cambria Math" panose="02040503050406030204" pitchFamily="18" charset="0"/>
                             <a:cs typeface="Times New Roman" panose="02020603050405020304" pitchFamily="18" charset="0"/>
                           </a:rPr>
@@ -17482,21 +20327,21 @@
                       </m:e>
                       <m:sup>
                         <m:r>
-                          <a:rPr lang="en-US" sz="2000" i="1" dirty="0">
+                          <a:rPr lang="en-US" sz="2400" i="1" dirty="0">
                             <a:latin typeface="Cambria Math" panose="02040503050406030204" pitchFamily="18" charset="0"/>
                             <a:cs typeface="Times New Roman" panose="02020603050405020304" pitchFamily="18" charset="0"/>
                           </a:rPr>
                           <m:t>𝑚</m:t>
                         </m:r>
                         <m:r>
-                          <a:rPr lang="en-US" sz="2000" i="1" dirty="0">
+                          <a:rPr lang="en-US" sz="2400" i="1" dirty="0">
                             <a:latin typeface="Cambria Math" panose="02040503050406030204" pitchFamily="18" charset="0"/>
                             <a:cs typeface="Times New Roman" panose="02020603050405020304" pitchFamily="18" charset="0"/>
                           </a:rPr>
                           <m:t> ∗</m:t>
                         </m:r>
                         <m:r>
-                          <a:rPr lang="en-US" sz="2000" i="1" dirty="0">
+                          <a:rPr lang="en-US" sz="2400" i="1" dirty="0">
                             <a:latin typeface="Cambria Math" panose="02040503050406030204" pitchFamily="18" charset="0"/>
                             <a:cs typeface="Times New Roman" panose="02020603050405020304" pitchFamily="18" charset="0"/>
                           </a:rPr>
@@ -17507,7 +20352,7 @@
                   </m:oMath>
                 </a14:m>
                 <a:r>
-                  <a:rPr lang="en-US" sz="2000" dirty="0">
+                  <a:rPr lang="en-US" sz="2400" dirty="0">
                     <a:latin typeface="Times New Roman" panose="02020603050405020304" pitchFamily="18" charset="0"/>
                     <a:cs typeface="Times New Roman" panose="02020603050405020304" pitchFamily="18" charset="0"/>
                   </a:rPr>
@@ -17518,7 +20363,7 @@
                     <m:sSup>
                       <m:sSupPr>
                         <m:ctrlPr>
-                          <a:rPr lang="en-US" sz="2000" i="1" dirty="0">
+                          <a:rPr lang="en-US" sz="2400" i="1" dirty="0">
                             <a:latin typeface="Cambria Math" panose="02040503050406030204" pitchFamily="18" charset="0"/>
                             <a:cs typeface="Times New Roman" panose="02020603050405020304" pitchFamily="18" charset="0"/>
                           </a:rPr>
@@ -17526,7 +20371,7 @@
                       </m:sSupPr>
                       <m:e>
                         <m:r>
-                          <a:rPr lang="en-US" sz="2000" i="1" dirty="0">
+                          <a:rPr lang="en-US" sz="2400" i="1" dirty="0">
                             <a:latin typeface="Cambria Math" panose="02040503050406030204" pitchFamily="18" charset="0"/>
                             <a:cs typeface="Times New Roman" panose="02020603050405020304" pitchFamily="18" charset="0"/>
                           </a:rPr>
@@ -17535,14 +20380,14 @@
                       </m:e>
                       <m:sup>
                         <m:r>
-                          <a:rPr lang="en-US" sz="2000" i="1" dirty="0">
+                          <a:rPr lang="en-US" sz="2400" i="1" dirty="0">
                             <a:latin typeface="Cambria Math" panose="02040503050406030204" pitchFamily="18" charset="0"/>
                             <a:cs typeface="Times New Roman" panose="02020603050405020304" pitchFamily="18" charset="0"/>
                           </a:rPr>
                           <m:t>𝑚</m:t>
                         </m:r>
                         <m:r>
-                          <a:rPr lang="en-US" sz="2000" i="1" dirty="0">
+                          <a:rPr lang="en-US" sz="2400" i="1" dirty="0">
                             <a:latin typeface="Cambria Math" panose="02040503050406030204" pitchFamily="18" charset="0"/>
                             <a:cs typeface="Times New Roman" panose="02020603050405020304" pitchFamily="18" charset="0"/>
                           </a:rPr>
@@ -17553,62 +20398,62 @@
                   </m:oMath>
                 </a14:m>
                 <a:r>
-                  <a:rPr lang="en-US" sz="2000" dirty="0">
+                  <a:rPr lang="en-US" sz="2400" dirty="0">
                     <a:latin typeface="Times New Roman" panose="02020603050405020304" pitchFamily="18" charset="0"/>
                     <a:cs typeface="Times New Roman" panose="02020603050405020304" pitchFamily="18" charset="0"/>
                   </a:rPr>
                   <a:t> (Và hệ </a:t>
                 </a:r>
                 <a:r>
-                  <a:rPr lang="en-US" sz="2000" dirty="0" err="1">
+                  <a:rPr lang="en-US" sz="2400" dirty="0" err="1">
                     <a:latin typeface="Times New Roman" panose="02020603050405020304" pitchFamily="18" charset="0"/>
                     <a:cs typeface="Times New Roman" panose="02020603050405020304" pitchFamily="18" charset="0"/>
                   </a:rPr>
                   <a:t>số</a:t>
                 </a:r>
                 <a:r>
-                  <a:rPr lang="en-US" sz="2000" dirty="0">
+                  <a:rPr lang="en-US" sz="2400" dirty="0">
                     <a:latin typeface="Times New Roman" panose="02020603050405020304" pitchFamily="18" charset="0"/>
                     <a:cs typeface="Times New Roman" panose="02020603050405020304" pitchFamily="18" charset="0"/>
                   </a:rPr>
                   <a:t> </a:t>
                 </a:r>
                 <a:r>
-                  <a:rPr lang="el-GR" sz="2000" dirty="0">
+                  <a:rPr lang="el-GR" sz="2400" dirty="0">
                     <a:latin typeface="Times New Roman" panose="02020603050405020304" pitchFamily="18" charset="0"/>
                     <a:cs typeface="Times New Roman" panose="02020603050405020304" pitchFamily="18" charset="0"/>
                   </a:rPr>
                   <a:t>ϵ</a:t>
                 </a:r>
                 <a:r>
-                  <a:rPr lang="en-US" sz="2000" dirty="0">
+                  <a:rPr lang="en-US" sz="2400" dirty="0">
                     <a:latin typeface="Times New Roman" panose="02020603050405020304" pitchFamily="18" charset="0"/>
                     <a:cs typeface="Times New Roman" panose="02020603050405020304" pitchFamily="18" charset="0"/>
                   </a:rPr>
                   <a:t> </a:t>
                 </a:r>
                 <a:r>
-                  <a:rPr lang="el-GR" sz="2000" dirty="0">
+                  <a:rPr lang="el-GR" sz="2400" dirty="0">
                     <a:latin typeface="Times New Roman" panose="02020603050405020304" pitchFamily="18" charset="0"/>
                     <a:cs typeface="Times New Roman" panose="02020603050405020304" pitchFamily="18" charset="0"/>
                   </a:rPr>
                   <a:t>&gt;</a:t>
                 </a:r>
                 <a:r>
-                  <a:rPr lang="en-US" sz="2000" dirty="0">
+                  <a:rPr lang="en-US" sz="2400" dirty="0">
                     <a:latin typeface="Times New Roman" panose="02020603050405020304" pitchFamily="18" charset="0"/>
                     <a:cs typeface="Times New Roman" panose="02020603050405020304" pitchFamily="18" charset="0"/>
                   </a:rPr>
                   <a:t> </a:t>
                 </a:r>
                 <a:r>
-                  <a:rPr lang="el-GR" sz="2000" dirty="0">
+                  <a:rPr lang="el-GR" sz="2400" dirty="0">
                     <a:latin typeface="Times New Roman" panose="02020603050405020304" pitchFamily="18" charset="0"/>
                     <a:cs typeface="Times New Roman" panose="02020603050405020304" pitchFamily="18" charset="0"/>
                   </a:rPr>
                   <a:t>0)</a:t>
                 </a:r>
-                <a:endParaRPr lang="en-US" sz="2000" dirty="0">
+                <a:endParaRPr lang="en-US" sz="2400" dirty="0">
                   <a:latin typeface="Times New Roman" panose="02020603050405020304" pitchFamily="18" charset="0"/>
                   <a:cs typeface="Times New Roman" panose="02020603050405020304" pitchFamily="18" charset="0"/>
                 </a:endParaRPr>
@@ -17619,98 +20464,98 @@
                   <a:buAutoNum type="arabicPeriod"/>
                 </a:pPr>
                 <a:r>
-                  <a:rPr lang="en-US" sz="2200" dirty="0" err="1">
+                  <a:rPr lang="en-US" sz="2400" dirty="0" err="1">
                     <a:latin typeface="Times New Roman" panose="02020603050405020304" pitchFamily="18" charset="0"/>
                     <a:cs typeface="Times New Roman" panose="02020603050405020304" pitchFamily="18" charset="0"/>
                   </a:rPr>
                   <a:t>Chuẩn</a:t>
                 </a:r>
                 <a:r>
-                  <a:rPr lang="en-US" sz="2200" dirty="0">
+                  <a:rPr lang="en-US" sz="2400" dirty="0">
                     <a:latin typeface="Times New Roman" panose="02020603050405020304" pitchFamily="18" charset="0"/>
                     <a:cs typeface="Times New Roman" panose="02020603050405020304" pitchFamily="18" charset="0"/>
                   </a:rPr>
                   <a:t> </a:t>
                 </a:r>
                 <a:r>
-                  <a:rPr lang="en-US" sz="2200" dirty="0" err="1">
+                  <a:rPr lang="en-US" sz="2400" dirty="0" err="1">
                     <a:latin typeface="Times New Roman" panose="02020603050405020304" pitchFamily="18" charset="0"/>
                     <a:cs typeface="Times New Roman" panose="02020603050405020304" pitchFamily="18" charset="0"/>
                   </a:rPr>
                   <a:t>hóa</a:t>
                 </a:r>
                 <a:r>
-                  <a:rPr lang="en-US" sz="2200" dirty="0">
+                  <a:rPr lang="en-US" sz="2400" dirty="0">
                     <a:latin typeface="Times New Roman" panose="02020603050405020304" pitchFamily="18" charset="0"/>
                     <a:cs typeface="Times New Roman" panose="02020603050405020304" pitchFamily="18" charset="0"/>
                   </a:rPr>
                   <a:t> </a:t>
                 </a:r>
                 <a:r>
-                  <a:rPr lang="en-US" sz="2200" dirty="0" err="1">
+                  <a:rPr lang="en-US" sz="2400" dirty="0" err="1">
                     <a:latin typeface="Times New Roman" panose="02020603050405020304" pitchFamily="18" charset="0"/>
                     <a:cs typeface="Times New Roman" panose="02020603050405020304" pitchFamily="18" charset="0"/>
                   </a:rPr>
                   <a:t>các</a:t>
                 </a:r>
                 <a:r>
-                  <a:rPr lang="en-US" sz="2200" dirty="0">
+                  <a:rPr lang="en-US" sz="2400" dirty="0">
                     <a:latin typeface="Times New Roman" panose="02020603050405020304" pitchFamily="18" charset="0"/>
                     <a:cs typeface="Times New Roman" panose="02020603050405020304" pitchFamily="18" charset="0"/>
                   </a:rPr>
                   <a:t> </a:t>
                 </a:r>
                 <a:r>
-                  <a:rPr lang="en-US" sz="2200" dirty="0" err="1">
+                  <a:rPr lang="en-US" sz="2400" dirty="0" err="1">
                     <a:latin typeface="Times New Roman" panose="02020603050405020304" pitchFamily="18" charset="0"/>
                     <a:cs typeface="Times New Roman" panose="02020603050405020304" pitchFamily="18" charset="0"/>
                   </a:rPr>
                   <a:t>cột</a:t>
                 </a:r>
                 <a:r>
-                  <a:rPr lang="en-US" sz="2200" dirty="0">
+                  <a:rPr lang="en-US" sz="2400" dirty="0">
                     <a:latin typeface="Times New Roman" panose="02020603050405020304" pitchFamily="18" charset="0"/>
                     <a:cs typeface="Times New Roman" panose="02020603050405020304" pitchFamily="18" charset="0"/>
                   </a:rPr>
                   <a:t> </a:t>
                 </a:r>
                 <a:r>
-                  <a:rPr lang="en-US" sz="2200" dirty="0" err="1">
+                  <a:rPr lang="en-US" sz="2400" dirty="0" err="1">
                     <a:latin typeface="Times New Roman" panose="02020603050405020304" pitchFamily="18" charset="0"/>
                     <a:cs typeface="Times New Roman" panose="02020603050405020304" pitchFamily="18" charset="0"/>
                   </a:rPr>
                   <a:t>của</a:t>
                 </a:r>
                 <a:r>
-                  <a:rPr lang="en-US" sz="2200" dirty="0">
+                  <a:rPr lang="en-US" sz="2400" dirty="0">
                     <a:latin typeface="Times New Roman" panose="02020603050405020304" pitchFamily="18" charset="0"/>
                     <a:cs typeface="Times New Roman" panose="02020603050405020304" pitchFamily="18" charset="0"/>
                   </a:rPr>
                   <a:t> A </a:t>
                 </a:r>
                 <a:r>
-                  <a:rPr lang="en-US" sz="2200" dirty="0" err="1">
+                  <a:rPr lang="en-US" sz="2400" dirty="0" err="1">
                     <a:latin typeface="Times New Roman" panose="02020603050405020304" pitchFamily="18" charset="0"/>
                     <a:cs typeface="Times New Roman" panose="02020603050405020304" pitchFamily="18" charset="0"/>
                   </a:rPr>
                   <a:t>theo</a:t>
                 </a:r>
                 <a:r>
-                  <a:rPr lang="en-US" sz="2200" dirty="0">
+                  <a:rPr lang="en-US" sz="2400" dirty="0">
                     <a:latin typeface="Times New Roman" panose="02020603050405020304" pitchFamily="18" charset="0"/>
                     <a:cs typeface="Times New Roman" panose="02020603050405020304" pitchFamily="18" charset="0"/>
                   </a:rPr>
                   <a:t> </a:t>
                 </a:r>
                 <a:r>
-                  <a:rPr lang="en-US" sz="2200" dirty="0" err="1">
+                  <a:rPr lang="en-US" sz="2400" dirty="0" err="1">
                     <a:latin typeface="Times New Roman" panose="02020603050405020304" pitchFamily="18" charset="0"/>
                     <a:cs typeface="Times New Roman" panose="02020603050405020304" pitchFamily="18" charset="0"/>
                   </a:rPr>
                   <a:t>chuẩn</a:t>
                 </a:r>
                 <a:r>
-                  <a:rPr lang="en-US" sz="2200" dirty="0">
+                  <a:rPr lang="en-US" sz="2400" dirty="0">
                     <a:latin typeface="Times New Roman" panose="02020603050405020304" pitchFamily="18" charset="0"/>
                     <a:cs typeface="Times New Roman" panose="02020603050405020304" pitchFamily="18" charset="0"/>
                   </a:rPr>
@@ -17721,7 +20566,7 @@
                     <m:sSub>
                       <m:sSubPr>
                         <m:ctrlPr>
-                          <a:rPr lang="en-US" sz="2200" i="1" smtClean="0">
+                          <a:rPr lang="en-US" sz="2400" i="1" smtClean="0">
                             <a:latin typeface="Cambria Math" panose="02040503050406030204" pitchFamily="18" charset="0"/>
                             <a:cs typeface="Times New Roman" panose="02020603050405020304" pitchFamily="18" charset="0"/>
                           </a:rPr>
@@ -17729,7 +20574,7 @@
                       </m:sSubPr>
                       <m:e>
                         <m:r>
-                          <a:rPr lang="en-US" sz="2200" b="0" i="1" smtClean="0">
+                          <a:rPr lang="en-US" sz="2400" b="0" i="1" smtClean="0">
                             <a:latin typeface="Cambria Math" panose="02040503050406030204" pitchFamily="18" charset="0"/>
                             <a:cs typeface="Times New Roman" panose="02020603050405020304" pitchFamily="18" charset="0"/>
                           </a:rPr>
@@ -17738,7 +20583,7 @@
                       </m:e>
                       <m:sub>
                         <m:r>
-                          <a:rPr lang="en-US" sz="2200" b="0" i="1" smtClean="0">
+                          <a:rPr lang="en-US" sz="2400" b="0" i="1" smtClean="0">
                             <a:latin typeface="Cambria Math" panose="02040503050406030204" pitchFamily="18" charset="0"/>
                             <a:cs typeface="Times New Roman" panose="02020603050405020304" pitchFamily="18" charset="0"/>
                           </a:rPr>
@@ -17748,7 +20593,7 @@
                     </m:sSub>
                   </m:oMath>
                 </a14:m>
-                <a:endParaRPr lang="en-US" sz="2200" dirty="0">
+                <a:endParaRPr lang="en-US" sz="2400" dirty="0">
                   <a:latin typeface="Times New Roman" panose="02020603050405020304" pitchFamily="18" charset="0"/>
                   <a:cs typeface="Times New Roman" panose="02020603050405020304" pitchFamily="18" charset="0"/>
                 </a:endParaRPr>
@@ -17759,21 +20604,21 @@
                   <a:buAutoNum type="arabicPeriod"/>
                 </a:pPr>
                 <a:r>
-                  <a:rPr lang="vi-VN" sz="2200" dirty="0">
+                  <a:rPr lang="vi-VN" sz="2400" dirty="0">
                     <a:latin typeface="Times New Roman" panose="02020603050405020304" pitchFamily="18" charset="0"/>
                     <a:cs typeface="Times New Roman" panose="02020603050405020304" pitchFamily="18" charset="0"/>
                   </a:rPr>
                   <a:t>Giải bài toán tối ưu xấp xỉ </a:t>
                 </a:r>
                 <a:r>
-                  <a:rPr lang="en-US" sz="2200" dirty="0" err="1">
+                  <a:rPr lang="en-US" sz="2400" dirty="0" err="1">
                     <a:latin typeface="Times New Roman" panose="02020603050405020304" pitchFamily="18" charset="0"/>
                     <a:cs typeface="Times New Roman" panose="02020603050405020304" pitchFamily="18" charset="0"/>
                   </a:rPr>
                   <a:t>theo</a:t>
                 </a:r>
                 <a:r>
-                  <a:rPr lang="vi-VN" sz="2200" dirty="0">
+                  <a:rPr lang="vi-VN" sz="2400" dirty="0">
                     <a:latin typeface="Times New Roman" panose="02020603050405020304" pitchFamily="18" charset="0"/>
                     <a:cs typeface="Times New Roman" panose="02020603050405020304" pitchFamily="18" charset="0"/>
                   </a:rPr>
@@ -17784,7 +20629,7 @@
                     <m:sSub>
                       <m:sSubPr>
                         <m:ctrlPr>
-                          <a:rPr lang="en-US" sz="2200" i="1">
+                          <a:rPr lang="en-US" sz="2400" i="1">
                             <a:latin typeface="Cambria Math" panose="02040503050406030204" pitchFamily="18" charset="0"/>
                             <a:cs typeface="Times New Roman" panose="02020603050405020304" pitchFamily="18" charset="0"/>
                           </a:rPr>
@@ -17792,7 +20637,7 @@
                       </m:sSubPr>
                       <m:e>
                         <m:r>
-                          <a:rPr lang="en-US" sz="2200" i="1">
+                          <a:rPr lang="en-US" sz="2400" i="1">
                             <a:latin typeface="Cambria Math" panose="02040503050406030204" pitchFamily="18" charset="0"/>
                             <a:cs typeface="Times New Roman" panose="02020603050405020304" pitchFamily="18" charset="0"/>
                           </a:rPr>
@@ -17801,7 +20646,7 @@
                       </m:e>
                       <m:sub>
                         <m:r>
-                          <a:rPr lang="en-US" sz="2200" b="0" i="1" smtClean="0">
+                          <a:rPr lang="en-US" sz="2400" b="0" i="1" smtClean="0">
                             <a:latin typeface="Cambria Math" panose="02040503050406030204" pitchFamily="18" charset="0"/>
                             <a:cs typeface="Times New Roman" panose="02020603050405020304" pitchFamily="18" charset="0"/>
                           </a:rPr>
@@ -17811,7 +20656,7 @@
                     </m:sSub>
                   </m:oMath>
                 </a14:m>
-                <a:endParaRPr lang="en-US" sz="2200" dirty="0">
+                <a:endParaRPr lang="en-US" sz="2400" dirty="0">
                   <a:latin typeface="Times New Roman" panose="02020603050405020304" pitchFamily="18" charset="0"/>
                   <a:cs typeface="Times New Roman" panose="02020603050405020304" pitchFamily="18" charset="0"/>
                 </a:endParaRPr>
@@ -17821,18 +20666,11 @@
                   <a:buNone/>
                 </a:pPr>
                 <a:r>
-                  <a:rPr lang="en-US" sz="2000" dirty="0">
-                    <a:latin typeface="Times New Roman" panose="02020603050405020304" pitchFamily="18" charset="0"/>
-                    <a:cs typeface="Times New Roman" panose="02020603050405020304" pitchFamily="18" charset="0"/>
-                  </a:rPr>
-                  <a:t>	</a:t>
-                </a:r>
-                <a:r>
-                  <a:rPr lang="en-US" sz="2200" dirty="0">
-                    <a:latin typeface="Times New Roman" panose="02020603050405020304" pitchFamily="18" charset="0"/>
-                    <a:cs typeface="Times New Roman" panose="02020603050405020304" pitchFamily="18" charset="0"/>
-                  </a:rPr>
-                  <a:t>      </a:t>
+                  <a:rPr lang="en-US" sz="2400" dirty="0">
+                    <a:latin typeface="Times New Roman" panose="02020603050405020304" pitchFamily="18" charset="0"/>
+                    <a:cs typeface="Times New Roman" panose="02020603050405020304" pitchFamily="18" charset="0"/>
+                  </a:rPr>
+                  <a:t>	      </a:t>
                 </a:r>
                 <a14:m>
                   <m:oMath xmlns:m="http://schemas.openxmlformats.org/officeDocument/2006/math">
@@ -17840,7 +20678,7 @@
                       <m:accPr>
                         <m:chr m:val="̂"/>
                         <m:ctrlPr>
-                          <a:rPr lang="en-US" sz="2200" i="1" smtClean="0">
+                          <a:rPr lang="en-US" sz="2400" i="1" smtClean="0">
                             <a:latin typeface="Cambria Math" panose="02040503050406030204" pitchFamily="18" charset="0"/>
                             <a:cs typeface="Times New Roman" panose="02020603050405020304" pitchFamily="18" charset="0"/>
                           </a:rPr>
@@ -17850,7 +20688,7 @@
                         <m:sSub>
                           <m:sSubPr>
                             <m:ctrlPr>
-                              <a:rPr lang="en-US" sz="2200" i="1" smtClean="0">
+                              <a:rPr lang="en-US" sz="2400" i="1" smtClean="0">
                                 <a:latin typeface="Cambria Math" panose="02040503050406030204" pitchFamily="18" charset="0"/>
                                 <a:cs typeface="Times New Roman" panose="02020603050405020304" pitchFamily="18" charset="0"/>
                               </a:rPr>
@@ -17858,7 +20696,7 @@
                           </m:sSubPr>
                           <m:e>
                             <m:r>
-                              <a:rPr lang="en-US" sz="2200" b="0" i="1" smtClean="0">
+                              <a:rPr lang="en-US" sz="2400" b="0" i="1" smtClean="0">
                                 <a:latin typeface="Cambria Math" panose="02040503050406030204" pitchFamily="18" charset="0"/>
                                 <a:cs typeface="Times New Roman" panose="02020603050405020304" pitchFamily="18" charset="0"/>
                               </a:rPr>
@@ -17867,7 +20705,7 @@
                           </m:e>
                           <m:sub>
                             <m:r>
-                              <a:rPr lang="en-US" sz="2200" b="0" i="1" smtClean="0">
+                              <a:rPr lang="en-US" sz="2400" b="0" i="1" smtClean="0">
                                 <a:latin typeface="Cambria Math" panose="02040503050406030204" pitchFamily="18" charset="0"/>
                                 <a:cs typeface="Times New Roman" panose="02020603050405020304" pitchFamily="18" charset="0"/>
                               </a:rPr>
@@ -17880,21 +20718,21 @@
                   </m:oMath>
                 </a14:m>
                 <a:r>
-                  <a:rPr lang="en-US" sz="2200" dirty="0">
+                  <a:rPr lang="en-US" sz="2400" dirty="0">
                     <a:latin typeface="Times New Roman" panose="02020603050405020304" pitchFamily="18" charset="0"/>
                     <a:cs typeface="Times New Roman" panose="02020603050405020304" pitchFamily="18" charset="0"/>
                   </a:rPr>
                   <a:t>= </a:t>
                 </a:r>
                 <a:r>
-                  <a:rPr lang="en-US" sz="2200" dirty="0" err="1">
+                  <a:rPr lang="en-US" sz="2400" dirty="0" err="1">
                     <a:latin typeface="Times New Roman" panose="02020603050405020304" pitchFamily="18" charset="0"/>
                     <a:cs typeface="Times New Roman" panose="02020603050405020304" pitchFamily="18" charset="0"/>
                   </a:rPr>
                   <a:t>arg</a:t>
                 </a:r>
                 <a:r>
-                  <a:rPr lang="en-US" sz="2200" dirty="0">
+                  <a:rPr lang="en-US" sz="2400" dirty="0">
                     <a:latin typeface="Times New Roman" panose="02020603050405020304" pitchFamily="18" charset="0"/>
                     <a:cs typeface="Times New Roman" panose="02020603050405020304" pitchFamily="18" charset="0"/>
                   </a:rPr>
@@ -17905,7 +20743,7 @@
                     <m:func>
                       <m:funcPr>
                         <m:ctrlPr>
-                          <a:rPr lang="en-US" sz="2200" i="1">
+                          <a:rPr lang="en-US" sz="2400" i="1">
                             <a:latin typeface="Cambria Math" panose="02040503050406030204" pitchFamily="18" charset="0"/>
                             <a:cs typeface="Times New Roman" panose="02020603050405020304" pitchFamily="18" charset="0"/>
                           </a:rPr>
@@ -17916,7 +20754,7 @@
                           <m:rPr>
                             <m:sty m:val="p"/>
                           </m:rPr>
-                          <a:rPr lang="en-US" sz="2200">
+                          <a:rPr lang="en-US" sz="2400">
                             <a:latin typeface="Cambria Math" panose="02040503050406030204" pitchFamily="18" charset="0"/>
                             <a:cs typeface="Times New Roman" panose="02020603050405020304" pitchFamily="18" charset="0"/>
                           </a:rPr>
@@ -17927,7 +20765,7 @@
                         <m:sSub>
                           <m:sSubPr>
                             <m:ctrlPr>
-                              <a:rPr lang="en-US" sz="2200" i="1">
+                              <a:rPr lang="en-US" sz="2400" i="1">
                                 <a:latin typeface="Cambria Math" panose="02040503050406030204" pitchFamily="18" charset="0"/>
                                 <a:cs typeface="Times New Roman" panose="02020603050405020304" pitchFamily="18" charset="0"/>
                               </a:rPr>
@@ -17935,7 +20773,7 @@
                           </m:sSubPr>
                           <m:e>
                             <m:r>
-                              <a:rPr lang="en-US" sz="2200">
+                              <a:rPr lang="en-US" sz="2400">
                                 <a:latin typeface="Cambria Math" panose="02040503050406030204" pitchFamily="18" charset="0"/>
                                 <a:cs typeface="Times New Roman" panose="02020603050405020304" pitchFamily="18" charset="0"/>
                               </a:rPr>
@@ -17945,14 +20783,14 @@
                               <m:rPr>
                                 <m:sty m:val="p"/>
                               </m:rPr>
-                              <a:rPr lang="en-US" sz="2200">
+                              <a:rPr lang="en-US" sz="2400">
                                 <a:latin typeface="Cambria Math" panose="02040503050406030204" pitchFamily="18" charset="0"/>
                                 <a:cs typeface="Times New Roman" panose="02020603050405020304" pitchFamily="18" charset="0"/>
                               </a:rPr>
                               <m:t>x</m:t>
                             </m:r>
                             <m:r>
-                              <a:rPr lang="en-US" sz="2200">
+                              <a:rPr lang="en-US" sz="2400">
                                 <a:latin typeface="Cambria Math" panose="02040503050406030204" pitchFamily="18" charset="0"/>
                                 <a:cs typeface="Times New Roman" panose="02020603050405020304" pitchFamily="18" charset="0"/>
                               </a:rPr>
@@ -17961,7 +20799,7 @@
                           </m:e>
                           <m:sub>
                             <m:r>
-                              <a:rPr lang="en-US" sz="2200">
+                              <a:rPr lang="en-US" sz="2400">
                                 <a:latin typeface="Cambria Math" panose="02040503050406030204" pitchFamily="18" charset="0"/>
                                 <a:cs typeface="Times New Roman" panose="02020603050405020304" pitchFamily="18" charset="0"/>
                               </a:rPr>
@@ -17972,7 +20810,7 @@
                       </m:e>
                     </m:func>
                     <m:r>
-                      <a:rPr lang="en-US" sz="2200" i="1">
+                      <a:rPr lang="en-US" sz="2400" i="1">
                         <a:latin typeface="Cambria Math" panose="02040503050406030204" pitchFamily="18" charset="0"/>
                         <a:cs typeface="Times New Roman" panose="02020603050405020304" pitchFamily="18" charset="0"/>
                       </a:rPr>
@@ -17981,28 +20819,28 @@
                   </m:oMath>
                 </a14:m>
                 <a:r>
-                  <a:rPr lang="en-US" sz="2200" dirty="0" err="1">
+                  <a:rPr lang="en-US" sz="2400" dirty="0" err="1">
                     <a:latin typeface="Times New Roman" panose="02020603050405020304" pitchFamily="18" charset="0"/>
                     <a:cs typeface="Times New Roman" panose="02020603050405020304" pitchFamily="18" charset="0"/>
                   </a:rPr>
                   <a:t>trong</a:t>
                 </a:r>
                 <a:r>
-                  <a:rPr lang="en-US" sz="2200" dirty="0">
+                  <a:rPr lang="en-US" sz="2400" dirty="0">
                     <a:latin typeface="Times New Roman" panose="02020603050405020304" pitchFamily="18" charset="0"/>
                     <a:cs typeface="Times New Roman" panose="02020603050405020304" pitchFamily="18" charset="0"/>
                   </a:rPr>
                   <a:t> </a:t>
                 </a:r>
                 <a:r>
-                  <a:rPr lang="en-US" sz="2200" dirty="0" err="1">
+                  <a:rPr lang="en-US" sz="2400" dirty="0" err="1">
                     <a:latin typeface="Times New Roman" panose="02020603050405020304" pitchFamily="18" charset="0"/>
                     <a:cs typeface="Times New Roman" panose="02020603050405020304" pitchFamily="18" charset="0"/>
                   </a:rPr>
                   <a:t>đó</a:t>
                 </a:r>
                 <a:r>
-                  <a:rPr lang="en-US" sz="2200" dirty="0">
+                  <a:rPr lang="en-US" sz="2400" dirty="0">
                     <a:latin typeface="Times New Roman" panose="02020603050405020304" pitchFamily="18" charset="0"/>
                     <a:cs typeface="Times New Roman" panose="02020603050405020304" pitchFamily="18" charset="0"/>
                   </a:rPr>
@@ -18014,14 +20852,14 @@
                   <a:buNone/>
                 </a:pPr>
                 <a:r>
-                  <a:rPr lang="en-US" sz="2200" dirty="0" err="1">
+                  <a:rPr lang="en-US" sz="2400" dirty="0" err="1">
                     <a:latin typeface="Times New Roman" panose="02020603050405020304" pitchFamily="18" charset="0"/>
                     <a:cs typeface="Times New Roman" panose="02020603050405020304" pitchFamily="18" charset="0"/>
                   </a:rPr>
                   <a:t>Hoặc</a:t>
                 </a:r>
                 <a:r>
-                  <a:rPr lang="en-US" sz="2200" dirty="0">
+                  <a:rPr lang="en-US" sz="2400" dirty="0">
                     <a:latin typeface="Times New Roman" panose="02020603050405020304" pitchFamily="18" charset="0"/>
                     <a:cs typeface="Times New Roman" panose="02020603050405020304" pitchFamily="18" charset="0"/>
                   </a:rPr>
@@ -18038,7 +20876,7 @@
                       <m:accPr>
                         <m:chr m:val="̂"/>
                         <m:ctrlPr>
-                          <a:rPr lang="en-US" sz="2200" i="1">
+                          <a:rPr lang="en-US" sz="2400" i="1">
                             <a:latin typeface="Cambria Math" panose="02040503050406030204" pitchFamily="18" charset="0"/>
                             <a:cs typeface="Times New Roman" panose="02020603050405020304" pitchFamily="18" charset="0"/>
                           </a:rPr>
@@ -18048,7 +20886,7 @@
                         <m:sSub>
                           <m:sSubPr>
                             <m:ctrlPr>
-                              <a:rPr lang="en-US" sz="2200" i="1">
+                              <a:rPr lang="en-US" sz="2400" i="1">
                                 <a:latin typeface="Cambria Math" panose="02040503050406030204" pitchFamily="18" charset="0"/>
                                 <a:cs typeface="Times New Roman" panose="02020603050405020304" pitchFamily="18" charset="0"/>
                               </a:rPr>
@@ -18056,7 +20894,7 @@
                           </m:sSubPr>
                           <m:e>
                             <m:r>
-                              <a:rPr lang="en-US" sz="2200" i="1">
+                              <a:rPr lang="en-US" sz="2400" i="1">
                                 <a:latin typeface="Cambria Math" panose="02040503050406030204" pitchFamily="18" charset="0"/>
                                 <a:cs typeface="Times New Roman" panose="02020603050405020304" pitchFamily="18" charset="0"/>
                               </a:rPr>
@@ -18065,7 +20903,7 @@
                           </m:e>
                           <m:sub>
                             <m:r>
-                              <a:rPr lang="en-US" sz="2200" i="1">
+                              <a:rPr lang="en-US" sz="2400" i="1">
                                 <a:latin typeface="Cambria Math" panose="02040503050406030204" pitchFamily="18" charset="0"/>
                                 <a:cs typeface="Times New Roman" panose="02020603050405020304" pitchFamily="18" charset="0"/>
                               </a:rPr>
@@ -18076,7 +20914,7 @@
                       </m:e>
                     </m:acc>
                     <m:r>
-                      <a:rPr lang="en-US" sz="2200" i="1">
+                      <a:rPr lang="en-US" sz="2400" i="1">
                         <a:latin typeface="Cambria Math" panose="02040503050406030204" pitchFamily="18" charset="0"/>
                         <a:cs typeface="Times New Roman" panose="02020603050405020304" pitchFamily="18" charset="0"/>
                       </a:rPr>
@@ -18085,21 +20923,21 @@
                   </m:oMath>
                 </a14:m>
                 <a:r>
-                  <a:rPr lang="en-US" sz="2200" dirty="0">
+                  <a:rPr lang="en-US" sz="2400" dirty="0">
                     <a:latin typeface="Times New Roman" panose="02020603050405020304" pitchFamily="18" charset="0"/>
                     <a:cs typeface="Times New Roman" panose="02020603050405020304" pitchFamily="18" charset="0"/>
                   </a:rPr>
                   <a:t>= </a:t>
                 </a:r>
                 <a:r>
-                  <a:rPr lang="en-US" sz="2200" dirty="0" err="1">
+                  <a:rPr lang="en-US" sz="2400" dirty="0" err="1">
                     <a:latin typeface="Times New Roman" panose="02020603050405020304" pitchFamily="18" charset="0"/>
                     <a:cs typeface="Times New Roman" panose="02020603050405020304" pitchFamily="18" charset="0"/>
                   </a:rPr>
                   <a:t>arg</a:t>
                 </a:r>
                 <a:r>
-                  <a:rPr lang="en-US" sz="2200" dirty="0">
+                  <a:rPr lang="en-US" sz="2400" dirty="0">
                     <a:latin typeface="Times New Roman" panose="02020603050405020304" pitchFamily="18" charset="0"/>
                     <a:cs typeface="Times New Roman" panose="02020603050405020304" pitchFamily="18" charset="0"/>
                   </a:rPr>
@@ -18110,7 +20948,7 @@
                     <m:func>
                       <m:funcPr>
                         <m:ctrlPr>
-                          <a:rPr lang="en-US" sz="2200" i="1">
+                          <a:rPr lang="en-US" sz="2400" i="1">
                             <a:latin typeface="Cambria Math" panose="02040503050406030204" pitchFamily="18" charset="0"/>
                             <a:cs typeface="Times New Roman" panose="02020603050405020304" pitchFamily="18" charset="0"/>
                           </a:rPr>
@@ -18121,7 +20959,7 @@
                           <m:rPr>
                             <m:sty m:val="p"/>
                           </m:rPr>
-                          <a:rPr lang="en-US" sz="2200">
+                          <a:rPr lang="en-US" sz="2400">
                             <a:latin typeface="Cambria Math" panose="02040503050406030204" pitchFamily="18" charset="0"/>
                             <a:cs typeface="Times New Roman" panose="02020603050405020304" pitchFamily="18" charset="0"/>
                           </a:rPr>
@@ -18132,7 +20970,7 @@
                         <m:sSub>
                           <m:sSubPr>
                             <m:ctrlPr>
-                              <a:rPr lang="en-US" sz="2200" i="1">
+                              <a:rPr lang="en-US" sz="2400" i="1">
                                 <a:latin typeface="Cambria Math" panose="02040503050406030204" pitchFamily="18" charset="0"/>
                                 <a:cs typeface="Times New Roman" panose="02020603050405020304" pitchFamily="18" charset="0"/>
                               </a:rPr>
@@ -18140,7 +20978,7 @@
                           </m:sSubPr>
                           <m:e>
                             <m:r>
-                              <a:rPr lang="en-US" sz="2200">
+                              <a:rPr lang="en-US" sz="2400">
                                 <a:latin typeface="Cambria Math" panose="02040503050406030204" pitchFamily="18" charset="0"/>
                                 <a:cs typeface="Times New Roman" panose="02020603050405020304" pitchFamily="18" charset="0"/>
                               </a:rPr>
@@ -18150,14 +20988,14 @@
                               <m:rPr>
                                 <m:sty m:val="p"/>
                               </m:rPr>
-                              <a:rPr lang="en-US" sz="2200">
+                              <a:rPr lang="en-US" sz="2400">
                                 <a:latin typeface="Cambria Math" panose="02040503050406030204" pitchFamily="18" charset="0"/>
                                 <a:cs typeface="Times New Roman" panose="02020603050405020304" pitchFamily="18" charset="0"/>
                               </a:rPr>
                               <m:t>x</m:t>
                             </m:r>
                             <m:r>
-                              <a:rPr lang="en-US" sz="2200">
+                              <a:rPr lang="en-US" sz="2400">
                                 <a:latin typeface="Cambria Math" panose="02040503050406030204" pitchFamily="18" charset="0"/>
                                 <a:cs typeface="Times New Roman" panose="02020603050405020304" pitchFamily="18" charset="0"/>
                               </a:rPr>
@@ -18166,7 +21004,7 @@
                           </m:e>
                           <m:sub>
                             <m:r>
-                              <a:rPr lang="en-US" sz="2200">
+                              <a:rPr lang="en-US" sz="2400">
                                 <a:latin typeface="Cambria Math" panose="02040503050406030204" pitchFamily="18" charset="0"/>
                                 <a:cs typeface="Times New Roman" panose="02020603050405020304" pitchFamily="18" charset="0"/>
                               </a:rPr>
@@ -18177,7 +21015,7 @@
                       </m:e>
                     </m:func>
                     <m:r>
-                      <a:rPr lang="en-US" sz="2200" i="1">
+                      <a:rPr lang="en-US" sz="2400" i="1">
                         <a:latin typeface="Cambria Math" panose="02040503050406030204" pitchFamily="18" charset="0"/>
                         <a:cs typeface="Times New Roman" panose="02020603050405020304" pitchFamily="18" charset="0"/>
                       </a:rPr>
@@ -18186,41 +21024,41 @@
                   </m:oMath>
                 </a14:m>
                 <a:r>
-                  <a:rPr lang="en-US" sz="2200" dirty="0" err="1">
+                  <a:rPr lang="en-US" sz="2400" dirty="0" err="1">
                     <a:latin typeface="Times New Roman" panose="02020603050405020304" pitchFamily="18" charset="0"/>
                     <a:cs typeface="Times New Roman" panose="02020603050405020304" pitchFamily="18" charset="0"/>
                   </a:rPr>
                   <a:t>trong</a:t>
                 </a:r>
                 <a:r>
-                  <a:rPr lang="en-US" sz="2200" dirty="0">
+                  <a:rPr lang="en-US" sz="2400" dirty="0">
                     <a:latin typeface="Times New Roman" panose="02020603050405020304" pitchFamily="18" charset="0"/>
                     <a:cs typeface="Times New Roman" panose="02020603050405020304" pitchFamily="18" charset="0"/>
                   </a:rPr>
                   <a:t> </a:t>
                 </a:r>
                 <a:r>
-                  <a:rPr lang="en-US" sz="2200" dirty="0" err="1">
+                  <a:rPr lang="en-US" sz="2400" dirty="0" err="1">
                     <a:latin typeface="Times New Roman" panose="02020603050405020304" pitchFamily="18" charset="0"/>
                     <a:cs typeface="Times New Roman" panose="02020603050405020304" pitchFamily="18" charset="0"/>
                   </a:rPr>
                   <a:t>đó</a:t>
                 </a:r>
                 <a:r>
-                  <a:rPr lang="en-US" sz="2200" dirty="0">
+                  <a:rPr lang="en-US" sz="2400" dirty="0">
                     <a:latin typeface="Times New Roman" panose="02020603050405020304" pitchFamily="18" charset="0"/>
                     <a:cs typeface="Times New Roman" panose="02020603050405020304" pitchFamily="18" charset="0"/>
                   </a:rPr>
                   <a:t> ||Ax - y|| ≤ </a:t>
                 </a:r>
                 <a:r>
-                  <a:rPr lang="el-GR" sz="2200" dirty="0">
+                  <a:rPr lang="el-GR" sz="2400" dirty="0">
                     <a:latin typeface="Times New Roman" panose="02020603050405020304" pitchFamily="18" charset="0"/>
                     <a:cs typeface="Times New Roman" panose="02020603050405020304" pitchFamily="18" charset="0"/>
                   </a:rPr>
                   <a:t>ϵ</a:t>
                 </a:r>
-                <a:endParaRPr lang="en-US" sz="2200" dirty="0">
+                <a:endParaRPr lang="en-US" sz="2400" dirty="0">
                   <a:latin typeface="Times New Roman" panose="02020603050405020304" pitchFamily="18" charset="0"/>
                   <a:cs typeface="Times New Roman" panose="02020603050405020304" pitchFamily="18" charset="0"/>
                 </a:endParaRPr>
@@ -18415,6 +21253,225 @@
                     <a:cs typeface="Times New Roman" panose="02020603050405020304" pitchFamily="18" charset="0"/>
                   </a:rPr>
                   <a:t> i = 1, …, k.</a:t>
+                </a:r>
+              </a:p>
+              <a:p>
+                <a:pPr marL="594000" lvl="2" indent="0">
+                  <a:buNone/>
+                </a:pPr>
+                <a:r>
+                  <a:rPr lang="fr-FR" sz="2400" i="1" dirty="0">
+                    <a:latin typeface="Times New Roman" panose="02020603050405020304" pitchFamily="18" charset="0"/>
+                    <a:cs typeface="Times New Roman" panose="02020603050405020304" pitchFamily="18" charset="0"/>
+                  </a:rPr>
+                  <a:t>(</a:t>
+                </a:r>
+                <a14:m>
+                  <m:oMath xmlns:m="http://schemas.openxmlformats.org/officeDocument/2006/math">
+                    <m:r>
+                      <a:rPr lang="vi-VN" sz="2400" i="1"/>
+                      <m:t>𝛿</m:t>
+                    </m:r>
+                  </m:oMath>
+                </a14:m>
+                <a:r>
+                  <a:rPr lang="vi-VN" sz="2400" i="1" baseline="-25000" dirty="0">
+                    <a:latin typeface="Times New Roman" panose="02020603050405020304" pitchFamily="18" charset="0"/>
+                    <a:cs typeface="Times New Roman" panose="02020603050405020304" pitchFamily="18" charset="0"/>
+                  </a:rPr>
+                  <a:t>i</a:t>
+                </a:r>
+                <a:r>
+                  <a:rPr lang="vi-VN" sz="2400" i="1" dirty="0">
+                    <a:latin typeface="Times New Roman" panose="02020603050405020304" pitchFamily="18" charset="0"/>
+                    <a:cs typeface="Times New Roman" panose="02020603050405020304" pitchFamily="18" charset="0"/>
+                  </a:rPr>
+                  <a:t>(</a:t>
+                </a:r>
+                <a14:m>
+                  <m:oMath xmlns:m="http://schemas.openxmlformats.org/officeDocument/2006/math">
+                    <m:r>
+                      <a:rPr lang="vi-VN" sz="2400" i="1"/>
+                      <m:t>𝑥</m:t>
+                    </m:r>
+                  </m:oMath>
+                </a14:m>
+                <a:r>
+                  <a:rPr lang="vi-VN" sz="2400" i="1" dirty="0">
+                    <a:latin typeface="Times New Roman" panose="02020603050405020304" pitchFamily="18" charset="0"/>
+                    <a:cs typeface="Times New Roman" panose="02020603050405020304" pitchFamily="18" charset="0"/>
+                  </a:rPr>
+                  <a:t>)</a:t>
+                </a:r>
+                <a14:m>
+                  <m:oMath xmlns:m="http://schemas.openxmlformats.org/officeDocument/2006/math">
+                    <m:r>
+                      <a:rPr lang="vi-VN" sz="2400" i="1"/>
+                      <m:t> ∈</m:t>
+                    </m:r>
+                  </m:oMath>
+                </a14:m>
+                <a:r>
+                  <a:rPr lang="vi-VN" sz="2400" i="1" dirty="0">
+                    <a:latin typeface="Times New Roman" panose="02020603050405020304" pitchFamily="18" charset="0"/>
+                    <a:cs typeface="Times New Roman" panose="02020603050405020304" pitchFamily="18" charset="0"/>
+                  </a:rPr>
+                  <a:t>  R</a:t>
+                </a:r>
+                <a:r>
+                  <a:rPr lang="vi-VN" sz="2400" i="1" baseline="30000" dirty="0">
+                    <a:latin typeface="Times New Roman" panose="02020603050405020304" pitchFamily="18" charset="0"/>
+                    <a:cs typeface="Times New Roman" panose="02020603050405020304" pitchFamily="18" charset="0"/>
+                  </a:rPr>
+                  <a:t>n </a:t>
+                </a:r>
+                <a:r>
+                  <a:rPr lang="vi-VN" sz="2400" i="1" dirty="0">
+                    <a:latin typeface="Times New Roman" panose="02020603050405020304" pitchFamily="18" charset="0"/>
+                    <a:cs typeface="Times New Roman" panose="02020603050405020304" pitchFamily="18" charset="0"/>
+                  </a:rPr>
+                  <a:t>là một vector mà </a:t>
+                </a:r>
+                <a:r>
+                  <a:rPr lang="en-US" sz="2400" i="1" dirty="0" err="1">
+                    <a:latin typeface="Times New Roman" panose="02020603050405020304" pitchFamily="18" charset="0"/>
+                    <a:cs typeface="Times New Roman" panose="02020603050405020304" pitchFamily="18" charset="0"/>
+                  </a:rPr>
+                  <a:t>những</a:t>
+                </a:r>
+                <a:r>
+                  <a:rPr lang="en-US" sz="2400" i="1" dirty="0">
+                    <a:latin typeface="Times New Roman" panose="02020603050405020304" pitchFamily="18" charset="0"/>
+                    <a:cs typeface="Times New Roman" panose="02020603050405020304" pitchFamily="18" charset="0"/>
+                  </a:rPr>
+                  <a:t> </a:t>
+                </a:r>
+                <a:r>
+                  <a:rPr lang="en-US" sz="2400" i="1" dirty="0" err="1">
+                    <a:latin typeface="Times New Roman" panose="02020603050405020304" pitchFamily="18" charset="0"/>
+                    <a:cs typeface="Times New Roman" panose="02020603050405020304" pitchFamily="18" charset="0"/>
+                  </a:rPr>
+                  <a:t>hệ</a:t>
+                </a:r>
+                <a:r>
+                  <a:rPr lang="en-US" sz="2400" i="1" dirty="0">
+                    <a:latin typeface="Times New Roman" panose="02020603050405020304" pitchFamily="18" charset="0"/>
+                    <a:cs typeface="Times New Roman" panose="02020603050405020304" pitchFamily="18" charset="0"/>
+                  </a:rPr>
+                  <a:t> </a:t>
+                </a:r>
+                <a:r>
+                  <a:rPr lang="en-US" sz="2400" i="1" dirty="0" err="1">
+                    <a:latin typeface="Times New Roman" panose="02020603050405020304" pitchFamily="18" charset="0"/>
+                    <a:cs typeface="Times New Roman" panose="02020603050405020304" pitchFamily="18" charset="0"/>
+                  </a:rPr>
+                  <a:t>số</a:t>
+                </a:r>
+                <a:r>
+                  <a:rPr lang="en-US" sz="2400" i="1" dirty="0">
+                    <a:latin typeface="Times New Roman" panose="02020603050405020304" pitchFamily="18" charset="0"/>
+                    <a:cs typeface="Times New Roman" panose="02020603050405020304" pitchFamily="18" charset="0"/>
+                  </a:rPr>
+                  <a:t> </a:t>
+                </a:r>
+                <a:r>
+                  <a:rPr lang="en-US" sz="2400" i="1" dirty="0" err="1">
+                    <a:latin typeface="Times New Roman" panose="02020603050405020304" pitchFamily="18" charset="0"/>
+                    <a:cs typeface="Times New Roman" panose="02020603050405020304" pitchFamily="18" charset="0"/>
+                  </a:rPr>
+                  <a:t>khác</a:t>
+                </a:r>
+                <a:r>
+                  <a:rPr lang="en-US" sz="2400" i="1" dirty="0">
+                    <a:latin typeface="Times New Roman" panose="02020603050405020304" pitchFamily="18" charset="0"/>
+                    <a:cs typeface="Times New Roman" panose="02020603050405020304" pitchFamily="18" charset="0"/>
+                  </a:rPr>
+                  <a:t> 0</a:t>
+                </a:r>
+                <a:r>
+                  <a:rPr lang="vi-VN" sz="2400" i="1" dirty="0">
+                    <a:latin typeface="Times New Roman" panose="02020603050405020304" pitchFamily="18" charset="0"/>
+                    <a:cs typeface="Times New Roman" panose="02020603050405020304" pitchFamily="18" charset="0"/>
+                  </a:rPr>
+                  <a:t> của </a:t>
+                </a:r>
+                <a14:m>
+                  <m:oMath xmlns:m="http://schemas.openxmlformats.org/officeDocument/2006/math">
+                    <m:r>
+                      <a:rPr lang="vi-VN" sz="2400" i="1"/>
+                      <m:t>𝑥</m:t>
+                    </m:r>
+                  </m:oMath>
+                </a14:m>
+                <a:r>
+                  <a:rPr lang="vi-VN" sz="2400" i="1" dirty="0">
+                    <a:latin typeface="Times New Roman" panose="02020603050405020304" pitchFamily="18" charset="0"/>
+                    <a:cs typeface="Times New Roman" panose="02020603050405020304" pitchFamily="18" charset="0"/>
+                  </a:rPr>
+                  <a:t> </a:t>
+                </a:r>
+                <a:r>
+                  <a:rPr lang="en-US" sz="2400" i="1" dirty="0" err="1">
+                    <a:latin typeface="Times New Roman" panose="02020603050405020304" pitchFamily="18" charset="0"/>
+                    <a:cs typeface="Times New Roman" panose="02020603050405020304" pitchFamily="18" charset="0"/>
+                  </a:rPr>
+                  <a:t>tương</a:t>
+                </a:r>
+                <a:r>
+                  <a:rPr lang="en-US" sz="2400" i="1" dirty="0">
+                    <a:latin typeface="Times New Roman" panose="02020603050405020304" pitchFamily="18" charset="0"/>
+                    <a:cs typeface="Times New Roman" panose="02020603050405020304" pitchFamily="18" charset="0"/>
+                  </a:rPr>
+                  <a:t> </a:t>
+                </a:r>
+                <a:r>
+                  <a:rPr lang="en-US" sz="2400" i="1" dirty="0" err="1">
+                    <a:latin typeface="Times New Roman" panose="02020603050405020304" pitchFamily="18" charset="0"/>
+                    <a:cs typeface="Times New Roman" panose="02020603050405020304" pitchFamily="18" charset="0"/>
+                  </a:rPr>
+                  <a:t>ứng</a:t>
+                </a:r>
+                <a:r>
+                  <a:rPr lang="en-US" sz="2400" i="1" dirty="0">
+                    <a:latin typeface="Times New Roman" panose="02020603050405020304" pitchFamily="18" charset="0"/>
+                    <a:cs typeface="Times New Roman" panose="02020603050405020304" pitchFamily="18" charset="0"/>
+                  </a:rPr>
+                  <a:t> </a:t>
+                </a:r>
+                <a:r>
+                  <a:rPr lang="en-US" sz="2400" i="1" dirty="0" err="1">
+                    <a:latin typeface="Times New Roman" panose="02020603050405020304" pitchFamily="18" charset="0"/>
+                    <a:cs typeface="Times New Roman" panose="02020603050405020304" pitchFamily="18" charset="0"/>
+                  </a:rPr>
+                  <a:t>với</a:t>
+                </a:r>
+                <a:r>
+                  <a:rPr lang="en-US" sz="2400" i="1" dirty="0">
+                    <a:latin typeface="Times New Roman" panose="02020603050405020304" pitchFamily="18" charset="0"/>
+                    <a:cs typeface="Times New Roman" panose="02020603050405020304" pitchFamily="18" charset="0"/>
+                  </a:rPr>
+                  <a:t> </a:t>
+                </a:r>
+                <a:r>
+                  <a:rPr lang="en-US" sz="2400" i="1" dirty="0" err="1">
+                    <a:latin typeface="Times New Roman" panose="02020603050405020304" pitchFamily="18" charset="0"/>
+                    <a:cs typeface="Times New Roman" panose="02020603050405020304" pitchFamily="18" charset="0"/>
+                  </a:rPr>
+                  <a:t>lớp</a:t>
+                </a:r>
+                <a:r>
+                  <a:rPr lang="vi-VN" sz="2400" i="1" dirty="0">
+                    <a:latin typeface="Times New Roman" panose="02020603050405020304" pitchFamily="18" charset="0"/>
+                    <a:cs typeface="Times New Roman" panose="02020603050405020304" pitchFamily="18" charset="0"/>
+                  </a:rPr>
+                  <a:t> i</a:t>
+                </a:r>
+                <a:r>
+                  <a:rPr lang="fr-FR" sz="2400" i="1" dirty="0">
+                    <a:latin typeface="Times New Roman" panose="02020603050405020304" pitchFamily="18" charset="0"/>
+                    <a:cs typeface="Times New Roman" panose="02020603050405020304" pitchFamily="18" charset="0"/>
+                  </a:rPr>
+                  <a:t>)</a:t>
                 </a:r>
               </a:p>
               <a:p>
@@ -18594,7 +21651,7 @@
               <a:blipFill>
                 <a:blip r:embed="rId2"/>
                 <a:stretch>
-                  <a:fillRect l="-387" t="-8083"/>
+                  <a:fillRect l="-387" t="-8214"/>
                 </a:stretch>
               </a:blipFill>
             </p:spPr>
@@ -22807,7 +25864,21 @@
                 <a:latin typeface="Times New Roman" panose="02020603050405020304" pitchFamily="18" charset="0"/>
                 <a:ea typeface="Calibri" panose="020F0502020204030204" pitchFamily="34" charset="0"/>
               </a:rPr>
-              <a:t>Chương trình cho kết quả chính xác khi khuôn mặt có biểu cảm khác nhau và góc nghiêng đầu không quá 350.</a:t>
+              <a:t>Chương trình cho kết quả chính xác khi khuôn mặt có biểu cảm khác nhau và góc nghiêng đầu không quá 35</a:t>
+            </a:r>
+            <a:r>
+              <a:rPr lang="en-US" sz="2600" baseline="30000" dirty="0">
+                <a:latin typeface="Times New Roman" panose="02020603050405020304" pitchFamily="18" charset="0"/>
+                <a:ea typeface="Calibri" panose="020F0502020204030204" pitchFamily="34" charset="0"/>
+              </a:rPr>
+              <a:t>0</a:t>
+            </a:r>
+            <a:r>
+              <a:rPr lang="vi-VN" sz="2600" dirty="0">
+                <a:latin typeface="Times New Roman" panose="02020603050405020304" pitchFamily="18" charset="0"/>
+                <a:ea typeface="Calibri" panose="020F0502020204030204" pitchFamily="34" charset="0"/>
+              </a:rPr>
+              <a:t>.</a:t>
             </a:r>
             <a:endParaRPr lang="en-US" sz="2600" dirty="0">
               <a:latin typeface="Times New Roman" panose="02020603050405020304" pitchFamily="18" charset="0"/>
@@ -24820,7 +27891,7 @@
         </p:blipFill>
         <p:spPr bwMode="auto">
           <a:xfrm>
-            <a:off x="4850679" y="4561577"/>
+            <a:off x="4850679" y="4577343"/>
             <a:ext cx="2816181" cy="1919213"/>
           </a:xfrm>
           <a:prstGeom prst="rect">
@@ -26794,6 +29865,20 @@
                 <a:cs typeface="Times New Roman" panose="02020603050405020304" pitchFamily="18" charset="0"/>
               </a:rPr>
               <a:t>thách</a:t>
+            </a:r>
+            <a:r>
+              <a:rPr lang="en-US" sz="2200" dirty="0">
+                <a:latin typeface="Times New Roman" panose="02020603050405020304" pitchFamily="18" charset="0"/>
+                <a:cs typeface="Times New Roman" panose="02020603050405020304" pitchFamily="18" charset="0"/>
+              </a:rPr>
+              <a:t> </a:t>
+            </a:r>
+            <a:r>
+              <a:rPr lang="en-US" sz="2200" dirty="0" err="1">
+                <a:latin typeface="Times New Roman" panose="02020603050405020304" pitchFamily="18" charset="0"/>
+                <a:cs typeface="Times New Roman" panose="02020603050405020304" pitchFamily="18" charset="0"/>
+              </a:rPr>
+              <a:t>thức</a:t>
             </a:r>
             <a:r>
               <a:rPr lang="en-US" sz="2200" dirty="0">
